--- a/presentation/Final_presentation_draft.pptx
+++ b/presentation/Final_presentation_draft.pptx
@@ -12,10 +12,11 @@
     <p:sldId id="267" r:id="rId6"/>
     <p:sldId id="268" r:id="rId7"/>
     <p:sldId id="269" r:id="rId8"/>
-    <p:sldId id="258" r:id="rId9"/>
-    <p:sldId id="263" r:id="rId10"/>
-    <p:sldId id="264" r:id="rId11"/>
-    <p:sldId id="259" r:id="rId12"/>
+    <p:sldId id="270" r:id="rId9"/>
+    <p:sldId id="271" r:id="rId10"/>
+    <p:sldId id="263" r:id="rId11"/>
+    <p:sldId id="264" r:id="rId12"/>
+    <p:sldId id="259" r:id="rId13"/>
   </p:sldIdLst>
   <p:sldSz cx="12192000" cy="6858000"/>
   <p:notesSz cx="6858000" cy="9144000"/>
@@ -6137,7 +6138,7 @@
           <a:p>
             <a:fld id="{377FF098-CDFA-4D8A-A977-0D920ED29423}" type="datetimeFigureOut">
               <a:rPr lang="en-GB" smtClean="0"/>
-              <a:t>03/01/2022</a:t>
+              <a:t>04/01/2022</a:t>
             </a:fld>
             <a:endParaRPr lang="en-GB"/>
           </a:p>
@@ -6337,7 +6338,7 @@
           <a:p>
             <a:fld id="{377FF098-CDFA-4D8A-A977-0D920ED29423}" type="datetimeFigureOut">
               <a:rPr lang="en-GB" smtClean="0"/>
-              <a:t>03/01/2022</a:t>
+              <a:t>04/01/2022</a:t>
             </a:fld>
             <a:endParaRPr lang="en-GB"/>
           </a:p>
@@ -6547,7 +6548,7 @@
           <a:p>
             <a:fld id="{377FF098-CDFA-4D8A-A977-0D920ED29423}" type="datetimeFigureOut">
               <a:rPr lang="en-GB" smtClean="0"/>
-              <a:t>03/01/2022</a:t>
+              <a:t>04/01/2022</a:t>
             </a:fld>
             <a:endParaRPr lang="en-GB"/>
           </a:p>
@@ -6747,7 +6748,7 @@
           <a:p>
             <a:fld id="{377FF098-CDFA-4D8A-A977-0D920ED29423}" type="datetimeFigureOut">
               <a:rPr lang="en-GB" smtClean="0"/>
-              <a:t>03/01/2022</a:t>
+              <a:t>04/01/2022</a:t>
             </a:fld>
             <a:endParaRPr lang="en-GB"/>
           </a:p>
@@ -7023,7 +7024,7 @@
           <a:p>
             <a:fld id="{377FF098-CDFA-4D8A-A977-0D920ED29423}" type="datetimeFigureOut">
               <a:rPr lang="en-GB" smtClean="0"/>
-              <a:t>03/01/2022</a:t>
+              <a:t>04/01/2022</a:t>
             </a:fld>
             <a:endParaRPr lang="en-GB"/>
           </a:p>
@@ -7291,7 +7292,7 @@
           <a:p>
             <a:fld id="{377FF098-CDFA-4D8A-A977-0D920ED29423}" type="datetimeFigureOut">
               <a:rPr lang="en-GB" smtClean="0"/>
-              <a:t>03/01/2022</a:t>
+              <a:t>04/01/2022</a:t>
             </a:fld>
             <a:endParaRPr lang="en-GB"/>
           </a:p>
@@ -7706,7 +7707,7 @@
           <a:p>
             <a:fld id="{377FF098-CDFA-4D8A-A977-0D920ED29423}" type="datetimeFigureOut">
               <a:rPr lang="en-GB" smtClean="0"/>
-              <a:t>03/01/2022</a:t>
+              <a:t>04/01/2022</a:t>
             </a:fld>
             <a:endParaRPr lang="en-GB"/>
           </a:p>
@@ -7848,7 +7849,7 @@
           <a:p>
             <a:fld id="{377FF098-CDFA-4D8A-A977-0D920ED29423}" type="datetimeFigureOut">
               <a:rPr lang="en-GB" smtClean="0"/>
-              <a:t>03/01/2022</a:t>
+              <a:t>04/01/2022</a:t>
             </a:fld>
             <a:endParaRPr lang="en-GB"/>
           </a:p>
@@ -7961,7 +7962,7 @@
           <a:p>
             <a:fld id="{377FF098-CDFA-4D8A-A977-0D920ED29423}" type="datetimeFigureOut">
               <a:rPr lang="en-GB" smtClean="0"/>
-              <a:t>03/01/2022</a:t>
+              <a:t>04/01/2022</a:t>
             </a:fld>
             <a:endParaRPr lang="en-GB"/>
           </a:p>
@@ -8274,7 +8275,7 @@
           <a:p>
             <a:fld id="{377FF098-CDFA-4D8A-A977-0D920ED29423}" type="datetimeFigureOut">
               <a:rPr lang="en-GB" smtClean="0"/>
-              <a:t>03/01/2022</a:t>
+              <a:t>04/01/2022</a:t>
             </a:fld>
             <a:endParaRPr lang="en-GB"/>
           </a:p>
@@ -8563,7 +8564,7 @@
           <a:p>
             <a:fld id="{377FF098-CDFA-4D8A-A977-0D920ED29423}" type="datetimeFigureOut">
               <a:rPr lang="en-GB" smtClean="0"/>
-              <a:t>03/01/2022</a:t>
+              <a:t>04/01/2022</a:t>
             </a:fld>
             <a:endParaRPr lang="en-GB"/>
           </a:p>
@@ -8806,7 +8807,7 @@
           <a:p>
             <a:fld id="{377FF098-CDFA-4D8A-A977-0D920ED29423}" type="datetimeFigureOut">
               <a:rPr lang="en-GB" smtClean="0"/>
-              <a:t>03/01/2022</a:t>
+              <a:t>04/01/2022</a:t>
             </a:fld>
             <a:endParaRPr lang="en-GB"/>
           </a:p>
@@ -9646,6 +9647,135 @@
               <a:rPr lang="cs-CZ" dirty="0">
                 <a:latin typeface="OCR A Extended" panose="02010509020102010303" pitchFamily="50" charset="0"/>
               </a:rPr>
+              <a:t>: basic model</a:t>
+            </a:r>
+            <a:endParaRPr lang="en-GB" dirty="0">
+              <a:latin typeface="OCR A Extended" panose="02010509020102010303" pitchFamily="50" charset="0"/>
+            </a:endParaRPr>
+          </a:p>
+        </p:txBody>
+      </p:sp>
+      <p:sp>
+        <p:nvSpPr>
+          <p:cNvPr id="3" name="Zástupný obsah 2">
+            <a:extLst>
+              <a:ext uri="{FF2B5EF4-FFF2-40B4-BE49-F238E27FC236}">
+                <a16:creationId xmlns:a16="http://schemas.microsoft.com/office/drawing/2014/main" id="{74283E08-0CB0-48FA-AC58-7CA6DA1EBFBE}"/>
+              </a:ext>
+            </a:extLst>
+          </p:cNvPr>
+          <p:cNvSpPr>
+            <a:spLocks noGrp="1"/>
+          </p:cNvSpPr>
+          <p:nvPr>
+            <p:ph idx="1"/>
+          </p:nvPr>
+        </p:nvSpPr>
+        <p:spPr/>
+        <p:txBody>
+          <a:bodyPr/>
+          <a:lstStyle/>
+          <a:p>
+            <a:endParaRPr lang="en-GB" dirty="0"/>
+          </a:p>
+        </p:txBody>
+      </p:sp>
+      <p:pic>
+        <p:nvPicPr>
+          <p:cNvPr id="4" name="Obrázek 3">
+            <a:extLst>
+              <a:ext uri="{FF2B5EF4-FFF2-40B4-BE49-F238E27FC236}">
+                <a16:creationId xmlns:a16="http://schemas.microsoft.com/office/drawing/2014/main" id="{0149CA79-12B2-4922-B6D2-9B5DB60E7189}"/>
+              </a:ext>
+            </a:extLst>
+          </p:cNvPr>
+          <p:cNvPicPr>
+            <a:picLocks noChangeAspect="1"/>
+          </p:cNvPicPr>
+          <p:nvPr/>
+        </p:nvPicPr>
+        <p:blipFill rotWithShape="1">
+          <a:blip r:embed="rId2">
+            <a:extLst>
+              <a:ext uri="{28A0092B-C50C-407E-A947-70E740481C1C}">
+                <a14:useLocalDpi xmlns:a14="http://schemas.microsoft.com/office/drawing/2010/main" val="0"/>
+              </a:ext>
+            </a:extLst>
+          </a:blip>
+          <a:srcRect t="71911" b="1"/>
+          <a:stretch/>
+        </p:blipFill>
+        <p:spPr>
+          <a:xfrm flipH="1" flipV="1">
+            <a:off x="95860" y="5879235"/>
+            <a:ext cx="3389400" cy="978765"/>
+          </a:xfrm>
+          <a:prstGeom prst="rect">
+            <a:avLst/>
+          </a:prstGeom>
+        </p:spPr>
+      </p:pic>
+    </p:spTree>
+    <p:extLst>
+      <p:ext uri="{BB962C8B-B14F-4D97-AF65-F5344CB8AC3E}">
+        <p14:creationId xmlns:p14="http://schemas.microsoft.com/office/powerpoint/2010/main" val="1894603301"/>
+      </p:ext>
+    </p:extLst>
+  </p:cSld>
+  <p:clrMapOvr>
+    <a:masterClrMapping/>
+  </p:clrMapOvr>
+</p:sld>
+</file>
+
+<file path=ppt/slides/slide11.xml><?xml version="1.0" encoding="utf-8"?>
+<p:sld xmlns:a="http://schemas.openxmlformats.org/drawingml/2006/main" xmlns:r="http://schemas.openxmlformats.org/officeDocument/2006/relationships" xmlns:p="http://schemas.openxmlformats.org/presentationml/2006/main">
+  <p:cSld>
+    <p:spTree>
+      <p:nvGrpSpPr>
+        <p:cNvPr id="1" name=""/>
+        <p:cNvGrpSpPr/>
+        <p:nvPr/>
+      </p:nvGrpSpPr>
+      <p:grpSpPr>
+        <a:xfrm>
+          <a:off x="0" y="0"/>
+          <a:ext cx="0" cy="0"/>
+          <a:chOff x="0" y="0"/>
+          <a:chExt cx="0" cy="0"/>
+        </a:xfrm>
+      </p:grpSpPr>
+      <p:sp>
+        <p:nvSpPr>
+          <p:cNvPr id="2" name="Nadpis 1">
+            <a:extLst>
+              <a:ext uri="{FF2B5EF4-FFF2-40B4-BE49-F238E27FC236}">
+                <a16:creationId xmlns:a16="http://schemas.microsoft.com/office/drawing/2014/main" id="{DC236DC7-F376-493B-821A-6D6A7C6FD950}"/>
+              </a:ext>
+            </a:extLst>
+          </p:cNvPr>
+          <p:cNvSpPr>
+            <a:spLocks noGrp="1"/>
+          </p:cNvSpPr>
+          <p:nvPr>
+            <p:ph type="title"/>
+          </p:nvPr>
+        </p:nvSpPr>
+        <p:spPr/>
+        <p:txBody>
+          <a:bodyPr/>
+          <a:lstStyle/>
+          <a:p>
+            <a:r>
+              <a:rPr lang="cs-CZ" dirty="0" err="1">
+                <a:latin typeface="OCR A Extended" panose="02010509020102010303" pitchFamily="50" charset="0"/>
+              </a:rPr>
+              <a:t>Results</a:t>
+            </a:r>
+            <a:r>
+              <a:rPr lang="cs-CZ" dirty="0">
+                <a:latin typeface="OCR A Extended" panose="02010509020102010303" pitchFamily="50" charset="0"/>
+              </a:rPr>
               <a:t>: </a:t>
             </a:r>
             <a:r>
@@ -9739,7 +9869,7 @@
 </p:sld>
 </file>
 
-<file path=ppt/slides/slide11.xml><?xml version="1.0" encoding="utf-8"?>
+<file path=ppt/slides/slide12.xml><?xml version="1.0" encoding="utf-8"?>
 <p:sld xmlns:a="http://schemas.openxmlformats.org/drawingml/2006/main" xmlns:r="http://schemas.openxmlformats.org/officeDocument/2006/relationships" xmlns:p="http://schemas.openxmlformats.org/presentationml/2006/main">
   <p:cSld>
     <p:spTree>
@@ -11849,6 +11979,7 @@
           </a:bodyPr>
           <a:lstStyle/>
           <a:p>
+            <a:pPr algn="ctr"/>
             <a:r>
               <a:rPr lang="cs-CZ" sz="2400" b="1" dirty="0"/>
               <a:t>CTC </a:t>
@@ -11860,10 +11991,6 @@
             <a:r>
               <a:rPr lang="cs-CZ" sz="2400" b="1" dirty="0"/>
               <a:t> </a:t>
-            </a:r>
-            <a:r>
-              <a:rPr lang="cs-CZ" sz="2400" b="1" dirty="0" err="1"/>
-              <a:t>function</a:t>
             </a:r>
             <a:endParaRPr lang="en-GB" sz="2400" b="1" dirty="0"/>
           </a:p>
@@ -13078,7 +13205,7 @@
         </p:nvSpPr>
         <p:spPr>
           <a:xfrm>
-            <a:off x="1441508" y="2132202"/>
+            <a:off x="1451441" y="2142326"/>
             <a:ext cx="9999677" cy="4269792"/>
           </a:xfrm>
           <a:prstGeom prst="rect">
@@ -13248,7 +13375,7 @@
         <p:spPr>
           <a:xfrm>
             <a:off x="1677799" y="2307961"/>
-            <a:ext cx="7222921" cy="523220"/>
+            <a:ext cx="9545272" cy="523220"/>
           </a:xfrm>
           <a:prstGeom prst="rect">
             <a:avLst/>
@@ -13262,12 +13389,28 @@
           <a:lstStyle/>
           <a:p>
             <a:r>
+              <a:rPr lang="cs-CZ" sz="2800" spc="300" dirty="0" err="1"/>
+              <a:t>Convolutional</a:t>
+            </a:r>
+            <a:r>
               <a:rPr lang="cs-CZ" sz="2800" spc="300" dirty="0"/>
-              <a:t>CRNN </a:t>
+              <a:t> </a:t>
             </a:r>
             <a:r>
               <a:rPr lang="cs-CZ" sz="2800" spc="300" dirty="0" err="1"/>
-              <a:t>approach</a:t>
+              <a:t>Recurrent</a:t>
+            </a:r>
+            <a:r>
+              <a:rPr lang="cs-CZ" sz="2800" spc="300" dirty="0"/>
+              <a:t> </a:t>
+            </a:r>
+            <a:r>
+              <a:rPr lang="cs-CZ" sz="2800" spc="300" dirty="0" err="1"/>
+              <a:t>Neural</a:t>
+            </a:r>
+            <a:r>
+              <a:rPr lang="cs-CZ" sz="2800" spc="300" dirty="0"/>
+              <a:t> Network (CRNN)</a:t>
             </a:r>
             <a:endParaRPr lang="en-GB" sz="2800" spc="300" dirty="0"/>
           </a:p>
@@ -13288,7 +13431,7 @@
         <p:spPr>
           <a:xfrm>
             <a:off x="1704362" y="3160522"/>
-            <a:ext cx="9622173" cy="464871"/>
+            <a:ext cx="9622173" cy="880369"/>
           </a:xfrm>
           <a:prstGeom prst="rect">
             <a:avLst/>
@@ -13309,9 +13452,91 @@
               <a:buChar char="§"/>
             </a:pPr>
             <a:r>
-              <a:rPr lang="cs-CZ" spc="300" dirty="0" err="1"/>
-              <a:t>kk</a:t>
-            </a:r>
+              <a:rPr lang="en-GB" b="0" i="0" dirty="0">
+                <a:solidFill>
+                  <a:srgbClr val="292929"/>
+                </a:solidFill>
+                <a:effectLst/>
+                <a:latin typeface="charter"/>
+              </a:rPr>
+              <a:t> combination of two of the most prominent</a:t>
+            </a:r>
+            <a:r>
+              <a:rPr lang="cs-CZ" b="0" i="0" dirty="0">
+                <a:solidFill>
+                  <a:srgbClr val="292929"/>
+                </a:solidFill>
+                <a:effectLst/>
+                <a:latin typeface="charter"/>
+              </a:rPr>
+              <a:t> (</a:t>
+            </a:r>
+            <a:r>
+              <a:rPr lang="cs-CZ" b="0" i="0" dirty="0" err="1">
+                <a:solidFill>
+                  <a:srgbClr val="292929"/>
+                </a:solidFill>
+                <a:effectLst/>
+                <a:latin typeface="charter"/>
+              </a:rPr>
+              <a:t>convolutional</a:t>
+            </a:r>
+            <a:r>
+              <a:rPr lang="cs-CZ" b="0" i="0" dirty="0">
+                <a:solidFill>
+                  <a:srgbClr val="292929"/>
+                </a:solidFill>
+                <a:effectLst/>
+                <a:latin typeface="charter"/>
+              </a:rPr>
+              <a:t> &amp; </a:t>
+            </a:r>
+            <a:r>
+              <a:rPr lang="cs-CZ" b="0" i="0" dirty="0" err="1">
+                <a:solidFill>
+                  <a:srgbClr val="292929"/>
+                </a:solidFill>
+                <a:effectLst/>
+                <a:latin typeface="charter"/>
+              </a:rPr>
+              <a:t>recurrent</a:t>
+            </a:r>
+            <a:r>
+              <a:rPr lang="cs-CZ" b="0" i="0" dirty="0">
+                <a:solidFill>
+                  <a:srgbClr val="292929"/>
+                </a:solidFill>
+                <a:effectLst/>
+                <a:latin typeface="charter"/>
+              </a:rPr>
+              <a:t>)</a:t>
+            </a:r>
+            <a:r>
+              <a:rPr lang="en-GB" b="0" i="0" dirty="0">
+                <a:solidFill>
+                  <a:srgbClr val="292929"/>
+                </a:solidFill>
+                <a:effectLst/>
+                <a:latin typeface="charter"/>
+              </a:rPr>
+              <a:t> neural networks</a:t>
+            </a:r>
+            <a:endParaRPr lang="cs-CZ" b="0" i="0" dirty="0">
+              <a:solidFill>
+                <a:srgbClr val="292929"/>
+              </a:solidFill>
+              <a:effectLst/>
+              <a:latin typeface="charter"/>
+            </a:endParaRPr>
+          </a:p>
+          <a:p>
+            <a:pPr marL="285750" indent="-285750">
+              <a:lnSpc>
+                <a:spcPct val="150000"/>
+              </a:lnSpc>
+              <a:buFont typeface="Wingdings" panose="05000000000000000000" pitchFamily="2" charset="2"/>
+              <a:buChar char="§"/>
+            </a:pPr>
             <a:endParaRPr lang="en-GB" spc="300" dirty="0"/>
           </a:p>
         </p:txBody>
@@ -13443,6 +13668,1059 @@
           </a:prstGeom>
         </p:spPr>
       </p:pic>
+      <p:grpSp>
+        <p:nvGrpSpPr>
+          <p:cNvPr id="14" name="Skupina 13">
+            <a:extLst>
+              <a:ext uri="{FF2B5EF4-FFF2-40B4-BE49-F238E27FC236}">
+                <a16:creationId xmlns:a16="http://schemas.microsoft.com/office/drawing/2014/main" id="{5E7487AF-DC84-4088-B729-E755691B0FF2}"/>
+              </a:ext>
+            </a:extLst>
+          </p:cNvPr>
+          <p:cNvGrpSpPr/>
+          <p:nvPr/>
+        </p:nvGrpSpPr>
+        <p:grpSpPr>
+          <a:xfrm>
+            <a:off x="1602400" y="3756048"/>
+            <a:ext cx="9701987" cy="1577080"/>
+            <a:chOff x="1762820" y="3772090"/>
+            <a:chExt cx="9701987" cy="1577080"/>
+          </a:xfrm>
+        </p:grpSpPr>
+        <p:grpSp>
+          <p:nvGrpSpPr>
+            <p:cNvPr id="9" name="Skupina 8">
+              <a:extLst>
+                <a:ext uri="{FF2B5EF4-FFF2-40B4-BE49-F238E27FC236}">
+                  <a16:creationId xmlns:a16="http://schemas.microsoft.com/office/drawing/2014/main" id="{B4753E84-932D-440F-A0F5-50CF5F92FB83}"/>
+                </a:ext>
+              </a:extLst>
+            </p:cNvPr>
+            <p:cNvGrpSpPr/>
+            <p:nvPr/>
+          </p:nvGrpSpPr>
+          <p:grpSpPr>
+            <a:xfrm>
+              <a:off x="1856558" y="3772090"/>
+              <a:ext cx="9406123" cy="958220"/>
+              <a:chOff x="1856558" y="3659796"/>
+              <a:chExt cx="9406123" cy="958220"/>
+            </a:xfrm>
+          </p:grpSpPr>
+          <p:pic>
+            <p:nvPicPr>
+              <p:cNvPr id="1026" name="Picture 2">
+                <a:extLst>
+                  <a:ext uri="{FF2B5EF4-FFF2-40B4-BE49-F238E27FC236}">
+                    <a16:creationId xmlns:a16="http://schemas.microsoft.com/office/drawing/2014/main" id="{CCC4A698-579F-421B-8D37-E14968F08DE3}"/>
+                  </a:ext>
+                </a:extLst>
+              </p:cNvPr>
+              <p:cNvPicPr>
+                <a:picLocks noChangeAspect="1" noChangeArrowheads="1"/>
+              </p:cNvPicPr>
+              <p:nvPr/>
+            </p:nvPicPr>
+            <p:blipFill rotWithShape="1">
+              <a:blip r:embed="rId4">
+                <a:extLst>
+                  <a:ext uri="{28A0092B-C50C-407E-A947-70E740481C1C}">
+                    <a14:useLocalDpi xmlns:a14="http://schemas.microsoft.com/office/drawing/2010/main" val="0"/>
+                  </a:ext>
+                </a:extLst>
+              </a:blip>
+              <a:srcRect l="28135" t="89193" r="33984"/>
+              <a:stretch/>
+            </p:blipFill>
+            <p:spPr bwMode="auto">
+              <a:xfrm>
+                <a:off x="1856558" y="3811510"/>
+                <a:ext cx="1315370" cy="446824"/>
+              </a:xfrm>
+              <a:prstGeom prst="rect">
+                <a:avLst/>
+              </a:prstGeom>
+              <a:noFill/>
+              <a:extLst>
+                <a:ext uri="{909E8E84-426E-40DD-AFC4-6F175D3DCCD1}">
+                  <a14:hiddenFill xmlns:a14="http://schemas.microsoft.com/office/drawing/2010/main">
+                    <a:solidFill>
+                      <a:srgbClr val="FFFFFF"/>
+                    </a:solidFill>
+                  </a14:hiddenFill>
+                </a:ext>
+              </a:extLst>
+            </p:spPr>
+          </p:pic>
+          <p:pic>
+            <p:nvPicPr>
+              <p:cNvPr id="3" name="Obrázek 2">
+                <a:extLst>
+                  <a:ext uri="{FF2B5EF4-FFF2-40B4-BE49-F238E27FC236}">
+                    <a16:creationId xmlns:a16="http://schemas.microsoft.com/office/drawing/2014/main" id="{4396917D-F773-4A4B-9303-50678EE0AEE3}"/>
+                  </a:ext>
+                </a:extLst>
+              </p:cNvPr>
+              <p:cNvPicPr>
+                <a:picLocks noChangeAspect="1"/>
+              </p:cNvPicPr>
+              <p:nvPr/>
+            </p:nvPicPr>
+            <p:blipFill rotWithShape="1">
+              <a:blip r:embed="rId5"/>
+              <a:srcRect l="29945" t="72895" r="34819" b="14268"/>
+              <a:stretch/>
+            </p:blipFill>
+            <p:spPr>
+              <a:xfrm>
+                <a:off x="3284780" y="3701136"/>
+                <a:ext cx="1454720" cy="631092"/>
+              </a:xfrm>
+              <a:prstGeom prst="rect">
+                <a:avLst/>
+              </a:prstGeom>
+            </p:spPr>
+          </p:pic>
+          <p:pic>
+            <p:nvPicPr>
+              <p:cNvPr id="4" name="Obrázek 3">
+                <a:extLst>
+                  <a:ext uri="{FF2B5EF4-FFF2-40B4-BE49-F238E27FC236}">
+                    <a16:creationId xmlns:a16="http://schemas.microsoft.com/office/drawing/2014/main" id="{6270CD5A-AE8B-4D25-A4AF-4F171666876B}"/>
+                  </a:ext>
+                </a:extLst>
+              </p:cNvPr>
+              <p:cNvPicPr>
+                <a:picLocks noChangeAspect="1"/>
+              </p:cNvPicPr>
+              <p:nvPr/>
+            </p:nvPicPr>
+            <p:blipFill rotWithShape="1">
+              <a:blip r:embed="rId5"/>
+              <a:srcRect l="30780" t="60116" r="31895" b="35556"/>
+              <a:stretch/>
+            </p:blipFill>
+            <p:spPr>
+              <a:xfrm>
+                <a:off x="5084961" y="3869404"/>
+                <a:ext cx="1633683" cy="225547"/>
+              </a:xfrm>
+              <a:prstGeom prst="rect">
+                <a:avLst/>
+              </a:prstGeom>
+            </p:spPr>
+          </p:pic>
+          <p:pic>
+            <p:nvPicPr>
+              <p:cNvPr id="5" name="Obrázek 4">
+                <a:extLst>
+                  <a:ext uri="{FF2B5EF4-FFF2-40B4-BE49-F238E27FC236}">
+                    <a16:creationId xmlns:a16="http://schemas.microsoft.com/office/drawing/2014/main" id="{881CC48F-E5E1-4677-B621-797625B569EB}"/>
+                  </a:ext>
+                </a:extLst>
+              </p:cNvPr>
+              <p:cNvPicPr>
+                <a:picLocks noChangeAspect="1"/>
+              </p:cNvPicPr>
+              <p:nvPr/>
+            </p:nvPicPr>
+            <p:blipFill rotWithShape="1">
+              <a:blip r:embed="rId5"/>
+              <a:srcRect l="25071" t="46877" r="30501" b="43669"/>
+              <a:stretch/>
+            </p:blipFill>
+            <p:spPr>
+              <a:xfrm>
+                <a:off x="6598887" y="3782848"/>
+                <a:ext cx="1532537" cy="388347"/>
+              </a:xfrm>
+              <a:prstGeom prst="rect">
+                <a:avLst/>
+              </a:prstGeom>
+            </p:spPr>
+          </p:pic>
+          <p:pic>
+            <p:nvPicPr>
+              <p:cNvPr id="6" name="Obrázek 5">
+                <a:extLst>
+                  <a:ext uri="{FF2B5EF4-FFF2-40B4-BE49-F238E27FC236}">
+                    <a16:creationId xmlns:a16="http://schemas.microsoft.com/office/drawing/2014/main" id="{6FEF011E-41A3-4DA9-BF98-A64D84461CE7}"/>
+                  </a:ext>
+                </a:extLst>
+              </p:cNvPr>
+              <p:cNvPicPr>
+                <a:picLocks noChangeAspect="1"/>
+              </p:cNvPicPr>
+              <p:nvPr/>
+            </p:nvPicPr>
+            <p:blipFill rotWithShape="1">
+              <a:blip r:embed="rId5"/>
+              <a:srcRect l="29388" t="21871" r="34819" b="56659"/>
+              <a:stretch/>
+            </p:blipFill>
+            <p:spPr>
+              <a:xfrm>
+                <a:off x="8244276" y="3659796"/>
+                <a:ext cx="1341558" cy="958220"/>
+              </a:xfrm>
+              <a:prstGeom prst="rect">
+                <a:avLst/>
+              </a:prstGeom>
+            </p:spPr>
+          </p:pic>
+          <p:pic>
+            <p:nvPicPr>
+              <p:cNvPr id="7" name="Obrázek 6">
+                <a:extLst>
+                  <a:ext uri="{FF2B5EF4-FFF2-40B4-BE49-F238E27FC236}">
+                    <a16:creationId xmlns:a16="http://schemas.microsoft.com/office/drawing/2014/main" id="{B2BC038D-2A10-4BEC-AFFD-6BA80755AC17}"/>
+                  </a:ext>
+                </a:extLst>
+              </p:cNvPr>
+              <p:cNvPicPr>
+                <a:picLocks noChangeAspect="1"/>
+              </p:cNvPicPr>
+              <p:nvPr/>
+            </p:nvPicPr>
+            <p:blipFill rotWithShape="1">
+              <a:blip r:embed="rId5"/>
+              <a:srcRect l="27716" t="11111" r="35933" b="83094"/>
+              <a:stretch/>
+            </p:blipFill>
+            <p:spPr>
+              <a:xfrm>
+                <a:off x="9794940" y="3691704"/>
+                <a:ext cx="1467741" cy="278657"/>
+              </a:xfrm>
+              <a:prstGeom prst="rect">
+                <a:avLst/>
+              </a:prstGeom>
+            </p:spPr>
+          </p:pic>
+        </p:grpSp>
+        <p:pic>
+          <p:nvPicPr>
+            <p:cNvPr id="8" name="Obrázek 7">
+              <a:extLst>
+                <a:ext uri="{FF2B5EF4-FFF2-40B4-BE49-F238E27FC236}">
+                  <a16:creationId xmlns:a16="http://schemas.microsoft.com/office/drawing/2014/main" id="{20DFA257-6267-468D-B216-C36DF5C9BD53}"/>
+                </a:ext>
+              </a:extLst>
+            </p:cNvPr>
+            <p:cNvPicPr>
+              <a:picLocks noChangeAspect="1"/>
+            </p:cNvPicPr>
+            <p:nvPr/>
+          </p:nvPicPr>
+          <p:blipFill rotWithShape="1">
+            <a:blip r:embed="rId5"/>
+            <a:srcRect l="38718" t="2761" r="46379" b="92545"/>
+            <a:stretch/>
+          </p:blipFill>
+          <p:spPr>
+            <a:xfrm>
+              <a:off x="10190215" y="4332024"/>
+              <a:ext cx="677189" cy="253961"/>
+            </a:xfrm>
+            <a:prstGeom prst="rect">
+              <a:avLst/>
+            </a:prstGeom>
+          </p:spPr>
+        </p:pic>
+        <p:sp>
+          <p:nvSpPr>
+            <p:cNvPr id="10" name="TextovéPole 9">
+              <a:extLst>
+                <a:ext uri="{FF2B5EF4-FFF2-40B4-BE49-F238E27FC236}">
+                  <a16:creationId xmlns:a16="http://schemas.microsoft.com/office/drawing/2014/main" id="{FEB414CA-B044-4F5B-9CBA-FB3E2A8B453D}"/>
+                </a:ext>
+              </a:extLst>
+            </p:cNvPr>
+            <p:cNvSpPr txBox="1"/>
+            <p:nvPr/>
+          </p:nvSpPr>
+          <p:spPr>
+            <a:xfrm>
+              <a:off x="1762820" y="4319503"/>
+              <a:ext cx="1454720" cy="307777"/>
+            </a:xfrm>
+            <a:prstGeom prst="rect">
+              <a:avLst/>
+            </a:prstGeom>
+            <a:noFill/>
+          </p:spPr>
+          <p:txBody>
+            <a:bodyPr wrap="square" rtlCol="0">
+              <a:spAutoFit/>
+            </a:bodyPr>
+            <a:lstStyle/>
+            <a:p>
+              <a:pPr algn="ctr"/>
+              <a:r>
+                <a:rPr lang="cs-CZ" sz="1400" dirty="0"/>
+                <a:t>input image</a:t>
+              </a:r>
+              <a:endParaRPr lang="en-GB" sz="1400" dirty="0"/>
+            </a:p>
+          </p:txBody>
+        </p:sp>
+        <p:sp>
+          <p:nvSpPr>
+            <p:cNvPr id="12" name="Pravá složená závorka 11">
+              <a:extLst>
+                <a:ext uri="{FF2B5EF4-FFF2-40B4-BE49-F238E27FC236}">
+                  <a16:creationId xmlns:a16="http://schemas.microsoft.com/office/drawing/2014/main" id="{AE3D86A7-0F6E-4C52-94E0-3173C183A140}"/>
+                </a:ext>
+              </a:extLst>
+            </p:cNvPr>
+            <p:cNvSpPr/>
+            <p:nvPr/>
+          </p:nvSpPr>
+          <p:spPr>
+            <a:xfrm rot="5400000">
+              <a:off x="4696724" y="3295784"/>
+              <a:ext cx="314188" cy="3093964"/>
+            </a:xfrm>
+            <a:prstGeom prst="rightBrace">
+              <a:avLst>
+                <a:gd name="adj1" fmla="val 18545"/>
+                <a:gd name="adj2" fmla="val 49741"/>
+              </a:avLst>
+            </a:prstGeom>
+            <a:ln w="19050">
+              <a:solidFill>
+                <a:srgbClr val="FFC000"/>
+              </a:solidFill>
+            </a:ln>
+          </p:spPr>
+          <p:style>
+            <a:lnRef idx="1">
+              <a:schemeClr val="accent1"/>
+            </a:lnRef>
+            <a:fillRef idx="0">
+              <a:schemeClr val="accent1"/>
+            </a:fillRef>
+            <a:effectRef idx="0">
+              <a:schemeClr val="accent1"/>
+            </a:effectRef>
+            <a:fontRef idx="minor">
+              <a:schemeClr val="tx1"/>
+            </a:fontRef>
+          </p:style>
+          <p:txBody>
+            <a:bodyPr rtlCol="0" anchor="ctr"/>
+            <a:lstStyle/>
+            <a:p>
+              <a:pPr algn="ctr"/>
+              <a:endParaRPr lang="en-GB"/>
+            </a:p>
+          </p:txBody>
+        </p:sp>
+        <p:sp>
+          <p:nvSpPr>
+            <p:cNvPr id="33" name="Pravá složená závorka 32">
+              <a:extLst>
+                <a:ext uri="{FF2B5EF4-FFF2-40B4-BE49-F238E27FC236}">
+                  <a16:creationId xmlns:a16="http://schemas.microsoft.com/office/drawing/2014/main" id="{EB97C20B-C71D-4691-B0C5-C61661F8C7D7}"/>
+                </a:ext>
+              </a:extLst>
+            </p:cNvPr>
+            <p:cNvSpPr/>
+            <p:nvPr/>
+          </p:nvSpPr>
+          <p:spPr>
+            <a:xfrm rot="5400000">
+              <a:off x="7905336" y="3285679"/>
+              <a:ext cx="314188" cy="3093964"/>
+            </a:xfrm>
+            <a:prstGeom prst="rightBrace">
+              <a:avLst>
+                <a:gd name="adj1" fmla="val 18545"/>
+                <a:gd name="adj2" fmla="val 49741"/>
+              </a:avLst>
+            </a:prstGeom>
+            <a:ln w="19050">
+              <a:solidFill>
+                <a:srgbClr val="FFC000"/>
+              </a:solidFill>
+            </a:ln>
+          </p:spPr>
+          <p:style>
+            <a:lnRef idx="1">
+              <a:schemeClr val="accent1"/>
+            </a:lnRef>
+            <a:fillRef idx="0">
+              <a:schemeClr val="accent1"/>
+            </a:fillRef>
+            <a:effectRef idx="0">
+              <a:schemeClr val="accent1"/>
+            </a:effectRef>
+            <a:fontRef idx="minor">
+              <a:schemeClr val="tx1"/>
+            </a:fontRef>
+          </p:style>
+          <p:txBody>
+            <a:bodyPr rtlCol="0" anchor="ctr"/>
+            <a:lstStyle/>
+            <a:p>
+              <a:pPr algn="ctr"/>
+              <a:endParaRPr lang="en-GB"/>
+            </a:p>
+          </p:txBody>
+        </p:sp>
+        <p:sp>
+          <p:nvSpPr>
+            <p:cNvPr id="34" name="Pravá složená závorka 33">
+              <a:extLst>
+                <a:ext uri="{FF2B5EF4-FFF2-40B4-BE49-F238E27FC236}">
+                  <a16:creationId xmlns:a16="http://schemas.microsoft.com/office/drawing/2014/main" id="{6FA837D6-8A20-4F13-945E-8F40CAB212F8}"/>
+                </a:ext>
+              </a:extLst>
+            </p:cNvPr>
+            <p:cNvSpPr/>
+            <p:nvPr/>
+          </p:nvSpPr>
+          <p:spPr>
+            <a:xfrm rot="5400000">
+              <a:off x="10286165" y="4093798"/>
+              <a:ext cx="314188" cy="1446339"/>
+            </a:xfrm>
+            <a:prstGeom prst="rightBrace">
+              <a:avLst>
+                <a:gd name="adj1" fmla="val 18545"/>
+                <a:gd name="adj2" fmla="val 49741"/>
+              </a:avLst>
+            </a:prstGeom>
+            <a:ln w="19050">
+              <a:solidFill>
+                <a:srgbClr val="FFC000"/>
+              </a:solidFill>
+            </a:ln>
+          </p:spPr>
+          <p:style>
+            <a:lnRef idx="1">
+              <a:schemeClr val="accent1"/>
+            </a:lnRef>
+            <a:fillRef idx="0">
+              <a:schemeClr val="accent1"/>
+            </a:fillRef>
+            <a:effectRef idx="0">
+              <a:schemeClr val="accent1"/>
+            </a:effectRef>
+            <a:fontRef idx="minor">
+              <a:schemeClr val="tx1"/>
+            </a:fontRef>
+          </p:style>
+          <p:txBody>
+            <a:bodyPr rtlCol="0" anchor="ctr"/>
+            <a:lstStyle/>
+            <a:p>
+              <a:pPr algn="ctr"/>
+              <a:endParaRPr lang="en-GB"/>
+            </a:p>
+          </p:txBody>
+        </p:sp>
+        <p:sp>
+          <p:nvSpPr>
+            <p:cNvPr id="35" name="TextovéPole 34">
+              <a:extLst>
+                <a:ext uri="{FF2B5EF4-FFF2-40B4-BE49-F238E27FC236}">
+                  <a16:creationId xmlns:a16="http://schemas.microsoft.com/office/drawing/2014/main" id="{2E0C160C-0456-4830-A224-F1A6991E13B4}"/>
+                </a:ext>
+              </a:extLst>
+            </p:cNvPr>
+            <p:cNvSpPr txBox="1"/>
+            <p:nvPr/>
+          </p:nvSpPr>
+          <p:spPr>
+            <a:xfrm>
+              <a:off x="3816910" y="5041393"/>
+              <a:ext cx="2073816" cy="307777"/>
+            </a:xfrm>
+            <a:prstGeom prst="rect">
+              <a:avLst/>
+            </a:prstGeom>
+            <a:noFill/>
+          </p:spPr>
+          <p:txBody>
+            <a:bodyPr wrap="square" rtlCol="0">
+              <a:spAutoFit/>
+            </a:bodyPr>
+            <a:lstStyle/>
+            <a:p>
+              <a:pPr algn="ctr"/>
+              <a:r>
+                <a:rPr lang="cs-CZ" sz="1400" dirty="0" err="1"/>
+                <a:t>Convolutional</a:t>
+              </a:r>
+              <a:r>
+                <a:rPr lang="cs-CZ" sz="1400" dirty="0"/>
+                <a:t> </a:t>
+              </a:r>
+              <a:r>
+                <a:rPr lang="cs-CZ" sz="1400" dirty="0" err="1"/>
+                <a:t>Layers</a:t>
+              </a:r>
+              <a:endParaRPr lang="en-GB" sz="1400" dirty="0"/>
+            </a:p>
+          </p:txBody>
+        </p:sp>
+        <p:sp>
+          <p:nvSpPr>
+            <p:cNvPr id="36" name="TextovéPole 35">
+              <a:extLst>
+                <a:ext uri="{FF2B5EF4-FFF2-40B4-BE49-F238E27FC236}">
+                  <a16:creationId xmlns:a16="http://schemas.microsoft.com/office/drawing/2014/main" id="{02B16ABC-EAFA-4FB8-A4E8-D96E8FFC62FD}"/>
+                </a:ext>
+              </a:extLst>
+            </p:cNvPr>
+            <p:cNvSpPr txBox="1"/>
+            <p:nvPr/>
+          </p:nvSpPr>
+          <p:spPr>
+            <a:xfrm>
+              <a:off x="7025522" y="5041393"/>
+              <a:ext cx="2073816" cy="307777"/>
+            </a:xfrm>
+            <a:prstGeom prst="rect">
+              <a:avLst/>
+            </a:prstGeom>
+            <a:noFill/>
+          </p:spPr>
+          <p:txBody>
+            <a:bodyPr wrap="square" rtlCol="0">
+              <a:spAutoFit/>
+            </a:bodyPr>
+            <a:lstStyle/>
+            <a:p>
+              <a:pPr algn="ctr"/>
+              <a:r>
+                <a:rPr lang="cs-CZ" sz="1400" dirty="0" err="1"/>
+                <a:t>Recurrent</a:t>
+              </a:r>
+              <a:r>
+                <a:rPr lang="cs-CZ" sz="1400" dirty="0"/>
+                <a:t> </a:t>
+              </a:r>
+              <a:r>
+                <a:rPr lang="cs-CZ" sz="1400" dirty="0" err="1"/>
+                <a:t>Layers</a:t>
+              </a:r>
+              <a:endParaRPr lang="en-GB" sz="1400" dirty="0"/>
+            </a:p>
+          </p:txBody>
+        </p:sp>
+        <p:sp>
+          <p:nvSpPr>
+            <p:cNvPr id="37" name="TextovéPole 36">
+              <a:extLst>
+                <a:ext uri="{FF2B5EF4-FFF2-40B4-BE49-F238E27FC236}">
+                  <a16:creationId xmlns:a16="http://schemas.microsoft.com/office/drawing/2014/main" id="{C6A80954-3F91-4479-BEC4-776D5263B950}"/>
+                </a:ext>
+              </a:extLst>
+            </p:cNvPr>
+            <p:cNvSpPr txBox="1"/>
+            <p:nvPr/>
+          </p:nvSpPr>
+          <p:spPr>
+            <a:xfrm>
+              <a:off x="9390991" y="5041393"/>
+              <a:ext cx="2073816" cy="307777"/>
+            </a:xfrm>
+            <a:prstGeom prst="rect">
+              <a:avLst/>
+            </a:prstGeom>
+            <a:noFill/>
+          </p:spPr>
+          <p:txBody>
+            <a:bodyPr wrap="square" rtlCol="0">
+              <a:spAutoFit/>
+            </a:bodyPr>
+            <a:lstStyle/>
+            <a:p>
+              <a:pPr algn="ctr"/>
+              <a:r>
+                <a:rPr lang="cs-CZ" sz="1400" dirty="0" err="1"/>
+                <a:t>Transcription</a:t>
+              </a:r>
+              <a:r>
+                <a:rPr lang="cs-CZ" sz="1400" dirty="0"/>
+                <a:t> </a:t>
+              </a:r>
+              <a:r>
+                <a:rPr lang="cs-CZ" sz="1400" dirty="0" err="1"/>
+                <a:t>Layers</a:t>
+              </a:r>
+              <a:endParaRPr lang="en-GB" sz="1400" dirty="0"/>
+            </a:p>
+          </p:txBody>
+        </p:sp>
+        <p:sp>
+          <p:nvSpPr>
+            <p:cNvPr id="13" name="Šipka: dvojitá 12">
+              <a:extLst>
+                <a:ext uri="{FF2B5EF4-FFF2-40B4-BE49-F238E27FC236}">
+                  <a16:creationId xmlns:a16="http://schemas.microsoft.com/office/drawing/2014/main" id="{74677B06-E9BF-48E8-A806-5E17156F9348}"/>
+                </a:ext>
+              </a:extLst>
+            </p:cNvPr>
+            <p:cNvSpPr/>
+            <p:nvPr/>
+          </p:nvSpPr>
+          <p:spPr>
+            <a:xfrm>
+              <a:off x="3193476" y="3958990"/>
+              <a:ext cx="144379" cy="157165"/>
+            </a:xfrm>
+            <a:prstGeom prst="chevron">
+              <a:avLst/>
+            </a:prstGeom>
+            <a:solidFill>
+              <a:srgbClr val="FFC000"/>
+            </a:solidFill>
+            <a:ln>
+              <a:solidFill>
+                <a:srgbClr val="FFC000"/>
+              </a:solidFill>
+            </a:ln>
+          </p:spPr>
+          <p:style>
+            <a:lnRef idx="2">
+              <a:schemeClr val="accent1">
+                <a:shade val="50000"/>
+              </a:schemeClr>
+            </a:lnRef>
+            <a:fillRef idx="1">
+              <a:schemeClr val="accent1"/>
+            </a:fillRef>
+            <a:effectRef idx="0">
+              <a:schemeClr val="accent1"/>
+            </a:effectRef>
+            <a:fontRef idx="minor">
+              <a:schemeClr val="lt1"/>
+            </a:fontRef>
+          </p:style>
+          <p:txBody>
+            <a:bodyPr rtlCol="0" anchor="ctr"/>
+            <a:lstStyle/>
+            <a:p>
+              <a:pPr algn="ctr"/>
+              <a:endParaRPr lang="en-GB">
+                <a:solidFill>
+                  <a:schemeClr val="tx1"/>
+                </a:solidFill>
+              </a:endParaRPr>
+            </a:p>
+          </p:txBody>
+        </p:sp>
+        <p:sp>
+          <p:nvSpPr>
+            <p:cNvPr id="38" name="Šipka: dvojitá 37">
+              <a:extLst>
+                <a:ext uri="{FF2B5EF4-FFF2-40B4-BE49-F238E27FC236}">
+                  <a16:creationId xmlns:a16="http://schemas.microsoft.com/office/drawing/2014/main" id="{9880DB77-C3B4-4A28-8E03-4B2EDB37B38E}"/>
+                </a:ext>
+              </a:extLst>
+            </p:cNvPr>
+            <p:cNvSpPr/>
+            <p:nvPr/>
+          </p:nvSpPr>
+          <p:spPr>
+            <a:xfrm>
+              <a:off x="4694661" y="3958990"/>
+              <a:ext cx="144379" cy="157165"/>
+            </a:xfrm>
+            <a:prstGeom prst="chevron">
+              <a:avLst/>
+            </a:prstGeom>
+            <a:solidFill>
+              <a:srgbClr val="FFC000"/>
+            </a:solidFill>
+            <a:ln>
+              <a:solidFill>
+                <a:srgbClr val="FFC000"/>
+              </a:solidFill>
+            </a:ln>
+          </p:spPr>
+          <p:style>
+            <a:lnRef idx="2">
+              <a:schemeClr val="accent1">
+                <a:shade val="50000"/>
+              </a:schemeClr>
+            </a:lnRef>
+            <a:fillRef idx="1">
+              <a:schemeClr val="accent1"/>
+            </a:fillRef>
+            <a:effectRef idx="0">
+              <a:schemeClr val="accent1"/>
+            </a:effectRef>
+            <a:fontRef idx="minor">
+              <a:schemeClr val="lt1"/>
+            </a:fontRef>
+          </p:style>
+          <p:txBody>
+            <a:bodyPr rtlCol="0" anchor="ctr"/>
+            <a:lstStyle/>
+            <a:p>
+              <a:pPr algn="ctr"/>
+              <a:endParaRPr lang="en-GB">
+                <a:solidFill>
+                  <a:schemeClr val="tx1"/>
+                </a:solidFill>
+              </a:endParaRPr>
+            </a:p>
+          </p:txBody>
+        </p:sp>
+        <p:sp>
+          <p:nvSpPr>
+            <p:cNvPr id="39" name="Šipka: dvojitá 38">
+              <a:extLst>
+                <a:ext uri="{FF2B5EF4-FFF2-40B4-BE49-F238E27FC236}">
+                  <a16:creationId xmlns:a16="http://schemas.microsoft.com/office/drawing/2014/main" id="{7927A5A2-25E8-4551-8BFA-BADC3065BE5F}"/>
+                </a:ext>
+              </a:extLst>
+            </p:cNvPr>
+            <p:cNvSpPr/>
+            <p:nvPr/>
+          </p:nvSpPr>
+          <p:spPr>
+            <a:xfrm>
+              <a:off x="4829940" y="3958990"/>
+              <a:ext cx="144379" cy="157165"/>
+            </a:xfrm>
+            <a:prstGeom prst="chevron">
+              <a:avLst/>
+            </a:prstGeom>
+            <a:solidFill>
+              <a:srgbClr val="FFC000"/>
+            </a:solidFill>
+            <a:ln>
+              <a:solidFill>
+                <a:srgbClr val="FFC000"/>
+              </a:solidFill>
+            </a:ln>
+          </p:spPr>
+          <p:style>
+            <a:lnRef idx="2">
+              <a:schemeClr val="accent1">
+                <a:shade val="50000"/>
+              </a:schemeClr>
+            </a:lnRef>
+            <a:fillRef idx="1">
+              <a:schemeClr val="accent1"/>
+            </a:fillRef>
+            <a:effectRef idx="0">
+              <a:schemeClr val="accent1"/>
+            </a:effectRef>
+            <a:fontRef idx="minor">
+              <a:schemeClr val="lt1"/>
+            </a:fontRef>
+          </p:style>
+          <p:txBody>
+            <a:bodyPr rtlCol="0" anchor="ctr"/>
+            <a:lstStyle/>
+            <a:p>
+              <a:pPr algn="ctr"/>
+              <a:endParaRPr lang="en-GB">
+                <a:solidFill>
+                  <a:schemeClr val="tx1"/>
+                </a:solidFill>
+              </a:endParaRPr>
+            </a:p>
+          </p:txBody>
+        </p:sp>
+        <p:sp>
+          <p:nvSpPr>
+            <p:cNvPr id="40" name="Šipka: dvojitá 39">
+              <a:extLst>
+                <a:ext uri="{FF2B5EF4-FFF2-40B4-BE49-F238E27FC236}">
+                  <a16:creationId xmlns:a16="http://schemas.microsoft.com/office/drawing/2014/main" id="{743810BE-3A98-4049-A021-AF64C6C00980}"/>
+                </a:ext>
+              </a:extLst>
+            </p:cNvPr>
+            <p:cNvSpPr/>
+            <p:nvPr/>
+          </p:nvSpPr>
+          <p:spPr>
+            <a:xfrm>
+              <a:off x="4966569" y="3958990"/>
+              <a:ext cx="144379" cy="157165"/>
+            </a:xfrm>
+            <a:prstGeom prst="chevron">
+              <a:avLst/>
+            </a:prstGeom>
+            <a:solidFill>
+              <a:srgbClr val="FFC000"/>
+            </a:solidFill>
+            <a:ln>
+              <a:solidFill>
+                <a:srgbClr val="FFC000"/>
+              </a:solidFill>
+            </a:ln>
+          </p:spPr>
+          <p:style>
+            <a:lnRef idx="2">
+              <a:schemeClr val="accent1">
+                <a:shade val="50000"/>
+              </a:schemeClr>
+            </a:lnRef>
+            <a:fillRef idx="1">
+              <a:schemeClr val="accent1"/>
+            </a:fillRef>
+            <a:effectRef idx="0">
+              <a:schemeClr val="accent1"/>
+            </a:effectRef>
+            <a:fontRef idx="minor">
+              <a:schemeClr val="lt1"/>
+            </a:fontRef>
+          </p:style>
+          <p:txBody>
+            <a:bodyPr rtlCol="0" anchor="ctr"/>
+            <a:lstStyle/>
+            <a:p>
+              <a:pPr algn="ctr"/>
+              <a:endParaRPr lang="en-GB">
+                <a:solidFill>
+                  <a:schemeClr val="tx1"/>
+                </a:solidFill>
+              </a:endParaRPr>
+            </a:p>
+          </p:txBody>
+        </p:sp>
+        <p:sp>
+          <p:nvSpPr>
+            <p:cNvPr id="41" name="Šipka: dvojitá 40">
+              <a:extLst>
+                <a:ext uri="{FF2B5EF4-FFF2-40B4-BE49-F238E27FC236}">
+                  <a16:creationId xmlns:a16="http://schemas.microsoft.com/office/drawing/2014/main" id="{B5FC8073-0CE5-4EA3-A916-633AB81DD0B0}"/>
+                </a:ext>
+              </a:extLst>
+            </p:cNvPr>
+            <p:cNvSpPr/>
+            <p:nvPr/>
+          </p:nvSpPr>
+          <p:spPr>
+            <a:xfrm>
+              <a:off x="6448847" y="3958990"/>
+              <a:ext cx="144379" cy="157165"/>
+            </a:xfrm>
+            <a:prstGeom prst="chevron">
+              <a:avLst/>
+            </a:prstGeom>
+            <a:solidFill>
+              <a:srgbClr val="FFC000"/>
+            </a:solidFill>
+            <a:ln>
+              <a:solidFill>
+                <a:srgbClr val="FFC000"/>
+              </a:solidFill>
+            </a:ln>
+          </p:spPr>
+          <p:style>
+            <a:lnRef idx="2">
+              <a:schemeClr val="accent1">
+                <a:shade val="50000"/>
+              </a:schemeClr>
+            </a:lnRef>
+            <a:fillRef idx="1">
+              <a:schemeClr val="accent1"/>
+            </a:fillRef>
+            <a:effectRef idx="0">
+              <a:schemeClr val="accent1"/>
+            </a:effectRef>
+            <a:fontRef idx="minor">
+              <a:schemeClr val="lt1"/>
+            </a:fontRef>
+          </p:style>
+          <p:txBody>
+            <a:bodyPr rtlCol="0" anchor="ctr"/>
+            <a:lstStyle/>
+            <a:p>
+              <a:pPr algn="ctr"/>
+              <a:endParaRPr lang="en-GB">
+                <a:solidFill>
+                  <a:schemeClr val="tx1"/>
+                </a:solidFill>
+              </a:endParaRPr>
+            </a:p>
+          </p:txBody>
+        </p:sp>
+        <p:sp>
+          <p:nvSpPr>
+            <p:cNvPr id="42" name="Šipka: dvojitá 41">
+              <a:extLst>
+                <a:ext uri="{FF2B5EF4-FFF2-40B4-BE49-F238E27FC236}">
+                  <a16:creationId xmlns:a16="http://schemas.microsoft.com/office/drawing/2014/main" id="{6DCB105A-18D5-4FA0-8142-FCE68C27031A}"/>
+                </a:ext>
+              </a:extLst>
+            </p:cNvPr>
+            <p:cNvSpPr/>
+            <p:nvPr/>
+          </p:nvSpPr>
+          <p:spPr>
+            <a:xfrm>
+              <a:off x="8129562" y="3958990"/>
+              <a:ext cx="144379" cy="157165"/>
+            </a:xfrm>
+            <a:prstGeom prst="chevron">
+              <a:avLst/>
+            </a:prstGeom>
+            <a:solidFill>
+              <a:srgbClr val="FFC000"/>
+            </a:solidFill>
+            <a:ln>
+              <a:solidFill>
+                <a:srgbClr val="FFC000"/>
+              </a:solidFill>
+            </a:ln>
+          </p:spPr>
+          <p:style>
+            <a:lnRef idx="2">
+              <a:schemeClr val="accent1">
+                <a:shade val="50000"/>
+              </a:schemeClr>
+            </a:lnRef>
+            <a:fillRef idx="1">
+              <a:schemeClr val="accent1"/>
+            </a:fillRef>
+            <a:effectRef idx="0">
+              <a:schemeClr val="accent1"/>
+            </a:effectRef>
+            <a:fontRef idx="minor">
+              <a:schemeClr val="lt1"/>
+            </a:fontRef>
+          </p:style>
+          <p:txBody>
+            <a:bodyPr rtlCol="0" anchor="ctr"/>
+            <a:lstStyle/>
+            <a:p>
+              <a:pPr algn="ctr"/>
+              <a:endParaRPr lang="en-GB">
+                <a:solidFill>
+                  <a:schemeClr val="tx1"/>
+                </a:solidFill>
+              </a:endParaRPr>
+            </a:p>
+          </p:txBody>
+        </p:sp>
+        <p:sp>
+          <p:nvSpPr>
+            <p:cNvPr id="43" name="Šipka: dvojitá 42">
+              <a:extLst>
+                <a:ext uri="{FF2B5EF4-FFF2-40B4-BE49-F238E27FC236}">
+                  <a16:creationId xmlns:a16="http://schemas.microsoft.com/office/drawing/2014/main" id="{6CE7E9E7-8D1A-43CE-853B-89B23B969FB8}"/>
+                </a:ext>
+              </a:extLst>
+            </p:cNvPr>
+            <p:cNvSpPr/>
+            <p:nvPr/>
+          </p:nvSpPr>
+          <p:spPr>
+            <a:xfrm>
+              <a:off x="9575936" y="3958990"/>
+              <a:ext cx="144379" cy="157165"/>
+            </a:xfrm>
+            <a:prstGeom prst="chevron">
+              <a:avLst/>
+            </a:prstGeom>
+            <a:solidFill>
+              <a:srgbClr val="FFC000"/>
+            </a:solidFill>
+            <a:ln>
+              <a:solidFill>
+                <a:srgbClr val="FFC000"/>
+              </a:solidFill>
+            </a:ln>
+          </p:spPr>
+          <p:style>
+            <a:lnRef idx="2">
+              <a:schemeClr val="accent1">
+                <a:shade val="50000"/>
+              </a:schemeClr>
+            </a:lnRef>
+            <a:fillRef idx="1">
+              <a:schemeClr val="accent1"/>
+            </a:fillRef>
+            <a:effectRef idx="0">
+              <a:schemeClr val="accent1"/>
+            </a:effectRef>
+            <a:fontRef idx="minor">
+              <a:schemeClr val="lt1"/>
+            </a:fontRef>
+          </p:style>
+          <p:txBody>
+            <a:bodyPr rtlCol="0" anchor="ctr"/>
+            <a:lstStyle/>
+            <a:p>
+              <a:pPr algn="ctr"/>
+              <a:endParaRPr lang="en-GB">
+                <a:solidFill>
+                  <a:schemeClr val="tx1"/>
+                </a:solidFill>
+              </a:endParaRPr>
+            </a:p>
+          </p:txBody>
+        </p:sp>
+        <p:sp>
+          <p:nvSpPr>
+            <p:cNvPr id="44" name="Šipka: dvojitá 43">
+              <a:extLst>
+                <a:ext uri="{FF2B5EF4-FFF2-40B4-BE49-F238E27FC236}">
+                  <a16:creationId xmlns:a16="http://schemas.microsoft.com/office/drawing/2014/main" id="{43CBABC0-9B07-4C6E-A161-AE73DEC8474A}"/>
+                </a:ext>
+              </a:extLst>
+            </p:cNvPr>
+            <p:cNvSpPr/>
+            <p:nvPr/>
+          </p:nvSpPr>
+          <p:spPr>
+            <a:xfrm rot="5400000">
+              <a:off x="10442205" y="4135453"/>
+              <a:ext cx="144379" cy="157165"/>
+            </a:xfrm>
+            <a:prstGeom prst="chevron">
+              <a:avLst/>
+            </a:prstGeom>
+            <a:solidFill>
+              <a:srgbClr val="FFC000"/>
+            </a:solidFill>
+            <a:ln>
+              <a:solidFill>
+                <a:srgbClr val="FFC000"/>
+              </a:solidFill>
+            </a:ln>
+          </p:spPr>
+          <p:style>
+            <a:lnRef idx="2">
+              <a:schemeClr val="accent1">
+                <a:shade val="50000"/>
+              </a:schemeClr>
+            </a:lnRef>
+            <a:fillRef idx="1">
+              <a:schemeClr val="accent1"/>
+            </a:fillRef>
+            <a:effectRef idx="0">
+              <a:schemeClr val="accent1"/>
+            </a:effectRef>
+            <a:fontRef idx="minor">
+              <a:schemeClr val="lt1"/>
+            </a:fontRef>
+          </p:style>
+          <p:txBody>
+            <a:bodyPr rtlCol="0" anchor="ctr"/>
+            <a:lstStyle/>
+            <a:p>
+              <a:pPr algn="ctr"/>
+              <a:endParaRPr lang="en-GB">
+                <a:solidFill>
+                  <a:schemeClr val="tx1"/>
+                </a:solidFill>
+              </a:endParaRPr>
+            </a:p>
+          </p:txBody>
+        </p:sp>
+      </p:grpSp>
     </p:spTree>
     <p:extLst>
       <p:ext uri="{BB962C8B-B14F-4D97-AF65-F5344CB8AC3E}">
@@ -13544,10 +14822,10 @@
       </p:grpSpPr>
       <p:sp>
         <p:nvSpPr>
-          <p:cNvPr id="7" name="Obdélník 6">
+          <p:cNvPr id="22" name="Obdélník 21">
             <a:extLst>
               <a:ext uri="{FF2B5EF4-FFF2-40B4-BE49-F238E27FC236}">
-                <a16:creationId xmlns:a16="http://schemas.microsoft.com/office/drawing/2014/main" id="{E4410D1E-1F62-4A7A-B37E-5A6FB730C00E}"/>
+                <a16:creationId xmlns:a16="http://schemas.microsoft.com/office/drawing/2014/main" id="{8FD83E71-4FA2-454A-951C-446E7007AC18}"/>
               </a:ext>
             </a:extLst>
           </p:cNvPr>
@@ -13556,27 +14834,20 @@
         </p:nvSpPr>
         <p:spPr>
           <a:xfrm>
-            <a:off x="503339" y="805343"/>
-            <a:ext cx="3489821" cy="4353886"/>
+            <a:off x="1215005" y="2307961"/>
+            <a:ext cx="9999677" cy="4269792"/>
           </a:xfrm>
           <a:prstGeom prst="rect">
             <a:avLst/>
           </a:prstGeom>
           <a:solidFill>
-            <a:srgbClr val="FFC000">
-              <a:alpha val="27843"/>
-            </a:srgbClr>
+            <a:schemeClr val="bg1"/>
           </a:solidFill>
-          <a:ln>
-            <a:noFill/>
+          <a:ln w="28575">
+            <a:solidFill>
+              <a:srgbClr val="EBD9A4"/>
+            </a:solidFill>
           </a:ln>
-          <a:effectLst>
-            <a:outerShdw blurRad="50800" dist="38100" dir="2700000" algn="tl" rotWithShape="0">
-              <a:prstClr val="black">
-                <a:alpha val="40000"/>
-              </a:prstClr>
-            </a:outerShdw>
-          </a:effectLst>
         </p:spPr>
         <p:style>
           <a:lnRef idx="2">
@@ -13603,51 +14874,12 @@
           </a:p>
         </p:txBody>
       </p:sp>
-      <p:pic>
-        <p:nvPicPr>
-          <p:cNvPr id="11" name="Grafický objekt 10" descr="Připnout se souvislou výplní">
+      <p:sp>
+        <p:nvSpPr>
+          <p:cNvPr id="23" name="Obdélník 22">
             <a:extLst>
               <a:ext uri="{FF2B5EF4-FFF2-40B4-BE49-F238E27FC236}">
-                <a16:creationId xmlns:a16="http://schemas.microsoft.com/office/drawing/2014/main" id="{D5DC000C-107B-4F75-9293-90393AB6443B}"/>
-              </a:ext>
-            </a:extLst>
-          </p:cNvPr>
-          <p:cNvPicPr>
-            <a:picLocks noChangeAspect="1"/>
-          </p:cNvPicPr>
-          <p:nvPr/>
-        </p:nvPicPr>
-        <p:blipFill>
-          <a:blip r:embed="rId2">
-            <a:extLst>
-              <a:ext uri="{28A0092B-C50C-407E-A947-70E740481C1C}">
-                <a14:useLocalDpi xmlns:a14="http://schemas.microsoft.com/office/drawing/2010/main" val="0"/>
-              </a:ext>
-              <a:ext uri="{96DAC541-7B7A-43D3-8B79-37D633B846F1}">
-                <asvg:svgBlip xmlns:asvg="http://schemas.microsoft.com/office/drawing/2016/SVG/main" r:embed="rId3"/>
-              </a:ext>
-            </a:extLst>
-          </a:blip>
-          <a:stretch>
-            <a:fillRect/>
-          </a:stretch>
-        </p:blipFill>
-        <p:spPr>
-          <a:xfrm rot="20009116" flipH="1">
-            <a:off x="1870255" y="139240"/>
-            <a:ext cx="914400" cy="914400"/>
-          </a:xfrm>
-          <a:prstGeom prst="rect">
-            <a:avLst/>
-          </a:prstGeom>
-        </p:spPr>
-      </p:pic>
-      <p:sp>
-        <p:nvSpPr>
-          <p:cNvPr id="12" name="Obdélník 11">
-            <a:extLst>
-              <a:ext uri="{FF2B5EF4-FFF2-40B4-BE49-F238E27FC236}">
-                <a16:creationId xmlns:a16="http://schemas.microsoft.com/office/drawing/2014/main" id="{F1531E88-D36D-4AA3-861F-FE3506DA9973}"/>
+                <a16:creationId xmlns:a16="http://schemas.microsoft.com/office/drawing/2014/main" id="{B39D92AB-867D-4C09-B979-0A2B485354F0}"/>
               </a:ext>
             </a:extLst>
           </p:cNvPr>
@@ -13656,27 +14888,18 @@
         </p:nvSpPr>
         <p:spPr>
           <a:xfrm>
-            <a:off x="7055141" y="462793"/>
-            <a:ext cx="4633520" cy="5795394"/>
+            <a:off x="1226191" y="2325148"/>
+            <a:ext cx="9991288" cy="872455"/>
           </a:xfrm>
           <a:prstGeom prst="rect">
             <a:avLst/>
           </a:prstGeom>
           <a:solidFill>
-            <a:srgbClr val="FFC000">
-              <a:alpha val="27843"/>
-            </a:srgbClr>
+            <a:srgbClr val="EBD9A4"/>
           </a:solidFill>
           <a:ln>
             <a:noFill/>
           </a:ln>
-          <a:effectLst>
-            <a:outerShdw blurRad="50800" dist="38100" dir="2700000" algn="tl" rotWithShape="0">
-              <a:prstClr val="black">
-                <a:alpha val="40000"/>
-              </a:prstClr>
-            </a:outerShdw>
-          </a:effectLst>
         </p:spPr>
         <p:style>
           <a:lnRef idx="2">
@@ -13703,51 +14926,75 @@
           </a:p>
         </p:txBody>
       </p:sp>
-      <p:pic>
-        <p:nvPicPr>
-          <p:cNvPr id="13" name="Grafický objekt 12" descr="Připnout se souvislou výplní">
+      <p:sp>
+        <p:nvSpPr>
+          <p:cNvPr id="2" name="Nadpis 1">
             <a:extLst>
               <a:ext uri="{FF2B5EF4-FFF2-40B4-BE49-F238E27FC236}">
-                <a16:creationId xmlns:a16="http://schemas.microsoft.com/office/drawing/2014/main" id="{89CBEF33-5D42-41AB-BEB3-8DD423EBF82E}"/>
+                <a16:creationId xmlns:a16="http://schemas.microsoft.com/office/drawing/2014/main" id="{DC236DC7-F376-493B-821A-6D6A7C6FD950}"/>
               </a:ext>
             </a:extLst>
           </p:cNvPr>
-          <p:cNvPicPr>
-            <a:picLocks noChangeAspect="1"/>
-          </p:cNvPicPr>
-          <p:nvPr/>
-        </p:nvPicPr>
-        <p:blipFill>
-          <a:blip r:embed="rId2">
-            <a:extLst>
-              <a:ext uri="{28A0092B-C50C-407E-A947-70E740481C1C}">
-                <a14:useLocalDpi xmlns:a14="http://schemas.microsoft.com/office/drawing/2010/main" val="0"/>
-              </a:ext>
-              <a:ext uri="{96DAC541-7B7A-43D3-8B79-37D633B846F1}">
-                <asvg:svgBlip xmlns:asvg="http://schemas.microsoft.com/office/drawing/2016/SVG/main" r:embed="rId3"/>
-              </a:ext>
-            </a:extLst>
-          </a:blip>
-          <a:stretch>
-            <a:fillRect/>
-          </a:stretch>
-        </p:blipFill>
-        <p:spPr>
-          <a:xfrm rot="1636650" flipH="1">
-            <a:off x="9550583" y="124262"/>
-            <a:ext cx="914400" cy="914400"/>
-          </a:xfrm>
-          <a:prstGeom prst="rect">
-            <a:avLst/>
-          </a:prstGeom>
-        </p:spPr>
-      </p:pic>
+          <p:cNvSpPr>
+            <a:spLocks noGrp="1"/>
+          </p:cNvSpPr>
+          <p:nvPr>
+            <p:ph type="title"/>
+          </p:nvPr>
+        </p:nvSpPr>
+        <p:spPr/>
+        <p:txBody>
+          <a:bodyPr/>
+          <a:lstStyle/>
+          <a:p>
+            <a:r>
+              <a:rPr lang="cs-CZ" dirty="0" err="1">
+                <a:latin typeface="OCR A Extended" panose="02010509020102010303" pitchFamily="50" charset="0"/>
+              </a:rPr>
+              <a:t>What</a:t>
+            </a:r>
+            <a:r>
+              <a:rPr lang="cs-CZ" dirty="0">
+                <a:latin typeface="OCR A Extended" panose="02010509020102010303" pitchFamily="50" charset="0"/>
+              </a:rPr>
+              <a:t> </a:t>
+            </a:r>
+            <a:r>
+              <a:rPr lang="cs-CZ" dirty="0" err="1">
+                <a:latin typeface="OCR A Extended" panose="02010509020102010303" pitchFamily="50" charset="0"/>
+              </a:rPr>
+              <a:t>we</a:t>
+            </a:r>
+            <a:r>
+              <a:rPr lang="cs-CZ" dirty="0">
+                <a:latin typeface="OCR A Extended" panose="02010509020102010303" pitchFamily="50" charset="0"/>
+              </a:rPr>
+              <a:t> </a:t>
+            </a:r>
+            <a:r>
+              <a:rPr lang="cs-CZ" dirty="0" err="1">
+                <a:latin typeface="OCR A Extended" panose="02010509020102010303" pitchFamily="50" charset="0"/>
+              </a:rPr>
+              <a:t>found</a:t>
+            </a:r>
+            <a:r>
+              <a:rPr lang="cs-CZ" dirty="0">
+                <a:latin typeface="OCR A Extended" panose="02010509020102010303" pitchFamily="50" charset="0"/>
+              </a:rPr>
+              <a:t>:</a:t>
+            </a:r>
+            <a:endParaRPr lang="en-GB" dirty="0">
+              <a:latin typeface="OCR A Extended" panose="02010509020102010303" pitchFamily="50" charset="0"/>
+            </a:endParaRPr>
+          </a:p>
+        </p:txBody>
+      </p:sp>
       <p:sp>
         <p:nvSpPr>
-          <p:cNvPr id="15" name="TextovéPole 14">
+          <p:cNvPr id="17" name="TextovéPole 16">
             <a:extLst>
               <a:ext uri="{FF2B5EF4-FFF2-40B4-BE49-F238E27FC236}">
-                <a16:creationId xmlns:a16="http://schemas.microsoft.com/office/drawing/2014/main" id="{8423E846-50AC-488C-81FD-F927AF3CA0FA}"/>
+                <a16:creationId xmlns:a16="http://schemas.microsoft.com/office/drawing/2014/main" id="{9F43725A-39FA-4AD7-9ABE-7679965C3947}"/>
               </a:ext>
             </a:extLst>
           </p:cNvPr>
@@ -13756,8 +15003,8 @@
         </p:nvSpPr>
         <p:spPr>
           <a:xfrm>
-            <a:off x="738231" y="1209659"/>
-            <a:ext cx="3087149" cy="923330"/>
+            <a:off x="1323364" y="2499765"/>
+            <a:ext cx="9545272" cy="523220"/>
           </a:xfrm>
           <a:prstGeom prst="rect">
             <a:avLst/>
@@ -13771,24 +15018,43 @@
           <a:lstStyle/>
           <a:p>
             <a:r>
-              <a:rPr lang="cs-CZ" dirty="0"/>
-              <a:t>RESNET18</a:t>
-            </a:r>
-          </a:p>
-          <a:p>
-            <a:endParaRPr lang="cs-CZ" dirty="0"/>
-          </a:p>
-          <a:p>
-            <a:endParaRPr lang="en-GB" dirty="0"/>
+              <a:rPr lang="cs-CZ" sz="2800" spc="300" dirty="0" err="1"/>
+              <a:t>Connectionist</a:t>
+            </a:r>
+            <a:r>
+              <a:rPr lang="cs-CZ" sz="2800" spc="300" dirty="0"/>
+              <a:t> </a:t>
+            </a:r>
+            <a:r>
+              <a:rPr lang="cs-CZ" sz="2800" spc="300" dirty="0" err="1"/>
+              <a:t>Temporal</a:t>
+            </a:r>
+            <a:r>
+              <a:rPr lang="cs-CZ" sz="2800" spc="300" dirty="0"/>
+              <a:t> </a:t>
+            </a:r>
+            <a:r>
+              <a:rPr lang="cs-CZ" sz="2800" spc="300" dirty="0" err="1"/>
+              <a:t>Classification</a:t>
+            </a:r>
+            <a:r>
+              <a:rPr lang="cs-CZ" sz="2800" spc="300" dirty="0"/>
+              <a:t> (CTC) </a:t>
+            </a:r>
+            <a:r>
+              <a:rPr lang="cs-CZ" sz="2800" spc="300" dirty="0" err="1"/>
+              <a:t>loss</a:t>
+            </a:r>
+            <a:endParaRPr lang="en-GB" sz="2800" spc="300" dirty="0"/>
           </a:p>
         </p:txBody>
       </p:sp>
       <p:sp>
         <p:nvSpPr>
-          <p:cNvPr id="16" name="TextovéPole 15">
+          <p:cNvPr id="18" name="TextovéPole 17">
             <a:extLst>
               <a:ext uri="{FF2B5EF4-FFF2-40B4-BE49-F238E27FC236}">
-                <a16:creationId xmlns:a16="http://schemas.microsoft.com/office/drawing/2014/main" id="{84C1031E-2683-4CEE-80C7-4FF59C88E634}"/>
+                <a16:creationId xmlns:a16="http://schemas.microsoft.com/office/drawing/2014/main" id="{0C797E54-502E-45CC-AC20-6B23CB8B2696}"/>
               </a:ext>
             </a:extLst>
           </p:cNvPr>
@@ -13797,8 +15063,8 @@
         </p:nvSpPr>
         <p:spPr>
           <a:xfrm>
-            <a:off x="7703325" y="988298"/>
-            <a:ext cx="3087149" cy="923330"/>
+            <a:off x="1319795" y="3238138"/>
+            <a:ext cx="9797384" cy="1711366"/>
           </a:xfrm>
           <a:prstGeom prst="rect">
             <a:avLst/>
@@ -13811,13 +15077,53 @@
           </a:bodyPr>
           <a:lstStyle/>
           <a:p>
-            <a:r>
-              <a:rPr lang="cs-CZ" dirty="0"/>
+            <a:pPr>
+              <a:lnSpc>
+                <a:spcPct val="150000"/>
+              </a:lnSpc>
+            </a:pPr>
+            <a:r>
+              <a:rPr lang="cs-CZ" dirty="0">
+                <a:solidFill>
+                  <a:srgbClr val="292929"/>
+                </a:solidFill>
+                <a:latin typeface="charter"/>
+              </a:rPr>
               <a:t>CTC </a:t>
             </a:r>
             <a:r>
+              <a:rPr lang="cs-CZ" dirty="0" err="1">
+                <a:solidFill>
+                  <a:srgbClr val="292929"/>
+                </a:solidFill>
+                <a:latin typeface="charter"/>
+              </a:rPr>
+              <a:t>loss</a:t>
+            </a:r>
+            <a:r>
+              <a:rPr lang="cs-CZ" dirty="0">
+                <a:solidFill>
+                  <a:srgbClr val="292929"/>
+                </a:solidFill>
+                <a:latin typeface="charter"/>
+              </a:rPr>
+              <a:t> </a:t>
+            </a:r>
+            <a:r>
+              <a:rPr lang="en-GB" dirty="0"/>
+              <a:t>tries all possible alignments of the </a:t>
+            </a:r>
+            <a:r>
               <a:rPr lang="cs-CZ" dirty="0" err="1"/>
-              <a:t>loss</a:t>
+              <a:t>ground-truth</a:t>
+            </a:r>
+            <a:r>
+              <a:rPr lang="en-GB" dirty="0"/>
+              <a:t> text in the image and takes the sum of all scores. This way, the score of a </a:t>
+            </a:r>
+            <a:r>
+              <a:rPr lang="cs-CZ" dirty="0" err="1"/>
+              <a:t>ground</a:t>
             </a:r>
             <a:r>
               <a:rPr lang="cs-CZ" dirty="0"/>
@@ -13825,24 +15131,38 @@
             </a:r>
             <a:r>
               <a:rPr lang="cs-CZ" dirty="0" err="1"/>
-              <a:t>function</a:t>
-            </a:r>
-            <a:endParaRPr lang="cs-CZ" dirty="0"/>
-          </a:p>
-          <a:p>
-            <a:endParaRPr lang="cs-CZ" dirty="0"/>
-          </a:p>
-          <a:p>
-            <a:endParaRPr lang="en-GB" dirty="0"/>
+              <a:t>truth</a:t>
+            </a:r>
+            <a:r>
+              <a:rPr lang="en-GB" dirty="0"/>
+              <a:t> text is high if the sum over the alignment-scores has a high value.</a:t>
+            </a:r>
+            <a:endParaRPr lang="cs-CZ" b="0" i="0" dirty="0">
+              <a:solidFill>
+                <a:srgbClr val="292929"/>
+              </a:solidFill>
+              <a:effectLst/>
+              <a:latin typeface="charter"/>
+            </a:endParaRPr>
+          </a:p>
+          <a:p>
+            <a:pPr marL="285750" indent="-285750">
+              <a:lnSpc>
+                <a:spcPct val="150000"/>
+              </a:lnSpc>
+              <a:buFont typeface="Wingdings" panose="05000000000000000000" pitchFamily="2" charset="2"/>
+              <a:buChar char="§"/>
+            </a:pPr>
+            <a:endParaRPr lang="en-GB" spc="300" dirty="0"/>
           </a:p>
         </p:txBody>
       </p:sp>
       <p:sp>
         <p:nvSpPr>
-          <p:cNvPr id="17" name="Obdélník 16">
+          <p:cNvPr id="26" name="Obdélník 25">
             <a:extLst>
               <a:ext uri="{FF2B5EF4-FFF2-40B4-BE49-F238E27FC236}">
-                <a16:creationId xmlns:a16="http://schemas.microsoft.com/office/drawing/2014/main" id="{A9F98307-E71D-4EC3-97D5-EA864FF602B0}"/>
+                <a16:creationId xmlns:a16="http://schemas.microsoft.com/office/drawing/2014/main" id="{71C6FF1A-EB2E-4B55-B69E-A36B6E00D3E4}"/>
               </a:ext>
             </a:extLst>
           </p:cNvPr>
@@ -13851,25 +15171,18 @@
         </p:nvSpPr>
         <p:spPr>
           <a:xfrm>
-            <a:off x="2402654" y="2318463"/>
-            <a:ext cx="5468411" cy="3662888"/>
+            <a:off x="9127848" y="5895617"/>
+            <a:ext cx="1814120" cy="509068"/>
           </a:xfrm>
           <a:prstGeom prst="rect">
             <a:avLst/>
           </a:prstGeom>
           <a:solidFill>
-            <a:srgbClr val="F7DA7D"/>
+            <a:srgbClr val="EBD9A4"/>
           </a:solidFill>
           <a:ln>
             <a:noFill/>
           </a:ln>
-          <a:effectLst>
-            <a:outerShdw blurRad="50800" dist="38100" dir="2700000" algn="tl" rotWithShape="0">
-              <a:prstClr val="black">
-                <a:alpha val="40000"/>
-              </a:prstClr>
-            </a:outerShdw>
-          </a:effectLst>
         </p:spPr>
         <p:style>
           <a:lnRef idx="2">
@@ -13896,12 +15209,48 @@
           </a:p>
         </p:txBody>
       </p:sp>
+      <p:sp>
+        <p:nvSpPr>
+          <p:cNvPr id="27" name="TextovéPole 26">
+            <a:extLst>
+              <a:ext uri="{FF2B5EF4-FFF2-40B4-BE49-F238E27FC236}">
+                <a16:creationId xmlns:a16="http://schemas.microsoft.com/office/drawing/2014/main" id="{A0DF691A-9F73-42AD-8BB7-0208786E2791}"/>
+              </a:ext>
+            </a:extLst>
+          </p:cNvPr>
+          <p:cNvSpPr txBox="1"/>
+          <p:nvPr/>
+        </p:nvSpPr>
+        <p:spPr>
+          <a:xfrm>
+            <a:off x="9719724" y="5911297"/>
+            <a:ext cx="788565" cy="461665"/>
+          </a:xfrm>
+          <a:prstGeom prst="rect">
+            <a:avLst/>
+          </a:prstGeom>
+          <a:noFill/>
+        </p:spPr>
+        <p:txBody>
+          <a:bodyPr wrap="square" rtlCol="0">
+            <a:spAutoFit/>
+          </a:bodyPr>
+          <a:lstStyle/>
+          <a:p>
+            <a:r>
+              <a:rPr lang="cs-CZ" sz="2400" b="1" spc="300" dirty="0"/>
+              <a:t>OK</a:t>
+            </a:r>
+            <a:endParaRPr lang="en-GB" sz="2400" b="1" spc="300" dirty="0"/>
+          </a:p>
+        </p:txBody>
+      </p:sp>
       <p:pic>
         <p:nvPicPr>
-          <p:cNvPr id="18" name="Grafický objekt 17" descr="Připnout se souvislou výplní">
+          <p:cNvPr id="45" name="Grafický objekt 44" descr="Kurzor se souvislou výplní">
             <a:extLst>
               <a:ext uri="{FF2B5EF4-FFF2-40B4-BE49-F238E27FC236}">
-                <a16:creationId xmlns:a16="http://schemas.microsoft.com/office/drawing/2014/main" id="{6FB139B0-EE39-4A89-983D-9FC507C9DC3C}"/>
+                <a16:creationId xmlns:a16="http://schemas.microsoft.com/office/drawing/2014/main" id="{88EB789F-9832-4F7B-B5DF-10CABE5F370B}"/>
               </a:ext>
             </a:extLst>
           </p:cNvPr>
@@ -13926,9 +15275,9 @@
           </a:stretch>
         </p:blipFill>
         <p:spPr>
-          <a:xfrm rot="20009116" flipH="1">
-            <a:off x="2404267" y="1652360"/>
-            <a:ext cx="914400" cy="914400"/>
+          <a:xfrm>
+            <a:off x="10389518" y="5503291"/>
+            <a:ext cx="613589" cy="613589"/>
           </a:xfrm>
           <a:prstGeom prst="rect">
             <a:avLst/>
@@ -13937,53 +15286,130 @@
       </p:pic>
       <p:pic>
         <p:nvPicPr>
-          <p:cNvPr id="19" name="Grafický objekt 18" descr="Připnout se souvislou výplní">
+          <p:cNvPr id="2050" name="Picture 2">
             <a:extLst>
               <a:ext uri="{FF2B5EF4-FFF2-40B4-BE49-F238E27FC236}">
-                <a16:creationId xmlns:a16="http://schemas.microsoft.com/office/drawing/2014/main" id="{D30BC6A6-7257-436E-9C62-8A6CEADE5C0C}"/>
+                <a16:creationId xmlns:a16="http://schemas.microsoft.com/office/drawing/2014/main" id="{545DFADE-0FE4-4B3B-84B6-1A22724A8130}"/>
               </a:ext>
             </a:extLst>
           </p:cNvPr>
           <p:cNvPicPr>
-            <a:picLocks noChangeAspect="1"/>
+            <a:picLocks noChangeAspect="1" noChangeArrowheads="1"/>
           </p:cNvPicPr>
           <p:nvPr/>
         </p:nvPicPr>
         <p:blipFill>
-          <a:blip r:embed="rId2">
+          <a:blip r:embed="rId4">
             <a:extLst>
               <a:ext uri="{28A0092B-C50C-407E-A947-70E740481C1C}">
                 <a14:useLocalDpi xmlns:a14="http://schemas.microsoft.com/office/drawing/2010/main" val="0"/>
               </a:ext>
-              <a:ext uri="{96DAC541-7B7A-43D3-8B79-37D633B846F1}">
-                <asvg:svgBlip xmlns:asvg="http://schemas.microsoft.com/office/drawing/2016/SVG/main" r:embed="rId3"/>
-              </a:ext>
             </a:extLst>
           </a:blip>
+          <a:srcRect/>
           <a:stretch>
             <a:fillRect/>
           </a:stretch>
         </p:blipFill>
-        <p:spPr>
-          <a:xfrm rot="18220127" flipH="1">
-            <a:off x="7035997" y="1657847"/>
-            <a:ext cx="914400" cy="914400"/>
+        <p:spPr bwMode="auto">
+          <a:xfrm>
+            <a:off x="3290362" y="4266839"/>
+            <a:ext cx="5625911" cy="2137846"/>
           </a:xfrm>
           <a:prstGeom prst="rect">
             <a:avLst/>
           </a:prstGeom>
+          <a:noFill/>
+          <a:extLst>
+            <a:ext uri="{909E8E84-426E-40DD-AFC4-6F175D3DCCD1}">
+              <a14:hiddenFill xmlns:a14="http://schemas.microsoft.com/office/drawing/2010/main">
+                <a:solidFill>
+                  <a:srgbClr val="FFFFFF"/>
+                </a:solidFill>
+              </a14:hiddenFill>
+            </a:ext>
+          </a:extLst>
         </p:spPr>
       </p:pic>
     </p:spTree>
     <p:extLst>
       <p:ext uri="{BB962C8B-B14F-4D97-AF65-F5344CB8AC3E}">
-        <p14:creationId xmlns:p14="http://schemas.microsoft.com/office/powerpoint/2010/main" val="2773972103"/>
+        <p14:creationId xmlns:p14="http://schemas.microsoft.com/office/powerpoint/2010/main" val="2109762469"/>
       </p:ext>
     </p:extLst>
   </p:cSld>
   <p:clrMapOvr>
     <a:masterClrMapping/>
   </p:clrMapOvr>
+  <p:timing>
+    <p:tnLst>
+      <p:par>
+        <p:cTn id="1" dur="indefinite" restart="never" nodeType="tmRoot">
+          <p:childTnLst>
+            <p:seq concurrent="1" nextAc="seek">
+              <p:cTn id="2" dur="indefinite" nodeType="mainSeq">
+                <p:childTnLst>
+                  <p:par>
+                    <p:cTn id="3" fill="hold">
+                      <p:stCondLst>
+                        <p:cond delay="indefinite"/>
+                      </p:stCondLst>
+                      <p:childTnLst>
+                        <p:par>
+                          <p:cTn id="4" fill="hold">
+                            <p:stCondLst>
+                              <p:cond delay="0"/>
+                            </p:stCondLst>
+                            <p:childTnLst>
+                              <p:par>
+                                <p:cTn id="5" presetID="0" presetClass="path" presetSubtype="0" accel="50000" decel="50000" fill="hold" nodeType="clickEffect">
+                                  <p:stCondLst>
+                                    <p:cond delay="0"/>
+                                  </p:stCondLst>
+                                  <p:childTnLst>
+                                    <p:animMotion origin="layout" path="M -0.00104 -0.00278 L -0.00104 -0.00278 C -0.00117 -0.00162 -0.00182 0.01273 -0.00247 0.01574 C -0.0026 0.01713 -0.00325 0.01806 -0.00377 0.01922 C -0.0039 0.02084 -0.00416 0.02246 -0.00442 0.02408 C -0.00455 0.02523 -0.00494 0.02616 -0.00507 0.02755 C -0.00625 0.0382 -0.00455 0.03287 -0.00703 0.03912 C -0.00729 0.04074 -0.00729 0.04236 -0.00768 0.04375 C -0.00794 0.04491 -0.00872 0.04514 -0.00898 0.04607 C -0.00963 0.04838 -0.00963 0.05093 -0.01028 0.05324 C -0.01067 0.05463 -0.01119 0.05625 -0.01158 0.05787 C -0.01289 0.06204 -0.01354 0.06343 -0.01484 0.06713 C -0.01836 0.0581 -0.01549 0.0669 -0.01549 0.04491 C -0.01549 0.03959 -0.01601 0.05579 -0.01614 0.06134 C -0.01627 0.06528 -0.01614 0.06922 -0.01614 0.07315 " pathEditMode="relative" ptsTypes="AAAAAAAAAAAAAAA">
+                                      <p:cBhvr>
+                                        <p:cTn id="6" dur="2000" fill="hold"/>
+                                        <p:tgtEl>
+                                          <p:spTgt spid="45"/>
+                                        </p:tgtEl>
+                                        <p:attrNameLst>
+                                          <p:attrName>ppt_x</p:attrName>
+                                          <p:attrName>ppt_y</p:attrName>
+                                        </p:attrNameLst>
+                                      </p:cBhvr>
+                                    </p:animMotion>
+                                  </p:childTnLst>
+                                </p:cTn>
+                              </p:par>
+                            </p:childTnLst>
+                          </p:cTn>
+                        </p:par>
+                      </p:childTnLst>
+                    </p:cTn>
+                  </p:par>
+                </p:childTnLst>
+              </p:cTn>
+              <p:prevCondLst>
+                <p:cond evt="onPrev" delay="0">
+                  <p:tgtEl>
+                    <p:sldTgt/>
+                  </p:tgtEl>
+                </p:cond>
+              </p:prevCondLst>
+              <p:nextCondLst>
+                <p:cond evt="onNext" delay="0">
+                  <p:tgtEl>
+                    <p:sldTgt/>
+                  </p:tgtEl>
+                </p:cond>
+              </p:nextCondLst>
+            </p:seq>
+          </p:childTnLst>
+        </p:cTn>
+      </p:par>
+    </p:tnLst>
+  </p:timing>
 </p:sld>
 </file>
 
@@ -14026,16 +15452,10 @@
           <a:lstStyle/>
           <a:p>
             <a:r>
-              <a:rPr lang="cs-CZ" dirty="0" err="1">
-                <a:latin typeface="OCR A Extended" panose="02010509020102010303" pitchFamily="50" charset="0"/>
-              </a:rPr>
-              <a:t>Results</a:t>
-            </a:r>
-            <a:r>
               <a:rPr lang="cs-CZ" dirty="0">
                 <a:latin typeface="OCR A Extended" panose="02010509020102010303" pitchFamily="50" charset="0"/>
               </a:rPr>
-              <a:t>: basic model</a:t>
+              <a:t>Model</a:t>
             </a:r>
             <a:endParaRPr lang="en-GB" dirty="0">
               <a:latin typeface="OCR A Extended" panose="02010509020102010303" pitchFamily="50" charset="0"/>
@@ -14045,68 +15465,55 @@
       </p:sp>
       <p:sp>
         <p:nvSpPr>
-          <p:cNvPr id="3" name="Zástupný obsah 2">
+          <p:cNvPr id="7" name="TextovéPole 6">
             <a:extLst>
               <a:ext uri="{FF2B5EF4-FFF2-40B4-BE49-F238E27FC236}">
-                <a16:creationId xmlns:a16="http://schemas.microsoft.com/office/drawing/2014/main" id="{74283E08-0CB0-48FA-AC58-7CA6DA1EBFBE}"/>
+                <a16:creationId xmlns:a16="http://schemas.microsoft.com/office/drawing/2014/main" id="{049929F2-58C8-4227-B486-AA64CD061AC6}"/>
               </a:ext>
             </a:extLst>
           </p:cNvPr>
-          <p:cNvSpPr>
-            <a:spLocks noGrp="1"/>
-          </p:cNvSpPr>
-          <p:nvPr>
-            <p:ph idx="1"/>
-          </p:nvPr>
+          <p:cNvSpPr txBox="1"/>
+          <p:nvPr/>
         </p:nvSpPr>
-        <p:spPr/>
-        <p:txBody>
-          <a:bodyPr/>
-          <a:lstStyle/>
-          <a:p>
-            <a:endParaRPr lang="en-GB" dirty="0"/>
-          </a:p>
-        </p:txBody>
-      </p:sp>
-      <p:pic>
-        <p:nvPicPr>
-          <p:cNvPr id="4" name="Obrázek 3">
-            <a:extLst>
-              <a:ext uri="{FF2B5EF4-FFF2-40B4-BE49-F238E27FC236}">
-                <a16:creationId xmlns:a16="http://schemas.microsoft.com/office/drawing/2014/main" id="{0149CA79-12B2-4922-B6D2-9B5DB60E7189}"/>
-              </a:ext>
-            </a:extLst>
-          </p:cNvPr>
-          <p:cNvPicPr>
-            <a:picLocks noChangeAspect="1"/>
-          </p:cNvPicPr>
-          <p:nvPr/>
-        </p:nvPicPr>
-        <p:blipFill rotWithShape="1">
-          <a:blip r:embed="rId2">
-            <a:extLst>
-              <a:ext uri="{28A0092B-C50C-407E-A947-70E740481C1C}">
-                <a14:useLocalDpi xmlns:a14="http://schemas.microsoft.com/office/drawing/2010/main" val="0"/>
-              </a:ext>
-            </a:extLst>
-          </a:blip>
-          <a:srcRect t="71911" b="1"/>
-          <a:stretch/>
-        </p:blipFill>
         <p:spPr>
-          <a:xfrm flipH="1" flipV="1">
-            <a:off x="95860" y="5879235"/>
-            <a:ext cx="3389400" cy="978765"/>
+          <a:xfrm>
+            <a:off x="9578828" y="6324987"/>
+            <a:ext cx="2333537" cy="369332"/>
           </a:xfrm>
           <a:prstGeom prst="rect">
             <a:avLst/>
           </a:prstGeom>
+          <a:noFill/>
         </p:spPr>
-      </p:pic>
+        <p:txBody>
+          <a:bodyPr wrap="square" rtlCol="0">
+            <a:spAutoFit/>
+          </a:bodyPr>
+          <a:lstStyle/>
+          <a:p>
+            <a:pPr algn="r"/>
+            <a:r>
+              <a:rPr lang="cs-CZ" dirty="0" err="1">
+                <a:latin typeface="OCR A Extended" panose="02010509020102010303" pitchFamily="50" charset="0"/>
+              </a:rPr>
+              <a:t>What</a:t>
+            </a:r>
+            <a:r>
+              <a:rPr lang="cs-CZ" dirty="0">
+                <a:latin typeface="OCR A Extended" panose="02010509020102010303" pitchFamily="50" charset="0"/>
+              </a:rPr>
+              <a:t>?</a:t>
+            </a:r>
+            <a:endParaRPr lang="en-GB" dirty="0">
+              <a:latin typeface="OCR A Extended" panose="02010509020102010303" pitchFamily="50" charset="0"/>
+            </a:endParaRPr>
+          </a:p>
+        </p:txBody>
+      </p:sp>
     </p:spTree>
     <p:extLst>
       <p:ext uri="{BB962C8B-B14F-4D97-AF65-F5344CB8AC3E}">
-        <p14:creationId xmlns:p14="http://schemas.microsoft.com/office/powerpoint/2010/main" val="1894603301"/>
+        <p14:creationId xmlns:p14="http://schemas.microsoft.com/office/powerpoint/2010/main" val="1876789289"/>
       </p:ext>
     </p:extLst>
   </p:cSld>

--- a/presentation/Final_presentation_draft.pptx
+++ b/presentation/Final_presentation_draft.pptx
@@ -14,9 +14,13 @@
     <p:sldId id="269" r:id="rId8"/>
     <p:sldId id="270" r:id="rId9"/>
     <p:sldId id="271" r:id="rId10"/>
-    <p:sldId id="263" r:id="rId11"/>
-    <p:sldId id="264" r:id="rId12"/>
-    <p:sldId id="259" r:id="rId13"/>
+    <p:sldId id="272" r:id="rId11"/>
+    <p:sldId id="274" r:id="rId12"/>
+    <p:sldId id="275" r:id="rId13"/>
+    <p:sldId id="276" r:id="rId14"/>
+    <p:sldId id="273" r:id="rId15"/>
+    <p:sldId id="259" r:id="rId16"/>
+    <p:sldId id="277" r:id="rId17"/>
   </p:sldIdLst>
   <p:sldSz cx="12192000" cy="6858000"/>
   <p:notesSz cx="6858000" cy="9144000"/>
@@ -9641,42 +9645,23 @@
               <a:rPr lang="cs-CZ" dirty="0" err="1">
                 <a:latin typeface="OCR A Extended" panose="02010509020102010303" pitchFamily="50" charset="0"/>
               </a:rPr>
-              <a:t>Results</a:t>
+              <a:t>Accuracy</a:t>
             </a:r>
             <a:r>
               <a:rPr lang="cs-CZ" dirty="0">
                 <a:latin typeface="OCR A Extended" panose="02010509020102010303" pitchFamily="50" charset="0"/>
               </a:rPr>
-              <a:t>: basic model</a:t>
+              <a:t> vs. RO </a:t>
+            </a:r>
+            <a:r>
+              <a:rPr lang="cs-CZ" dirty="0" err="1">
+                <a:latin typeface="OCR A Extended" panose="02010509020102010303" pitchFamily="50" charset="0"/>
+              </a:rPr>
+              <a:t>similarity</a:t>
             </a:r>
             <a:endParaRPr lang="en-GB" dirty="0">
               <a:latin typeface="OCR A Extended" panose="02010509020102010303" pitchFamily="50" charset="0"/>
             </a:endParaRPr>
-          </a:p>
-        </p:txBody>
-      </p:sp>
-      <p:sp>
-        <p:nvSpPr>
-          <p:cNvPr id="3" name="Zástupný obsah 2">
-            <a:extLst>
-              <a:ext uri="{FF2B5EF4-FFF2-40B4-BE49-F238E27FC236}">
-                <a16:creationId xmlns:a16="http://schemas.microsoft.com/office/drawing/2014/main" id="{74283E08-0CB0-48FA-AC58-7CA6DA1EBFBE}"/>
-              </a:ext>
-            </a:extLst>
-          </p:cNvPr>
-          <p:cNvSpPr>
-            <a:spLocks noGrp="1"/>
-          </p:cNvSpPr>
-          <p:nvPr>
-            <p:ph idx="1"/>
-          </p:nvPr>
-        </p:nvSpPr>
-        <p:spPr/>
-        <p:txBody>
-          <a:bodyPr/>
-          <a:lstStyle/>
-          <a:p>
-            <a:endParaRPr lang="en-GB" dirty="0"/>
           </a:p>
         </p:txBody>
       </p:sp>
@@ -9715,10 +9700,1870 @@
           </a:prstGeom>
         </p:spPr>
       </p:pic>
+      <p:sp>
+        <p:nvSpPr>
+          <p:cNvPr id="5" name="Zástupný obsah 2">
+            <a:extLst>
+              <a:ext uri="{FF2B5EF4-FFF2-40B4-BE49-F238E27FC236}">
+                <a16:creationId xmlns:a16="http://schemas.microsoft.com/office/drawing/2014/main" id="{AD14AFF9-91C4-4687-90E9-AEAA4A0375C1}"/>
+              </a:ext>
+            </a:extLst>
+          </p:cNvPr>
+          <p:cNvSpPr>
+            <a:spLocks noGrp="1"/>
+          </p:cNvSpPr>
+          <p:nvPr>
+            <p:ph idx="1"/>
+          </p:nvPr>
+        </p:nvSpPr>
+        <p:spPr>
+          <a:xfrm>
+            <a:off x="712486" y="1825625"/>
+            <a:ext cx="10767027" cy="4351338"/>
+          </a:xfrm>
+        </p:spPr>
+        <p:txBody>
+          <a:bodyPr>
+            <a:normAutofit/>
+          </a:bodyPr>
+          <a:lstStyle/>
+          <a:p>
+            <a:pPr marL="0" indent="0" algn="just">
+              <a:lnSpc>
+                <a:spcPct val="150000"/>
+              </a:lnSpc>
+              <a:buNone/>
+            </a:pPr>
+            <a:r>
+              <a:rPr lang="cs-CZ" sz="1800" dirty="0" err="1"/>
+              <a:t>Even</a:t>
+            </a:r>
+            <a:r>
+              <a:rPr lang="cs-CZ" sz="1800" dirty="0"/>
+              <a:t> </a:t>
+            </a:r>
+            <a:r>
+              <a:rPr lang="cs-CZ" sz="1800" dirty="0" err="1"/>
+              <a:t>if</a:t>
+            </a:r>
+            <a:r>
+              <a:rPr lang="cs-CZ" sz="1800" dirty="0"/>
+              <a:t> </a:t>
+            </a:r>
+            <a:r>
+              <a:rPr lang="cs-CZ" sz="1800" dirty="0" err="1"/>
+              <a:t>only</a:t>
+            </a:r>
+            <a:r>
+              <a:rPr lang="cs-CZ" sz="1800" dirty="0"/>
+              <a:t> </a:t>
+            </a:r>
+            <a:r>
+              <a:rPr lang="cs-CZ" sz="1800" dirty="0" err="1"/>
+              <a:t>one</a:t>
+            </a:r>
+            <a:r>
+              <a:rPr lang="cs-CZ" sz="1800" dirty="0"/>
+              <a:t> symbol in </a:t>
+            </a:r>
+            <a:r>
+              <a:rPr lang="cs-CZ" sz="1800" dirty="0" err="1"/>
+              <a:t>the</a:t>
+            </a:r>
+            <a:r>
+              <a:rPr lang="cs-CZ" sz="1800" dirty="0"/>
+              <a:t> </a:t>
+            </a:r>
+            <a:r>
+              <a:rPr lang="cs-CZ" sz="1800" dirty="0" err="1"/>
+              <a:t>whole</a:t>
+            </a:r>
+            <a:r>
+              <a:rPr lang="cs-CZ" sz="1800" dirty="0"/>
+              <a:t> CAPTCHA </a:t>
+            </a:r>
+            <a:r>
+              <a:rPr lang="cs-CZ" sz="1800" dirty="0" err="1"/>
+              <a:t>code</a:t>
+            </a:r>
+            <a:r>
+              <a:rPr lang="cs-CZ" sz="1800" dirty="0"/>
+              <a:t> </a:t>
+            </a:r>
+            <a:r>
+              <a:rPr lang="cs-CZ" sz="1800" dirty="0" err="1"/>
+              <a:t>prediction</a:t>
+            </a:r>
+            <a:r>
+              <a:rPr lang="cs-CZ" sz="1800" dirty="0"/>
+              <a:t> </a:t>
+            </a:r>
+            <a:r>
+              <a:rPr lang="cs-CZ" sz="1800" dirty="0" err="1"/>
+              <a:t>is</a:t>
+            </a:r>
+            <a:r>
+              <a:rPr lang="cs-CZ" sz="1800" dirty="0"/>
+              <a:t> </a:t>
+            </a:r>
+            <a:r>
+              <a:rPr lang="cs-CZ" sz="1800" dirty="0" err="1"/>
+              <a:t>wrong</a:t>
+            </a:r>
+            <a:r>
+              <a:rPr lang="cs-CZ" sz="1800" dirty="0"/>
+              <a:t>, </a:t>
+            </a:r>
+            <a:r>
+              <a:rPr lang="cs-CZ" sz="1800" dirty="0" err="1"/>
+              <a:t>accuracy</a:t>
+            </a:r>
+            <a:r>
+              <a:rPr lang="cs-CZ" sz="1800" dirty="0"/>
+              <a:t> </a:t>
+            </a:r>
+            <a:r>
+              <a:rPr lang="cs-CZ" sz="1800" dirty="0" err="1"/>
+              <a:t>takes</a:t>
+            </a:r>
+            <a:r>
+              <a:rPr lang="cs-CZ" sz="1800" dirty="0"/>
+              <a:t> </a:t>
+            </a:r>
+            <a:r>
+              <a:rPr lang="cs-CZ" sz="1800" dirty="0" err="1"/>
+              <a:t>the</a:t>
+            </a:r>
+            <a:r>
+              <a:rPr lang="cs-CZ" sz="1800" dirty="0"/>
+              <a:t> </a:t>
+            </a:r>
+            <a:r>
+              <a:rPr lang="cs-CZ" sz="1800" b="1" dirty="0" err="1"/>
+              <a:t>whole</a:t>
+            </a:r>
+            <a:r>
+              <a:rPr lang="cs-CZ" sz="1800" b="1" dirty="0"/>
+              <a:t> </a:t>
+            </a:r>
+            <a:r>
+              <a:rPr lang="cs-CZ" sz="1800" b="1" dirty="0" err="1"/>
+              <a:t>prediction</a:t>
+            </a:r>
+            <a:r>
+              <a:rPr lang="cs-CZ" sz="1800" b="1" dirty="0"/>
+              <a:t> as </a:t>
+            </a:r>
+            <a:r>
+              <a:rPr lang="cs-CZ" sz="1800" b="1" dirty="0" err="1"/>
+              <a:t>wrong</a:t>
+            </a:r>
+            <a:r>
+              <a:rPr lang="cs-CZ" sz="1800" dirty="0"/>
+              <a:t>. </a:t>
+            </a:r>
+            <a:r>
+              <a:rPr lang="cs-CZ" sz="1800" dirty="0" err="1"/>
+              <a:t>This</a:t>
+            </a:r>
+            <a:r>
+              <a:rPr lang="cs-CZ" sz="1800" dirty="0"/>
+              <a:t> </a:t>
+            </a:r>
+            <a:r>
+              <a:rPr lang="cs-CZ" sz="1800" dirty="0" err="1"/>
+              <a:t>approach</a:t>
+            </a:r>
+            <a:r>
+              <a:rPr lang="cs-CZ" sz="1800" dirty="0"/>
+              <a:t> </a:t>
+            </a:r>
+            <a:r>
+              <a:rPr lang="cs-CZ" sz="1800" dirty="0" err="1"/>
+              <a:t>might</a:t>
+            </a:r>
+            <a:r>
+              <a:rPr lang="cs-CZ" sz="1800" dirty="0"/>
+              <a:t> </a:t>
+            </a:r>
+            <a:r>
+              <a:rPr lang="cs-CZ" sz="1800" dirty="0" err="1"/>
+              <a:t>be</a:t>
+            </a:r>
+            <a:r>
+              <a:rPr lang="cs-CZ" sz="1800" dirty="0"/>
+              <a:t> </a:t>
+            </a:r>
+            <a:r>
+              <a:rPr lang="cs-CZ" sz="1800" dirty="0" err="1"/>
+              <a:t>especially</a:t>
+            </a:r>
+            <a:r>
+              <a:rPr lang="cs-CZ" sz="1800" dirty="0"/>
+              <a:t> in text-</a:t>
+            </a:r>
+            <a:r>
+              <a:rPr lang="cs-CZ" sz="1800" dirty="0" err="1"/>
+              <a:t>recognizing</a:t>
+            </a:r>
+            <a:r>
+              <a:rPr lang="cs-CZ" sz="1800" dirty="0"/>
+              <a:t> </a:t>
+            </a:r>
+            <a:r>
+              <a:rPr lang="cs-CZ" sz="1800" dirty="0" err="1"/>
+              <a:t>models</a:t>
+            </a:r>
+            <a:r>
+              <a:rPr lang="cs-CZ" sz="1800" dirty="0"/>
+              <a:t> bit </a:t>
+            </a:r>
+            <a:r>
+              <a:rPr lang="cs-CZ" sz="1800" dirty="0" err="1"/>
+              <a:t>too</a:t>
+            </a:r>
+            <a:r>
+              <a:rPr lang="cs-CZ" sz="1800" dirty="0"/>
+              <a:t> </a:t>
+            </a:r>
+            <a:r>
+              <a:rPr lang="cs-CZ" sz="1800" dirty="0" err="1"/>
+              <a:t>harsh</a:t>
+            </a:r>
+            <a:r>
+              <a:rPr lang="cs-CZ" sz="1800" dirty="0"/>
+              <a:t>.</a:t>
+            </a:r>
+          </a:p>
+          <a:p>
+            <a:pPr marL="0" indent="0" algn="just">
+              <a:lnSpc>
+                <a:spcPct val="150000"/>
+              </a:lnSpc>
+              <a:buNone/>
+            </a:pPr>
+            <a:r>
+              <a:rPr lang="cs-CZ" sz="1800" dirty="0" err="1"/>
+              <a:t>From</a:t>
+            </a:r>
+            <a:r>
+              <a:rPr lang="cs-CZ" sz="1800" dirty="0"/>
+              <a:t> </a:t>
+            </a:r>
+            <a:r>
+              <a:rPr lang="cs-CZ" sz="1800" dirty="0" err="1"/>
+              <a:t>this</a:t>
+            </a:r>
+            <a:r>
+              <a:rPr lang="cs-CZ" sz="1800" dirty="0"/>
+              <a:t> </a:t>
+            </a:r>
+            <a:r>
+              <a:rPr lang="cs-CZ" sz="1800" dirty="0" err="1"/>
+              <a:t>reason</a:t>
+            </a:r>
+            <a:r>
+              <a:rPr lang="cs-CZ" sz="1800" dirty="0"/>
+              <a:t>, </a:t>
+            </a:r>
+            <a:r>
+              <a:rPr lang="cs-CZ" sz="1800" dirty="0" err="1"/>
+              <a:t>we</a:t>
+            </a:r>
+            <a:r>
+              <a:rPr lang="cs-CZ" sz="1800" dirty="0"/>
+              <a:t> </a:t>
+            </a:r>
+            <a:r>
+              <a:rPr lang="cs-CZ" sz="1800" dirty="0" err="1"/>
+              <a:t>added</a:t>
+            </a:r>
+            <a:r>
+              <a:rPr lang="cs-CZ" sz="1800" dirty="0"/>
+              <a:t> to </a:t>
+            </a:r>
+            <a:r>
+              <a:rPr lang="cs-CZ" sz="1800" dirty="0" err="1"/>
+              <a:t>the</a:t>
+            </a:r>
+            <a:r>
+              <a:rPr lang="cs-CZ" sz="1800" dirty="0"/>
+              <a:t> </a:t>
+            </a:r>
+            <a:r>
+              <a:rPr lang="cs-CZ" sz="1800" dirty="0" err="1"/>
+              <a:t>evaluation</a:t>
+            </a:r>
+            <a:r>
+              <a:rPr lang="cs-CZ" sz="1800" dirty="0"/>
+              <a:t> </a:t>
+            </a:r>
+            <a:r>
+              <a:rPr lang="cs-CZ" sz="1800" dirty="0" err="1"/>
+              <a:t>also</a:t>
+            </a:r>
+            <a:r>
+              <a:rPr lang="cs-CZ" sz="1800" dirty="0"/>
+              <a:t> </a:t>
+            </a:r>
+            <a:r>
+              <a:rPr lang="cs-CZ" sz="1800" b="1" dirty="0" err="1"/>
+              <a:t>Retcliff-Obershelp</a:t>
+            </a:r>
+            <a:r>
+              <a:rPr lang="cs-CZ" sz="1800" b="1" dirty="0"/>
+              <a:t> </a:t>
+            </a:r>
+            <a:r>
+              <a:rPr lang="cs-CZ" sz="1800" b="1" dirty="0" err="1"/>
+              <a:t>similarity</a:t>
+            </a:r>
+            <a:r>
+              <a:rPr lang="cs-CZ" sz="1800" dirty="0"/>
+              <a:t>, </a:t>
+            </a:r>
+            <a:r>
+              <a:rPr lang="cs-CZ" sz="1800" dirty="0" err="1"/>
+              <a:t>which</a:t>
+            </a:r>
+            <a:r>
+              <a:rPr lang="cs-CZ" sz="1800" dirty="0"/>
+              <a:t> </a:t>
+            </a:r>
+            <a:r>
+              <a:rPr lang="cs-CZ" sz="1800" dirty="0" err="1"/>
+              <a:t>takes</a:t>
+            </a:r>
+            <a:r>
+              <a:rPr lang="cs-CZ" sz="1800" dirty="0"/>
+              <a:t> in </a:t>
+            </a:r>
+            <a:r>
+              <a:rPr lang="cs-CZ" sz="1800" dirty="0" err="1"/>
+              <a:t>account</a:t>
+            </a:r>
+            <a:r>
+              <a:rPr lang="cs-CZ" sz="1800" dirty="0"/>
+              <a:t> </a:t>
+            </a:r>
+            <a:r>
+              <a:rPr lang="cs-CZ" sz="1800" dirty="0" err="1"/>
+              <a:t>matching</a:t>
+            </a:r>
+            <a:r>
+              <a:rPr lang="cs-CZ" sz="1800" dirty="0"/>
+              <a:t> </a:t>
+            </a:r>
+            <a:r>
+              <a:rPr lang="cs-CZ" sz="1800" dirty="0" err="1"/>
+              <a:t>characters</a:t>
+            </a:r>
+            <a:r>
+              <a:rPr lang="cs-CZ" sz="1800" dirty="0"/>
+              <a:t> in </a:t>
+            </a:r>
+            <a:r>
+              <a:rPr lang="cs-CZ" sz="1800" dirty="0" err="1"/>
+              <a:t>comparison</a:t>
+            </a:r>
+            <a:r>
+              <a:rPr lang="cs-CZ" sz="1800" dirty="0"/>
+              <a:t> to </a:t>
+            </a:r>
+            <a:r>
+              <a:rPr lang="cs-CZ" sz="1800" dirty="0" err="1"/>
+              <a:t>the</a:t>
+            </a:r>
+            <a:r>
+              <a:rPr lang="cs-CZ" sz="1800" dirty="0"/>
+              <a:t> </a:t>
+            </a:r>
+            <a:r>
+              <a:rPr lang="cs-CZ" sz="1800" dirty="0" err="1"/>
+              <a:t>total</a:t>
+            </a:r>
+            <a:r>
+              <a:rPr lang="cs-CZ" sz="1800" dirty="0"/>
+              <a:t> </a:t>
+            </a:r>
+            <a:r>
+              <a:rPr lang="cs-CZ" sz="1800" dirty="0" err="1"/>
+              <a:t>number</a:t>
+            </a:r>
+            <a:r>
+              <a:rPr lang="cs-CZ" sz="1800" dirty="0"/>
+              <a:t> </a:t>
+            </a:r>
+            <a:r>
+              <a:rPr lang="cs-CZ" sz="1800" dirty="0" err="1"/>
+              <a:t>of</a:t>
+            </a:r>
+            <a:r>
+              <a:rPr lang="cs-CZ" sz="1800" dirty="0"/>
+              <a:t> </a:t>
+            </a:r>
+            <a:r>
+              <a:rPr lang="cs-CZ" sz="1800" dirty="0" err="1"/>
+              <a:t>characters</a:t>
+            </a:r>
+            <a:r>
+              <a:rPr lang="cs-CZ" sz="1800" dirty="0"/>
+              <a:t>.</a:t>
+            </a:r>
+            <a:endParaRPr lang="en-GB" sz="2200" dirty="0">
+              <a:latin typeface="OCR A Extended" panose="02010509020102010303" pitchFamily="50" charset="0"/>
+            </a:endParaRPr>
+          </a:p>
+          <a:p>
+            <a:pPr marL="0" indent="0">
+              <a:buNone/>
+            </a:pPr>
+            <a:endParaRPr lang="en-GB" sz="2400" dirty="0">
+              <a:latin typeface="OCR A Extended" panose="02010509020102010303" pitchFamily="50" charset="0"/>
+            </a:endParaRPr>
+          </a:p>
+          <a:p>
+            <a:pPr marL="0" indent="0">
+              <a:buNone/>
+            </a:pPr>
+            <a:endParaRPr lang="en-GB" sz="2400" dirty="0">
+              <a:latin typeface="OCR A Extended" panose="02010509020102010303" pitchFamily="50" charset="0"/>
+            </a:endParaRPr>
+          </a:p>
+          <a:p>
+            <a:pPr marL="0" indent="0">
+              <a:buNone/>
+            </a:pPr>
+            <a:endParaRPr lang="en-GB" sz="2400" dirty="0">
+              <a:latin typeface="OCR A Extended" panose="02010509020102010303" pitchFamily="50" charset="0"/>
+            </a:endParaRPr>
+          </a:p>
+          <a:p>
+            <a:pPr marL="0" indent="0">
+              <a:buNone/>
+            </a:pPr>
+            <a:endParaRPr lang="en-GB" sz="2400" dirty="0">
+              <a:latin typeface="OCR A Extended" panose="02010509020102010303" pitchFamily="50" charset="0"/>
+            </a:endParaRPr>
+          </a:p>
+          <a:p>
+            <a:pPr marL="0" indent="0">
+              <a:buNone/>
+            </a:pPr>
+            <a:endParaRPr lang="en-GB" sz="2400" dirty="0">
+              <a:latin typeface="OCR A Extended" panose="02010509020102010303" pitchFamily="50" charset="0"/>
+            </a:endParaRPr>
+          </a:p>
+        </p:txBody>
+      </p:sp>
+      <p:graphicFrame>
+        <p:nvGraphicFramePr>
+          <p:cNvPr id="8" name="Tabulka 8">
+            <a:extLst>
+              <a:ext uri="{FF2B5EF4-FFF2-40B4-BE49-F238E27FC236}">
+                <a16:creationId xmlns:a16="http://schemas.microsoft.com/office/drawing/2014/main" id="{48B3D91D-452D-40FB-8658-046C1365BCC1}"/>
+              </a:ext>
+            </a:extLst>
+          </p:cNvPr>
+          <p:cNvGraphicFramePr>
+            <a:graphicFrameLocks noGrp="1"/>
+          </p:cNvGraphicFramePr>
+          <p:nvPr>
+            <p:extLst>
+              <p:ext uri="{D42A27DB-BD31-4B8C-83A1-F6EECF244321}">
+                <p14:modId xmlns:p14="http://schemas.microsoft.com/office/powerpoint/2010/main" val="1340208862"/>
+              </p:ext>
+            </p:extLst>
+          </p:nvPr>
+        </p:nvGraphicFramePr>
+        <p:xfrm>
+          <a:off x="611957" y="4380229"/>
+          <a:ext cx="5652000" cy="741680"/>
+        </p:xfrm>
+        <a:graphic>
+          <a:graphicData uri="http://schemas.openxmlformats.org/drawingml/2006/table">
+            <a:tbl>
+              <a:tblPr firstRow="1" bandRow="1">
+                <a:tableStyleId>{5C22544A-7EE6-4342-B048-85BDC9FD1C3A}</a:tableStyleId>
+              </a:tblPr>
+              <a:tblGrid>
+                <a:gridCol w="1620000">
+                  <a:extLst>
+                    <a:ext uri="{9D8B030D-6E8A-4147-A177-3AD203B41FA5}">
+                      <a16:colId xmlns:a16="http://schemas.microsoft.com/office/drawing/2014/main" val="395065508"/>
+                    </a:ext>
+                  </a:extLst>
+                </a:gridCol>
+                <a:gridCol w="576000">
+                  <a:extLst>
+                    <a:ext uri="{9D8B030D-6E8A-4147-A177-3AD203B41FA5}">
+                      <a16:colId xmlns:a16="http://schemas.microsoft.com/office/drawing/2014/main" val="1282924934"/>
+                    </a:ext>
+                  </a:extLst>
+                </a:gridCol>
+                <a:gridCol w="576000">
+                  <a:extLst>
+                    <a:ext uri="{9D8B030D-6E8A-4147-A177-3AD203B41FA5}">
+                      <a16:colId xmlns:a16="http://schemas.microsoft.com/office/drawing/2014/main" val="1475180463"/>
+                    </a:ext>
+                  </a:extLst>
+                </a:gridCol>
+                <a:gridCol w="576000">
+                  <a:extLst>
+                    <a:ext uri="{9D8B030D-6E8A-4147-A177-3AD203B41FA5}">
+                      <a16:colId xmlns:a16="http://schemas.microsoft.com/office/drawing/2014/main" val="1562939314"/>
+                    </a:ext>
+                  </a:extLst>
+                </a:gridCol>
+                <a:gridCol w="576000">
+                  <a:extLst>
+                    <a:ext uri="{9D8B030D-6E8A-4147-A177-3AD203B41FA5}">
+                      <a16:colId xmlns:a16="http://schemas.microsoft.com/office/drawing/2014/main" val="453244705"/>
+                    </a:ext>
+                  </a:extLst>
+                </a:gridCol>
+                <a:gridCol w="576000">
+                  <a:extLst>
+                    <a:ext uri="{9D8B030D-6E8A-4147-A177-3AD203B41FA5}">
+                      <a16:colId xmlns:a16="http://schemas.microsoft.com/office/drawing/2014/main" val="3666312991"/>
+                    </a:ext>
+                  </a:extLst>
+                </a:gridCol>
+                <a:gridCol w="576000">
+                  <a:extLst>
+                    <a:ext uri="{9D8B030D-6E8A-4147-A177-3AD203B41FA5}">
+                      <a16:colId xmlns:a16="http://schemas.microsoft.com/office/drawing/2014/main" val="28386330"/>
+                    </a:ext>
+                  </a:extLst>
+                </a:gridCol>
+                <a:gridCol w="576000">
+                  <a:extLst>
+                    <a:ext uri="{9D8B030D-6E8A-4147-A177-3AD203B41FA5}">
+                      <a16:colId xmlns:a16="http://schemas.microsoft.com/office/drawing/2014/main" val="1741292844"/>
+                    </a:ext>
+                  </a:extLst>
+                </a:gridCol>
+              </a:tblGrid>
+              <a:tr h="370840">
+                <a:tc>
+                  <a:txBody>
+                    <a:bodyPr/>
+                    <a:lstStyle/>
+                    <a:p>
+                      <a:pPr algn="l"/>
+                      <a:r>
+                        <a:rPr lang="cs-CZ" dirty="0" err="1">
+                          <a:solidFill>
+                            <a:schemeClr val="tx1"/>
+                          </a:solidFill>
+                        </a:rPr>
+                        <a:t>Ground</a:t>
+                      </a:r>
+                      <a:r>
+                        <a:rPr lang="cs-CZ" dirty="0">
+                          <a:solidFill>
+                            <a:schemeClr val="tx1"/>
+                          </a:solidFill>
+                        </a:rPr>
+                        <a:t> </a:t>
+                      </a:r>
+                      <a:r>
+                        <a:rPr lang="cs-CZ" dirty="0" err="1">
+                          <a:solidFill>
+                            <a:schemeClr val="tx1"/>
+                          </a:solidFill>
+                        </a:rPr>
+                        <a:t>truth</a:t>
+                      </a:r>
+                      <a:r>
+                        <a:rPr lang="cs-CZ" dirty="0">
+                          <a:solidFill>
+                            <a:schemeClr val="tx1"/>
+                          </a:solidFill>
+                        </a:rPr>
+                        <a:t>:</a:t>
+                      </a:r>
+                      <a:endParaRPr lang="en-GB" dirty="0">
+                        <a:solidFill>
+                          <a:schemeClr val="tx1"/>
+                        </a:solidFill>
+                      </a:endParaRPr>
+                    </a:p>
+                  </a:txBody>
+                  <a:tcPr anchor="ctr">
+                    <a:lnR w="12700" cap="flat" cmpd="sng" algn="ctr">
+                      <a:solidFill>
+                        <a:schemeClr val="tx1"/>
+                      </a:solidFill>
+                      <a:prstDash val="solid"/>
+                      <a:round/>
+                      <a:headEnd type="none" w="med" len="med"/>
+                      <a:tailEnd type="none" w="med" len="med"/>
+                    </a:lnR>
+                    <a:noFill/>
+                  </a:tcPr>
+                </a:tc>
+                <a:tc>
+                  <a:txBody>
+                    <a:bodyPr/>
+                    <a:lstStyle/>
+                    <a:p>
+                      <a:pPr algn="ctr"/>
+                      <a:r>
+                        <a:rPr lang="cs-CZ" b="0" dirty="0">
+                          <a:solidFill>
+                            <a:schemeClr val="tx1"/>
+                          </a:solidFill>
+                        </a:rPr>
+                        <a:t>C</a:t>
+                      </a:r>
+                      <a:endParaRPr lang="en-GB" b="0" dirty="0">
+                        <a:solidFill>
+                          <a:schemeClr val="tx1"/>
+                        </a:solidFill>
+                      </a:endParaRPr>
+                    </a:p>
+                  </a:txBody>
+                  <a:tcPr anchor="ctr">
+                    <a:lnL w="12700" cap="flat" cmpd="sng" algn="ctr">
+                      <a:solidFill>
+                        <a:schemeClr val="tx1"/>
+                      </a:solidFill>
+                      <a:prstDash val="solid"/>
+                      <a:round/>
+                      <a:headEnd type="none" w="med" len="med"/>
+                      <a:tailEnd type="none" w="med" len="med"/>
+                    </a:lnL>
+                    <a:lnR w="12700" cap="flat" cmpd="sng" algn="ctr">
+                      <a:solidFill>
+                        <a:schemeClr val="tx1"/>
+                      </a:solidFill>
+                      <a:prstDash val="solid"/>
+                      <a:round/>
+                      <a:headEnd type="none" w="med" len="med"/>
+                      <a:tailEnd type="none" w="med" len="med"/>
+                    </a:lnR>
+                    <a:lnT w="12700" cap="flat" cmpd="sng" algn="ctr">
+                      <a:solidFill>
+                        <a:schemeClr val="tx1"/>
+                      </a:solidFill>
+                      <a:prstDash val="solid"/>
+                      <a:round/>
+                      <a:headEnd type="none" w="med" len="med"/>
+                      <a:tailEnd type="none" w="med" len="med"/>
+                    </a:lnT>
+                    <a:lnB w="12700" cap="flat" cmpd="sng" algn="ctr">
+                      <a:solidFill>
+                        <a:schemeClr val="tx1"/>
+                      </a:solidFill>
+                      <a:prstDash val="solid"/>
+                      <a:round/>
+                      <a:headEnd type="none" w="med" len="med"/>
+                      <a:tailEnd type="none" w="med" len="med"/>
+                    </a:lnB>
+                    <a:solidFill>
+                      <a:schemeClr val="accent6">
+                        <a:lumMod val="40000"/>
+                        <a:lumOff val="60000"/>
+                      </a:schemeClr>
+                    </a:solidFill>
+                  </a:tcPr>
+                </a:tc>
+                <a:tc>
+                  <a:txBody>
+                    <a:bodyPr/>
+                    <a:lstStyle/>
+                    <a:p>
+                      <a:pPr algn="ctr"/>
+                      <a:r>
+                        <a:rPr lang="cs-CZ" b="0" dirty="0">
+                          <a:solidFill>
+                            <a:schemeClr val="tx1"/>
+                          </a:solidFill>
+                        </a:rPr>
+                        <a:t>A</a:t>
+                      </a:r>
+                      <a:endParaRPr lang="en-GB" b="0" dirty="0">
+                        <a:solidFill>
+                          <a:schemeClr val="tx1"/>
+                        </a:solidFill>
+                      </a:endParaRPr>
+                    </a:p>
+                  </a:txBody>
+                  <a:tcPr anchor="ctr">
+                    <a:lnL w="12700" cap="flat" cmpd="sng" algn="ctr">
+                      <a:solidFill>
+                        <a:schemeClr val="tx1"/>
+                      </a:solidFill>
+                      <a:prstDash val="solid"/>
+                      <a:round/>
+                      <a:headEnd type="none" w="med" len="med"/>
+                      <a:tailEnd type="none" w="med" len="med"/>
+                    </a:lnL>
+                    <a:lnR w="12700" cap="flat" cmpd="sng" algn="ctr">
+                      <a:solidFill>
+                        <a:schemeClr val="tx1"/>
+                      </a:solidFill>
+                      <a:prstDash val="solid"/>
+                      <a:round/>
+                      <a:headEnd type="none" w="med" len="med"/>
+                      <a:tailEnd type="none" w="med" len="med"/>
+                    </a:lnR>
+                    <a:lnT w="12700" cap="flat" cmpd="sng" algn="ctr">
+                      <a:solidFill>
+                        <a:schemeClr val="tx1"/>
+                      </a:solidFill>
+                      <a:prstDash val="solid"/>
+                      <a:round/>
+                      <a:headEnd type="none" w="med" len="med"/>
+                      <a:tailEnd type="none" w="med" len="med"/>
+                    </a:lnT>
+                    <a:lnB w="12700" cap="flat" cmpd="sng" algn="ctr">
+                      <a:solidFill>
+                        <a:schemeClr val="tx1"/>
+                      </a:solidFill>
+                      <a:prstDash val="solid"/>
+                      <a:round/>
+                      <a:headEnd type="none" w="med" len="med"/>
+                      <a:tailEnd type="none" w="med" len="med"/>
+                    </a:lnB>
+                    <a:solidFill>
+                      <a:schemeClr val="accent6">
+                        <a:lumMod val="40000"/>
+                        <a:lumOff val="60000"/>
+                      </a:schemeClr>
+                    </a:solidFill>
+                  </a:tcPr>
+                </a:tc>
+                <a:tc>
+                  <a:txBody>
+                    <a:bodyPr/>
+                    <a:lstStyle/>
+                    <a:p>
+                      <a:pPr algn="ctr"/>
+                      <a:r>
+                        <a:rPr lang="cs-CZ" b="0" dirty="0">
+                          <a:solidFill>
+                            <a:schemeClr val="tx1"/>
+                          </a:solidFill>
+                        </a:rPr>
+                        <a:t>P</a:t>
+                      </a:r>
+                      <a:endParaRPr lang="en-GB" b="0" dirty="0">
+                        <a:solidFill>
+                          <a:schemeClr val="tx1"/>
+                        </a:solidFill>
+                      </a:endParaRPr>
+                    </a:p>
+                  </a:txBody>
+                  <a:tcPr anchor="ctr">
+                    <a:lnL w="12700" cap="flat" cmpd="sng" algn="ctr">
+                      <a:solidFill>
+                        <a:schemeClr val="tx1"/>
+                      </a:solidFill>
+                      <a:prstDash val="solid"/>
+                      <a:round/>
+                      <a:headEnd type="none" w="med" len="med"/>
+                      <a:tailEnd type="none" w="med" len="med"/>
+                    </a:lnL>
+                    <a:lnR w="12700" cap="flat" cmpd="sng" algn="ctr">
+                      <a:solidFill>
+                        <a:schemeClr val="tx1"/>
+                      </a:solidFill>
+                      <a:prstDash val="solid"/>
+                      <a:round/>
+                      <a:headEnd type="none" w="med" len="med"/>
+                      <a:tailEnd type="none" w="med" len="med"/>
+                    </a:lnR>
+                    <a:lnT w="12700" cap="flat" cmpd="sng" algn="ctr">
+                      <a:solidFill>
+                        <a:schemeClr val="tx1"/>
+                      </a:solidFill>
+                      <a:prstDash val="solid"/>
+                      <a:round/>
+                      <a:headEnd type="none" w="med" len="med"/>
+                      <a:tailEnd type="none" w="med" len="med"/>
+                    </a:lnT>
+                    <a:lnB w="12700" cap="flat" cmpd="sng" algn="ctr">
+                      <a:solidFill>
+                        <a:schemeClr val="tx1"/>
+                      </a:solidFill>
+                      <a:prstDash val="solid"/>
+                      <a:round/>
+                      <a:headEnd type="none" w="med" len="med"/>
+                      <a:tailEnd type="none" w="med" len="med"/>
+                    </a:lnB>
+                    <a:solidFill>
+                      <a:schemeClr val="accent4">
+                        <a:lumMod val="40000"/>
+                        <a:lumOff val="60000"/>
+                      </a:schemeClr>
+                    </a:solidFill>
+                  </a:tcPr>
+                </a:tc>
+                <a:tc>
+                  <a:txBody>
+                    <a:bodyPr/>
+                    <a:lstStyle/>
+                    <a:p>
+                      <a:pPr algn="ctr"/>
+                      <a:r>
+                        <a:rPr lang="cs-CZ" b="0" dirty="0">
+                          <a:solidFill>
+                            <a:schemeClr val="tx1"/>
+                          </a:solidFill>
+                        </a:rPr>
+                        <a:t>T</a:t>
+                      </a:r>
+                      <a:endParaRPr lang="en-GB" b="0" dirty="0">
+                        <a:solidFill>
+                          <a:schemeClr val="tx1"/>
+                        </a:solidFill>
+                      </a:endParaRPr>
+                    </a:p>
+                  </a:txBody>
+                  <a:tcPr anchor="ctr">
+                    <a:lnL w="12700" cap="flat" cmpd="sng" algn="ctr">
+                      <a:solidFill>
+                        <a:schemeClr val="tx1"/>
+                      </a:solidFill>
+                      <a:prstDash val="solid"/>
+                      <a:round/>
+                      <a:headEnd type="none" w="med" len="med"/>
+                      <a:tailEnd type="none" w="med" len="med"/>
+                    </a:lnL>
+                    <a:lnR w="12700" cap="flat" cmpd="sng" algn="ctr">
+                      <a:solidFill>
+                        <a:schemeClr val="tx1"/>
+                      </a:solidFill>
+                      <a:prstDash val="solid"/>
+                      <a:round/>
+                      <a:headEnd type="none" w="med" len="med"/>
+                      <a:tailEnd type="none" w="med" len="med"/>
+                    </a:lnR>
+                    <a:lnT w="12700" cap="flat" cmpd="sng" algn="ctr">
+                      <a:solidFill>
+                        <a:schemeClr val="tx1"/>
+                      </a:solidFill>
+                      <a:prstDash val="solid"/>
+                      <a:round/>
+                      <a:headEnd type="none" w="med" len="med"/>
+                      <a:tailEnd type="none" w="med" len="med"/>
+                    </a:lnT>
+                    <a:lnB w="12700" cap="flat" cmpd="sng" algn="ctr">
+                      <a:solidFill>
+                        <a:schemeClr val="tx1"/>
+                      </a:solidFill>
+                      <a:prstDash val="solid"/>
+                      <a:round/>
+                      <a:headEnd type="none" w="med" len="med"/>
+                      <a:tailEnd type="none" w="med" len="med"/>
+                    </a:lnB>
+                    <a:solidFill>
+                      <a:srgbClr val="FF7C80"/>
+                    </a:solidFill>
+                  </a:tcPr>
+                </a:tc>
+                <a:tc>
+                  <a:txBody>
+                    <a:bodyPr/>
+                    <a:lstStyle/>
+                    <a:p>
+                      <a:pPr algn="ctr"/>
+                      <a:r>
+                        <a:rPr lang="cs-CZ" b="0" dirty="0">
+                          <a:solidFill>
+                            <a:schemeClr val="tx1"/>
+                          </a:solidFill>
+                        </a:rPr>
+                        <a:t>C</a:t>
+                      </a:r>
+                      <a:endParaRPr lang="en-GB" b="0" dirty="0">
+                        <a:solidFill>
+                          <a:schemeClr val="tx1"/>
+                        </a:solidFill>
+                      </a:endParaRPr>
+                    </a:p>
+                  </a:txBody>
+                  <a:tcPr anchor="ctr">
+                    <a:lnL w="12700" cap="flat" cmpd="sng" algn="ctr">
+                      <a:solidFill>
+                        <a:schemeClr val="tx1"/>
+                      </a:solidFill>
+                      <a:prstDash val="solid"/>
+                      <a:round/>
+                      <a:headEnd type="none" w="med" len="med"/>
+                      <a:tailEnd type="none" w="med" len="med"/>
+                    </a:lnL>
+                    <a:lnR w="12700" cap="flat" cmpd="sng" algn="ctr">
+                      <a:solidFill>
+                        <a:schemeClr val="tx1"/>
+                      </a:solidFill>
+                      <a:prstDash val="solid"/>
+                      <a:round/>
+                      <a:headEnd type="none" w="med" len="med"/>
+                      <a:tailEnd type="none" w="med" len="med"/>
+                    </a:lnR>
+                    <a:lnT w="12700" cap="flat" cmpd="sng" algn="ctr">
+                      <a:solidFill>
+                        <a:schemeClr val="tx1"/>
+                      </a:solidFill>
+                      <a:prstDash val="solid"/>
+                      <a:round/>
+                      <a:headEnd type="none" w="med" len="med"/>
+                      <a:tailEnd type="none" w="med" len="med"/>
+                    </a:lnT>
+                    <a:lnB w="12700" cap="flat" cmpd="sng" algn="ctr">
+                      <a:solidFill>
+                        <a:schemeClr val="tx1"/>
+                      </a:solidFill>
+                      <a:prstDash val="solid"/>
+                      <a:round/>
+                      <a:headEnd type="none" w="med" len="med"/>
+                      <a:tailEnd type="none" w="med" len="med"/>
+                    </a:lnB>
+                    <a:solidFill>
+                      <a:schemeClr val="accent6">
+                        <a:lumMod val="40000"/>
+                        <a:lumOff val="60000"/>
+                      </a:schemeClr>
+                    </a:solidFill>
+                  </a:tcPr>
+                </a:tc>
+                <a:tc>
+                  <a:txBody>
+                    <a:bodyPr/>
+                    <a:lstStyle/>
+                    <a:p>
+                      <a:pPr algn="ctr"/>
+                      <a:r>
+                        <a:rPr lang="cs-CZ" b="0" dirty="0">
+                          <a:solidFill>
+                            <a:schemeClr val="tx1"/>
+                          </a:solidFill>
+                        </a:rPr>
+                        <a:t>H</a:t>
+                      </a:r>
+                      <a:endParaRPr lang="en-GB" b="0" dirty="0">
+                        <a:solidFill>
+                          <a:schemeClr val="tx1"/>
+                        </a:solidFill>
+                      </a:endParaRPr>
+                    </a:p>
+                  </a:txBody>
+                  <a:tcPr anchor="ctr">
+                    <a:lnL w="12700" cap="flat" cmpd="sng" algn="ctr">
+                      <a:solidFill>
+                        <a:schemeClr val="tx1"/>
+                      </a:solidFill>
+                      <a:prstDash val="solid"/>
+                      <a:round/>
+                      <a:headEnd type="none" w="med" len="med"/>
+                      <a:tailEnd type="none" w="med" len="med"/>
+                    </a:lnL>
+                    <a:lnR w="12700" cap="flat" cmpd="sng" algn="ctr">
+                      <a:solidFill>
+                        <a:schemeClr val="tx1"/>
+                      </a:solidFill>
+                      <a:prstDash val="solid"/>
+                      <a:round/>
+                      <a:headEnd type="none" w="med" len="med"/>
+                      <a:tailEnd type="none" w="med" len="med"/>
+                    </a:lnR>
+                    <a:lnT w="12700" cap="flat" cmpd="sng" algn="ctr">
+                      <a:solidFill>
+                        <a:schemeClr val="tx1"/>
+                      </a:solidFill>
+                      <a:prstDash val="solid"/>
+                      <a:round/>
+                      <a:headEnd type="none" w="med" len="med"/>
+                      <a:tailEnd type="none" w="med" len="med"/>
+                    </a:lnT>
+                    <a:lnB w="12700" cap="flat" cmpd="sng" algn="ctr">
+                      <a:solidFill>
+                        <a:schemeClr val="tx1"/>
+                      </a:solidFill>
+                      <a:prstDash val="solid"/>
+                      <a:round/>
+                      <a:headEnd type="none" w="med" len="med"/>
+                      <a:tailEnd type="none" w="med" len="med"/>
+                    </a:lnB>
+                    <a:solidFill>
+                      <a:schemeClr val="accent6">
+                        <a:lumMod val="40000"/>
+                        <a:lumOff val="60000"/>
+                      </a:schemeClr>
+                    </a:solidFill>
+                  </a:tcPr>
+                </a:tc>
+                <a:tc>
+                  <a:txBody>
+                    <a:bodyPr/>
+                    <a:lstStyle/>
+                    <a:p>
+                      <a:pPr algn="ctr"/>
+                      <a:r>
+                        <a:rPr lang="cs-CZ" b="0" dirty="0">
+                          <a:solidFill>
+                            <a:schemeClr val="tx1"/>
+                          </a:solidFill>
+                        </a:rPr>
+                        <a:t>A</a:t>
+                      </a:r>
+                      <a:endParaRPr lang="en-GB" b="0" dirty="0">
+                        <a:solidFill>
+                          <a:schemeClr val="tx1"/>
+                        </a:solidFill>
+                      </a:endParaRPr>
+                    </a:p>
+                  </a:txBody>
+                  <a:tcPr anchor="ctr">
+                    <a:lnL w="12700" cap="flat" cmpd="sng" algn="ctr">
+                      <a:solidFill>
+                        <a:schemeClr val="tx1"/>
+                      </a:solidFill>
+                      <a:prstDash val="solid"/>
+                      <a:round/>
+                      <a:headEnd type="none" w="med" len="med"/>
+                      <a:tailEnd type="none" w="med" len="med"/>
+                    </a:lnL>
+                    <a:lnR w="12700" cap="flat" cmpd="sng" algn="ctr">
+                      <a:solidFill>
+                        <a:schemeClr val="tx1"/>
+                      </a:solidFill>
+                      <a:prstDash val="solid"/>
+                      <a:round/>
+                      <a:headEnd type="none" w="med" len="med"/>
+                      <a:tailEnd type="none" w="med" len="med"/>
+                    </a:lnR>
+                    <a:lnT w="12700" cap="flat" cmpd="sng" algn="ctr">
+                      <a:solidFill>
+                        <a:schemeClr val="tx1"/>
+                      </a:solidFill>
+                      <a:prstDash val="solid"/>
+                      <a:round/>
+                      <a:headEnd type="none" w="med" len="med"/>
+                      <a:tailEnd type="none" w="med" len="med"/>
+                    </a:lnT>
+                    <a:lnB w="12700" cap="flat" cmpd="sng" algn="ctr">
+                      <a:solidFill>
+                        <a:schemeClr val="tx1"/>
+                      </a:solidFill>
+                      <a:prstDash val="solid"/>
+                      <a:round/>
+                      <a:headEnd type="none" w="med" len="med"/>
+                      <a:tailEnd type="none" w="med" len="med"/>
+                    </a:lnB>
+                    <a:solidFill>
+                      <a:schemeClr val="accent6">
+                        <a:lumMod val="40000"/>
+                        <a:lumOff val="60000"/>
+                      </a:schemeClr>
+                    </a:solidFill>
+                  </a:tcPr>
+                </a:tc>
+                <a:extLst>
+                  <a:ext uri="{0D108BD9-81ED-4DB2-BD59-A6C34878D82A}">
+                    <a16:rowId xmlns:a16="http://schemas.microsoft.com/office/drawing/2014/main" val="283433331"/>
+                  </a:ext>
+                </a:extLst>
+              </a:tr>
+              <a:tr h="370840">
+                <a:tc>
+                  <a:txBody>
+                    <a:bodyPr/>
+                    <a:lstStyle/>
+                    <a:p>
+                      <a:pPr algn="l"/>
+                      <a:r>
+                        <a:rPr lang="cs-CZ" b="1" dirty="0" err="1"/>
+                        <a:t>Prediction</a:t>
+                      </a:r>
+                      <a:r>
+                        <a:rPr lang="cs-CZ" b="1" dirty="0"/>
+                        <a:t>:</a:t>
+                      </a:r>
+                      <a:endParaRPr lang="en-GB" b="1" dirty="0"/>
+                    </a:p>
+                  </a:txBody>
+                  <a:tcPr anchor="ctr">
+                    <a:lnR w="12700" cap="flat" cmpd="sng" algn="ctr">
+                      <a:solidFill>
+                        <a:schemeClr val="tx1"/>
+                      </a:solidFill>
+                      <a:prstDash val="solid"/>
+                      <a:round/>
+                      <a:headEnd type="none" w="med" len="med"/>
+                      <a:tailEnd type="none" w="med" len="med"/>
+                    </a:lnR>
+                    <a:noFill/>
+                  </a:tcPr>
+                </a:tc>
+                <a:tc>
+                  <a:txBody>
+                    <a:bodyPr/>
+                    <a:lstStyle/>
+                    <a:p>
+                      <a:pPr algn="ctr"/>
+                      <a:r>
+                        <a:rPr lang="cs-CZ" b="0" dirty="0">
+                          <a:solidFill>
+                            <a:schemeClr val="tx1"/>
+                          </a:solidFill>
+                        </a:rPr>
+                        <a:t>C</a:t>
+                      </a:r>
+                      <a:endParaRPr lang="en-GB" b="0" dirty="0">
+                        <a:solidFill>
+                          <a:schemeClr val="tx1"/>
+                        </a:solidFill>
+                      </a:endParaRPr>
+                    </a:p>
+                  </a:txBody>
+                  <a:tcPr anchor="ctr">
+                    <a:lnL w="12700" cap="flat" cmpd="sng" algn="ctr">
+                      <a:solidFill>
+                        <a:schemeClr val="tx1"/>
+                      </a:solidFill>
+                      <a:prstDash val="solid"/>
+                      <a:round/>
+                      <a:headEnd type="none" w="med" len="med"/>
+                      <a:tailEnd type="none" w="med" len="med"/>
+                    </a:lnL>
+                    <a:lnR w="12700" cap="flat" cmpd="sng" algn="ctr">
+                      <a:solidFill>
+                        <a:schemeClr val="tx1"/>
+                      </a:solidFill>
+                      <a:prstDash val="solid"/>
+                      <a:round/>
+                      <a:headEnd type="none" w="med" len="med"/>
+                      <a:tailEnd type="none" w="med" len="med"/>
+                    </a:lnR>
+                    <a:lnT w="12700" cap="flat" cmpd="sng" algn="ctr">
+                      <a:solidFill>
+                        <a:schemeClr val="tx1"/>
+                      </a:solidFill>
+                      <a:prstDash val="solid"/>
+                      <a:round/>
+                      <a:headEnd type="none" w="med" len="med"/>
+                      <a:tailEnd type="none" w="med" len="med"/>
+                    </a:lnT>
+                    <a:lnB w="12700" cap="flat" cmpd="sng" algn="ctr">
+                      <a:solidFill>
+                        <a:schemeClr val="tx1"/>
+                      </a:solidFill>
+                      <a:prstDash val="solid"/>
+                      <a:round/>
+                      <a:headEnd type="none" w="med" len="med"/>
+                      <a:tailEnd type="none" w="med" len="med"/>
+                    </a:lnB>
+                    <a:solidFill>
+                      <a:schemeClr val="accent6">
+                        <a:lumMod val="40000"/>
+                        <a:lumOff val="60000"/>
+                      </a:schemeClr>
+                    </a:solidFill>
+                  </a:tcPr>
+                </a:tc>
+                <a:tc>
+                  <a:txBody>
+                    <a:bodyPr/>
+                    <a:lstStyle/>
+                    <a:p>
+                      <a:pPr algn="ctr"/>
+                      <a:r>
+                        <a:rPr lang="cs-CZ" b="0" dirty="0">
+                          <a:solidFill>
+                            <a:schemeClr val="tx1"/>
+                          </a:solidFill>
+                        </a:rPr>
+                        <a:t>A</a:t>
+                      </a:r>
+                      <a:endParaRPr lang="en-GB" b="0" dirty="0">
+                        <a:solidFill>
+                          <a:schemeClr val="tx1"/>
+                        </a:solidFill>
+                      </a:endParaRPr>
+                    </a:p>
+                  </a:txBody>
+                  <a:tcPr anchor="ctr">
+                    <a:lnL w="12700" cap="flat" cmpd="sng" algn="ctr">
+                      <a:solidFill>
+                        <a:schemeClr val="tx1"/>
+                      </a:solidFill>
+                      <a:prstDash val="solid"/>
+                      <a:round/>
+                      <a:headEnd type="none" w="med" len="med"/>
+                      <a:tailEnd type="none" w="med" len="med"/>
+                    </a:lnL>
+                    <a:lnR w="12700" cap="flat" cmpd="sng" algn="ctr">
+                      <a:solidFill>
+                        <a:schemeClr val="tx1"/>
+                      </a:solidFill>
+                      <a:prstDash val="solid"/>
+                      <a:round/>
+                      <a:headEnd type="none" w="med" len="med"/>
+                      <a:tailEnd type="none" w="med" len="med"/>
+                    </a:lnR>
+                    <a:lnT w="12700" cap="flat" cmpd="sng" algn="ctr">
+                      <a:solidFill>
+                        <a:schemeClr val="tx1"/>
+                      </a:solidFill>
+                      <a:prstDash val="solid"/>
+                      <a:round/>
+                      <a:headEnd type="none" w="med" len="med"/>
+                      <a:tailEnd type="none" w="med" len="med"/>
+                    </a:lnT>
+                    <a:lnB w="12700" cap="flat" cmpd="sng" algn="ctr">
+                      <a:solidFill>
+                        <a:schemeClr val="tx1"/>
+                      </a:solidFill>
+                      <a:prstDash val="solid"/>
+                      <a:round/>
+                      <a:headEnd type="none" w="med" len="med"/>
+                      <a:tailEnd type="none" w="med" len="med"/>
+                    </a:lnB>
+                    <a:solidFill>
+                      <a:schemeClr val="accent6">
+                        <a:lumMod val="40000"/>
+                        <a:lumOff val="60000"/>
+                      </a:schemeClr>
+                    </a:solidFill>
+                  </a:tcPr>
+                </a:tc>
+                <a:tc>
+                  <a:txBody>
+                    <a:bodyPr/>
+                    <a:lstStyle/>
+                    <a:p>
+                      <a:pPr algn="ctr"/>
+                      <a:r>
+                        <a:rPr lang="cs-CZ" b="0" dirty="0">
+                          <a:solidFill>
+                            <a:schemeClr val="tx1"/>
+                          </a:solidFill>
+                        </a:rPr>
+                        <a:t>I</a:t>
+                      </a:r>
+                      <a:endParaRPr lang="en-GB" b="0" dirty="0">
+                        <a:solidFill>
+                          <a:schemeClr val="tx1"/>
+                        </a:solidFill>
+                      </a:endParaRPr>
+                    </a:p>
+                  </a:txBody>
+                  <a:tcPr anchor="ctr">
+                    <a:lnL w="12700" cap="flat" cmpd="sng" algn="ctr">
+                      <a:solidFill>
+                        <a:schemeClr val="tx1"/>
+                      </a:solidFill>
+                      <a:prstDash val="solid"/>
+                      <a:round/>
+                      <a:headEnd type="none" w="med" len="med"/>
+                      <a:tailEnd type="none" w="med" len="med"/>
+                    </a:lnL>
+                    <a:lnR w="12700" cap="flat" cmpd="sng" algn="ctr">
+                      <a:solidFill>
+                        <a:schemeClr val="tx1"/>
+                      </a:solidFill>
+                      <a:prstDash val="solid"/>
+                      <a:round/>
+                      <a:headEnd type="none" w="med" len="med"/>
+                      <a:tailEnd type="none" w="med" len="med"/>
+                    </a:lnR>
+                    <a:lnT w="12700" cap="flat" cmpd="sng" algn="ctr">
+                      <a:solidFill>
+                        <a:schemeClr val="tx1"/>
+                      </a:solidFill>
+                      <a:prstDash val="solid"/>
+                      <a:round/>
+                      <a:headEnd type="none" w="med" len="med"/>
+                      <a:tailEnd type="none" w="med" len="med"/>
+                    </a:lnT>
+                    <a:lnB w="12700" cap="flat" cmpd="sng" algn="ctr">
+                      <a:solidFill>
+                        <a:schemeClr val="tx1"/>
+                      </a:solidFill>
+                      <a:prstDash val="solid"/>
+                      <a:round/>
+                      <a:headEnd type="none" w="med" len="med"/>
+                      <a:tailEnd type="none" w="med" len="med"/>
+                    </a:lnB>
+                    <a:solidFill>
+                      <a:srgbClr val="FF7C80"/>
+                    </a:solidFill>
+                  </a:tcPr>
+                </a:tc>
+                <a:tc>
+                  <a:txBody>
+                    <a:bodyPr/>
+                    <a:lstStyle/>
+                    <a:p>
+                      <a:pPr algn="ctr"/>
+                      <a:r>
+                        <a:rPr lang="cs-CZ" b="0" dirty="0">
+                          <a:solidFill>
+                            <a:schemeClr val="tx1"/>
+                          </a:solidFill>
+                        </a:rPr>
+                        <a:t>P</a:t>
+                      </a:r>
+                      <a:endParaRPr lang="en-GB" b="0" dirty="0">
+                        <a:solidFill>
+                          <a:schemeClr val="tx1"/>
+                        </a:solidFill>
+                      </a:endParaRPr>
+                    </a:p>
+                  </a:txBody>
+                  <a:tcPr anchor="ctr">
+                    <a:lnL w="12700" cap="flat" cmpd="sng" algn="ctr">
+                      <a:solidFill>
+                        <a:schemeClr val="tx1"/>
+                      </a:solidFill>
+                      <a:prstDash val="solid"/>
+                      <a:round/>
+                      <a:headEnd type="none" w="med" len="med"/>
+                      <a:tailEnd type="none" w="med" len="med"/>
+                    </a:lnL>
+                    <a:lnR w="12700" cap="flat" cmpd="sng" algn="ctr">
+                      <a:solidFill>
+                        <a:schemeClr val="tx1"/>
+                      </a:solidFill>
+                      <a:prstDash val="solid"/>
+                      <a:round/>
+                      <a:headEnd type="none" w="med" len="med"/>
+                      <a:tailEnd type="none" w="med" len="med"/>
+                    </a:lnR>
+                    <a:lnT w="12700" cap="flat" cmpd="sng" algn="ctr">
+                      <a:solidFill>
+                        <a:schemeClr val="tx1"/>
+                      </a:solidFill>
+                      <a:prstDash val="solid"/>
+                      <a:round/>
+                      <a:headEnd type="none" w="med" len="med"/>
+                      <a:tailEnd type="none" w="med" len="med"/>
+                    </a:lnT>
+                    <a:lnB w="12700" cap="flat" cmpd="sng" algn="ctr">
+                      <a:solidFill>
+                        <a:schemeClr val="tx1"/>
+                      </a:solidFill>
+                      <a:prstDash val="solid"/>
+                      <a:round/>
+                      <a:headEnd type="none" w="med" len="med"/>
+                      <a:tailEnd type="none" w="med" len="med"/>
+                    </a:lnB>
+                    <a:solidFill>
+                      <a:schemeClr val="accent4">
+                        <a:lumMod val="40000"/>
+                        <a:lumOff val="60000"/>
+                      </a:schemeClr>
+                    </a:solidFill>
+                  </a:tcPr>
+                </a:tc>
+                <a:tc>
+                  <a:txBody>
+                    <a:bodyPr/>
+                    <a:lstStyle/>
+                    <a:p>
+                      <a:pPr algn="ctr"/>
+                      <a:r>
+                        <a:rPr lang="cs-CZ" b="0" dirty="0">
+                          <a:solidFill>
+                            <a:schemeClr val="tx1"/>
+                          </a:solidFill>
+                        </a:rPr>
+                        <a:t>C</a:t>
+                      </a:r>
+                      <a:endParaRPr lang="en-GB" b="0" dirty="0">
+                        <a:solidFill>
+                          <a:schemeClr val="tx1"/>
+                        </a:solidFill>
+                      </a:endParaRPr>
+                    </a:p>
+                  </a:txBody>
+                  <a:tcPr anchor="ctr">
+                    <a:lnL w="12700" cap="flat" cmpd="sng" algn="ctr">
+                      <a:solidFill>
+                        <a:schemeClr val="tx1"/>
+                      </a:solidFill>
+                      <a:prstDash val="solid"/>
+                      <a:round/>
+                      <a:headEnd type="none" w="med" len="med"/>
+                      <a:tailEnd type="none" w="med" len="med"/>
+                    </a:lnL>
+                    <a:lnR w="12700" cap="flat" cmpd="sng" algn="ctr">
+                      <a:solidFill>
+                        <a:schemeClr val="tx1"/>
+                      </a:solidFill>
+                      <a:prstDash val="solid"/>
+                      <a:round/>
+                      <a:headEnd type="none" w="med" len="med"/>
+                      <a:tailEnd type="none" w="med" len="med"/>
+                    </a:lnR>
+                    <a:lnT w="12700" cap="flat" cmpd="sng" algn="ctr">
+                      <a:solidFill>
+                        <a:schemeClr val="tx1"/>
+                      </a:solidFill>
+                      <a:prstDash val="solid"/>
+                      <a:round/>
+                      <a:headEnd type="none" w="med" len="med"/>
+                      <a:tailEnd type="none" w="med" len="med"/>
+                    </a:lnT>
+                    <a:lnB w="12700" cap="flat" cmpd="sng" algn="ctr">
+                      <a:solidFill>
+                        <a:schemeClr val="tx1"/>
+                      </a:solidFill>
+                      <a:prstDash val="solid"/>
+                      <a:round/>
+                      <a:headEnd type="none" w="med" len="med"/>
+                      <a:tailEnd type="none" w="med" len="med"/>
+                    </a:lnB>
+                    <a:solidFill>
+                      <a:schemeClr val="accent6">
+                        <a:lumMod val="40000"/>
+                        <a:lumOff val="60000"/>
+                      </a:schemeClr>
+                    </a:solidFill>
+                  </a:tcPr>
+                </a:tc>
+                <a:tc>
+                  <a:txBody>
+                    <a:bodyPr/>
+                    <a:lstStyle/>
+                    <a:p>
+                      <a:pPr algn="ctr"/>
+                      <a:r>
+                        <a:rPr lang="cs-CZ" b="0" dirty="0">
+                          <a:solidFill>
+                            <a:schemeClr val="tx1"/>
+                          </a:solidFill>
+                        </a:rPr>
+                        <a:t>H</a:t>
+                      </a:r>
+                      <a:endParaRPr lang="en-GB" b="0" dirty="0">
+                        <a:solidFill>
+                          <a:schemeClr val="tx1"/>
+                        </a:solidFill>
+                      </a:endParaRPr>
+                    </a:p>
+                  </a:txBody>
+                  <a:tcPr anchor="ctr">
+                    <a:lnL w="12700" cap="flat" cmpd="sng" algn="ctr">
+                      <a:solidFill>
+                        <a:schemeClr val="tx1"/>
+                      </a:solidFill>
+                      <a:prstDash val="solid"/>
+                      <a:round/>
+                      <a:headEnd type="none" w="med" len="med"/>
+                      <a:tailEnd type="none" w="med" len="med"/>
+                    </a:lnL>
+                    <a:lnR w="12700" cap="flat" cmpd="sng" algn="ctr">
+                      <a:solidFill>
+                        <a:schemeClr val="tx1"/>
+                      </a:solidFill>
+                      <a:prstDash val="solid"/>
+                      <a:round/>
+                      <a:headEnd type="none" w="med" len="med"/>
+                      <a:tailEnd type="none" w="med" len="med"/>
+                    </a:lnR>
+                    <a:lnT w="12700" cap="flat" cmpd="sng" algn="ctr">
+                      <a:solidFill>
+                        <a:schemeClr val="tx1"/>
+                      </a:solidFill>
+                      <a:prstDash val="solid"/>
+                      <a:round/>
+                      <a:headEnd type="none" w="med" len="med"/>
+                      <a:tailEnd type="none" w="med" len="med"/>
+                    </a:lnT>
+                    <a:lnB w="12700" cap="flat" cmpd="sng" algn="ctr">
+                      <a:solidFill>
+                        <a:schemeClr val="tx1"/>
+                      </a:solidFill>
+                      <a:prstDash val="solid"/>
+                      <a:round/>
+                      <a:headEnd type="none" w="med" len="med"/>
+                      <a:tailEnd type="none" w="med" len="med"/>
+                    </a:lnB>
+                    <a:solidFill>
+                      <a:schemeClr val="accent6">
+                        <a:lumMod val="40000"/>
+                        <a:lumOff val="60000"/>
+                      </a:schemeClr>
+                    </a:solidFill>
+                  </a:tcPr>
+                </a:tc>
+                <a:tc>
+                  <a:txBody>
+                    <a:bodyPr/>
+                    <a:lstStyle/>
+                    <a:p>
+                      <a:pPr algn="ctr"/>
+                      <a:r>
+                        <a:rPr lang="cs-CZ" b="0" dirty="0">
+                          <a:solidFill>
+                            <a:schemeClr val="tx1"/>
+                          </a:solidFill>
+                        </a:rPr>
+                        <a:t>A</a:t>
+                      </a:r>
+                      <a:endParaRPr lang="en-GB" b="0" dirty="0">
+                        <a:solidFill>
+                          <a:schemeClr val="tx1"/>
+                        </a:solidFill>
+                      </a:endParaRPr>
+                    </a:p>
+                  </a:txBody>
+                  <a:tcPr anchor="ctr">
+                    <a:lnL w="12700" cap="flat" cmpd="sng" algn="ctr">
+                      <a:solidFill>
+                        <a:schemeClr val="tx1"/>
+                      </a:solidFill>
+                      <a:prstDash val="solid"/>
+                      <a:round/>
+                      <a:headEnd type="none" w="med" len="med"/>
+                      <a:tailEnd type="none" w="med" len="med"/>
+                    </a:lnL>
+                    <a:lnR w="12700" cap="flat" cmpd="sng" algn="ctr">
+                      <a:solidFill>
+                        <a:schemeClr val="tx1"/>
+                      </a:solidFill>
+                      <a:prstDash val="solid"/>
+                      <a:round/>
+                      <a:headEnd type="none" w="med" len="med"/>
+                      <a:tailEnd type="none" w="med" len="med"/>
+                    </a:lnR>
+                    <a:lnT w="12700" cap="flat" cmpd="sng" algn="ctr">
+                      <a:solidFill>
+                        <a:schemeClr val="tx1"/>
+                      </a:solidFill>
+                      <a:prstDash val="solid"/>
+                      <a:round/>
+                      <a:headEnd type="none" w="med" len="med"/>
+                      <a:tailEnd type="none" w="med" len="med"/>
+                    </a:lnT>
+                    <a:lnB w="12700" cap="flat" cmpd="sng" algn="ctr">
+                      <a:solidFill>
+                        <a:schemeClr val="tx1"/>
+                      </a:solidFill>
+                      <a:prstDash val="solid"/>
+                      <a:round/>
+                      <a:headEnd type="none" w="med" len="med"/>
+                      <a:tailEnd type="none" w="med" len="med"/>
+                    </a:lnB>
+                    <a:solidFill>
+                      <a:schemeClr val="accent6">
+                        <a:lumMod val="40000"/>
+                        <a:lumOff val="60000"/>
+                      </a:schemeClr>
+                    </a:solidFill>
+                  </a:tcPr>
+                </a:tc>
+                <a:extLst>
+                  <a:ext uri="{0D108BD9-81ED-4DB2-BD59-A6C34878D82A}">
+                    <a16:rowId xmlns:a16="http://schemas.microsoft.com/office/drawing/2014/main" val="2607767094"/>
+                  </a:ext>
+                </a:extLst>
+              </a:tr>
+            </a:tbl>
+          </a:graphicData>
+        </a:graphic>
+      </p:graphicFrame>
+      <mc:AlternateContent xmlns:mc="http://schemas.openxmlformats.org/markup-compatibility/2006">
+        <mc:Choice xmlns:a14="http://schemas.microsoft.com/office/drawing/2010/main" Requires="a14">
+          <p:sp>
+            <p:nvSpPr>
+              <p:cNvPr id="9" name="TextovéPole 8">
+                <a:extLst>
+                  <a:ext uri="{FF2B5EF4-FFF2-40B4-BE49-F238E27FC236}">
+                    <a16:creationId xmlns:a16="http://schemas.microsoft.com/office/drawing/2014/main" id="{BA7D0BE6-A6F1-496B-9DA6-035F5B2A2B92}"/>
+                  </a:ext>
+                </a:extLst>
+              </p:cNvPr>
+              <p:cNvSpPr txBox="1"/>
+              <p:nvPr/>
+            </p:nvSpPr>
+            <p:spPr>
+              <a:xfrm>
+                <a:off x="7239785" y="4205374"/>
+                <a:ext cx="4604207" cy="1091389"/>
+              </a:xfrm>
+              <a:prstGeom prst="rect">
+                <a:avLst/>
+              </a:prstGeom>
+              <a:noFill/>
+            </p:spPr>
+            <p:txBody>
+              <a:bodyPr wrap="square" rtlCol="0">
+                <a:spAutoFit/>
+              </a:bodyPr>
+              <a:lstStyle/>
+              <a:p>
+                <a:r>
+                  <a:rPr lang="cs-CZ" dirty="0"/>
+                  <a:t>Accuracy = 0</a:t>
+                </a:r>
+              </a:p>
+              <a:p>
+                <a:endParaRPr lang="cs-CZ" dirty="0"/>
+              </a:p>
+              <a:p>
+                <a:r>
+                  <a:rPr lang="cs-CZ" dirty="0"/>
+                  <a:t>RO = </a:t>
+                </a:r>
+                <a14:m>
+                  <m:oMath xmlns:m="http://schemas.openxmlformats.org/officeDocument/2006/math">
+                    <m:f>
+                      <m:fPr>
+                        <m:ctrlPr>
+                          <a:rPr lang="cs-CZ" i="1" smtClean="0"/>
+                        </m:ctrlPr>
+                      </m:fPr>
+                      <m:num>
+                        <m:r>
+                          <a:rPr lang="cs-CZ" b="0" i="1" smtClean="0"/>
+                          <m:t>2(</m:t>
+                        </m:r>
+                        <m:d>
+                          <m:dPr>
+                            <m:begChr m:val="|"/>
+                            <m:endChr m:val="|"/>
+                            <m:ctrlPr>
+                              <a:rPr lang="cs-CZ" b="0" i="1" smtClean="0"/>
+                            </m:ctrlPr>
+                          </m:dPr>
+                          <m:e>
+                            <m:r>
+                              <a:rPr lang="cs-CZ" b="0" i="1" smtClean="0"/>
+                              <m:t>𝐶𝐴</m:t>
+                            </m:r>
+                          </m:e>
+                        </m:d>
+                        <m:r>
+                          <a:rPr lang="cs-CZ" b="0" i="1" smtClean="0"/>
+                          <m:t>+</m:t>
+                        </m:r>
+                        <m:d>
+                          <m:dPr>
+                            <m:begChr m:val="|"/>
+                            <m:endChr m:val="|"/>
+                            <m:ctrlPr>
+                              <a:rPr lang="cs-CZ" b="0" i="1" smtClean="0"/>
+                            </m:ctrlPr>
+                          </m:dPr>
+                          <m:e>
+                            <m:r>
+                              <a:rPr lang="cs-CZ" b="0" i="1" smtClean="0"/>
+                              <m:t>𝐶𝐻𝐴</m:t>
+                            </m:r>
+                          </m:e>
+                        </m:d>
+                        <m:r>
+                          <a:rPr lang="cs-CZ" b="0" i="1" smtClean="0"/>
+                          <m:t>+|</m:t>
+                        </m:r>
+                        <m:r>
+                          <a:rPr lang="cs-CZ" b="0" i="1" smtClean="0"/>
+                          <m:t>𝑃</m:t>
+                        </m:r>
+                        <m:r>
+                          <a:rPr lang="cs-CZ" b="0" i="1" smtClean="0"/>
+                          <m:t>|)</m:t>
+                        </m:r>
+                      </m:num>
+                      <m:den>
+                        <m:d>
+                          <m:dPr>
+                            <m:begChr m:val="|"/>
+                            <m:endChr m:val="|"/>
+                            <m:ctrlPr>
+                              <a:rPr lang="cs-CZ" b="0" i="1" smtClean="0"/>
+                            </m:ctrlPr>
+                          </m:dPr>
+                          <m:e>
+                            <m:r>
+                              <a:rPr lang="cs-CZ" b="0" i="1" smtClean="0"/>
+                              <m:t>𝐶𝐴𝑃𝑇𝐶𝐻𝐴</m:t>
+                            </m:r>
+                          </m:e>
+                        </m:d>
+                        <m:r>
+                          <a:rPr lang="cs-CZ" b="0" i="1" smtClean="0"/>
+                          <m:t>+|</m:t>
+                        </m:r>
+                        <m:r>
+                          <a:rPr lang="cs-CZ" b="0" i="1" smtClean="0"/>
+                          <m:t>𝐶𝐴𝐼𝑃𝐶𝐻𝐴</m:t>
+                        </m:r>
+                        <m:r>
+                          <a:rPr lang="cs-CZ" b="0" i="1" smtClean="0"/>
+                          <m:t>|</m:t>
+                        </m:r>
+                      </m:den>
+                    </m:f>
+                    <m:r>
+                      <a:rPr lang="cs-CZ" b="0" i="1" smtClean="0"/>
+                      <m:t>=</m:t>
+                    </m:r>
+                    <m:f>
+                      <m:fPr>
+                        <m:ctrlPr>
+                          <a:rPr lang="cs-CZ" b="0" i="1" smtClean="0"/>
+                        </m:ctrlPr>
+                      </m:fPr>
+                      <m:num>
+                        <m:r>
+                          <a:rPr lang="cs-CZ" b="0" i="1" smtClean="0"/>
+                          <m:t>2(2+3+1)</m:t>
+                        </m:r>
+                      </m:num>
+                      <m:den>
+                        <m:r>
+                          <a:rPr lang="cs-CZ" b="0" i="1" smtClean="0"/>
+                          <m:t>7+7</m:t>
+                        </m:r>
+                      </m:den>
+                    </m:f>
+                    <m:r>
+                      <a:rPr lang="cs-CZ" b="0" i="1" smtClean="0"/>
+                      <m:t>=0.85</m:t>
+                    </m:r>
+                  </m:oMath>
+                </a14:m>
+                <a:endParaRPr lang="en-GB" dirty="0"/>
+              </a:p>
+            </p:txBody>
+          </p:sp>
+        </mc:Choice>
+        <mc:Fallback>
+          <p:sp>
+            <p:nvSpPr>
+              <p:cNvPr id="9" name="TextovéPole 8">
+                <a:extLst>
+                  <a:ext uri="{FF2B5EF4-FFF2-40B4-BE49-F238E27FC236}">
+                    <a16:creationId xmlns:a16="http://schemas.microsoft.com/office/drawing/2014/main" id="{BA7D0BE6-A6F1-496B-9DA6-035F5B2A2B92}"/>
+                  </a:ext>
+                </a:extLst>
+              </p:cNvPr>
+              <p:cNvSpPr txBox="1">
+                <a:spLocks noRot="1" noChangeAspect="1" noMove="1" noResize="1" noEditPoints="1" noAdjustHandles="1" noChangeArrowheads="1" noChangeShapeType="1" noTextEdit="1"/>
+              </p:cNvSpPr>
+              <p:nvPr/>
+            </p:nvSpPr>
+            <p:spPr>
+              <a:xfrm>
+                <a:off x="7239785" y="4205374"/>
+                <a:ext cx="4604207" cy="1091389"/>
+              </a:xfrm>
+              <a:prstGeom prst="rect">
+                <a:avLst/>
+              </a:prstGeom>
+              <a:blipFill>
+                <a:blip r:embed="rId3"/>
+                <a:stretch>
+                  <a:fillRect l="-1192" t="-3352" b="-2793"/>
+                </a:stretch>
+              </a:blipFill>
+            </p:spPr>
+            <p:txBody>
+              <a:bodyPr/>
+              <a:lstStyle/>
+              <a:p>
+                <a:r>
+                  <a:rPr lang="en-GB">
+                    <a:noFill/>
+                  </a:rPr>
+                  <a:t> </a:t>
+                </a:r>
+              </a:p>
+            </p:txBody>
+          </p:sp>
+        </mc:Fallback>
+      </mc:AlternateContent>
+      <p:cxnSp>
+        <p:nvCxnSpPr>
+          <p:cNvPr id="11" name="Přímá spojnice se šipkou 10">
+            <a:extLst>
+              <a:ext uri="{FF2B5EF4-FFF2-40B4-BE49-F238E27FC236}">
+                <a16:creationId xmlns:a16="http://schemas.microsoft.com/office/drawing/2014/main" id="{DAA2D38D-2135-4B1A-86D6-C20888E0D5D7}"/>
+              </a:ext>
+            </a:extLst>
+          </p:cNvPr>
+          <p:cNvCxnSpPr/>
+          <p:nvPr/>
+        </p:nvCxnSpPr>
+        <p:spPr>
+          <a:xfrm flipV="1">
+            <a:off x="6438507" y="4449452"/>
+            <a:ext cx="678730" cy="226243"/>
+          </a:xfrm>
+          <a:prstGeom prst="straightConnector1">
+            <a:avLst/>
+          </a:prstGeom>
+          <a:ln w="28575">
+            <a:tailEnd type="triangle"/>
+          </a:ln>
+        </p:spPr>
+        <p:style>
+          <a:lnRef idx="1">
+            <a:schemeClr val="accent4"/>
+          </a:lnRef>
+          <a:fillRef idx="0">
+            <a:schemeClr val="accent4"/>
+          </a:fillRef>
+          <a:effectRef idx="0">
+            <a:schemeClr val="accent4"/>
+          </a:effectRef>
+          <a:fontRef idx="minor">
+            <a:schemeClr val="tx1"/>
+          </a:fontRef>
+        </p:style>
+      </p:cxnSp>
+      <p:cxnSp>
+        <p:nvCxnSpPr>
+          <p:cNvPr id="12" name="Přímá spojnice se šipkou 11">
+            <a:extLst>
+              <a:ext uri="{FF2B5EF4-FFF2-40B4-BE49-F238E27FC236}">
+                <a16:creationId xmlns:a16="http://schemas.microsoft.com/office/drawing/2014/main" id="{4F8B3E8F-A7AF-4780-9224-233FA21AAD64}"/>
+              </a:ext>
+            </a:extLst>
+          </p:cNvPr>
+          <p:cNvCxnSpPr>
+            <a:cxnSpLocks/>
+          </p:cNvCxnSpPr>
+          <p:nvPr/>
+        </p:nvCxnSpPr>
+        <p:spPr>
+          <a:xfrm>
+            <a:off x="6441638" y="4685081"/>
+            <a:ext cx="678730" cy="226243"/>
+          </a:xfrm>
+          <a:prstGeom prst="straightConnector1">
+            <a:avLst/>
+          </a:prstGeom>
+          <a:ln w="28575">
+            <a:tailEnd type="triangle"/>
+          </a:ln>
+        </p:spPr>
+        <p:style>
+          <a:lnRef idx="1">
+            <a:schemeClr val="accent4"/>
+          </a:lnRef>
+          <a:fillRef idx="0">
+            <a:schemeClr val="accent4"/>
+          </a:fillRef>
+          <a:effectRef idx="0">
+            <a:schemeClr val="accent4"/>
+          </a:effectRef>
+          <a:fontRef idx="minor">
+            <a:schemeClr val="tx1"/>
+          </a:fontRef>
+        </p:style>
+      </p:cxnSp>
     </p:spTree>
     <p:extLst>
       <p:ext uri="{BB962C8B-B14F-4D97-AF65-F5344CB8AC3E}">
-        <p14:creationId xmlns:p14="http://schemas.microsoft.com/office/powerpoint/2010/main" val="1894603301"/>
+        <p14:creationId xmlns:p14="http://schemas.microsoft.com/office/powerpoint/2010/main" val="3759708609"/>
       </p:ext>
     </p:extLst>
   </p:cSld>
@@ -9747,6 +11592,58 @@
       </p:grpSpPr>
       <p:sp>
         <p:nvSpPr>
+          <p:cNvPr id="11" name="Obdélník 10">
+            <a:extLst>
+              <a:ext uri="{FF2B5EF4-FFF2-40B4-BE49-F238E27FC236}">
+                <a16:creationId xmlns:a16="http://schemas.microsoft.com/office/drawing/2014/main" id="{469E1CFC-9F80-484C-8EC4-AA7D00838C7A}"/>
+              </a:ext>
+            </a:extLst>
+          </p:cNvPr>
+          <p:cNvSpPr/>
+          <p:nvPr/>
+        </p:nvSpPr>
+        <p:spPr>
+          <a:xfrm>
+            <a:off x="0" y="2919662"/>
+            <a:ext cx="12192000" cy="3938338"/>
+          </a:xfrm>
+          <a:prstGeom prst="rect">
+            <a:avLst/>
+          </a:prstGeom>
+          <a:solidFill>
+            <a:srgbClr val="FFC000"/>
+          </a:solidFill>
+          <a:ln>
+            <a:noFill/>
+          </a:ln>
+        </p:spPr>
+        <p:style>
+          <a:lnRef idx="2">
+            <a:schemeClr val="accent1">
+              <a:shade val="50000"/>
+            </a:schemeClr>
+          </a:lnRef>
+          <a:fillRef idx="1">
+            <a:schemeClr val="accent1"/>
+          </a:fillRef>
+          <a:effectRef idx="0">
+            <a:schemeClr val="accent1"/>
+          </a:effectRef>
+          <a:fontRef idx="minor">
+            <a:schemeClr val="lt1"/>
+          </a:fontRef>
+        </p:style>
+        <p:txBody>
+          <a:bodyPr rtlCol="0" anchor="ctr"/>
+          <a:lstStyle/>
+          <a:p>
+            <a:pPr algn="ctr"/>
+            <a:endParaRPr lang="en-GB"/>
+          </a:p>
+        </p:txBody>
+      </p:sp>
+      <p:sp>
+        <p:nvSpPr>
           <p:cNvPr id="2" name="Nadpis 1">
             <a:extLst>
               <a:ext uri="{FF2B5EF4-FFF2-40B4-BE49-F238E27FC236}">
@@ -9776,19 +11673,7 @@
               <a:rPr lang="cs-CZ" dirty="0">
                 <a:latin typeface="OCR A Extended" panose="02010509020102010303" pitchFamily="50" charset="0"/>
               </a:rPr>
-              <a:t>: </a:t>
-            </a:r>
-            <a:r>
-              <a:rPr lang="cs-CZ" dirty="0" err="1">
-                <a:latin typeface="OCR A Extended" panose="02010509020102010303" pitchFamily="50" charset="0"/>
-              </a:rPr>
-              <a:t>smart</a:t>
-            </a:r>
-            <a:r>
-              <a:rPr lang="cs-CZ" dirty="0">
-                <a:latin typeface="OCR A Extended" panose="02010509020102010303" pitchFamily="50" charset="0"/>
-              </a:rPr>
-              <a:t> model</a:t>
+              <a:t>: basic model</a:t>
             </a:r>
             <a:endParaRPr lang="en-GB" dirty="0">
               <a:latin typeface="OCR A Extended" panose="02010509020102010303" pitchFamily="50" charset="0"/>
@@ -9796,37 +11681,326 @@
           </a:p>
         </p:txBody>
       </p:sp>
-      <p:sp>
-        <p:nvSpPr>
-          <p:cNvPr id="3" name="Zástupný obsah 2">
+      <p:graphicFrame>
+        <p:nvGraphicFramePr>
+          <p:cNvPr id="5" name="Tabulka 5">
             <a:extLst>
               <a:ext uri="{FF2B5EF4-FFF2-40B4-BE49-F238E27FC236}">
-                <a16:creationId xmlns:a16="http://schemas.microsoft.com/office/drawing/2014/main" id="{74283E08-0CB0-48FA-AC58-7CA6DA1EBFBE}"/>
+                <a16:creationId xmlns:a16="http://schemas.microsoft.com/office/drawing/2014/main" id="{E6875E51-1179-45A5-865F-C49B4C30DCF8}"/>
               </a:ext>
             </a:extLst>
           </p:cNvPr>
-          <p:cNvSpPr>
-            <a:spLocks noGrp="1"/>
-          </p:cNvSpPr>
+          <p:cNvGraphicFramePr>
+            <a:graphicFrameLocks noGrp="1"/>
+          </p:cNvGraphicFramePr>
           <p:nvPr>
             <p:ph idx="1"/>
+            <p:extLst>
+              <p:ext uri="{D42A27DB-BD31-4B8C-83A1-F6EECF244321}">
+                <p14:modId xmlns:p14="http://schemas.microsoft.com/office/powerpoint/2010/main" val="4014734931"/>
+              </p:ext>
+            </p:extLst>
           </p:nvPr>
-        </p:nvSpPr>
-        <p:spPr/>
-        <p:txBody>
-          <a:bodyPr/>
-          <a:lstStyle/>
-          <a:p>
-            <a:endParaRPr lang="en-GB" dirty="0"/>
-          </a:p>
-        </p:txBody>
-      </p:sp>
+        </p:nvGraphicFramePr>
+        <p:xfrm>
+          <a:off x="3385440" y="1696958"/>
+          <a:ext cx="5421120" cy="1112520"/>
+        </p:xfrm>
+        <a:graphic>
+          <a:graphicData uri="http://schemas.openxmlformats.org/drawingml/2006/table">
+            <a:tbl>
+              <a:tblPr firstRow="1" bandRow="1">
+                <a:tableStyleId>{00A15C55-8517-42AA-B614-E9B94910E393}</a:tableStyleId>
+              </a:tblPr>
+              <a:tblGrid>
+                <a:gridCol w="1291040">
+                  <a:extLst>
+                    <a:ext uri="{9D8B030D-6E8A-4147-A177-3AD203B41FA5}">
+                      <a16:colId xmlns:a16="http://schemas.microsoft.com/office/drawing/2014/main" val="367015648"/>
+                    </a:ext>
+                  </a:extLst>
+                </a:gridCol>
+                <a:gridCol w="1548000">
+                  <a:extLst>
+                    <a:ext uri="{9D8B030D-6E8A-4147-A177-3AD203B41FA5}">
+                      <a16:colId xmlns:a16="http://schemas.microsoft.com/office/drawing/2014/main" val="3071851410"/>
+                    </a:ext>
+                  </a:extLst>
+                </a:gridCol>
+                <a:gridCol w="1291040">
+                  <a:extLst>
+                    <a:ext uri="{9D8B030D-6E8A-4147-A177-3AD203B41FA5}">
+                      <a16:colId xmlns:a16="http://schemas.microsoft.com/office/drawing/2014/main" val="4049270305"/>
+                    </a:ext>
+                  </a:extLst>
+                </a:gridCol>
+                <a:gridCol w="1291040">
+                  <a:extLst>
+                    <a:ext uri="{9D8B030D-6E8A-4147-A177-3AD203B41FA5}">
+                      <a16:colId xmlns:a16="http://schemas.microsoft.com/office/drawing/2014/main" val="2922753036"/>
+                    </a:ext>
+                  </a:extLst>
+                </a:gridCol>
+              </a:tblGrid>
+              <a:tr h="370840">
+                <a:tc>
+                  <a:txBody>
+                    <a:bodyPr/>
+                    <a:lstStyle/>
+                    <a:p>
+                      <a:pPr algn="ctr"/>
+                      <a:r>
+                        <a:rPr lang="cs-CZ" dirty="0" err="1">
+                          <a:solidFill>
+                            <a:schemeClr val="tx1"/>
+                          </a:solidFill>
+                        </a:rPr>
+                        <a:t>Dataset</a:t>
+                      </a:r>
+                      <a:endParaRPr lang="en-GB" dirty="0">
+                        <a:solidFill>
+                          <a:schemeClr val="tx1"/>
+                        </a:solidFill>
+                      </a:endParaRPr>
+                    </a:p>
+                  </a:txBody>
+                  <a:tcPr anchor="ctr"/>
+                </a:tc>
+                <a:tc>
+                  <a:txBody>
+                    <a:bodyPr/>
+                    <a:lstStyle/>
+                    <a:p>
+                      <a:pPr algn="ctr"/>
+                      <a:r>
+                        <a:rPr lang="cs-CZ" dirty="0" err="1">
+                          <a:solidFill>
+                            <a:schemeClr val="tx1"/>
+                          </a:solidFill>
+                        </a:rPr>
+                        <a:t>Size</a:t>
+                      </a:r>
+                      <a:r>
+                        <a:rPr lang="cs-CZ" dirty="0">
+                          <a:solidFill>
+                            <a:schemeClr val="tx1"/>
+                          </a:solidFill>
+                        </a:rPr>
+                        <a:t> </a:t>
+                      </a:r>
+                      <a:r>
+                        <a:rPr lang="cs-CZ" b="0" dirty="0">
+                          <a:solidFill>
+                            <a:schemeClr val="tx1"/>
+                          </a:solidFill>
+                        </a:rPr>
+                        <a:t>(#img)</a:t>
+                      </a:r>
+                      <a:endParaRPr lang="en-GB" b="0" dirty="0">
+                        <a:solidFill>
+                          <a:schemeClr val="tx1"/>
+                        </a:solidFill>
+                      </a:endParaRPr>
+                    </a:p>
+                  </a:txBody>
+                  <a:tcPr anchor="ctr"/>
+                </a:tc>
+                <a:tc>
+                  <a:txBody>
+                    <a:bodyPr/>
+                    <a:lstStyle/>
+                    <a:p>
+                      <a:pPr algn="ctr"/>
+                      <a:r>
+                        <a:rPr lang="cs-CZ" dirty="0" err="1">
+                          <a:solidFill>
+                            <a:schemeClr val="tx1"/>
+                          </a:solidFill>
+                        </a:rPr>
+                        <a:t>Accuracy</a:t>
+                      </a:r>
+                      <a:endParaRPr lang="en-GB" dirty="0">
+                        <a:solidFill>
+                          <a:schemeClr val="tx1"/>
+                        </a:solidFill>
+                      </a:endParaRPr>
+                    </a:p>
+                  </a:txBody>
+                  <a:tcPr anchor="ctr"/>
+                </a:tc>
+                <a:tc>
+                  <a:txBody>
+                    <a:bodyPr/>
+                    <a:lstStyle/>
+                    <a:p>
+                      <a:pPr algn="ctr"/>
+                      <a:r>
+                        <a:rPr lang="cs-CZ" dirty="0">
+                          <a:solidFill>
+                            <a:schemeClr val="tx1"/>
+                          </a:solidFill>
+                        </a:rPr>
+                        <a:t>RO</a:t>
+                      </a:r>
+                      <a:endParaRPr lang="en-GB" dirty="0">
+                        <a:solidFill>
+                          <a:schemeClr val="tx1"/>
+                        </a:solidFill>
+                      </a:endParaRPr>
+                    </a:p>
+                  </a:txBody>
+                  <a:tcPr anchor="ctr"/>
+                </a:tc>
+                <a:extLst>
+                  <a:ext uri="{0D108BD9-81ED-4DB2-BD59-A6C34878D82A}">
+                    <a16:rowId xmlns:a16="http://schemas.microsoft.com/office/drawing/2014/main" val="920335306"/>
+                  </a:ext>
+                </a:extLst>
+              </a:tr>
+              <a:tr h="370840">
+                <a:tc>
+                  <a:txBody>
+                    <a:bodyPr/>
+                    <a:lstStyle/>
+                    <a:p>
+                      <a:pPr algn="ctr"/>
+                      <a:r>
+                        <a:rPr lang="cs-CZ" dirty="0" err="1"/>
+                        <a:t>Train</a:t>
+                      </a:r>
+                      <a:endParaRPr lang="en-GB" dirty="0"/>
+                    </a:p>
+                  </a:txBody>
+                  <a:tcPr anchor="ctr"/>
+                </a:tc>
+                <a:tc>
+                  <a:txBody>
+                    <a:bodyPr/>
+                    <a:lstStyle/>
+                    <a:p>
+                      <a:pPr algn="ctr"/>
+                      <a:r>
+                        <a:rPr lang="cs-CZ" dirty="0"/>
+                        <a:t>299 975</a:t>
+                      </a:r>
+                      <a:endParaRPr lang="en-GB" dirty="0"/>
+                    </a:p>
+                  </a:txBody>
+                  <a:tcPr anchor="ctr"/>
+                </a:tc>
+                <a:tc>
+                  <a:txBody>
+                    <a:bodyPr/>
+                    <a:lstStyle/>
+                    <a:p>
+                      <a:pPr algn="ctr"/>
+                      <a:r>
+                        <a:rPr lang="cs-CZ" dirty="0"/>
+                        <a:t>0.80</a:t>
+                      </a:r>
+                      <a:endParaRPr lang="en-GB" dirty="0"/>
+                    </a:p>
+                  </a:txBody>
+                  <a:tcPr anchor="ctr"/>
+                </a:tc>
+                <a:tc>
+                  <a:txBody>
+                    <a:bodyPr/>
+                    <a:lstStyle/>
+                    <a:p>
+                      <a:pPr algn="ctr"/>
+                      <a:r>
+                        <a:rPr lang="cs-CZ" dirty="0"/>
+                        <a:t>1.00</a:t>
+                      </a:r>
+                      <a:endParaRPr lang="en-GB" dirty="0"/>
+                    </a:p>
+                  </a:txBody>
+                  <a:tcPr anchor="ctr"/>
+                </a:tc>
+                <a:extLst>
+                  <a:ext uri="{0D108BD9-81ED-4DB2-BD59-A6C34878D82A}">
+                    <a16:rowId xmlns:a16="http://schemas.microsoft.com/office/drawing/2014/main" val="2469466061"/>
+                  </a:ext>
+                </a:extLst>
+              </a:tr>
+              <a:tr h="370840">
+                <a:tc>
+                  <a:txBody>
+                    <a:bodyPr/>
+                    <a:lstStyle/>
+                    <a:p>
+                      <a:pPr algn="ctr"/>
+                      <a:r>
+                        <a:rPr lang="cs-CZ" dirty="0"/>
+                        <a:t>Test</a:t>
+                      </a:r>
+                      <a:endParaRPr lang="en-GB" dirty="0"/>
+                    </a:p>
+                  </a:txBody>
+                  <a:tcPr anchor="ctr"/>
+                </a:tc>
+                <a:tc>
+                  <a:txBody>
+                    <a:bodyPr/>
+                    <a:lstStyle/>
+                    <a:p>
+                      <a:pPr algn="ctr"/>
+                      <a:r>
+                        <a:rPr lang="cs-CZ" dirty="0"/>
+                        <a:t>50 000</a:t>
+                      </a:r>
+                      <a:endParaRPr lang="en-GB" dirty="0"/>
+                    </a:p>
+                  </a:txBody>
+                  <a:tcPr anchor="ctr"/>
+                </a:tc>
+                <a:tc>
+                  <a:txBody>
+                    <a:bodyPr/>
+                    <a:lstStyle/>
+                    <a:p>
+                      <a:pPr algn="ctr"/>
+                      <a:r>
+                        <a:rPr lang="cs-CZ" dirty="0"/>
+                        <a:t>0.79</a:t>
+                      </a:r>
+                      <a:endParaRPr lang="en-GB" dirty="0"/>
+                    </a:p>
+                  </a:txBody>
+                  <a:tcPr anchor="ctr"/>
+                </a:tc>
+                <a:tc>
+                  <a:txBody>
+                    <a:bodyPr/>
+                    <a:lstStyle/>
+                    <a:p>
+                      <a:pPr algn="ctr"/>
+                      <a:r>
+                        <a:rPr lang="cs-CZ" dirty="0"/>
+                        <a:t>0.91</a:t>
+                      </a:r>
+                      <a:endParaRPr lang="en-GB" dirty="0"/>
+                    </a:p>
+                  </a:txBody>
+                  <a:tcPr anchor="ctr"/>
+                </a:tc>
+                <a:extLst>
+                  <a:ext uri="{0D108BD9-81ED-4DB2-BD59-A6C34878D82A}">
+                    <a16:rowId xmlns:a16="http://schemas.microsoft.com/office/drawing/2014/main" val="4279387831"/>
+                  </a:ext>
+                </a:extLst>
+              </a:tr>
+            </a:tbl>
+          </a:graphicData>
+        </a:graphic>
+      </p:graphicFrame>
       <p:pic>
         <p:nvPicPr>
-          <p:cNvPr id="4" name="Obrázek 3">
+          <p:cNvPr id="8" name="Obrázek 7">
             <a:extLst>
               <a:ext uri="{FF2B5EF4-FFF2-40B4-BE49-F238E27FC236}">
-                <a16:creationId xmlns:a16="http://schemas.microsoft.com/office/drawing/2014/main" id="{0149CA79-12B2-4922-B6D2-9B5DB60E7189}"/>
+                <a16:creationId xmlns:a16="http://schemas.microsoft.com/office/drawing/2014/main" id="{4C87E485-800E-4E5E-900F-51F4A74509CD}"/>
               </a:ext>
             </a:extLst>
           </p:cNvPr>
@@ -9836,7 +12010,66 @@
           <p:nvPr/>
         </p:nvPicPr>
         <p:blipFill rotWithShape="1">
-          <a:blip r:embed="rId2">
+          <a:blip r:embed="rId2"/>
+          <a:srcRect l="1367"/>
+          <a:stretch/>
+        </p:blipFill>
+        <p:spPr>
+          <a:xfrm>
+            <a:off x="329938" y="3363190"/>
+            <a:ext cx="5933630" cy="3051282"/>
+          </a:xfrm>
+          <a:prstGeom prst="rect">
+            <a:avLst/>
+          </a:prstGeom>
+        </p:spPr>
+      </p:pic>
+      <p:pic>
+        <p:nvPicPr>
+          <p:cNvPr id="10" name="Obrázek 9">
+            <a:extLst>
+              <a:ext uri="{FF2B5EF4-FFF2-40B4-BE49-F238E27FC236}">
+                <a16:creationId xmlns:a16="http://schemas.microsoft.com/office/drawing/2014/main" id="{99DFC9C0-270B-4058-9D6F-D9D358223CA2}"/>
+              </a:ext>
+            </a:extLst>
+          </p:cNvPr>
+          <p:cNvPicPr>
+            <a:picLocks noChangeAspect="1"/>
+          </p:cNvPicPr>
+          <p:nvPr/>
+        </p:nvPicPr>
+        <p:blipFill>
+          <a:blip r:embed="rId3"/>
+          <a:stretch>
+            <a:fillRect/>
+          </a:stretch>
+        </p:blipFill>
+        <p:spPr>
+          <a:xfrm>
+            <a:off x="6617423" y="3512229"/>
+            <a:ext cx="5164160" cy="2753204"/>
+          </a:xfrm>
+          <a:prstGeom prst="rect">
+            <a:avLst/>
+          </a:prstGeom>
+        </p:spPr>
+      </p:pic>
+      <p:pic>
+        <p:nvPicPr>
+          <p:cNvPr id="12" name="Obrázek 11">
+            <a:extLst>
+              <a:ext uri="{FF2B5EF4-FFF2-40B4-BE49-F238E27FC236}">
+                <a16:creationId xmlns:a16="http://schemas.microsoft.com/office/drawing/2014/main" id="{E468F002-988A-41E6-A5F0-258EBE991E4D}"/>
+              </a:ext>
+            </a:extLst>
+          </p:cNvPr>
+          <p:cNvPicPr>
+            <a:picLocks noChangeAspect="1"/>
+          </p:cNvPicPr>
+          <p:nvPr/>
+        </p:nvPicPr>
+        <p:blipFill rotWithShape="1">
+          <a:blip r:embed="rId4">
             <a:extLst>
               <a:ext uri="{28A0092B-C50C-407E-A947-70E740481C1C}">
                 <a14:useLocalDpi xmlns:a14="http://schemas.microsoft.com/office/drawing/2010/main" val="0"/>
@@ -9848,7 +12081,42 @@
         </p:blipFill>
         <p:spPr>
           <a:xfrm flipH="1" flipV="1">
-            <a:off x="95860" y="5879235"/>
+            <a:off x="8910997" y="1940897"/>
+            <a:ext cx="3389400" cy="978765"/>
+          </a:xfrm>
+          <a:prstGeom prst="rect">
+            <a:avLst/>
+          </a:prstGeom>
+        </p:spPr>
+      </p:pic>
+      <p:pic>
+        <p:nvPicPr>
+          <p:cNvPr id="9" name="Obrázek 8">
+            <a:extLst>
+              <a:ext uri="{FF2B5EF4-FFF2-40B4-BE49-F238E27FC236}">
+                <a16:creationId xmlns:a16="http://schemas.microsoft.com/office/drawing/2014/main" id="{193D86C8-9072-434B-85C9-5E30FE0D6B68}"/>
+              </a:ext>
+            </a:extLst>
+          </p:cNvPr>
+          <p:cNvPicPr>
+            <a:picLocks noChangeAspect="1"/>
+          </p:cNvPicPr>
+          <p:nvPr/>
+        </p:nvPicPr>
+        <p:blipFill rotWithShape="1">
+          <a:blip r:embed="rId4">
+            <a:extLst>
+              <a:ext uri="{28A0092B-C50C-407E-A947-70E740481C1C}">
+                <a14:useLocalDpi xmlns:a14="http://schemas.microsoft.com/office/drawing/2010/main" val="0"/>
+              </a:ext>
+            </a:extLst>
+          </a:blip>
+          <a:srcRect t="71911" b="1"/>
+          <a:stretch/>
+        </p:blipFill>
+        <p:spPr>
+          <a:xfrm flipV="1">
+            <a:off x="-242329" y="1940897"/>
             <a:ext cx="3389400" cy="978765"/>
           </a:xfrm>
           <a:prstGeom prst="rect">
@@ -9859,7 +12127,7 @@
     </p:spTree>
     <p:extLst>
       <p:ext uri="{BB962C8B-B14F-4D97-AF65-F5344CB8AC3E}">
-        <p14:creationId xmlns:p14="http://schemas.microsoft.com/office/powerpoint/2010/main" val="4284019282"/>
+        <p14:creationId xmlns:p14="http://schemas.microsoft.com/office/powerpoint/2010/main" val="812434591"/>
       </p:ext>
     </p:extLst>
   </p:cSld>
@@ -9888,26 +12156,53 @@
       </p:grpSpPr>
       <p:sp>
         <p:nvSpPr>
-          <p:cNvPr id="7" name="Zástupný obsah 6">
+          <p:cNvPr id="11" name="Obdélník 10">
             <a:extLst>
               <a:ext uri="{FF2B5EF4-FFF2-40B4-BE49-F238E27FC236}">
-                <a16:creationId xmlns:a16="http://schemas.microsoft.com/office/drawing/2014/main" id="{98A4D1AB-E14A-44A6-B0C2-65872F872530}"/>
+                <a16:creationId xmlns:a16="http://schemas.microsoft.com/office/drawing/2014/main" id="{469E1CFC-9F80-484C-8EC4-AA7D00838C7A}"/>
               </a:ext>
             </a:extLst>
           </p:cNvPr>
-          <p:cNvSpPr>
-            <a:spLocks noGrp="1"/>
-          </p:cNvSpPr>
-          <p:nvPr>
-            <p:ph idx="1"/>
-          </p:nvPr>
+          <p:cNvSpPr/>
+          <p:nvPr/>
         </p:nvSpPr>
-        <p:spPr/>
+        <p:spPr>
+          <a:xfrm>
+            <a:off x="0" y="2919662"/>
+            <a:ext cx="12192000" cy="3938338"/>
+          </a:xfrm>
+          <a:prstGeom prst="rect">
+            <a:avLst/>
+          </a:prstGeom>
+          <a:solidFill>
+            <a:srgbClr val="FFC000"/>
+          </a:solidFill>
+          <a:ln>
+            <a:noFill/>
+          </a:ln>
+        </p:spPr>
+        <p:style>
+          <a:lnRef idx="2">
+            <a:schemeClr val="accent1">
+              <a:shade val="50000"/>
+            </a:schemeClr>
+          </a:lnRef>
+          <a:fillRef idx="1">
+            <a:schemeClr val="accent1"/>
+          </a:fillRef>
+          <a:effectRef idx="0">
+            <a:schemeClr val="accent1"/>
+          </a:effectRef>
+          <a:fontRef idx="minor">
+            <a:schemeClr val="lt1"/>
+          </a:fontRef>
+        </p:style>
         <p:txBody>
-          <a:bodyPr/>
+          <a:bodyPr rtlCol="0" anchor="ctr"/>
           <a:lstStyle/>
           <a:p>
-            <a:endParaRPr lang="en-GB" dirty="0"/>
+            <a:pPr algn="ctr"/>
+            <a:endParaRPr lang="en-GB"/>
           </a:p>
         </p:txBody>
       </p:sp>
@@ -9916,7 +12211,7 @@
           <p:cNvPr id="2" name="Nadpis 1">
             <a:extLst>
               <a:ext uri="{FF2B5EF4-FFF2-40B4-BE49-F238E27FC236}">
-                <a16:creationId xmlns:a16="http://schemas.microsoft.com/office/drawing/2014/main" id="{A4AA72BC-1808-4BB9-B765-533FFB305B41}"/>
+                <a16:creationId xmlns:a16="http://schemas.microsoft.com/office/drawing/2014/main" id="{DC236DC7-F376-493B-821A-6D6A7C6FD950}"/>
               </a:ext>
             </a:extLst>
           </p:cNvPr>
@@ -9936,6 +12231,1741 @@
               <a:rPr lang="cs-CZ" dirty="0" err="1">
                 <a:latin typeface="OCR A Extended" panose="02010509020102010303" pitchFamily="50" charset="0"/>
               </a:rPr>
+              <a:t>Results</a:t>
+            </a:r>
+            <a:r>
+              <a:rPr lang="cs-CZ" dirty="0">
+                <a:latin typeface="OCR A Extended" panose="02010509020102010303" pitchFamily="50" charset="0"/>
+              </a:rPr>
+              <a:t>: </a:t>
+            </a:r>
+            <a:r>
+              <a:rPr lang="cs-CZ" dirty="0" err="1">
+                <a:latin typeface="OCR A Extended" panose="02010509020102010303" pitchFamily="50" charset="0"/>
+              </a:rPr>
+              <a:t>smart</a:t>
+            </a:r>
+            <a:r>
+              <a:rPr lang="cs-CZ" dirty="0">
+                <a:latin typeface="OCR A Extended" panose="02010509020102010303" pitchFamily="50" charset="0"/>
+              </a:rPr>
+              <a:t> model</a:t>
+            </a:r>
+            <a:endParaRPr lang="en-GB" dirty="0">
+              <a:latin typeface="OCR A Extended" panose="02010509020102010303" pitchFamily="50" charset="0"/>
+            </a:endParaRPr>
+          </a:p>
+        </p:txBody>
+      </p:sp>
+      <p:graphicFrame>
+        <p:nvGraphicFramePr>
+          <p:cNvPr id="5" name="Tabulka 5">
+            <a:extLst>
+              <a:ext uri="{FF2B5EF4-FFF2-40B4-BE49-F238E27FC236}">
+                <a16:creationId xmlns:a16="http://schemas.microsoft.com/office/drawing/2014/main" id="{E6875E51-1179-45A5-865F-C49B4C30DCF8}"/>
+              </a:ext>
+            </a:extLst>
+          </p:cNvPr>
+          <p:cNvGraphicFramePr>
+            <a:graphicFrameLocks noGrp="1"/>
+          </p:cNvGraphicFramePr>
+          <p:nvPr>
+            <p:ph idx="1"/>
+            <p:extLst>
+              <p:ext uri="{D42A27DB-BD31-4B8C-83A1-F6EECF244321}">
+                <p14:modId xmlns:p14="http://schemas.microsoft.com/office/powerpoint/2010/main" val="2403843471"/>
+              </p:ext>
+            </p:extLst>
+          </p:nvPr>
+        </p:nvGraphicFramePr>
+        <p:xfrm>
+          <a:off x="3385440" y="1696958"/>
+          <a:ext cx="5421120" cy="1112520"/>
+        </p:xfrm>
+        <a:graphic>
+          <a:graphicData uri="http://schemas.openxmlformats.org/drawingml/2006/table">
+            <a:tbl>
+              <a:tblPr firstRow="1" bandRow="1">
+                <a:tableStyleId>{00A15C55-8517-42AA-B614-E9B94910E393}</a:tableStyleId>
+              </a:tblPr>
+              <a:tblGrid>
+                <a:gridCol w="1291040">
+                  <a:extLst>
+                    <a:ext uri="{9D8B030D-6E8A-4147-A177-3AD203B41FA5}">
+                      <a16:colId xmlns:a16="http://schemas.microsoft.com/office/drawing/2014/main" val="367015648"/>
+                    </a:ext>
+                  </a:extLst>
+                </a:gridCol>
+                <a:gridCol w="1548000">
+                  <a:extLst>
+                    <a:ext uri="{9D8B030D-6E8A-4147-A177-3AD203B41FA5}">
+                      <a16:colId xmlns:a16="http://schemas.microsoft.com/office/drawing/2014/main" val="3071851410"/>
+                    </a:ext>
+                  </a:extLst>
+                </a:gridCol>
+                <a:gridCol w="1291040">
+                  <a:extLst>
+                    <a:ext uri="{9D8B030D-6E8A-4147-A177-3AD203B41FA5}">
+                      <a16:colId xmlns:a16="http://schemas.microsoft.com/office/drawing/2014/main" val="4049270305"/>
+                    </a:ext>
+                  </a:extLst>
+                </a:gridCol>
+                <a:gridCol w="1291040">
+                  <a:extLst>
+                    <a:ext uri="{9D8B030D-6E8A-4147-A177-3AD203B41FA5}">
+                      <a16:colId xmlns:a16="http://schemas.microsoft.com/office/drawing/2014/main" val="2922753036"/>
+                    </a:ext>
+                  </a:extLst>
+                </a:gridCol>
+              </a:tblGrid>
+              <a:tr h="370840">
+                <a:tc>
+                  <a:txBody>
+                    <a:bodyPr/>
+                    <a:lstStyle/>
+                    <a:p>
+                      <a:pPr algn="ctr"/>
+                      <a:r>
+                        <a:rPr lang="cs-CZ" dirty="0" err="1">
+                          <a:solidFill>
+                            <a:schemeClr val="tx1"/>
+                          </a:solidFill>
+                        </a:rPr>
+                        <a:t>Dataset</a:t>
+                      </a:r>
+                      <a:endParaRPr lang="en-GB" dirty="0">
+                        <a:solidFill>
+                          <a:schemeClr val="tx1"/>
+                        </a:solidFill>
+                      </a:endParaRPr>
+                    </a:p>
+                  </a:txBody>
+                  <a:tcPr anchor="ctr"/>
+                </a:tc>
+                <a:tc>
+                  <a:txBody>
+                    <a:bodyPr/>
+                    <a:lstStyle/>
+                    <a:p>
+                      <a:pPr algn="ctr"/>
+                      <a:r>
+                        <a:rPr lang="cs-CZ" dirty="0" err="1">
+                          <a:solidFill>
+                            <a:schemeClr val="tx1"/>
+                          </a:solidFill>
+                        </a:rPr>
+                        <a:t>Size</a:t>
+                      </a:r>
+                      <a:r>
+                        <a:rPr lang="cs-CZ" dirty="0">
+                          <a:solidFill>
+                            <a:schemeClr val="tx1"/>
+                          </a:solidFill>
+                        </a:rPr>
+                        <a:t> </a:t>
+                      </a:r>
+                      <a:r>
+                        <a:rPr lang="cs-CZ" b="0" dirty="0">
+                          <a:solidFill>
+                            <a:schemeClr val="tx1"/>
+                          </a:solidFill>
+                        </a:rPr>
+                        <a:t>(#img)</a:t>
+                      </a:r>
+                      <a:endParaRPr lang="en-GB" b="0" dirty="0">
+                        <a:solidFill>
+                          <a:schemeClr val="tx1"/>
+                        </a:solidFill>
+                      </a:endParaRPr>
+                    </a:p>
+                  </a:txBody>
+                  <a:tcPr anchor="ctr"/>
+                </a:tc>
+                <a:tc>
+                  <a:txBody>
+                    <a:bodyPr/>
+                    <a:lstStyle/>
+                    <a:p>
+                      <a:pPr algn="ctr"/>
+                      <a:r>
+                        <a:rPr lang="cs-CZ" dirty="0" err="1">
+                          <a:solidFill>
+                            <a:schemeClr val="tx1"/>
+                          </a:solidFill>
+                        </a:rPr>
+                        <a:t>Accuracy</a:t>
+                      </a:r>
+                      <a:endParaRPr lang="en-GB" dirty="0">
+                        <a:solidFill>
+                          <a:schemeClr val="tx1"/>
+                        </a:solidFill>
+                      </a:endParaRPr>
+                    </a:p>
+                  </a:txBody>
+                  <a:tcPr anchor="ctr"/>
+                </a:tc>
+                <a:tc>
+                  <a:txBody>
+                    <a:bodyPr/>
+                    <a:lstStyle/>
+                    <a:p>
+                      <a:pPr algn="ctr"/>
+                      <a:r>
+                        <a:rPr lang="cs-CZ" dirty="0">
+                          <a:solidFill>
+                            <a:schemeClr val="tx1"/>
+                          </a:solidFill>
+                        </a:rPr>
+                        <a:t>RO</a:t>
+                      </a:r>
+                      <a:endParaRPr lang="en-GB" dirty="0">
+                        <a:solidFill>
+                          <a:schemeClr val="tx1"/>
+                        </a:solidFill>
+                      </a:endParaRPr>
+                    </a:p>
+                  </a:txBody>
+                  <a:tcPr anchor="ctr"/>
+                </a:tc>
+                <a:extLst>
+                  <a:ext uri="{0D108BD9-81ED-4DB2-BD59-A6C34878D82A}">
+                    <a16:rowId xmlns:a16="http://schemas.microsoft.com/office/drawing/2014/main" val="920335306"/>
+                  </a:ext>
+                </a:extLst>
+              </a:tr>
+              <a:tr h="370840">
+                <a:tc>
+                  <a:txBody>
+                    <a:bodyPr/>
+                    <a:lstStyle/>
+                    <a:p>
+                      <a:pPr algn="ctr"/>
+                      <a:r>
+                        <a:rPr lang="cs-CZ" dirty="0" err="1"/>
+                        <a:t>Train</a:t>
+                      </a:r>
+                      <a:endParaRPr lang="en-GB" dirty="0"/>
+                    </a:p>
+                  </a:txBody>
+                  <a:tcPr anchor="ctr"/>
+                </a:tc>
+                <a:tc gridSpan="3">
+                  <a:txBody>
+                    <a:bodyPr/>
+                    <a:lstStyle/>
+                    <a:p>
+                      <a:pPr algn="ctr"/>
+                      <a:r>
+                        <a:rPr lang="cs-CZ" sz="1400" dirty="0" err="1"/>
+                        <a:t>Every</a:t>
+                      </a:r>
+                      <a:r>
+                        <a:rPr lang="cs-CZ" sz="1400" dirty="0"/>
+                        <a:t> </a:t>
+                      </a:r>
+                      <a:r>
+                        <a:rPr lang="cs-CZ" sz="1400" dirty="0" err="1"/>
+                        <a:t>couple</a:t>
+                      </a:r>
+                      <a:r>
+                        <a:rPr lang="cs-CZ" sz="1400" dirty="0"/>
+                        <a:t> </a:t>
+                      </a:r>
+                      <a:r>
+                        <a:rPr lang="cs-CZ" sz="1400" dirty="0" err="1"/>
+                        <a:t>of</a:t>
+                      </a:r>
+                      <a:r>
+                        <a:rPr lang="cs-CZ" sz="1400" dirty="0"/>
+                        <a:t> </a:t>
+                      </a:r>
+                      <a:r>
+                        <a:rPr lang="cs-CZ" sz="1400" dirty="0" err="1"/>
+                        <a:t>iteration</a:t>
+                      </a:r>
+                      <a:r>
+                        <a:rPr lang="cs-CZ" sz="1400" dirty="0"/>
+                        <a:t> </a:t>
+                      </a:r>
+                      <a:r>
+                        <a:rPr lang="cs-CZ" sz="1400" dirty="0" err="1"/>
+                        <a:t>new</a:t>
+                      </a:r>
+                      <a:r>
+                        <a:rPr lang="cs-CZ" sz="1400" dirty="0"/>
+                        <a:t> </a:t>
+                      </a:r>
+                      <a:r>
+                        <a:rPr lang="cs-CZ" sz="1400" dirty="0" err="1"/>
+                        <a:t>dataset</a:t>
+                      </a:r>
+                      <a:r>
+                        <a:rPr lang="cs-CZ" sz="1400" dirty="0"/>
+                        <a:t> </a:t>
+                      </a:r>
+                      <a:r>
+                        <a:rPr lang="cs-CZ" sz="1400" dirty="0" err="1"/>
+                        <a:t>is</a:t>
+                      </a:r>
+                      <a:r>
+                        <a:rPr lang="cs-CZ" sz="1400" dirty="0"/>
+                        <a:t> </a:t>
+                      </a:r>
+                      <a:r>
+                        <a:rPr lang="cs-CZ" sz="1400" dirty="0" err="1"/>
+                        <a:t>generated</a:t>
+                      </a:r>
+                      <a:r>
+                        <a:rPr lang="cs-CZ" sz="1400" dirty="0"/>
+                        <a:t>.</a:t>
+                      </a:r>
+                      <a:endParaRPr lang="en-GB" sz="1400" dirty="0"/>
+                    </a:p>
+                  </a:txBody>
+                  <a:tcPr anchor="ctr"/>
+                </a:tc>
+                <a:tc hMerge="1">
+                  <a:txBody>
+                    <a:bodyPr/>
+                    <a:lstStyle/>
+                    <a:p>
+                      <a:pPr algn="ctr"/>
+                      <a:r>
+                        <a:rPr lang="cs-CZ" dirty="0"/>
+                        <a:t>-</a:t>
+                      </a:r>
+                      <a:endParaRPr lang="en-GB" dirty="0"/>
+                    </a:p>
+                  </a:txBody>
+                  <a:tcPr anchor="ctr"/>
+                </a:tc>
+                <a:tc hMerge="1">
+                  <a:txBody>
+                    <a:bodyPr/>
+                    <a:lstStyle/>
+                    <a:p>
+                      <a:pPr algn="ctr"/>
+                      <a:r>
+                        <a:rPr lang="cs-CZ" dirty="0"/>
+                        <a:t>-</a:t>
+                      </a:r>
+                      <a:endParaRPr lang="en-GB" dirty="0"/>
+                    </a:p>
+                  </a:txBody>
+                  <a:tcPr anchor="ctr"/>
+                </a:tc>
+                <a:extLst>
+                  <a:ext uri="{0D108BD9-81ED-4DB2-BD59-A6C34878D82A}">
+                    <a16:rowId xmlns:a16="http://schemas.microsoft.com/office/drawing/2014/main" val="3616327352"/>
+                  </a:ext>
+                </a:extLst>
+              </a:tr>
+              <a:tr h="370840">
+                <a:tc>
+                  <a:txBody>
+                    <a:bodyPr/>
+                    <a:lstStyle/>
+                    <a:p>
+                      <a:pPr algn="ctr"/>
+                      <a:r>
+                        <a:rPr lang="cs-CZ" dirty="0"/>
+                        <a:t>Test</a:t>
+                      </a:r>
+                      <a:endParaRPr lang="en-GB" dirty="0"/>
+                    </a:p>
+                  </a:txBody>
+                  <a:tcPr anchor="ctr"/>
+                </a:tc>
+                <a:tc>
+                  <a:txBody>
+                    <a:bodyPr/>
+                    <a:lstStyle/>
+                    <a:p>
+                      <a:pPr algn="ctr"/>
+                      <a:r>
+                        <a:rPr lang="cs-CZ" dirty="0"/>
+                        <a:t>50 000</a:t>
+                      </a:r>
+                      <a:endParaRPr lang="en-GB" dirty="0"/>
+                    </a:p>
+                  </a:txBody>
+                  <a:tcPr anchor="ctr"/>
+                </a:tc>
+                <a:tc>
+                  <a:txBody>
+                    <a:bodyPr/>
+                    <a:lstStyle/>
+                    <a:p>
+                      <a:pPr algn="ctr"/>
+                      <a:r>
+                        <a:rPr lang="cs-CZ" dirty="0"/>
+                        <a:t>0.90</a:t>
+                      </a:r>
+                      <a:endParaRPr lang="en-GB" dirty="0"/>
+                    </a:p>
+                  </a:txBody>
+                  <a:tcPr anchor="ctr"/>
+                </a:tc>
+                <a:tc>
+                  <a:txBody>
+                    <a:bodyPr/>
+                    <a:lstStyle/>
+                    <a:p>
+                      <a:pPr algn="ctr"/>
+                      <a:r>
+                        <a:rPr lang="cs-CZ" dirty="0"/>
+                        <a:t>1.00</a:t>
+                      </a:r>
+                      <a:endParaRPr lang="en-GB" dirty="0"/>
+                    </a:p>
+                  </a:txBody>
+                  <a:tcPr anchor="ctr"/>
+                </a:tc>
+                <a:extLst>
+                  <a:ext uri="{0D108BD9-81ED-4DB2-BD59-A6C34878D82A}">
+                    <a16:rowId xmlns:a16="http://schemas.microsoft.com/office/drawing/2014/main" val="4279387831"/>
+                  </a:ext>
+                </a:extLst>
+              </a:tr>
+            </a:tbl>
+          </a:graphicData>
+        </a:graphic>
+      </p:graphicFrame>
+      <p:pic>
+        <p:nvPicPr>
+          <p:cNvPr id="12" name="Obrázek 11">
+            <a:extLst>
+              <a:ext uri="{FF2B5EF4-FFF2-40B4-BE49-F238E27FC236}">
+                <a16:creationId xmlns:a16="http://schemas.microsoft.com/office/drawing/2014/main" id="{E468F002-988A-41E6-A5F0-258EBE991E4D}"/>
+              </a:ext>
+            </a:extLst>
+          </p:cNvPr>
+          <p:cNvPicPr>
+            <a:picLocks noChangeAspect="1"/>
+          </p:cNvPicPr>
+          <p:nvPr/>
+        </p:nvPicPr>
+        <p:blipFill rotWithShape="1">
+          <a:blip r:embed="rId2">
+            <a:extLst>
+              <a:ext uri="{28A0092B-C50C-407E-A947-70E740481C1C}">
+                <a14:useLocalDpi xmlns:a14="http://schemas.microsoft.com/office/drawing/2010/main" val="0"/>
+              </a:ext>
+            </a:extLst>
+          </a:blip>
+          <a:srcRect t="71911" b="1"/>
+          <a:stretch/>
+        </p:blipFill>
+        <p:spPr>
+          <a:xfrm flipH="1" flipV="1">
+            <a:off x="8910997" y="1940897"/>
+            <a:ext cx="3389400" cy="978765"/>
+          </a:xfrm>
+          <a:prstGeom prst="rect">
+            <a:avLst/>
+          </a:prstGeom>
+        </p:spPr>
+      </p:pic>
+      <p:pic>
+        <p:nvPicPr>
+          <p:cNvPr id="9" name="Obrázek 8">
+            <a:extLst>
+              <a:ext uri="{FF2B5EF4-FFF2-40B4-BE49-F238E27FC236}">
+                <a16:creationId xmlns:a16="http://schemas.microsoft.com/office/drawing/2014/main" id="{193D86C8-9072-434B-85C9-5E30FE0D6B68}"/>
+              </a:ext>
+            </a:extLst>
+          </p:cNvPr>
+          <p:cNvPicPr>
+            <a:picLocks noChangeAspect="1"/>
+          </p:cNvPicPr>
+          <p:nvPr/>
+        </p:nvPicPr>
+        <p:blipFill rotWithShape="1">
+          <a:blip r:embed="rId2">
+            <a:extLst>
+              <a:ext uri="{28A0092B-C50C-407E-A947-70E740481C1C}">
+                <a14:useLocalDpi xmlns:a14="http://schemas.microsoft.com/office/drawing/2010/main" val="0"/>
+              </a:ext>
+            </a:extLst>
+          </a:blip>
+          <a:srcRect t="71911" b="1"/>
+          <a:stretch/>
+        </p:blipFill>
+        <p:spPr>
+          <a:xfrm flipV="1">
+            <a:off x="-242329" y="1940897"/>
+            <a:ext cx="3389400" cy="978765"/>
+          </a:xfrm>
+          <a:prstGeom prst="rect">
+            <a:avLst/>
+          </a:prstGeom>
+        </p:spPr>
+      </p:pic>
+      <p:pic>
+        <p:nvPicPr>
+          <p:cNvPr id="4" name="Obrázek 3">
+            <a:extLst>
+              <a:ext uri="{FF2B5EF4-FFF2-40B4-BE49-F238E27FC236}">
+                <a16:creationId xmlns:a16="http://schemas.microsoft.com/office/drawing/2014/main" id="{A838B8B4-A3C0-4A6A-B3F2-BD7DF5D806A9}"/>
+              </a:ext>
+            </a:extLst>
+          </p:cNvPr>
+          <p:cNvPicPr>
+            <a:picLocks noChangeAspect="1"/>
+          </p:cNvPicPr>
+          <p:nvPr/>
+        </p:nvPicPr>
+        <p:blipFill>
+          <a:blip r:embed="rId3"/>
+          <a:stretch>
+            <a:fillRect/>
+          </a:stretch>
+        </p:blipFill>
+        <p:spPr>
+          <a:xfrm>
+            <a:off x="325440" y="3358831"/>
+            <a:ext cx="6119999" cy="3060000"/>
+          </a:xfrm>
+          <a:prstGeom prst="rect">
+            <a:avLst/>
+          </a:prstGeom>
+        </p:spPr>
+      </p:pic>
+      <p:pic>
+        <p:nvPicPr>
+          <p:cNvPr id="7" name="Obrázek 6">
+            <a:extLst>
+              <a:ext uri="{FF2B5EF4-FFF2-40B4-BE49-F238E27FC236}">
+                <a16:creationId xmlns:a16="http://schemas.microsoft.com/office/drawing/2014/main" id="{6BBAA6A4-5ADC-48E8-898E-4C0A90CA8967}"/>
+              </a:ext>
+            </a:extLst>
+          </p:cNvPr>
+          <p:cNvPicPr>
+            <a:picLocks noChangeAspect="1"/>
+          </p:cNvPicPr>
+          <p:nvPr/>
+        </p:nvPicPr>
+        <p:blipFill>
+          <a:blip r:embed="rId4"/>
+          <a:stretch>
+            <a:fillRect/>
+          </a:stretch>
+        </p:blipFill>
+        <p:spPr>
+          <a:xfrm>
+            <a:off x="6725619" y="3511831"/>
+            <a:ext cx="5186201" cy="2754000"/>
+          </a:xfrm>
+          <a:prstGeom prst="rect">
+            <a:avLst/>
+          </a:prstGeom>
+        </p:spPr>
+      </p:pic>
+    </p:spTree>
+    <p:extLst>
+      <p:ext uri="{BB962C8B-B14F-4D97-AF65-F5344CB8AC3E}">
+        <p14:creationId xmlns:p14="http://schemas.microsoft.com/office/powerpoint/2010/main" val="2195050288"/>
+      </p:ext>
+    </p:extLst>
+  </p:cSld>
+  <p:clrMapOvr>
+    <a:masterClrMapping/>
+  </p:clrMapOvr>
+</p:sld>
+</file>
+
+<file path=ppt/slides/slide13.xml><?xml version="1.0" encoding="utf-8"?>
+<p:sld xmlns:a="http://schemas.openxmlformats.org/drawingml/2006/main" xmlns:r="http://schemas.openxmlformats.org/officeDocument/2006/relationships" xmlns:p="http://schemas.openxmlformats.org/presentationml/2006/main">
+  <p:cSld>
+    <p:bg>
+      <p:bgPr>
+        <a:solidFill>
+          <a:schemeClr val="bg1"/>
+        </a:solidFill>
+        <a:effectLst/>
+      </p:bgPr>
+    </p:bg>
+    <p:spTree>
+      <p:nvGrpSpPr>
+        <p:cNvPr id="1" name=""/>
+        <p:cNvGrpSpPr/>
+        <p:nvPr/>
+      </p:nvGrpSpPr>
+      <p:grpSpPr>
+        <a:xfrm>
+          <a:off x="0" y="0"/>
+          <a:ext cx="0" cy="0"/>
+          <a:chOff x="0" y="0"/>
+          <a:chExt cx="0" cy="0"/>
+        </a:xfrm>
+      </p:grpSpPr>
+      <p:pic>
+        <p:nvPicPr>
+          <p:cNvPr id="5" name="Obrázek 4">
+            <a:extLst>
+              <a:ext uri="{FF2B5EF4-FFF2-40B4-BE49-F238E27FC236}">
+                <a16:creationId xmlns:a16="http://schemas.microsoft.com/office/drawing/2014/main" id="{15E03C7F-9FC9-4FF4-829F-19F3574B5C0C}"/>
+              </a:ext>
+            </a:extLst>
+          </p:cNvPr>
+          <p:cNvPicPr>
+            <a:picLocks noChangeAspect="1"/>
+          </p:cNvPicPr>
+          <p:nvPr/>
+        </p:nvPicPr>
+        <p:blipFill rotWithShape="1">
+          <a:blip r:embed="rId2"/>
+          <a:srcRect t="986"/>
+          <a:stretch/>
+        </p:blipFill>
+        <p:spPr>
+          <a:xfrm>
+            <a:off x="967305" y="214603"/>
+            <a:ext cx="9881670" cy="6493435"/>
+          </a:xfrm>
+          <a:prstGeom prst="rect">
+            <a:avLst/>
+          </a:prstGeom>
+        </p:spPr>
+      </p:pic>
+      <p:pic>
+        <p:nvPicPr>
+          <p:cNvPr id="28" name="Grafický objekt 27" descr="Zaškrtnutí se souvislou výplní">
+            <a:extLst>
+              <a:ext uri="{FF2B5EF4-FFF2-40B4-BE49-F238E27FC236}">
+                <a16:creationId xmlns:a16="http://schemas.microsoft.com/office/drawing/2014/main" id="{77D12715-FED6-45AB-BE65-DEF44C5F94E2}"/>
+              </a:ext>
+            </a:extLst>
+          </p:cNvPr>
+          <p:cNvPicPr>
+            <a:picLocks noChangeAspect="1"/>
+          </p:cNvPicPr>
+          <p:nvPr/>
+        </p:nvPicPr>
+        <p:blipFill>
+          <a:blip r:embed="rId3">
+            <a:extLst>
+              <a:ext uri="{28A0092B-C50C-407E-A947-70E740481C1C}">
+                <a14:useLocalDpi xmlns:a14="http://schemas.microsoft.com/office/drawing/2010/main" val="0"/>
+              </a:ext>
+              <a:ext uri="{96DAC541-7B7A-43D3-8B79-37D633B846F1}">
+                <asvg:svgBlip xmlns:asvg="http://schemas.microsoft.com/office/drawing/2016/SVG/main" r:embed="rId4"/>
+              </a:ext>
+            </a:extLst>
+          </a:blip>
+          <a:stretch>
+            <a:fillRect/>
+          </a:stretch>
+        </p:blipFill>
+        <p:spPr>
+          <a:xfrm>
+            <a:off x="7735370" y="6022911"/>
+            <a:ext cx="828000" cy="828000"/>
+          </a:xfrm>
+          <a:prstGeom prst="rect">
+            <a:avLst/>
+          </a:prstGeom>
+        </p:spPr>
+      </p:pic>
+      <p:pic>
+        <p:nvPicPr>
+          <p:cNvPr id="29" name="Grafický objekt 28" descr="Zaškrtnutí se souvislou výplní">
+            <a:extLst>
+              <a:ext uri="{FF2B5EF4-FFF2-40B4-BE49-F238E27FC236}">
+                <a16:creationId xmlns:a16="http://schemas.microsoft.com/office/drawing/2014/main" id="{690D6764-5F53-4160-81C5-6E6BB0A23ACE}"/>
+              </a:ext>
+            </a:extLst>
+          </p:cNvPr>
+          <p:cNvPicPr>
+            <a:picLocks noChangeAspect="1"/>
+          </p:cNvPicPr>
+          <p:nvPr/>
+        </p:nvPicPr>
+        <p:blipFill>
+          <a:blip r:embed="rId3">
+            <a:extLst>
+              <a:ext uri="{28A0092B-C50C-407E-A947-70E740481C1C}">
+                <a14:useLocalDpi xmlns:a14="http://schemas.microsoft.com/office/drawing/2010/main" val="0"/>
+              </a:ext>
+              <a:ext uri="{96DAC541-7B7A-43D3-8B79-37D633B846F1}">
+                <asvg:svgBlip xmlns:asvg="http://schemas.microsoft.com/office/drawing/2016/SVG/main" r:embed="rId4"/>
+              </a:ext>
+            </a:extLst>
+          </a:blip>
+          <a:stretch>
+            <a:fillRect/>
+          </a:stretch>
+        </p:blipFill>
+        <p:spPr>
+          <a:xfrm>
+            <a:off x="5136809" y="1208315"/>
+            <a:ext cx="828000" cy="828000"/>
+          </a:xfrm>
+          <a:prstGeom prst="rect">
+            <a:avLst/>
+          </a:prstGeom>
+        </p:spPr>
+      </p:pic>
+      <p:pic>
+        <p:nvPicPr>
+          <p:cNvPr id="30" name="Grafický objekt 29" descr="Zaškrtnutí se souvislou výplní">
+            <a:extLst>
+              <a:ext uri="{FF2B5EF4-FFF2-40B4-BE49-F238E27FC236}">
+                <a16:creationId xmlns:a16="http://schemas.microsoft.com/office/drawing/2014/main" id="{803976FA-ADBE-4B30-A344-2B9FF4F9F087}"/>
+              </a:ext>
+            </a:extLst>
+          </p:cNvPr>
+          <p:cNvPicPr>
+            <a:picLocks noChangeAspect="1"/>
+          </p:cNvPicPr>
+          <p:nvPr/>
+        </p:nvPicPr>
+        <p:blipFill>
+          <a:blip r:embed="rId3">
+            <a:extLst>
+              <a:ext uri="{28A0092B-C50C-407E-A947-70E740481C1C}">
+                <a14:useLocalDpi xmlns:a14="http://schemas.microsoft.com/office/drawing/2010/main" val="0"/>
+              </a:ext>
+              <a:ext uri="{96DAC541-7B7A-43D3-8B79-37D633B846F1}">
+                <asvg:svgBlip xmlns:asvg="http://schemas.microsoft.com/office/drawing/2016/SVG/main" r:embed="rId4"/>
+              </a:ext>
+            </a:extLst>
+          </a:blip>
+          <a:stretch>
+            <a:fillRect/>
+          </a:stretch>
+        </p:blipFill>
+        <p:spPr>
+          <a:xfrm>
+            <a:off x="7645786" y="1208315"/>
+            <a:ext cx="828000" cy="828000"/>
+          </a:xfrm>
+          <a:prstGeom prst="rect">
+            <a:avLst/>
+          </a:prstGeom>
+        </p:spPr>
+      </p:pic>
+      <p:pic>
+        <p:nvPicPr>
+          <p:cNvPr id="31" name="Grafický objekt 30" descr="Zaškrtnutí se souvislou výplní">
+            <a:extLst>
+              <a:ext uri="{FF2B5EF4-FFF2-40B4-BE49-F238E27FC236}">
+                <a16:creationId xmlns:a16="http://schemas.microsoft.com/office/drawing/2014/main" id="{514F3357-7183-47D1-BF22-954344A04B64}"/>
+              </a:ext>
+            </a:extLst>
+          </p:cNvPr>
+          <p:cNvPicPr>
+            <a:picLocks noChangeAspect="1"/>
+          </p:cNvPicPr>
+          <p:nvPr/>
+        </p:nvPicPr>
+        <p:blipFill>
+          <a:blip r:embed="rId3">
+            <a:extLst>
+              <a:ext uri="{28A0092B-C50C-407E-A947-70E740481C1C}">
+                <a14:useLocalDpi xmlns:a14="http://schemas.microsoft.com/office/drawing/2010/main" val="0"/>
+              </a:ext>
+              <a:ext uri="{96DAC541-7B7A-43D3-8B79-37D633B846F1}">
+                <asvg:svgBlip xmlns:asvg="http://schemas.microsoft.com/office/drawing/2016/SVG/main" r:embed="rId4"/>
+              </a:ext>
+            </a:extLst>
+          </a:blip>
+          <a:stretch>
+            <a:fillRect/>
+          </a:stretch>
+        </p:blipFill>
+        <p:spPr>
+          <a:xfrm>
+            <a:off x="10154763" y="1208315"/>
+            <a:ext cx="828000" cy="828000"/>
+          </a:xfrm>
+          <a:prstGeom prst="rect">
+            <a:avLst/>
+          </a:prstGeom>
+        </p:spPr>
+      </p:pic>
+      <p:pic>
+        <p:nvPicPr>
+          <p:cNvPr id="32" name="Grafický objekt 31" descr="Zaškrtnutí se souvislou výplní">
+            <a:extLst>
+              <a:ext uri="{FF2B5EF4-FFF2-40B4-BE49-F238E27FC236}">
+                <a16:creationId xmlns:a16="http://schemas.microsoft.com/office/drawing/2014/main" id="{C379801A-C2DD-4CC6-8FD0-15A5FDDA8531}"/>
+              </a:ext>
+            </a:extLst>
+          </p:cNvPr>
+          <p:cNvPicPr>
+            <a:picLocks noChangeAspect="1"/>
+          </p:cNvPicPr>
+          <p:nvPr/>
+        </p:nvPicPr>
+        <p:blipFill>
+          <a:blip r:embed="rId3">
+            <a:extLst>
+              <a:ext uri="{28A0092B-C50C-407E-A947-70E740481C1C}">
+                <a14:useLocalDpi xmlns:a14="http://schemas.microsoft.com/office/drawing/2010/main" val="0"/>
+              </a:ext>
+              <a:ext uri="{96DAC541-7B7A-43D3-8B79-37D633B846F1}">
+                <asvg:svgBlip xmlns:asvg="http://schemas.microsoft.com/office/drawing/2016/SVG/main" r:embed="rId4"/>
+              </a:ext>
+            </a:extLst>
+          </a:blip>
+          <a:stretch>
+            <a:fillRect/>
+          </a:stretch>
+        </p:blipFill>
+        <p:spPr>
+          <a:xfrm>
+            <a:off x="2627832" y="3652935"/>
+            <a:ext cx="828000" cy="828000"/>
+          </a:xfrm>
+          <a:prstGeom prst="rect">
+            <a:avLst/>
+          </a:prstGeom>
+        </p:spPr>
+      </p:pic>
+      <p:pic>
+        <p:nvPicPr>
+          <p:cNvPr id="33" name="Grafický objekt 32" descr="Zaškrtnutí se souvislou výplní">
+            <a:extLst>
+              <a:ext uri="{FF2B5EF4-FFF2-40B4-BE49-F238E27FC236}">
+                <a16:creationId xmlns:a16="http://schemas.microsoft.com/office/drawing/2014/main" id="{79C465FD-C6A2-4D5B-B8AF-9A944B66A68C}"/>
+              </a:ext>
+            </a:extLst>
+          </p:cNvPr>
+          <p:cNvPicPr>
+            <a:picLocks noChangeAspect="1"/>
+          </p:cNvPicPr>
+          <p:nvPr/>
+        </p:nvPicPr>
+        <p:blipFill>
+          <a:blip r:embed="rId3">
+            <a:extLst>
+              <a:ext uri="{28A0092B-C50C-407E-A947-70E740481C1C}">
+                <a14:useLocalDpi xmlns:a14="http://schemas.microsoft.com/office/drawing/2010/main" val="0"/>
+              </a:ext>
+              <a:ext uri="{96DAC541-7B7A-43D3-8B79-37D633B846F1}">
+                <asvg:svgBlip xmlns:asvg="http://schemas.microsoft.com/office/drawing/2016/SVG/main" r:embed="rId4"/>
+              </a:ext>
+            </a:extLst>
+          </a:blip>
+          <a:stretch>
+            <a:fillRect/>
+          </a:stretch>
+        </p:blipFill>
+        <p:spPr>
+          <a:xfrm>
+            <a:off x="5136809" y="3652935"/>
+            <a:ext cx="828000" cy="828000"/>
+          </a:xfrm>
+          <a:prstGeom prst="rect">
+            <a:avLst/>
+          </a:prstGeom>
+        </p:spPr>
+      </p:pic>
+      <p:pic>
+        <p:nvPicPr>
+          <p:cNvPr id="34" name="Grafický objekt 33" descr="Zaškrtnutí se souvislou výplní">
+            <a:extLst>
+              <a:ext uri="{FF2B5EF4-FFF2-40B4-BE49-F238E27FC236}">
+                <a16:creationId xmlns:a16="http://schemas.microsoft.com/office/drawing/2014/main" id="{A21D52A1-683A-4536-9DE8-7A556C73768A}"/>
+              </a:ext>
+            </a:extLst>
+          </p:cNvPr>
+          <p:cNvPicPr>
+            <a:picLocks noChangeAspect="1"/>
+          </p:cNvPicPr>
+          <p:nvPr/>
+        </p:nvPicPr>
+        <p:blipFill>
+          <a:blip r:embed="rId3">
+            <a:extLst>
+              <a:ext uri="{28A0092B-C50C-407E-A947-70E740481C1C}">
+                <a14:useLocalDpi xmlns:a14="http://schemas.microsoft.com/office/drawing/2010/main" val="0"/>
+              </a:ext>
+              <a:ext uri="{96DAC541-7B7A-43D3-8B79-37D633B846F1}">
+                <asvg:svgBlip xmlns:asvg="http://schemas.microsoft.com/office/drawing/2016/SVG/main" r:embed="rId4"/>
+              </a:ext>
+            </a:extLst>
+          </a:blip>
+          <a:stretch>
+            <a:fillRect/>
+          </a:stretch>
+        </p:blipFill>
+        <p:spPr>
+          <a:xfrm>
+            <a:off x="10154763" y="3652935"/>
+            <a:ext cx="828000" cy="828000"/>
+          </a:xfrm>
+          <a:prstGeom prst="rect">
+            <a:avLst/>
+          </a:prstGeom>
+        </p:spPr>
+      </p:pic>
+      <p:pic>
+        <p:nvPicPr>
+          <p:cNvPr id="35" name="Grafický objekt 34" descr="Zaškrtnutí se souvislou výplní">
+            <a:extLst>
+              <a:ext uri="{FF2B5EF4-FFF2-40B4-BE49-F238E27FC236}">
+                <a16:creationId xmlns:a16="http://schemas.microsoft.com/office/drawing/2014/main" id="{CA591779-9CAC-43BD-AD3C-BED1E4F1B2F5}"/>
+              </a:ext>
+            </a:extLst>
+          </p:cNvPr>
+          <p:cNvPicPr>
+            <a:picLocks noChangeAspect="1"/>
+          </p:cNvPicPr>
+          <p:nvPr/>
+        </p:nvPicPr>
+        <p:blipFill>
+          <a:blip r:embed="rId3">
+            <a:extLst>
+              <a:ext uri="{28A0092B-C50C-407E-A947-70E740481C1C}">
+                <a14:useLocalDpi xmlns:a14="http://schemas.microsoft.com/office/drawing/2010/main" val="0"/>
+              </a:ext>
+              <a:ext uri="{96DAC541-7B7A-43D3-8B79-37D633B846F1}">
+                <asvg:svgBlip xmlns:asvg="http://schemas.microsoft.com/office/drawing/2016/SVG/main" r:embed="rId4"/>
+              </a:ext>
+            </a:extLst>
+          </a:blip>
+          <a:stretch>
+            <a:fillRect/>
+          </a:stretch>
+        </p:blipFill>
+        <p:spPr>
+          <a:xfrm>
+            <a:off x="2684594" y="6022911"/>
+            <a:ext cx="828000" cy="828000"/>
+          </a:xfrm>
+          <a:prstGeom prst="rect">
+            <a:avLst/>
+          </a:prstGeom>
+        </p:spPr>
+      </p:pic>
+      <p:pic>
+        <p:nvPicPr>
+          <p:cNvPr id="36" name="Grafický objekt 35" descr="Zaškrtnutí se souvislou výplní">
+            <a:extLst>
+              <a:ext uri="{FF2B5EF4-FFF2-40B4-BE49-F238E27FC236}">
+                <a16:creationId xmlns:a16="http://schemas.microsoft.com/office/drawing/2014/main" id="{3046868A-4558-47B9-A53E-407CDCCBA166}"/>
+              </a:ext>
+            </a:extLst>
+          </p:cNvPr>
+          <p:cNvPicPr>
+            <a:picLocks noChangeAspect="1"/>
+          </p:cNvPicPr>
+          <p:nvPr/>
+        </p:nvPicPr>
+        <p:blipFill>
+          <a:blip r:embed="rId3">
+            <a:extLst>
+              <a:ext uri="{28A0092B-C50C-407E-A947-70E740481C1C}">
+                <a14:useLocalDpi xmlns:a14="http://schemas.microsoft.com/office/drawing/2010/main" val="0"/>
+              </a:ext>
+              <a:ext uri="{96DAC541-7B7A-43D3-8B79-37D633B846F1}">
+                <asvg:svgBlip xmlns:asvg="http://schemas.microsoft.com/office/drawing/2016/SVG/main" r:embed="rId4"/>
+              </a:ext>
+            </a:extLst>
+          </a:blip>
+          <a:stretch>
+            <a:fillRect/>
+          </a:stretch>
+        </p:blipFill>
+        <p:spPr>
+          <a:xfrm>
+            <a:off x="2466392" y="1357605"/>
+            <a:ext cx="828000" cy="828000"/>
+          </a:xfrm>
+          <a:prstGeom prst="rect">
+            <a:avLst/>
+          </a:prstGeom>
+        </p:spPr>
+      </p:pic>
+      <p:pic>
+        <p:nvPicPr>
+          <p:cNvPr id="37" name="Grafický objekt 36" descr="Zaškrtnutí se souvislou výplní">
+            <a:extLst>
+              <a:ext uri="{FF2B5EF4-FFF2-40B4-BE49-F238E27FC236}">
+                <a16:creationId xmlns:a16="http://schemas.microsoft.com/office/drawing/2014/main" id="{291DF177-E820-4D97-832B-6B636D0ABC8E}"/>
+              </a:ext>
+            </a:extLst>
+          </p:cNvPr>
+          <p:cNvPicPr>
+            <a:picLocks noChangeAspect="1"/>
+          </p:cNvPicPr>
+          <p:nvPr/>
+        </p:nvPicPr>
+        <p:blipFill>
+          <a:blip r:embed="rId3">
+            <a:extLst>
+              <a:ext uri="{28A0092B-C50C-407E-A947-70E740481C1C}">
+                <a14:useLocalDpi xmlns:a14="http://schemas.microsoft.com/office/drawing/2010/main" val="0"/>
+              </a:ext>
+              <a:ext uri="{96DAC541-7B7A-43D3-8B79-37D633B846F1}">
+                <asvg:svgBlip xmlns:asvg="http://schemas.microsoft.com/office/drawing/2016/SVG/main" r:embed="rId4"/>
+              </a:ext>
+            </a:extLst>
+          </a:blip>
+          <a:stretch>
+            <a:fillRect/>
+          </a:stretch>
+        </p:blipFill>
+        <p:spPr>
+          <a:xfrm>
+            <a:off x="10154763" y="6022911"/>
+            <a:ext cx="828000" cy="828000"/>
+          </a:xfrm>
+          <a:prstGeom prst="rect">
+            <a:avLst/>
+          </a:prstGeom>
+        </p:spPr>
+      </p:pic>
+      <p:pic>
+        <p:nvPicPr>
+          <p:cNvPr id="39" name="Grafický objekt 38" descr="Zavřít se souvislou výplní">
+            <a:extLst>
+              <a:ext uri="{FF2B5EF4-FFF2-40B4-BE49-F238E27FC236}">
+                <a16:creationId xmlns:a16="http://schemas.microsoft.com/office/drawing/2014/main" id="{FFE3732F-D65B-406E-AD34-C3401F429CCB}"/>
+              </a:ext>
+            </a:extLst>
+          </p:cNvPr>
+          <p:cNvPicPr>
+            <a:picLocks noChangeAspect="1"/>
+          </p:cNvPicPr>
+          <p:nvPr/>
+        </p:nvPicPr>
+        <p:blipFill>
+          <a:blip r:embed="rId5">
+            <a:extLst>
+              <a:ext uri="{28A0092B-C50C-407E-A947-70E740481C1C}">
+                <a14:useLocalDpi xmlns:a14="http://schemas.microsoft.com/office/drawing/2010/main" val="0"/>
+              </a:ext>
+              <a:ext uri="{96DAC541-7B7A-43D3-8B79-37D633B846F1}">
+                <asvg:svgBlip xmlns:asvg="http://schemas.microsoft.com/office/drawing/2016/SVG/main" r:embed="rId6"/>
+              </a:ext>
+            </a:extLst>
+          </a:blip>
+          <a:stretch>
+            <a:fillRect/>
+          </a:stretch>
+        </p:blipFill>
+        <p:spPr>
+          <a:xfrm>
+            <a:off x="7735370" y="3677653"/>
+            <a:ext cx="828000" cy="828000"/>
+          </a:xfrm>
+          <a:prstGeom prst="rect">
+            <a:avLst/>
+          </a:prstGeom>
+        </p:spPr>
+      </p:pic>
+      <p:pic>
+        <p:nvPicPr>
+          <p:cNvPr id="40" name="Grafický objekt 39" descr="Zavřít se souvislou výplní">
+            <a:extLst>
+              <a:ext uri="{FF2B5EF4-FFF2-40B4-BE49-F238E27FC236}">
+                <a16:creationId xmlns:a16="http://schemas.microsoft.com/office/drawing/2014/main" id="{22E4698F-91A2-481B-85FB-78C79B4F40E8}"/>
+              </a:ext>
+            </a:extLst>
+          </p:cNvPr>
+          <p:cNvPicPr>
+            <a:picLocks noChangeAspect="1"/>
+          </p:cNvPicPr>
+          <p:nvPr/>
+        </p:nvPicPr>
+        <p:blipFill>
+          <a:blip r:embed="rId5">
+            <a:extLst>
+              <a:ext uri="{28A0092B-C50C-407E-A947-70E740481C1C}">
+                <a14:useLocalDpi xmlns:a14="http://schemas.microsoft.com/office/drawing/2010/main" val="0"/>
+              </a:ext>
+              <a:ext uri="{96DAC541-7B7A-43D3-8B79-37D633B846F1}">
+                <asvg:svgBlip xmlns:asvg="http://schemas.microsoft.com/office/drawing/2016/SVG/main" r:embed="rId6"/>
+              </a:ext>
+            </a:extLst>
+          </a:blip>
+          <a:stretch>
+            <a:fillRect/>
+          </a:stretch>
+        </p:blipFill>
+        <p:spPr>
+          <a:xfrm>
+            <a:off x="5267221" y="6022911"/>
+            <a:ext cx="828000" cy="828000"/>
+          </a:xfrm>
+          <a:prstGeom prst="rect">
+            <a:avLst/>
+          </a:prstGeom>
+        </p:spPr>
+      </p:pic>
+    </p:spTree>
+    <p:extLst>
+      <p:ext uri="{BB962C8B-B14F-4D97-AF65-F5344CB8AC3E}">
+        <p14:creationId xmlns:p14="http://schemas.microsoft.com/office/powerpoint/2010/main" val="1574523025"/>
+      </p:ext>
+    </p:extLst>
+  </p:cSld>
+  <p:clrMapOvr>
+    <a:masterClrMapping/>
+  </p:clrMapOvr>
+</p:sld>
+</file>
+
+<file path=ppt/slides/slide14.xml><?xml version="1.0" encoding="utf-8"?>
+<p:sld xmlns:a="http://schemas.openxmlformats.org/drawingml/2006/main" xmlns:r="http://schemas.openxmlformats.org/officeDocument/2006/relationships" xmlns:p="http://schemas.openxmlformats.org/presentationml/2006/main">
+  <p:cSld>
+    <p:spTree>
+      <p:nvGrpSpPr>
+        <p:cNvPr id="1" name=""/>
+        <p:cNvGrpSpPr/>
+        <p:nvPr/>
+      </p:nvGrpSpPr>
+      <p:grpSpPr>
+        <a:xfrm>
+          <a:off x="0" y="0"/>
+          <a:ext cx="0" cy="0"/>
+          <a:chOff x="0" y="0"/>
+          <a:chExt cx="0" cy="0"/>
+        </a:xfrm>
+      </p:grpSpPr>
+      <p:sp>
+        <p:nvSpPr>
+          <p:cNvPr id="2" name="Nadpis 1">
+            <a:extLst>
+              <a:ext uri="{FF2B5EF4-FFF2-40B4-BE49-F238E27FC236}">
+                <a16:creationId xmlns:a16="http://schemas.microsoft.com/office/drawing/2014/main" id="{DC236DC7-F376-493B-821A-6D6A7C6FD950}"/>
+              </a:ext>
+            </a:extLst>
+          </p:cNvPr>
+          <p:cNvSpPr>
+            <a:spLocks noGrp="1"/>
+          </p:cNvSpPr>
+          <p:nvPr>
+            <p:ph type="title"/>
+          </p:nvPr>
+        </p:nvSpPr>
+        <p:spPr/>
+        <p:txBody>
+          <a:bodyPr/>
+          <a:lstStyle/>
+          <a:p>
+            <a:r>
+              <a:rPr lang="cs-CZ" dirty="0" err="1">
+                <a:latin typeface="OCR A Extended" panose="02010509020102010303" pitchFamily="50" charset="0"/>
+              </a:rPr>
+              <a:t>Robustness</a:t>
+            </a:r>
+            <a:endParaRPr lang="en-GB" dirty="0">
+              <a:latin typeface="OCR A Extended" panose="02010509020102010303" pitchFamily="50" charset="0"/>
+            </a:endParaRPr>
+          </a:p>
+        </p:txBody>
+      </p:sp>
+      <p:sp>
+        <p:nvSpPr>
+          <p:cNvPr id="8" name="Zástupný obsah 2">
+            <a:extLst>
+              <a:ext uri="{FF2B5EF4-FFF2-40B4-BE49-F238E27FC236}">
+                <a16:creationId xmlns:a16="http://schemas.microsoft.com/office/drawing/2014/main" id="{3E432B6C-7B01-4852-A1FE-63E46529D18F}"/>
+              </a:ext>
+            </a:extLst>
+          </p:cNvPr>
+          <p:cNvSpPr>
+            <a:spLocks noGrp="1"/>
+          </p:cNvSpPr>
+          <p:nvPr>
+            <p:ph idx="1"/>
+          </p:nvPr>
+        </p:nvSpPr>
+        <p:spPr>
+          <a:xfrm>
+            <a:off x="712486" y="1530350"/>
+            <a:ext cx="10767027" cy="4351338"/>
+          </a:xfrm>
+        </p:spPr>
+        <p:txBody>
+          <a:bodyPr>
+            <a:normAutofit/>
+          </a:bodyPr>
+          <a:lstStyle/>
+          <a:p>
+            <a:pPr marL="0" indent="0" algn="just">
+              <a:lnSpc>
+                <a:spcPct val="150000"/>
+              </a:lnSpc>
+              <a:buNone/>
+            </a:pPr>
+            <a:r>
+              <a:rPr lang="cs-CZ" sz="1800" dirty="0" err="1"/>
+              <a:t>Check</a:t>
+            </a:r>
+            <a:r>
+              <a:rPr lang="cs-CZ" sz="1800" dirty="0"/>
+              <a:t> </a:t>
+            </a:r>
+            <a:r>
+              <a:rPr lang="cs-CZ" sz="1800" dirty="0" err="1"/>
+              <a:t>how</a:t>
+            </a:r>
+            <a:r>
+              <a:rPr lang="cs-CZ" sz="1800" dirty="0"/>
+              <a:t> model </a:t>
+            </a:r>
+            <a:r>
+              <a:rPr lang="cs-CZ" sz="1800" dirty="0" err="1"/>
+              <a:t>reacts</a:t>
+            </a:r>
+            <a:r>
+              <a:rPr lang="cs-CZ" sz="1800" dirty="0"/>
+              <a:t> to CAPTCHA </a:t>
+            </a:r>
+            <a:r>
+              <a:rPr lang="cs-CZ" sz="1800" dirty="0" err="1"/>
+              <a:t>codes</a:t>
+            </a:r>
+            <a:r>
+              <a:rPr lang="cs-CZ" sz="1800" dirty="0"/>
+              <a:t> </a:t>
+            </a:r>
+            <a:r>
+              <a:rPr lang="cs-CZ" sz="1800" dirty="0" err="1"/>
+              <a:t>with</a:t>
+            </a:r>
+            <a:r>
+              <a:rPr lang="cs-CZ" sz="1800" dirty="0"/>
+              <a:t> </a:t>
+            </a:r>
+            <a:r>
+              <a:rPr lang="cs-CZ" sz="1800" dirty="0" err="1"/>
+              <a:t>different</a:t>
+            </a:r>
+            <a:r>
+              <a:rPr lang="cs-CZ" sz="1800" dirty="0"/>
+              <a:t> </a:t>
+            </a:r>
+            <a:r>
+              <a:rPr lang="cs-CZ" sz="1800" dirty="0" err="1"/>
+              <a:t>length</a:t>
+            </a:r>
+            <a:r>
+              <a:rPr lang="cs-CZ" sz="1800" dirty="0"/>
+              <a:t> (3-8).</a:t>
+            </a:r>
+            <a:endParaRPr lang="en-GB" sz="2200" dirty="0">
+              <a:latin typeface="OCR A Extended" panose="02010509020102010303" pitchFamily="50" charset="0"/>
+            </a:endParaRPr>
+          </a:p>
+          <a:p>
+            <a:pPr marL="0" indent="0">
+              <a:buNone/>
+            </a:pPr>
+            <a:endParaRPr lang="en-GB" sz="2400" dirty="0">
+              <a:latin typeface="OCR A Extended" panose="02010509020102010303" pitchFamily="50" charset="0"/>
+            </a:endParaRPr>
+          </a:p>
+          <a:p>
+            <a:pPr marL="0" indent="0">
+              <a:buNone/>
+            </a:pPr>
+            <a:endParaRPr lang="en-GB" sz="2400" dirty="0">
+              <a:latin typeface="OCR A Extended" panose="02010509020102010303" pitchFamily="50" charset="0"/>
+            </a:endParaRPr>
+          </a:p>
+          <a:p>
+            <a:pPr marL="0" indent="0">
+              <a:buNone/>
+            </a:pPr>
+            <a:endParaRPr lang="en-GB" sz="2400" dirty="0">
+              <a:latin typeface="OCR A Extended" panose="02010509020102010303" pitchFamily="50" charset="0"/>
+            </a:endParaRPr>
+          </a:p>
+          <a:p>
+            <a:pPr marL="0" indent="0">
+              <a:buNone/>
+            </a:pPr>
+            <a:endParaRPr lang="en-GB" sz="2400" dirty="0">
+              <a:latin typeface="OCR A Extended" panose="02010509020102010303" pitchFamily="50" charset="0"/>
+            </a:endParaRPr>
+          </a:p>
+          <a:p>
+            <a:pPr marL="0" indent="0">
+              <a:buNone/>
+            </a:pPr>
+            <a:endParaRPr lang="en-GB" sz="2400" dirty="0">
+              <a:latin typeface="OCR A Extended" panose="02010509020102010303" pitchFamily="50" charset="0"/>
+            </a:endParaRPr>
+          </a:p>
+        </p:txBody>
+      </p:sp>
+      <p:pic>
+        <p:nvPicPr>
+          <p:cNvPr id="10" name="Obrázek 9">
+            <a:extLst>
+              <a:ext uri="{FF2B5EF4-FFF2-40B4-BE49-F238E27FC236}">
+                <a16:creationId xmlns:a16="http://schemas.microsoft.com/office/drawing/2014/main" id="{2E4FB1D1-2CA8-47F7-92DD-15ABA987CF12}"/>
+              </a:ext>
+            </a:extLst>
+          </p:cNvPr>
+          <p:cNvPicPr>
+            <a:picLocks noChangeAspect="1"/>
+          </p:cNvPicPr>
+          <p:nvPr/>
+        </p:nvPicPr>
+        <p:blipFill rotWithShape="1">
+          <a:blip r:embed="rId2"/>
+          <a:srcRect t="6355"/>
+          <a:stretch/>
+        </p:blipFill>
+        <p:spPr>
+          <a:xfrm>
+            <a:off x="1346993" y="2114550"/>
+            <a:ext cx="10006807" cy="3998119"/>
+          </a:xfrm>
+          <a:prstGeom prst="rect">
+            <a:avLst/>
+          </a:prstGeom>
+        </p:spPr>
+      </p:pic>
+      <p:pic>
+        <p:nvPicPr>
+          <p:cNvPr id="4" name="Obrázek 3">
+            <a:extLst>
+              <a:ext uri="{FF2B5EF4-FFF2-40B4-BE49-F238E27FC236}">
+                <a16:creationId xmlns:a16="http://schemas.microsoft.com/office/drawing/2014/main" id="{0149CA79-12B2-4922-B6D2-9B5DB60E7189}"/>
+              </a:ext>
+            </a:extLst>
+          </p:cNvPr>
+          <p:cNvPicPr>
+            <a:picLocks noChangeAspect="1"/>
+          </p:cNvPicPr>
+          <p:nvPr/>
+        </p:nvPicPr>
+        <p:blipFill rotWithShape="1">
+          <a:blip r:embed="rId3">
+            <a:extLst>
+              <a:ext uri="{28A0092B-C50C-407E-A947-70E740481C1C}">
+                <a14:useLocalDpi xmlns:a14="http://schemas.microsoft.com/office/drawing/2010/main" val="0"/>
+              </a:ext>
+            </a:extLst>
+          </a:blip>
+          <a:srcRect t="71911" b="1"/>
+          <a:stretch/>
+        </p:blipFill>
+        <p:spPr>
+          <a:xfrm flipH="1" flipV="1">
+            <a:off x="-139460" y="5872091"/>
+            <a:ext cx="3389400" cy="978765"/>
+          </a:xfrm>
+          <a:prstGeom prst="rect">
+            <a:avLst/>
+          </a:prstGeom>
+        </p:spPr>
+      </p:pic>
+      <p:pic>
+        <p:nvPicPr>
+          <p:cNvPr id="11" name="Grafický objekt 10" descr="Zaškrtnutí se souvislou výplní">
+            <a:extLst>
+              <a:ext uri="{FF2B5EF4-FFF2-40B4-BE49-F238E27FC236}">
+                <a16:creationId xmlns:a16="http://schemas.microsoft.com/office/drawing/2014/main" id="{7D28FEF1-075B-4C28-A4B6-2FE587E1CF67}"/>
+              </a:ext>
+            </a:extLst>
+          </p:cNvPr>
+          <p:cNvPicPr>
+            <a:picLocks noChangeAspect="1"/>
+          </p:cNvPicPr>
+          <p:nvPr/>
+        </p:nvPicPr>
+        <p:blipFill>
+          <a:blip r:embed="rId4">
+            <a:extLst>
+              <a:ext uri="{28A0092B-C50C-407E-A947-70E740481C1C}">
+                <a14:useLocalDpi xmlns:a14="http://schemas.microsoft.com/office/drawing/2010/main" val="0"/>
+              </a:ext>
+              <a:ext uri="{96DAC541-7B7A-43D3-8B79-37D633B846F1}">
+                <asvg:svgBlip xmlns:asvg="http://schemas.microsoft.com/office/drawing/2016/SVG/main" r:embed="rId5"/>
+              </a:ext>
+            </a:extLst>
+          </a:blip>
+          <a:stretch>
+            <a:fillRect/>
+          </a:stretch>
+        </p:blipFill>
+        <p:spPr>
+          <a:xfrm>
+            <a:off x="3365159" y="3243600"/>
+            <a:ext cx="635341" cy="635341"/>
+          </a:xfrm>
+          <a:prstGeom prst="rect">
+            <a:avLst/>
+          </a:prstGeom>
+        </p:spPr>
+      </p:pic>
+      <p:pic>
+        <p:nvPicPr>
+          <p:cNvPr id="12" name="Grafický objekt 11" descr="Zaškrtnutí se souvislou výplní">
+            <a:extLst>
+              <a:ext uri="{FF2B5EF4-FFF2-40B4-BE49-F238E27FC236}">
+                <a16:creationId xmlns:a16="http://schemas.microsoft.com/office/drawing/2014/main" id="{8A0D2014-0126-424D-A781-CC4C7700761E}"/>
+              </a:ext>
+            </a:extLst>
+          </p:cNvPr>
+          <p:cNvPicPr>
+            <a:picLocks noChangeAspect="1"/>
+          </p:cNvPicPr>
+          <p:nvPr/>
+        </p:nvPicPr>
+        <p:blipFill>
+          <a:blip r:embed="rId4">
+            <a:extLst>
+              <a:ext uri="{28A0092B-C50C-407E-A947-70E740481C1C}">
+                <a14:useLocalDpi xmlns:a14="http://schemas.microsoft.com/office/drawing/2010/main" val="0"/>
+              </a:ext>
+              <a:ext uri="{96DAC541-7B7A-43D3-8B79-37D633B846F1}">
+                <asvg:svgBlip xmlns:asvg="http://schemas.microsoft.com/office/drawing/2016/SVG/main" r:embed="rId5"/>
+              </a:ext>
+            </a:extLst>
+          </a:blip>
+          <a:stretch>
+            <a:fillRect/>
+          </a:stretch>
+        </p:blipFill>
+        <p:spPr>
+          <a:xfrm>
+            <a:off x="5715055" y="3243599"/>
+            <a:ext cx="635341" cy="635341"/>
+          </a:xfrm>
+          <a:prstGeom prst="rect">
+            <a:avLst/>
+          </a:prstGeom>
+        </p:spPr>
+      </p:pic>
+      <p:pic>
+        <p:nvPicPr>
+          <p:cNvPr id="13" name="Grafický objekt 12" descr="Zaškrtnutí se souvislou výplní">
+            <a:extLst>
+              <a:ext uri="{FF2B5EF4-FFF2-40B4-BE49-F238E27FC236}">
+                <a16:creationId xmlns:a16="http://schemas.microsoft.com/office/drawing/2014/main" id="{84F46701-38E2-44F3-BC75-8B65DF21F59F}"/>
+              </a:ext>
+            </a:extLst>
+          </p:cNvPr>
+          <p:cNvPicPr>
+            <a:picLocks noChangeAspect="1"/>
+          </p:cNvPicPr>
+          <p:nvPr/>
+        </p:nvPicPr>
+        <p:blipFill>
+          <a:blip r:embed="rId4">
+            <a:extLst>
+              <a:ext uri="{28A0092B-C50C-407E-A947-70E740481C1C}">
+                <a14:useLocalDpi xmlns:a14="http://schemas.microsoft.com/office/drawing/2010/main" val="0"/>
+              </a:ext>
+              <a:ext uri="{96DAC541-7B7A-43D3-8B79-37D633B846F1}">
+                <asvg:svgBlip xmlns:asvg="http://schemas.microsoft.com/office/drawing/2016/SVG/main" r:embed="rId5"/>
+              </a:ext>
+            </a:extLst>
+          </a:blip>
+          <a:stretch>
+            <a:fillRect/>
+          </a:stretch>
+        </p:blipFill>
+        <p:spPr>
+          <a:xfrm>
+            <a:off x="10463645" y="3149620"/>
+            <a:ext cx="635341" cy="635341"/>
+          </a:xfrm>
+          <a:prstGeom prst="rect">
+            <a:avLst/>
+          </a:prstGeom>
+        </p:spPr>
+      </p:pic>
+      <p:pic>
+        <p:nvPicPr>
+          <p:cNvPr id="14" name="Grafický objekt 13" descr="Zaškrtnutí se souvislou výplní">
+            <a:extLst>
+              <a:ext uri="{FF2B5EF4-FFF2-40B4-BE49-F238E27FC236}">
+                <a16:creationId xmlns:a16="http://schemas.microsoft.com/office/drawing/2014/main" id="{EE186CB6-1460-4A74-BF02-72B62CC1A92C}"/>
+              </a:ext>
+            </a:extLst>
+          </p:cNvPr>
+          <p:cNvPicPr>
+            <a:picLocks noChangeAspect="1"/>
+          </p:cNvPicPr>
+          <p:nvPr/>
+        </p:nvPicPr>
+        <p:blipFill>
+          <a:blip r:embed="rId4">
+            <a:extLst>
+              <a:ext uri="{28A0092B-C50C-407E-A947-70E740481C1C}">
+                <a14:useLocalDpi xmlns:a14="http://schemas.microsoft.com/office/drawing/2010/main" val="0"/>
+              </a:ext>
+              <a:ext uri="{96DAC541-7B7A-43D3-8B79-37D633B846F1}">
+                <asvg:svgBlip xmlns:asvg="http://schemas.microsoft.com/office/drawing/2016/SVG/main" r:embed="rId5"/>
+              </a:ext>
+            </a:extLst>
+          </a:blip>
+          <a:stretch>
+            <a:fillRect/>
+          </a:stretch>
+        </p:blipFill>
+        <p:spPr>
+          <a:xfrm>
+            <a:off x="5715054" y="5477328"/>
+            <a:ext cx="635341" cy="635341"/>
+          </a:xfrm>
+          <a:prstGeom prst="rect">
+            <a:avLst/>
+          </a:prstGeom>
+        </p:spPr>
+      </p:pic>
+      <p:pic>
+        <p:nvPicPr>
+          <p:cNvPr id="15" name="Grafický objekt 14" descr="Zaškrtnutí se souvislou výplní">
+            <a:extLst>
+              <a:ext uri="{FF2B5EF4-FFF2-40B4-BE49-F238E27FC236}">
+                <a16:creationId xmlns:a16="http://schemas.microsoft.com/office/drawing/2014/main" id="{D92A4868-E6A8-4BA5-B9D1-64317FEEF75F}"/>
+              </a:ext>
+            </a:extLst>
+          </p:cNvPr>
+          <p:cNvPicPr>
+            <a:picLocks noChangeAspect="1"/>
+          </p:cNvPicPr>
+          <p:nvPr/>
+        </p:nvPicPr>
+        <p:blipFill>
+          <a:blip r:embed="rId4">
+            <a:extLst>
+              <a:ext uri="{28A0092B-C50C-407E-A947-70E740481C1C}">
+                <a14:useLocalDpi xmlns:a14="http://schemas.microsoft.com/office/drawing/2010/main" val="0"/>
+              </a:ext>
+              <a:ext uri="{96DAC541-7B7A-43D3-8B79-37D633B846F1}">
+                <asvg:svgBlip xmlns:asvg="http://schemas.microsoft.com/office/drawing/2016/SVG/main" r:embed="rId5"/>
+              </a:ext>
+            </a:extLst>
+          </a:blip>
+          <a:stretch>
+            <a:fillRect/>
+          </a:stretch>
+        </p:blipFill>
+        <p:spPr>
+          <a:xfrm>
+            <a:off x="8080034" y="5477327"/>
+            <a:ext cx="635341" cy="635341"/>
+          </a:xfrm>
+          <a:prstGeom prst="rect">
+            <a:avLst/>
+          </a:prstGeom>
+        </p:spPr>
+      </p:pic>
+      <p:pic>
+        <p:nvPicPr>
+          <p:cNvPr id="16" name="Grafický objekt 15" descr="Zaškrtnutí se souvislou výplní">
+            <a:extLst>
+              <a:ext uri="{FF2B5EF4-FFF2-40B4-BE49-F238E27FC236}">
+                <a16:creationId xmlns:a16="http://schemas.microsoft.com/office/drawing/2014/main" id="{252AB974-C83E-4F5A-B59F-82BA4E32B6AF}"/>
+              </a:ext>
+            </a:extLst>
+          </p:cNvPr>
+          <p:cNvPicPr>
+            <a:picLocks noChangeAspect="1"/>
+          </p:cNvPicPr>
+          <p:nvPr/>
+        </p:nvPicPr>
+        <p:blipFill>
+          <a:blip r:embed="rId4">
+            <a:extLst>
+              <a:ext uri="{28A0092B-C50C-407E-A947-70E740481C1C}">
+                <a14:useLocalDpi xmlns:a14="http://schemas.microsoft.com/office/drawing/2010/main" val="0"/>
+              </a:ext>
+              <a:ext uri="{96DAC541-7B7A-43D3-8B79-37D633B846F1}">
+                <asvg:svgBlip xmlns:asvg="http://schemas.microsoft.com/office/drawing/2016/SVG/main" r:embed="rId5"/>
+              </a:ext>
+            </a:extLst>
+          </a:blip>
+          <a:stretch>
+            <a:fillRect/>
+          </a:stretch>
+        </p:blipFill>
+        <p:spPr>
+          <a:xfrm>
+            <a:off x="10445014" y="5477326"/>
+            <a:ext cx="635341" cy="635341"/>
+          </a:xfrm>
+          <a:prstGeom prst="rect">
+            <a:avLst/>
+          </a:prstGeom>
+        </p:spPr>
+      </p:pic>
+      <p:pic>
+        <p:nvPicPr>
+          <p:cNvPr id="17" name="Grafický objekt 16" descr="Zavřít se souvislou výplní">
+            <a:extLst>
+              <a:ext uri="{FF2B5EF4-FFF2-40B4-BE49-F238E27FC236}">
+                <a16:creationId xmlns:a16="http://schemas.microsoft.com/office/drawing/2014/main" id="{634F3364-88A6-4FB3-8BB0-30CD3B8F7C74}"/>
+              </a:ext>
+            </a:extLst>
+          </p:cNvPr>
+          <p:cNvPicPr>
+            <a:picLocks noChangeAspect="1"/>
+          </p:cNvPicPr>
+          <p:nvPr/>
+        </p:nvPicPr>
+        <p:blipFill>
+          <a:blip r:embed="rId6">
+            <a:extLst>
+              <a:ext uri="{28A0092B-C50C-407E-A947-70E740481C1C}">
+                <a14:useLocalDpi xmlns:a14="http://schemas.microsoft.com/office/drawing/2010/main" val="0"/>
+              </a:ext>
+              <a:ext uri="{96DAC541-7B7A-43D3-8B79-37D633B846F1}">
+                <asvg:svgBlip xmlns:asvg="http://schemas.microsoft.com/office/drawing/2016/SVG/main" r:embed="rId7"/>
+              </a:ext>
+            </a:extLst>
+          </a:blip>
+          <a:stretch>
+            <a:fillRect/>
+          </a:stretch>
+        </p:blipFill>
+        <p:spPr>
+          <a:xfrm>
+            <a:off x="8154403" y="3243599"/>
+            <a:ext cx="560972" cy="560972"/>
+          </a:xfrm>
+          <a:prstGeom prst="rect">
+            <a:avLst/>
+          </a:prstGeom>
+        </p:spPr>
+      </p:pic>
+      <p:pic>
+        <p:nvPicPr>
+          <p:cNvPr id="19" name="Grafický objekt 18" descr="Zavřít se souvislou výplní">
+            <a:extLst>
+              <a:ext uri="{FF2B5EF4-FFF2-40B4-BE49-F238E27FC236}">
+                <a16:creationId xmlns:a16="http://schemas.microsoft.com/office/drawing/2014/main" id="{3B76A7F3-ED55-4FED-8F72-AD016EA9C9B5}"/>
+              </a:ext>
+            </a:extLst>
+          </p:cNvPr>
+          <p:cNvPicPr>
+            <a:picLocks noChangeAspect="1"/>
+          </p:cNvPicPr>
+          <p:nvPr/>
+        </p:nvPicPr>
+        <p:blipFill>
+          <a:blip r:embed="rId6">
+            <a:extLst>
+              <a:ext uri="{28A0092B-C50C-407E-A947-70E740481C1C}">
+                <a14:useLocalDpi xmlns:a14="http://schemas.microsoft.com/office/drawing/2010/main" val="0"/>
+              </a:ext>
+              <a:ext uri="{96DAC541-7B7A-43D3-8B79-37D633B846F1}">
+                <asvg:svgBlip xmlns:asvg="http://schemas.microsoft.com/office/drawing/2016/SVG/main" r:embed="rId7"/>
+              </a:ext>
+            </a:extLst>
+          </a:blip>
+          <a:stretch>
+            <a:fillRect/>
+          </a:stretch>
+        </p:blipFill>
+        <p:spPr>
+          <a:xfrm>
+            <a:off x="3491017" y="5477326"/>
+            <a:ext cx="560972" cy="560972"/>
+          </a:xfrm>
+          <a:prstGeom prst="rect">
+            <a:avLst/>
+          </a:prstGeom>
+        </p:spPr>
+      </p:pic>
+      <p:sp>
+        <p:nvSpPr>
+          <p:cNvPr id="20" name="TextovéPole 19">
+            <a:extLst>
+              <a:ext uri="{FF2B5EF4-FFF2-40B4-BE49-F238E27FC236}">
+                <a16:creationId xmlns:a16="http://schemas.microsoft.com/office/drawing/2014/main" id="{25062E67-D652-4B63-857A-3FB3634340B2}"/>
+              </a:ext>
+            </a:extLst>
+          </p:cNvPr>
+          <p:cNvSpPr txBox="1"/>
+          <p:nvPr/>
+        </p:nvSpPr>
+        <p:spPr>
+          <a:xfrm>
+            <a:off x="5057775" y="6147592"/>
+            <a:ext cx="3257550" cy="461665"/>
+          </a:xfrm>
+          <a:prstGeom prst="rect">
+            <a:avLst/>
+          </a:prstGeom>
+          <a:noFill/>
+        </p:spPr>
+        <p:txBody>
+          <a:bodyPr wrap="square" rtlCol="0">
+            <a:spAutoFit/>
+          </a:bodyPr>
+          <a:lstStyle/>
+          <a:p>
+            <a:r>
+              <a:rPr lang="cs-CZ" sz="2400" b="1" dirty="0" err="1"/>
+              <a:t>Accuracy</a:t>
+            </a:r>
+            <a:r>
+              <a:rPr lang="cs-CZ" sz="2400" b="1" dirty="0"/>
+              <a:t> = 0.90 </a:t>
+            </a:r>
+            <a:endParaRPr lang="en-GB" sz="2400" b="1" dirty="0"/>
+          </a:p>
+        </p:txBody>
+      </p:sp>
+    </p:spTree>
+    <p:extLst>
+      <p:ext uri="{BB962C8B-B14F-4D97-AF65-F5344CB8AC3E}">
+        <p14:creationId xmlns:p14="http://schemas.microsoft.com/office/powerpoint/2010/main" val="2366204906"/>
+      </p:ext>
+    </p:extLst>
+  </p:cSld>
+  <p:clrMapOvr>
+    <a:masterClrMapping/>
+  </p:clrMapOvr>
+</p:sld>
+</file>
+
+<file path=ppt/slides/slide15.xml><?xml version="1.0" encoding="utf-8"?>
+<p:sld xmlns:a="http://schemas.openxmlformats.org/drawingml/2006/main" xmlns:r="http://schemas.openxmlformats.org/officeDocument/2006/relationships" xmlns:p="http://schemas.openxmlformats.org/presentationml/2006/main">
+  <p:cSld>
+    <p:spTree>
+      <p:nvGrpSpPr>
+        <p:cNvPr id="1" name=""/>
+        <p:cNvGrpSpPr/>
+        <p:nvPr/>
+      </p:nvGrpSpPr>
+      <p:grpSpPr>
+        <a:xfrm>
+          <a:off x="0" y="0"/>
+          <a:ext cx="0" cy="0"/>
+          <a:chOff x="0" y="0"/>
+          <a:chExt cx="0" cy="0"/>
+        </a:xfrm>
+      </p:grpSpPr>
+      <p:sp>
+        <p:nvSpPr>
+          <p:cNvPr id="2" name="Nadpis 1">
+            <a:extLst>
+              <a:ext uri="{FF2B5EF4-FFF2-40B4-BE49-F238E27FC236}">
+                <a16:creationId xmlns:a16="http://schemas.microsoft.com/office/drawing/2014/main" id="{A4AA72BC-1808-4BB9-B765-533FFB305B41}"/>
+              </a:ext>
+            </a:extLst>
+          </p:cNvPr>
+          <p:cNvSpPr>
+            <a:spLocks noGrp="1"/>
+          </p:cNvSpPr>
+          <p:nvPr>
+            <p:ph type="title"/>
+          </p:nvPr>
+        </p:nvSpPr>
+        <p:spPr/>
+        <p:txBody>
+          <a:bodyPr/>
+          <a:lstStyle/>
+          <a:p>
+            <a:r>
+              <a:rPr lang="cs-CZ" dirty="0" err="1">
+                <a:latin typeface="OCR A Extended" panose="02010509020102010303" pitchFamily="50" charset="0"/>
+              </a:rPr>
               <a:t>Conclusion</a:t>
             </a:r>
             <a:endParaRPr lang="en-GB" dirty="0">
@@ -9946,10 +13976,10 @@
       </p:sp>
       <p:pic>
         <p:nvPicPr>
-          <p:cNvPr id="4" name="Obrázek 3" descr="Obsah obrázku text, pták, snímek obrazovky&#10;&#10;Popis byl vytvořen automaticky">
+          <p:cNvPr id="5" name="Obrázek 4">
             <a:extLst>
               <a:ext uri="{FF2B5EF4-FFF2-40B4-BE49-F238E27FC236}">
-                <a16:creationId xmlns:a16="http://schemas.microsoft.com/office/drawing/2014/main" id="{35125083-A9CC-4ED4-82BD-03BC86B2AD9A}"/>
+                <a16:creationId xmlns:a16="http://schemas.microsoft.com/office/drawing/2014/main" id="{C9FDDB48-9351-4C6F-B7DC-CFD6CD38654D}"/>
               </a:ext>
             </a:extLst>
           </p:cNvPr>
@@ -9972,14 +14002,747 @@
         </p:blipFill>
         <p:spPr>
           <a:xfrm>
-            <a:off x="3279746" y="4930775"/>
-            <a:ext cx="5867400" cy="1562100"/>
+            <a:off x="8913655" y="4582486"/>
+            <a:ext cx="1949948" cy="2004657"/>
           </a:xfrm>
           <a:prstGeom prst="rect">
             <a:avLst/>
           </a:prstGeom>
         </p:spPr>
       </p:pic>
+      <p:sp>
+        <p:nvSpPr>
+          <p:cNvPr id="15" name="Zástupný obsah 2">
+            <a:extLst>
+              <a:ext uri="{FF2B5EF4-FFF2-40B4-BE49-F238E27FC236}">
+                <a16:creationId xmlns:a16="http://schemas.microsoft.com/office/drawing/2014/main" id="{8281322E-1A88-4226-85C8-77FCBDACA1C0}"/>
+              </a:ext>
+            </a:extLst>
+          </p:cNvPr>
+          <p:cNvSpPr txBox="1">
+            <a:spLocks/>
+          </p:cNvSpPr>
+          <p:nvPr/>
+        </p:nvSpPr>
+        <p:spPr>
+          <a:xfrm>
+            <a:off x="838199" y="1553064"/>
+            <a:ext cx="10753725" cy="4351338"/>
+          </a:xfrm>
+          <a:prstGeom prst="rect">
+            <a:avLst/>
+          </a:prstGeom>
+        </p:spPr>
+        <p:txBody>
+          <a:bodyPr vert="horz" lIns="91440" tIns="45720" rIns="91440" bIns="45720" rtlCol="0">
+            <a:normAutofit/>
+          </a:bodyPr>
+          <a:lstStyle>
+            <a:lvl1pPr marL="228600" indent="-228600" algn="l" defTabSz="914400" rtl="0" eaLnBrk="1" latinLnBrk="0" hangingPunct="1">
+              <a:lnSpc>
+                <a:spcPct val="90000"/>
+              </a:lnSpc>
+              <a:spcBef>
+                <a:spcPts val="1000"/>
+              </a:spcBef>
+              <a:buFont typeface="Arial" panose="020B0604020202020204" pitchFamily="34" charset="0"/>
+              <a:buChar char="•"/>
+              <a:defRPr sz="2800" kern="1200">
+                <a:solidFill>
+                  <a:schemeClr val="tx1"/>
+                </a:solidFill>
+                <a:latin typeface="+mn-lt"/>
+                <a:ea typeface="+mn-ea"/>
+                <a:cs typeface="+mn-cs"/>
+              </a:defRPr>
+            </a:lvl1pPr>
+            <a:lvl2pPr marL="685800" indent="-228600" algn="l" defTabSz="914400" rtl="0" eaLnBrk="1" latinLnBrk="0" hangingPunct="1">
+              <a:lnSpc>
+                <a:spcPct val="90000"/>
+              </a:lnSpc>
+              <a:spcBef>
+                <a:spcPts val="500"/>
+              </a:spcBef>
+              <a:buFont typeface="Arial" panose="020B0604020202020204" pitchFamily="34" charset="0"/>
+              <a:buChar char="•"/>
+              <a:defRPr sz="2400" kern="1200">
+                <a:solidFill>
+                  <a:schemeClr val="tx1"/>
+                </a:solidFill>
+                <a:latin typeface="+mn-lt"/>
+                <a:ea typeface="+mn-ea"/>
+                <a:cs typeface="+mn-cs"/>
+              </a:defRPr>
+            </a:lvl2pPr>
+            <a:lvl3pPr marL="1143000" indent="-228600" algn="l" defTabSz="914400" rtl="0" eaLnBrk="1" latinLnBrk="0" hangingPunct="1">
+              <a:lnSpc>
+                <a:spcPct val="90000"/>
+              </a:lnSpc>
+              <a:spcBef>
+                <a:spcPts val="500"/>
+              </a:spcBef>
+              <a:buFont typeface="Arial" panose="020B0604020202020204" pitchFamily="34" charset="0"/>
+              <a:buChar char="•"/>
+              <a:defRPr sz="2000" kern="1200">
+                <a:solidFill>
+                  <a:schemeClr val="tx1"/>
+                </a:solidFill>
+                <a:latin typeface="+mn-lt"/>
+                <a:ea typeface="+mn-ea"/>
+                <a:cs typeface="+mn-cs"/>
+              </a:defRPr>
+            </a:lvl3pPr>
+            <a:lvl4pPr marL="1600200" indent="-228600" algn="l" defTabSz="914400" rtl="0" eaLnBrk="1" latinLnBrk="0" hangingPunct="1">
+              <a:lnSpc>
+                <a:spcPct val="90000"/>
+              </a:lnSpc>
+              <a:spcBef>
+                <a:spcPts val="500"/>
+              </a:spcBef>
+              <a:buFont typeface="Arial" panose="020B0604020202020204" pitchFamily="34" charset="0"/>
+              <a:buChar char="•"/>
+              <a:defRPr sz="1800" kern="1200">
+                <a:solidFill>
+                  <a:schemeClr val="tx1"/>
+                </a:solidFill>
+                <a:latin typeface="+mn-lt"/>
+                <a:ea typeface="+mn-ea"/>
+                <a:cs typeface="+mn-cs"/>
+              </a:defRPr>
+            </a:lvl4pPr>
+            <a:lvl5pPr marL="2057400" indent="-228600" algn="l" defTabSz="914400" rtl="0" eaLnBrk="1" latinLnBrk="0" hangingPunct="1">
+              <a:lnSpc>
+                <a:spcPct val="90000"/>
+              </a:lnSpc>
+              <a:spcBef>
+                <a:spcPts val="500"/>
+              </a:spcBef>
+              <a:buFont typeface="Arial" panose="020B0604020202020204" pitchFamily="34" charset="0"/>
+              <a:buChar char="•"/>
+              <a:defRPr sz="1800" kern="1200">
+                <a:solidFill>
+                  <a:schemeClr val="tx1"/>
+                </a:solidFill>
+                <a:latin typeface="+mn-lt"/>
+                <a:ea typeface="+mn-ea"/>
+                <a:cs typeface="+mn-cs"/>
+              </a:defRPr>
+            </a:lvl5pPr>
+            <a:lvl6pPr marL="2514600" indent="-228600" algn="l" defTabSz="914400" rtl="0" eaLnBrk="1" latinLnBrk="0" hangingPunct="1">
+              <a:lnSpc>
+                <a:spcPct val="90000"/>
+              </a:lnSpc>
+              <a:spcBef>
+                <a:spcPts val="500"/>
+              </a:spcBef>
+              <a:buFont typeface="Arial" panose="020B0604020202020204" pitchFamily="34" charset="0"/>
+              <a:buChar char="•"/>
+              <a:defRPr sz="1800" kern="1200">
+                <a:solidFill>
+                  <a:schemeClr val="tx1"/>
+                </a:solidFill>
+                <a:latin typeface="+mn-lt"/>
+                <a:ea typeface="+mn-ea"/>
+                <a:cs typeface="+mn-cs"/>
+              </a:defRPr>
+            </a:lvl6pPr>
+            <a:lvl7pPr marL="2971800" indent="-228600" algn="l" defTabSz="914400" rtl="0" eaLnBrk="1" latinLnBrk="0" hangingPunct="1">
+              <a:lnSpc>
+                <a:spcPct val="90000"/>
+              </a:lnSpc>
+              <a:spcBef>
+                <a:spcPts val="500"/>
+              </a:spcBef>
+              <a:buFont typeface="Arial" panose="020B0604020202020204" pitchFamily="34" charset="0"/>
+              <a:buChar char="•"/>
+              <a:defRPr sz="1800" kern="1200">
+                <a:solidFill>
+                  <a:schemeClr val="tx1"/>
+                </a:solidFill>
+                <a:latin typeface="+mn-lt"/>
+                <a:ea typeface="+mn-ea"/>
+                <a:cs typeface="+mn-cs"/>
+              </a:defRPr>
+            </a:lvl7pPr>
+            <a:lvl8pPr marL="3429000" indent="-228600" algn="l" defTabSz="914400" rtl="0" eaLnBrk="1" latinLnBrk="0" hangingPunct="1">
+              <a:lnSpc>
+                <a:spcPct val="90000"/>
+              </a:lnSpc>
+              <a:spcBef>
+                <a:spcPts val="500"/>
+              </a:spcBef>
+              <a:buFont typeface="Arial" panose="020B0604020202020204" pitchFamily="34" charset="0"/>
+              <a:buChar char="•"/>
+              <a:defRPr sz="1800" kern="1200">
+                <a:solidFill>
+                  <a:schemeClr val="tx1"/>
+                </a:solidFill>
+                <a:latin typeface="+mn-lt"/>
+                <a:ea typeface="+mn-ea"/>
+                <a:cs typeface="+mn-cs"/>
+              </a:defRPr>
+            </a:lvl8pPr>
+            <a:lvl9pPr marL="3886200" indent="-228600" algn="l" defTabSz="914400" rtl="0" eaLnBrk="1" latinLnBrk="0" hangingPunct="1">
+              <a:lnSpc>
+                <a:spcPct val="90000"/>
+              </a:lnSpc>
+              <a:spcBef>
+                <a:spcPts val="500"/>
+              </a:spcBef>
+              <a:buFont typeface="Arial" panose="020B0604020202020204" pitchFamily="34" charset="0"/>
+              <a:buChar char="•"/>
+              <a:defRPr sz="1800" kern="1200">
+                <a:solidFill>
+                  <a:schemeClr val="tx1"/>
+                </a:solidFill>
+                <a:latin typeface="+mn-lt"/>
+                <a:ea typeface="+mn-ea"/>
+                <a:cs typeface="+mn-cs"/>
+              </a:defRPr>
+            </a:lvl9pPr>
+          </a:lstStyle>
+          <a:p>
+            <a:pPr>
+              <a:lnSpc>
+                <a:spcPct val="150000"/>
+              </a:lnSpc>
+              <a:buClr>
+                <a:srgbClr val="FFC000"/>
+              </a:buClr>
+              <a:buFont typeface="Calibri" panose="020F0502020204030204" pitchFamily="34" charset="0"/>
+              <a:buChar char="&gt;"/>
+            </a:pPr>
+            <a:r>
+              <a:rPr lang="cs-CZ" sz="2000" dirty="0" err="1"/>
+              <a:t>We</a:t>
+            </a:r>
+            <a:r>
+              <a:rPr lang="cs-CZ" sz="2000" dirty="0"/>
+              <a:t> </a:t>
+            </a:r>
+            <a:r>
+              <a:rPr lang="cs-CZ" sz="2000" dirty="0" err="1"/>
+              <a:t>found</a:t>
+            </a:r>
+            <a:r>
+              <a:rPr lang="cs-CZ" sz="2000" dirty="0"/>
+              <a:t> </a:t>
+            </a:r>
+            <a:r>
+              <a:rPr lang="cs-CZ" sz="2000" b="1" dirty="0" err="1">
+                <a:solidFill>
+                  <a:srgbClr val="FFC000"/>
+                </a:solidFill>
+              </a:rPr>
+              <a:t>efficient</a:t>
+            </a:r>
+            <a:r>
+              <a:rPr lang="cs-CZ" sz="2000" b="1" dirty="0">
+                <a:solidFill>
+                  <a:srgbClr val="FFC000"/>
+                </a:solidFill>
+              </a:rPr>
+              <a:t> </a:t>
+            </a:r>
+            <a:r>
+              <a:rPr lang="cs-CZ" sz="2000" b="1" dirty="0" err="1">
+                <a:solidFill>
+                  <a:srgbClr val="FFC000"/>
+                </a:solidFill>
+              </a:rPr>
+              <a:t>solution</a:t>
+            </a:r>
+            <a:r>
+              <a:rPr lang="cs-CZ" sz="2000" dirty="0"/>
+              <a:t> to CAPTCHA </a:t>
+            </a:r>
+            <a:r>
+              <a:rPr lang="cs-CZ" sz="2000" dirty="0" err="1"/>
+              <a:t>recognition</a:t>
+            </a:r>
+            <a:r>
+              <a:rPr lang="cs-CZ" sz="2000" dirty="0"/>
+              <a:t> </a:t>
+            </a:r>
+            <a:r>
+              <a:rPr lang="cs-CZ" sz="2000" dirty="0" err="1"/>
+              <a:t>problem</a:t>
+            </a:r>
+            <a:r>
+              <a:rPr lang="cs-CZ" sz="2000" dirty="0"/>
+              <a:t> and </a:t>
+            </a:r>
+            <a:r>
+              <a:rPr lang="cs-CZ" sz="2000" dirty="0" err="1"/>
+              <a:t>created</a:t>
+            </a:r>
+            <a:r>
+              <a:rPr lang="cs-CZ" sz="2000" dirty="0"/>
+              <a:t> a model </a:t>
+            </a:r>
+            <a:r>
+              <a:rPr lang="cs-CZ" sz="2000" dirty="0" err="1"/>
+              <a:t>with</a:t>
+            </a:r>
+            <a:r>
+              <a:rPr lang="cs-CZ" sz="2000" dirty="0"/>
+              <a:t> </a:t>
+            </a:r>
+            <a:r>
+              <a:rPr lang="cs-CZ" sz="2000" b="1" dirty="0">
+                <a:solidFill>
+                  <a:srgbClr val="FFC000"/>
+                </a:solidFill>
+              </a:rPr>
+              <a:t>very </a:t>
+            </a:r>
+            <a:r>
+              <a:rPr lang="cs-CZ" sz="2000" b="1" dirty="0" err="1">
+                <a:solidFill>
+                  <a:srgbClr val="FFC000"/>
+                </a:solidFill>
+              </a:rPr>
+              <a:t>high</a:t>
+            </a:r>
+            <a:r>
+              <a:rPr lang="cs-CZ" sz="2000" b="1" dirty="0">
+                <a:solidFill>
+                  <a:srgbClr val="FFC000"/>
+                </a:solidFill>
+              </a:rPr>
+              <a:t> </a:t>
+            </a:r>
+            <a:r>
+              <a:rPr lang="cs-CZ" sz="2000" b="1" dirty="0" err="1">
+                <a:solidFill>
+                  <a:srgbClr val="FFC000"/>
+                </a:solidFill>
+              </a:rPr>
+              <a:t>accuracy</a:t>
+            </a:r>
+            <a:r>
+              <a:rPr lang="cs-CZ" sz="2000" dirty="0"/>
+              <a:t>. </a:t>
+            </a:r>
+          </a:p>
+          <a:p>
+            <a:pPr>
+              <a:lnSpc>
+                <a:spcPct val="150000"/>
+              </a:lnSpc>
+              <a:buClr>
+                <a:srgbClr val="FFC000"/>
+              </a:buClr>
+              <a:buFont typeface="Calibri" panose="020F0502020204030204" pitchFamily="34" charset="0"/>
+              <a:buChar char="&gt;"/>
+            </a:pPr>
+            <a:r>
+              <a:rPr lang="cs-CZ" sz="2000" dirty="0" err="1"/>
+              <a:t>Neck</a:t>
+            </a:r>
+            <a:r>
+              <a:rPr lang="cs-CZ" sz="2000" dirty="0"/>
+              <a:t>-to-</a:t>
+            </a:r>
+            <a:r>
+              <a:rPr lang="cs-CZ" sz="2000" dirty="0" err="1"/>
+              <a:t>neck</a:t>
+            </a:r>
+            <a:r>
+              <a:rPr lang="cs-CZ" sz="2000" dirty="0"/>
+              <a:t> </a:t>
+            </a:r>
+            <a:r>
+              <a:rPr lang="cs-CZ" sz="2000" dirty="0" err="1"/>
+              <a:t>with</a:t>
+            </a:r>
+            <a:r>
+              <a:rPr lang="cs-CZ" sz="2000" dirty="0"/>
+              <a:t> CAPTCHA </a:t>
+            </a:r>
+            <a:r>
+              <a:rPr lang="cs-CZ" sz="2000" dirty="0" err="1"/>
+              <a:t>recognition</a:t>
+            </a:r>
+            <a:r>
+              <a:rPr lang="cs-CZ" sz="2000" dirty="0"/>
+              <a:t> </a:t>
+            </a:r>
+            <a:r>
+              <a:rPr lang="cs-CZ" sz="2000" dirty="0" err="1"/>
+              <a:t>models</a:t>
+            </a:r>
+            <a:r>
+              <a:rPr lang="cs-CZ" sz="2000" dirty="0"/>
+              <a:t> </a:t>
+            </a:r>
+            <a:r>
+              <a:rPr lang="cs-CZ" sz="2000" dirty="0" err="1"/>
+              <a:t>we</a:t>
+            </a:r>
+            <a:r>
+              <a:rPr lang="cs-CZ" sz="2000" dirty="0"/>
+              <a:t> </a:t>
+            </a:r>
+            <a:r>
+              <a:rPr lang="cs-CZ" sz="2000" dirty="0" err="1"/>
+              <a:t>found</a:t>
+            </a:r>
+            <a:r>
+              <a:rPr lang="cs-CZ" sz="2000" dirty="0"/>
+              <a:t> on </a:t>
+            </a:r>
+            <a:r>
+              <a:rPr lang="cs-CZ" sz="2000" dirty="0" err="1"/>
+              <a:t>the</a:t>
+            </a:r>
+            <a:r>
+              <a:rPr lang="cs-CZ" sz="2000" dirty="0"/>
+              <a:t> internet.</a:t>
+            </a:r>
+          </a:p>
+          <a:p>
+            <a:pPr>
+              <a:lnSpc>
+                <a:spcPct val="150000"/>
+              </a:lnSpc>
+              <a:buClr>
+                <a:srgbClr val="FFC000"/>
+              </a:buClr>
+              <a:buFont typeface="Calibri" panose="020F0502020204030204" pitchFamily="34" charset="0"/>
+              <a:buChar char="&gt;"/>
+            </a:pPr>
+            <a:r>
+              <a:rPr lang="cs-CZ" sz="2000" dirty="0"/>
+              <a:t>Model </a:t>
+            </a:r>
+            <a:r>
+              <a:rPr lang="cs-CZ" sz="2000" dirty="0" err="1"/>
+              <a:t>is</a:t>
+            </a:r>
+            <a:r>
+              <a:rPr lang="cs-CZ" sz="2000" dirty="0"/>
+              <a:t> </a:t>
+            </a:r>
+            <a:r>
+              <a:rPr lang="cs-CZ" sz="2000" dirty="0" err="1"/>
+              <a:t>capable</a:t>
+            </a:r>
+            <a:r>
+              <a:rPr lang="cs-CZ" sz="2000" dirty="0"/>
+              <a:t> </a:t>
+            </a:r>
+            <a:r>
+              <a:rPr lang="cs-CZ" sz="2000" dirty="0" err="1"/>
+              <a:t>of</a:t>
+            </a:r>
+            <a:r>
+              <a:rPr lang="cs-CZ" sz="2000" dirty="0"/>
+              <a:t> </a:t>
+            </a:r>
+            <a:r>
+              <a:rPr lang="cs-CZ" sz="2000" dirty="0" err="1"/>
+              <a:t>finding</a:t>
+            </a:r>
+            <a:r>
+              <a:rPr lang="cs-CZ" sz="2000" dirty="0"/>
+              <a:t> </a:t>
+            </a:r>
+            <a:r>
+              <a:rPr lang="cs-CZ" sz="2000" dirty="0" err="1"/>
+              <a:t>predictions</a:t>
+            </a:r>
+            <a:r>
+              <a:rPr lang="cs-CZ" sz="2000" dirty="0"/>
+              <a:t> </a:t>
+            </a:r>
+            <a:r>
+              <a:rPr lang="cs-CZ" sz="2000" dirty="0" err="1"/>
+              <a:t>for</a:t>
+            </a:r>
+            <a:r>
+              <a:rPr lang="cs-CZ" sz="2000" dirty="0"/>
+              <a:t> </a:t>
+            </a:r>
+            <a:r>
+              <a:rPr lang="cs-CZ" sz="2000" dirty="0" err="1"/>
+              <a:t>even</a:t>
+            </a:r>
+            <a:r>
+              <a:rPr lang="cs-CZ" sz="2000" dirty="0"/>
+              <a:t> </a:t>
+            </a:r>
+            <a:r>
+              <a:rPr lang="cs-CZ" sz="2000" dirty="0" err="1"/>
+              <a:t>longer</a:t>
+            </a:r>
+            <a:r>
+              <a:rPr lang="cs-CZ" sz="2000" dirty="0"/>
+              <a:t>/</a:t>
+            </a:r>
+            <a:r>
+              <a:rPr lang="cs-CZ" sz="2000" dirty="0" err="1"/>
+              <a:t>shorter</a:t>
+            </a:r>
+            <a:r>
+              <a:rPr lang="cs-CZ" sz="2000" dirty="0"/>
+              <a:t> </a:t>
+            </a:r>
+            <a:r>
+              <a:rPr lang="cs-CZ" sz="2000" dirty="0" err="1"/>
+              <a:t>CAPTCHA‘s</a:t>
+            </a:r>
+            <a:r>
+              <a:rPr lang="cs-CZ" sz="2000" dirty="0"/>
+              <a:t>. (</a:t>
+            </a:r>
+            <a:r>
+              <a:rPr lang="cs-CZ" sz="2000" dirty="0" err="1"/>
+              <a:t>robustness</a:t>
+            </a:r>
+            <a:r>
+              <a:rPr lang="cs-CZ" sz="2000" dirty="0"/>
+              <a:t>)</a:t>
+            </a:r>
+          </a:p>
+          <a:p>
+            <a:pPr>
+              <a:lnSpc>
+                <a:spcPct val="150000"/>
+              </a:lnSpc>
+              <a:buClr>
+                <a:srgbClr val="FFC000"/>
+              </a:buClr>
+              <a:buFont typeface="Calibri" panose="020F0502020204030204" pitchFamily="34" charset="0"/>
+              <a:buChar char="&gt;"/>
+            </a:pPr>
+            <a:r>
+              <a:rPr lang="cs-CZ" sz="2000" dirty="0" err="1"/>
+              <a:t>During</a:t>
+            </a:r>
+            <a:r>
+              <a:rPr lang="cs-CZ" sz="2000" dirty="0"/>
+              <a:t> </a:t>
+            </a:r>
+            <a:r>
+              <a:rPr lang="cs-CZ" sz="2000" dirty="0" err="1"/>
+              <a:t>research</a:t>
+            </a:r>
+            <a:r>
+              <a:rPr lang="cs-CZ" sz="2000" dirty="0"/>
+              <a:t> </a:t>
+            </a:r>
+            <a:r>
+              <a:rPr lang="cs-CZ" sz="2000" dirty="0" err="1"/>
+              <a:t>we</a:t>
+            </a:r>
+            <a:r>
+              <a:rPr lang="cs-CZ" sz="2000" dirty="0"/>
+              <a:t> </a:t>
+            </a:r>
+            <a:r>
+              <a:rPr lang="cs-CZ" sz="2000" dirty="0" err="1"/>
+              <a:t>came</a:t>
+            </a:r>
+            <a:r>
+              <a:rPr lang="cs-CZ" sz="2000" dirty="0"/>
+              <a:t> </a:t>
+            </a:r>
+            <a:r>
+              <a:rPr lang="cs-CZ" sz="2000" dirty="0" err="1"/>
+              <a:t>across</a:t>
+            </a:r>
+            <a:r>
+              <a:rPr lang="cs-CZ" sz="2000" dirty="0"/>
+              <a:t> many </a:t>
+            </a:r>
+            <a:r>
+              <a:rPr lang="cs-CZ" sz="2000" dirty="0" err="1"/>
+              <a:t>interesting</a:t>
+            </a:r>
+            <a:r>
+              <a:rPr lang="cs-CZ" sz="2000" dirty="0"/>
+              <a:t> </a:t>
+            </a:r>
+            <a:r>
+              <a:rPr lang="cs-CZ" sz="2000" dirty="0" err="1"/>
+              <a:t>approaches</a:t>
+            </a:r>
+            <a:r>
+              <a:rPr lang="cs-CZ" sz="2000" dirty="0"/>
+              <a:t> to text </a:t>
+            </a:r>
+            <a:r>
+              <a:rPr lang="cs-CZ" sz="2000" dirty="0" err="1"/>
+              <a:t>recognition</a:t>
+            </a:r>
+            <a:r>
+              <a:rPr lang="cs-CZ" sz="2000" dirty="0"/>
+              <a:t>, </a:t>
+            </a:r>
+            <a:r>
+              <a:rPr lang="cs-CZ" sz="2000" dirty="0" err="1"/>
+              <a:t>which</a:t>
+            </a:r>
+            <a:r>
+              <a:rPr lang="cs-CZ" sz="2000" dirty="0"/>
+              <a:t> </a:t>
+            </a:r>
+            <a:r>
+              <a:rPr lang="cs-CZ" sz="2000" dirty="0" err="1"/>
+              <a:t>will</a:t>
+            </a:r>
+            <a:r>
+              <a:rPr lang="cs-CZ" sz="2000" dirty="0"/>
+              <a:t> </a:t>
+            </a:r>
+            <a:r>
+              <a:rPr lang="cs-CZ" sz="2000" dirty="0" err="1"/>
+              <a:t>surely</a:t>
+            </a:r>
+            <a:r>
+              <a:rPr lang="cs-CZ" sz="2000" dirty="0"/>
+              <a:t> </a:t>
+            </a:r>
+            <a:r>
+              <a:rPr lang="cs-CZ" sz="2000" dirty="0" err="1"/>
+              <a:t>come</a:t>
+            </a:r>
+            <a:r>
+              <a:rPr lang="cs-CZ" sz="2000" dirty="0"/>
+              <a:t> handy in </a:t>
+            </a:r>
+            <a:r>
+              <a:rPr lang="cs-CZ" sz="2000" dirty="0" err="1"/>
+              <a:t>the</a:t>
+            </a:r>
+            <a:r>
+              <a:rPr lang="cs-CZ" sz="2000" dirty="0"/>
+              <a:t> </a:t>
+            </a:r>
+            <a:r>
+              <a:rPr lang="cs-CZ" sz="2000" dirty="0" err="1"/>
+              <a:t>future</a:t>
+            </a:r>
+            <a:r>
+              <a:rPr lang="cs-CZ" sz="2000" dirty="0"/>
+              <a:t>.</a:t>
+            </a:r>
+          </a:p>
+          <a:p>
+            <a:pPr>
+              <a:lnSpc>
+                <a:spcPct val="150000"/>
+              </a:lnSpc>
+              <a:buClr>
+                <a:srgbClr val="FFC000"/>
+              </a:buClr>
+              <a:buFont typeface="Calibri" panose="020F0502020204030204" pitchFamily="34" charset="0"/>
+              <a:buChar char="&gt;"/>
+            </a:pPr>
+            <a:r>
+              <a:rPr lang="cs-CZ" sz="2000" dirty="0"/>
+              <a:t>So…</a:t>
+            </a:r>
+            <a:endParaRPr lang="cs-CZ" sz="2400" dirty="0"/>
+          </a:p>
+          <a:p>
+            <a:pPr lvl="1">
+              <a:buFont typeface="Calibri" panose="020F0502020204030204" pitchFamily="34" charset="0"/>
+              <a:buChar char="&gt;"/>
+            </a:pPr>
+            <a:endParaRPr lang="en-GB" dirty="0"/>
+          </a:p>
+        </p:txBody>
+      </p:sp>
+      <p:pic>
+        <p:nvPicPr>
+          <p:cNvPr id="17" name="Obrázek 16" descr="Obsah obrázku text, pták, snímek obrazovky&#10;&#10;Popis byl vytvořen automaticky">
+            <a:extLst>
+              <a:ext uri="{FF2B5EF4-FFF2-40B4-BE49-F238E27FC236}">
+                <a16:creationId xmlns:a16="http://schemas.microsoft.com/office/drawing/2014/main" id="{4EB7CA04-8C07-4AE1-ACB6-ABDD2E08498B}"/>
+              </a:ext>
+            </a:extLst>
+          </p:cNvPr>
+          <p:cNvPicPr>
+            <a:picLocks noChangeAspect="1"/>
+          </p:cNvPicPr>
+          <p:nvPr/>
+        </p:nvPicPr>
+        <p:blipFill>
+          <a:blip r:embed="rId3">
+            <a:extLst>
+              <a:ext uri="{28A0092B-C50C-407E-A947-70E740481C1C}">
+                <a14:useLocalDpi xmlns:a14="http://schemas.microsoft.com/office/drawing/2010/main" val="0"/>
+              </a:ext>
+            </a:extLst>
+          </a:blip>
+          <a:stretch>
+            <a:fillRect/>
+          </a:stretch>
+        </p:blipFill>
+        <p:spPr>
+          <a:xfrm>
+            <a:off x="3445243" y="5325171"/>
+            <a:ext cx="4740091" cy="1261972"/>
+          </a:xfrm>
+          <a:prstGeom prst="rect">
+            <a:avLst/>
+          </a:prstGeom>
+        </p:spPr>
+      </p:pic>
+      <p:sp>
+        <p:nvSpPr>
+          <p:cNvPr id="19" name="Obdélník 18">
+            <a:extLst>
+              <a:ext uri="{FF2B5EF4-FFF2-40B4-BE49-F238E27FC236}">
+                <a16:creationId xmlns:a16="http://schemas.microsoft.com/office/drawing/2014/main" id="{B876763B-91B7-4712-B696-27F18B81A2DB}"/>
+              </a:ext>
+            </a:extLst>
+          </p:cNvPr>
+          <p:cNvSpPr/>
+          <p:nvPr/>
+        </p:nvSpPr>
+        <p:spPr>
+          <a:xfrm>
+            <a:off x="3600450" y="5605319"/>
+            <a:ext cx="609600" cy="701675"/>
+          </a:xfrm>
+          <a:prstGeom prst="rect">
+            <a:avLst/>
+          </a:prstGeom>
+          <a:solidFill>
+            <a:srgbClr val="F9F9F9"/>
+          </a:solidFill>
+          <a:ln>
+            <a:noFill/>
+          </a:ln>
+        </p:spPr>
+        <p:style>
+          <a:lnRef idx="2">
+            <a:schemeClr val="accent1">
+              <a:shade val="50000"/>
+            </a:schemeClr>
+          </a:lnRef>
+          <a:fillRef idx="1">
+            <a:schemeClr val="accent1"/>
+          </a:fillRef>
+          <a:effectRef idx="0">
+            <a:schemeClr val="accent1"/>
+          </a:effectRef>
+          <a:fontRef idx="minor">
+            <a:schemeClr val="lt1"/>
+          </a:fontRef>
+        </p:style>
+        <p:txBody>
+          <a:bodyPr rtlCol="0" anchor="ctr"/>
+          <a:lstStyle/>
+          <a:p>
+            <a:pPr algn="ctr"/>
+            <a:endParaRPr lang="en-GB"/>
+          </a:p>
+        </p:txBody>
+      </p:sp>
     </p:spTree>
     <p:extLst>
       <p:ext uri="{BB962C8B-B14F-4D97-AF65-F5344CB8AC3E}">
@@ -9990,6 +14753,973 @@
   <p:clrMapOvr>
     <a:masterClrMapping/>
   </p:clrMapOvr>
+</p:sld>
+</file>
+
+<file path=ppt/slides/slide16.xml><?xml version="1.0" encoding="utf-8"?>
+<p:sld xmlns:a="http://schemas.openxmlformats.org/drawingml/2006/main" xmlns:r="http://schemas.openxmlformats.org/officeDocument/2006/relationships" xmlns:p="http://schemas.openxmlformats.org/presentationml/2006/main">
+  <p:cSld>
+    <p:spTree>
+      <p:nvGrpSpPr>
+        <p:cNvPr id="1" name=""/>
+        <p:cNvGrpSpPr/>
+        <p:nvPr/>
+      </p:nvGrpSpPr>
+      <p:grpSpPr>
+        <a:xfrm>
+          <a:off x="0" y="0"/>
+          <a:ext cx="0" cy="0"/>
+          <a:chOff x="0" y="0"/>
+          <a:chExt cx="0" cy="0"/>
+        </a:xfrm>
+      </p:grpSpPr>
+      <p:sp>
+        <p:nvSpPr>
+          <p:cNvPr id="2" name="Nadpis 1">
+            <a:extLst>
+              <a:ext uri="{FF2B5EF4-FFF2-40B4-BE49-F238E27FC236}">
+                <a16:creationId xmlns:a16="http://schemas.microsoft.com/office/drawing/2014/main" id="{A4AA72BC-1808-4BB9-B765-533FFB305B41}"/>
+              </a:ext>
+            </a:extLst>
+          </p:cNvPr>
+          <p:cNvSpPr>
+            <a:spLocks noGrp="1"/>
+          </p:cNvSpPr>
+          <p:nvPr>
+            <p:ph type="title"/>
+          </p:nvPr>
+        </p:nvSpPr>
+        <p:spPr/>
+        <p:txBody>
+          <a:bodyPr/>
+          <a:lstStyle/>
+          <a:p>
+            <a:r>
+              <a:rPr lang="cs-CZ" dirty="0" err="1">
+                <a:latin typeface="OCR A Extended" panose="02010509020102010303" pitchFamily="50" charset="0"/>
+              </a:rPr>
+              <a:t>Conclusion</a:t>
+            </a:r>
+            <a:endParaRPr lang="en-GB" dirty="0">
+              <a:latin typeface="OCR A Extended" panose="02010509020102010303" pitchFamily="50" charset="0"/>
+            </a:endParaRPr>
+          </a:p>
+        </p:txBody>
+      </p:sp>
+      <p:pic>
+        <p:nvPicPr>
+          <p:cNvPr id="5" name="Obrázek 4">
+            <a:extLst>
+              <a:ext uri="{FF2B5EF4-FFF2-40B4-BE49-F238E27FC236}">
+                <a16:creationId xmlns:a16="http://schemas.microsoft.com/office/drawing/2014/main" id="{C9FDDB48-9351-4C6F-B7DC-CFD6CD38654D}"/>
+              </a:ext>
+            </a:extLst>
+          </p:cNvPr>
+          <p:cNvPicPr>
+            <a:picLocks noChangeAspect="1"/>
+          </p:cNvPicPr>
+          <p:nvPr/>
+        </p:nvPicPr>
+        <p:blipFill>
+          <a:blip r:embed="rId2">
+            <a:extLst>
+              <a:ext uri="{28A0092B-C50C-407E-A947-70E740481C1C}">
+                <a14:useLocalDpi xmlns:a14="http://schemas.microsoft.com/office/drawing/2010/main" val="0"/>
+              </a:ext>
+            </a:extLst>
+          </a:blip>
+          <a:stretch>
+            <a:fillRect/>
+          </a:stretch>
+        </p:blipFill>
+        <p:spPr>
+          <a:xfrm>
+            <a:off x="8913655" y="4582486"/>
+            <a:ext cx="1949948" cy="2004657"/>
+          </a:xfrm>
+          <a:prstGeom prst="rect">
+            <a:avLst/>
+          </a:prstGeom>
+        </p:spPr>
+      </p:pic>
+      <p:pic>
+        <p:nvPicPr>
+          <p:cNvPr id="6" name="Zástupný obsah 5" descr="Obsah obrázku bezobratlí, tmavé, měkkýši&#10;&#10;Popis byl vytvořen automaticky">
+            <a:extLst>
+              <a:ext uri="{FF2B5EF4-FFF2-40B4-BE49-F238E27FC236}">
+                <a16:creationId xmlns:a16="http://schemas.microsoft.com/office/drawing/2014/main" id="{E3276EF0-CF23-48B4-8BFB-B379BF0938F1}"/>
+              </a:ext>
+            </a:extLst>
+          </p:cNvPr>
+          <p:cNvPicPr>
+            <a:picLocks noGrp="1" noChangeAspect="1"/>
+          </p:cNvPicPr>
+          <p:nvPr>
+            <p:ph idx="1"/>
+          </p:nvPr>
+        </p:nvPicPr>
+        <p:blipFill>
+          <a:blip r:embed="rId3">
+            <a:extLst>
+              <a:ext uri="{28A0092B-C50C-407E-A947-70E740481C1C}">
+                <a14:useLocalDpi xmlns:a14="http://schemas.microsoft.com/office/drawing/2010/main" val="0"/>
+              </a:ext>
+              <a:ext uri="{837473B0-CC2E-450A-ABE3-18F120FF3D39}">
+                <a1611:picAttrSrcUrl xmlns:a1611="http://schemas.microsoft.com/office/drawing/2016/11/main" r:id="rId4"/>
+              </a:ext>
+            </a:extLst>
+          </a:blip>
+          <a:stretch>
+            <a:fillRect/>
+          </a:stretch>
+        </p:blipFill>
+        <p:spPr>
+          <a:xfrm>
+            <a:off x="8610594" y="-2060868"/>
+            <a:ext cx="2743206" cy="2331725"/>
+          </a:xfrm>
+        </p:spPr>
+      </p:pic>
+      <p:pic>
+        <p:nvPicPr>
+          <p:cNvPr id="12" name="Grafický objekt 11" descr="Sluneční brýle se souvislou výplní">
+            <a:extLst>
+              <a:ext uri="{FF2B5EF4-FFF2-40B4-BE49-F238E27FC236}">
+                <a16:creationId xmlns:a16="http://schemas.microsoft.com/office/drawing/2014/main" id="{87B070B9-DFA3-41AB-AC29-95CC7F04F58B}"/>
+              </a:ext>
+            </a:extLst>
+          </p:cNvPr>
+          <p:cNvPicPr>
+            <a:picLocks noChangeAspect="1"/>
+          </p:cNvPicPr>
+          <p:nvPr/>
+        </p:nvPicPr>
+        <p:blipFill>
+          <a:blip r:embed="rId5">
+            <a:extLst>
+              <a:ext uri="{28A0092B-C50C-407E-A947-70E740481C1C}">
+                <a14:useLocalDpi xmlns:a14="http://schemas.microsoft.com/office/drawing/2010/main" val="0"/>
+              </a:ext>
+              <a:ext uri="{96DAC541-7B7A-43D3-8B79-37D633B846F1}">
+                <asvg:svgBlip xmlns:asvg="http://schemas.microsoft.com/office/drawing/2016/SVG/main" r:embed="rId6"/>
+              </a:ext>
+            </a:extLst>
+          </a:blip>
+          <a:stretch>
+            <a:fillRect/>
+          </a:stretch>
+        </p:blipFill>
+        <p:spPr>
+          <a:xfrm>
+            <a:off x="9327819" y="-1452547"/>
+            <a:ext cx="1308755" cy="1308755"/>
+          </a:xfrm>
+          <a:prstGeom prst="rect">
+            <a:avLst/>
+          </a:prstGeom>
+        </p:spPr>
+      </p:pic>
+      <p:sp>
+        <p:nvSpPr>
+          <p:cNvPr id="15" name="Zástupný obsah 2">
+            <a:extLst>
+              <a:ext uri="{FF2B5EF4-FFF2-40B4-BE49-F238E27FC236}">
+                <a16:creationId xmlns:a16="http://schemas.microsoft.com/office/drawing/2014/main" id="{8281322E-1A88-4226-85C8-77FCBDACA1C0}"/>
+              </a:ext>
+            </a:extLst>
+          </p:cNvPr>
+          <p:cNvSpPr txBox="1">
+            <a:spLocks/>
+          </p:cNvSpPr>
+          <p:nvPr/>
+        </p:nvSpPr>
+        <p:spPr>
+          <a:xfrm>
+            <a:off x="838199" y="1553064"/>
+            <a:ext cx="10753725" cy="4351338"/>
+          </a:xfrm>
+          <a:prstGeom prst="rect">
+            <a:avLst/>
+          </a:prstGeom>
+        </p:spPr>
+        <p:txBody>
+          <a:bodyPr vert="horz" lIns="91440" tIns="45720" rIns="91440" bIns="45720" rtlCol="0">
+            <a:normAutofit/>
+          </a:bodyPr>
+          <a:lstStyle>
+            <a:lvl1pPr marL="228600" indent="-228600" algn="l" defTabSz="914400" rtl="0" eaLnBrk="1" latinLnBrk="0" hangingPunct="1">
+              <a:lnSpc>
+                <a:spcPct val="90000"/>
+              </a:lnSpc>
+              <a:spcBef>
+                <a:spcPts val="1000"/>
+              </a:spcBef>
+              <a:buFont typeface="Arial" panose="020B0604020202020204" pitchFamily="34" charset="0"/>
+              <a:buChar char="•"/>
+              <a:defRPr sz="2800" kern="1200">
+                <a:solidFill>
+                  <a:schemeClr val="tx1"/>
+                </a:solidFill>
+                <a:latin typeface="+mn-lt"/>
+                <a:ea typeface="+mn-ea"/>
+                <a:cs typeface="+mn-cs"/>
+              </a:defRPr>
+            </a:lvl1pPr>
+            <a:lvl2pPr marL="685800" indent="-228600" algn="l" defTabSz="914400" rtl="0" eaLnBrk="1" latinLnBrk="0" hangingPunct="1">
+              <a:lnSpc>
+                <a:spcPct val="90000"/>
+              </a:lnSpc>
+              <a:spcBef>
+                <a:spcPts val="500"/>
+              </a:spcBef>
+              <a:buFont typeface="Arial" panose="020B0604020202020204" pitchFamily="34" charset="0"/>
+              <a:buChar char="•"/>
+              <a:defRPr sz="2400" kern="1200">
+                <a:solidFill>
+                  <a:schemeClr val="tx1"/>
+                </a:solidFill>
+                <a:latin typeface="+mn-lt"/>
+                <a:ea typeface="+mn-ea"/>
+                <a:cs typeface="+mn-cs"/>
+              </a:defRPr>
+            </a:lvl2pPr>
+            <a:lvl3pPr marL="1143000" indent="-228600" algn="l" defTabSz="914400" rtl="0" eaLnBrk="1" latinLnBrk="0" hangingPunct="1">
+              <a:lnSpc>
+                <a:spcPct val="90000"/>
+              </a:lnSpc>
+              <a:spcBef>
+                <a:spcPts val="500"/>
+              </a:spcBef>
+              <a:buFont typeface="Arial" panose="020B0604020202020204" pitchFamily="34" charset="0"/>
+              <a:buChar char="•"/>
+              <a:defRPr sz="2000" kern="1200">
+                <a:solidFill>
+                  <a:schemeClr val="tx1"/>
+                </a:solidFill>
+                <a:latin typeface="+mn-lt"/>
+                <a:ea typeface="+mn-ea"/>
+                <a:cs typeface="+mn-cs"/>
+              </a:defRPr>
+            </a:lvl3pPr>
+            <a:lvl4pPr marL="1600200" indent="-228600" algn="l" defTabSz="914400" rtl="0" eaLnBrk="1" latinLnBrk="0" hangingPunct="1">
+              <a:lnSpc>
+                <a:spcPct val="90000"/>
+              </a:lnSpc>
+              <a:spcBef>
+                <a:spcPts val="500"/>
+              </a:spcBef>
+              <a:buFont typeface="Arial" panose="020B0604020202020204" pitchFamily="34" charset="0"/>
+              <a:buChar char="•"/>
+              <a:defRPr sz="1800" kern="1200">
+                <a:solidFill>
+                  <a:schemeClr val="tx1"/>
+                </a:solidFill>
+                <a:latin typeface="+mn-lt"/>
+                <a:ea typeface="+mn-ea"/>
+                <a:cs typeface="+mn-cs"/>
+              </a:defRPr>
+            </a:lvl4pPr>
+            <a:lvl5pPr marL="2057400" indent="-228600" algn="l" defTabSz="914400" rtl="0" eaLnBrk="1" latinLnBrk="0" hangingPunct="1">
+              <a:lnSpc>
+                <a:spcPct val="90000"/>
+              </a:lnSpc>
+              <a:spcBef>
+                <a:spcPts val="500"/>
+              </a:spcBef>
+              <a:buFont typeface="Arial" panose="020B0604020202020204" pitchFamily="34" charset="0"/>
+              <a:buChar char="•"/>
+              <a:defRPr sz="1800" kern="1200">
+                <a:solidFill>
+                  <a:schemeClr val="tx1"/>
+                </a:solidFill>
+                <a:latin typeface="+mn-lt"/>
+                <a:ea typeface="+mn-ea"/>
+                <a:cs typeface="+mn-cs"/>
+              </a:defRPr>
+            </a:lvl5pPr>
+            <a:lvl6pPr marL="2514600" indent="-228600" algn="l" defTabSz="914400" rtl="0" eaLnBrk="1" latinLnBrk="0" hangingPunct="1">
+              <a:lnSpc>
+                <a:spcPct val="90000"/>
+              </a:lnSpc>
+              <a:spcBef>
+                <a:spcPts val="500"/>
+              </a:spcBef>
+              <a:buFont typeface="Arial" panose="020B0604020202020204" pitchFamily="34" charset="0"/>
+              <a:buChar char="•"/>
+              <a:defRPr sz="1800" kern="1200">
+                <a:solidFill>
+                  <a:schemeClr val="tx1"/>
+                </a:solidFill>
+                <a:latin typeface="+mn-lt"/>
+                <a:ea typeface="+mn-ea"/>
+                <a:cs typeface="+mn-cs"/>
+              </a:defRPr>
+            </a:lvl6pPr>
+            <a:lvl7pPr marL="2971800" indent="-228600" algn="l" defTabSz="914400" rtl="0" eaLnBrk="1" latinLnBrk="0" hangingPunct="1">
+              <a:lnSpc>
+                <a:spcPct val="90000"/>
+              </a:lnSpc>
+              <a:spcBef>
+                <a:spcPts val="500"/>
+              </a:spcBef>
+              <a:buFont typeface="Arial" panose="020B0604020202020204" pitchFamily="34" charset="0"/>
+              <a:buChar char="•"/>
+              <a:defRPr sz="1800" kern="1200">
+                <a:solidFill>
+                  <a:schemeClr val="tx1"/>
+                </a:solidFill>
+                <a:latin typeface="+mn-lt"/>
+                <a:ea typeface="+mn-ea"/>
+                <a:cs typeface="+mn-cs"/>
+              </a:defRPr>
+            </a:lvl7pPr>
+            <a:lvl8pPr marL="3429000" indent="-228600" algn="l" defTabSz="914400" rtl="0" eaLnBrk="1" latinLnBrk="0" hangingPunct="1">
+              <a:lnSpc>
+                <a:spcPct val="90000"/>
+              </a:lnSpc>
+              <a:spcBef>
+                <a:spcPts val="500"/>
+              </a:spcBef>
+              <a:buFont typeface="Arial" panose="020B0604020202020204" pitchFamily="34" charset="0"/>
+              <a:buChar char="•"/>
+              <a:defRPr sz="1800" kern="1200">
+                <a:solidFill>
+                  <a:schemeClr val="tx1"/>
+                </a:solidFill>
+                <a:latin typeface="+mn-lt"/>
+                <a:ea typeface="+mn-ea"/>
+                <a:cs typeface="+mn-cs"/>
+              </a:defRPr>
+            </a:lvl8pPr>
+            <a:lvl9pPr marL="3886200" indent="-228600" algn="l" defTabSz="914400" rtl="0" eaLnBrk="1" latinLnBrk="0" hangingPunct="1">
+              <a:lnSpc>
+                <a:spcPct val="90000"/>
+              </a:lnSpc>
+              <a:spcBef>
+                <a:spcPts val="500"/>
+              </a:spcBef>
+              <a:buFont typeface="Arial" panose="020B0604020202020204" pitchFamily="34" charset="0"/>
+              <a:buChar char="•"/>
+              <a:defRPr sz="1800" kern="1200">
+                <a:solidFill>
+                  <a:schemeClr val="tx1"/>
+                </a:solidFill>
+                <a:latin typeface="+mn-lt"/>
+                <a:ea typeface="+mn-ea"/>
+                <a:cs typeface="+mn-cs"/>
+              </a:defRPr>
+            </a:lvl9pPr>
+          </a:lstStyle>
+          <a:p>
+            <a:pPr>
+              <a:lnSpc>
+                <a:spcPct val="150000"/>
+              </a:lnSpc>
+              <a:buClr>
+                <a:srgbClr val="FFC000"/>
+              </a:buClr>
+              <a:buFont typeface="Calibri" panose="020F0502020204030204" pitchFamily="34" charset="0"/>
+              <a:buChar char="&gt;"/>
+            </a:pPr>
+            <a:r>
+              <a:rPr lang="cs-CZ" sz="2000" dirty="0" err="1"/>
+              <a:t>We</a:t>
+            </a:r>
+            <a:r>
+              <a:rPr lang="cs-CZ" sz="2000" dirty="0"/>
+              <a:t> </a:t>
+            </a:r>
+            <a:r>
+              <a:rPr lang="cs-CZ" sz="2000" dirty="0" err="1"/>
+              <a:t>found</a:t>
+            </a:r>
+            <a:r>
+              <a:rPr lang="cs-CZ" sz="2000" dirty="0"/>
+              <a:t> </a:t>
+            </a:r>
+            <a:r>
+              <a:rPr lang="cs-CZ" sz="2000" b="1" dirty="0" err="1">
+                <a:solidFill>
+                  <a:srgbClr val="FFC000"/>
+                </a:solidFill>
+              </a:rPr>
+              <a:t>efficient</a:t>
+            </a:r>
+            <a:r>
+              <a:rPr lang="cs-CZ" sz="2000" b="1" dirty="0">
+                <a:solidFill>
+                  <a:srgbClr val="FFC000"/>
+                </a:solidFill>
+              </a:rPr>
+              <a:t> </a:t>
+            </a:r>
+            <a:r>
+              <a:rPr lang="cs-CZ" sz="2000" b="1" dirty="0" err="1">
+                <a:solidFill>
+                  <a:srgbClr val="FFC000"/>
+                </a:solidFill>
+              </a:rPr>
+              <a:t>solution</a:t>
+            </a:r>
+            <a:r>
+              <a:rPr lang="cs-CZ" sz="2000" dirty="0"/>
+              <a:t> to CAPTCHA </a:t>
+            </a:r>
+            <a:r>
+              <a:rPr lang="cs-CZ" sz="2000" dirty="0" err="1"/>
+              <a:t>recognition</a:t>
+            </a:r>
+            <a:r>
+              <a:rPr lang="cs-CZ" sz="2000" dirty="0"/>
+              <a:t> </a:t>
+            </a:r>
+            <a:r>
+              <a:rPr lang="cs-CZ" sz="2000" dirty="0" err="1"/>
+              <a:t>problem</a:t>
+            </a:r>
+            <a:r>
+              <a:rPr lang="cs-CZ" sz="2000" dirty="0"/>
+              <a:t> and </a:t>
+            </a:r>
+            <a:r>
+              <a:rPr lang="cs-CZ" sz="2000" dirty="0" err="1"/>
+              <a:t>created</a:t>
+            </a:r>
+            <a:r>
+              <a:rPr lang="cs-CZ" sz="2000" dirty="0"/>
+              <a:t> a model </a:t>
+            </a:r>
+            <a:r>
+              <a:rPr lang="cs-CZ" sz="2000" dirty="0" err="1"/>
+              <a:t>with</a:t>
+            </a:r>
+            <a:r>
+              <a:rPr lang="cs-CZ" sz="2000" dirty="0"/>
+              <a:t> </a:t>
+            </a:r>
+            <a:r>
+              <a:rPr lang="cs-CZ" sz="2000" b="1" dirty="0">
+                <a:solidFill>
+                  <a:srgbClr val="FFC000"/>
+                </a:solidFill>
+              </a:rPr>
+              <a:t>very </a:t>
+            </a:r>
+            <a:r>
+              <a:rPr lang="cs-CZ" sz="2000" b="1" dirty="0" err="1">
+                <a:solidFill>
+                  <a:srgbClr val="FFC000"/>
+                </a:solidFill>
+              </a:rPr>
+              <a:t>high</a:t>
+            </a:r>
+            <a:r>
+              <a:rPr lang="cs-CZ" sz="2000" b="1" dirty="0">
+                <a:solidFill>
+                  <a:srgbClr val="FFC000"/>
+                </a:solidFill>
+              </a:rPr>
+              <a:t> </a:t>
+            </a:r>
+            <a:r>
+              <a:rPr lang="cs-CZ" sz="2000" b="1" dirty="0" err="1">
+                <a:solidFill>
+                  <a:srgbClr val="FFC000"/>
+                </a:solidFill>
+              </a:rPr>
+              <a:t>accuracy</a:t>
+            </a:r>
+            <a:r>
+              <a:rPr lang="cs-CZ" sz="2000" dirty="0"/>
+              <a:t>. </a:t>
+            </a:r>
+          </a:p>
+          <a:p>
+            <a:pPr>
+              <a:lnSpc>
+                <a:spcPct val="150000"/>
+              </a:lnSpc>
+              <a:buClr>
+                <a:srgbClr val="FFC000"/>
+              </a:buClr>
+              <a:buFont typeface="Calibri" panose="020F0502020204030204" pitchFamily="34" charset="0"/>
+              <a:buChar char="&gt;"/>
+            </a:pPr>
+            <a:r>
+              <a:rPr lang="cs-CZ" sz="2000" dirty="0" err="1"/>
+              <a:t>Neck</a:t>
+            </a:r>
+            <a:r>
+              <a:rPr lang="cs-CZ" sz="2000" dirty="0"/>
+              <a:t>-to-</a:t>
+            </a:r>
+            <a:r>
+              <a:rPr lang="cs-CZ" sz="2000" dirty="0" err="1"/>
+              <a:t>neck</a:t>
+            </a:r>
+            <a:r>
+              <a:rPr lang="cs-CZ" sz="2000" dirty="0"/>
+              <a:t> </a:t>
+            </a:r>
+            <a:r>
+              <a:rPr lang="cs-CZ" sz="2000" dirty="0" err="1"/>
+              <a:t>with</a:t>
+            </a:r>
+            <a:r>
+              <a:rPr lang="cs-CZ" sz="2000" dirty="0"/>
+              <a:t> CAPTCHA </a:t>
+            </a:r>
+            <a:r>
+              <a:rPr lang="cs-CZ" sz="2000" dirty="0" err="1"/>
+              <a:t>recognition</a:t>
+            </a:r>
+            <a:r>
+              <a:rPr lang="cs-CZ" sz="2000" dirty="0"/>
+              <a:t> </a:t>
+            </a:r>
+            <a:r>
+              <a:rPr lang="cs-CZ" sz="2000" dirty="0" err="1"/>
+              <a:t>models</a:t>
+            </a:r>
+            <a:r>
+              <a:rPr lang="cs-CZ" sz="2000" dirty="0"/>
+              <a:t> </a:t>
+            </a:r>
+            <a:r>
+              <a:rPr lang="cs-CZ" sz="2000" dirty="0" err="1"/>
+              <a:t>we</a:t>
+            </a:r>
+            <a:r>
+              <a:rPr lang="cs-CZ" sz="2000" dirty="0"/>
+              <a:t> </a:t>
+            </a:r>
+            <a:r>
+              <a:rPr lang="cs-CZ" sz="2000" dirty="0" err="1"/>
+              <a:t>found</a:t>
+            </a:r>
+            <a:r>
+              <a:rPr lang="cs-CZ" sz="2000" dirty="0"/>
+              <a:t> on </a:t>
+            </a:r>
+            <a:r>
+              <a:rPr lang="cs-CZ" sz="2000" dirty="0" err="1"/>
+              <a:t>the</a:t>
+            </a:r>
+            <a:r>
+              <a:rPr lang="cs-CZ" sz="2000" dirty="0"/>
+              <a:t> internet.</a:t>
+            </a:r>
+          </a:p>
+          <a:p>
+            <a:pPr>
+              <a:lnSpc>
+                <a:spcPct val="150000"/>
+              </a:lnSpc>
+              <a:buClr>
+                <a:srgbClr val="FFC000"/>
+              </a:buClr>
+              <a:buFont typeface="Calibri" panose="020F0502020204030204" pitchFamily="34" charset="0"/>
+              <a:buChar char="&gt;"/>
+            </a:pPr>
+            <a:r>
+              <a:rPr lang="cs-CZ" sz="2000" dirty="0"/>
+              <a:t>Model </a:t>
+            </a:r>
+            <a:r>
+              <a:rPr lang="cs-CZ" sz="2000" dirty="0" err="1"/>
+              <a:t>is</a:t>
+            </a:r>
+            <a:r>
+              <a:rPr lang="cs-CZ" sz="2000" dirty="0"/>
+              <a:t> </a:t>
+            </a:r>
+            <a:r>
+              <a:rPr lang="cs-CZ" sz="2000" dirty="0" err="1"/>
+              <a:t>capable</a:t>
+            </a:r>
+            <a:r>
+              <a:rPr lang="cs-CZ" sz="2000" dirty="0"/>
+              <a:t> </a:t>
+            </a:r>
+            <a:r>
+              <a:rPr lang="cs-CZ" sz="2000" dirty="0" err="1"/>
+              <a:t>of</a:t>
+            </a:r>
+            <a:r>
+              <a:rPr lang="cs-CZ" sz="2000" dirty="0"/>
+              <a:t> </a:t>
+            </a:r>
+            <a:r>
+              <a:rPr lang="cs-CZ" sz="2000" dirty="0" err="1"/>
+              <a:t>finding</a:t>
+            </a:r>
+            <a:r>
+              <a:rPr lang="cs-CZ" sz="2000" dirty="0"/>
+              <a:t> </a:t>
+            </a:r>
+            <a:r>
+              <a:rPr lang="cs-CZ" sz="2000" dirty="0" err="1"/>
+              <a:t>predictions</a:t>
+            </a:r>
+            <a:r>
+              <a:rPr lang="cs-CZ" sz="2000" dirty="0"/>
+              <a:t> </a:t>
+            </a:r>
+            <a:r>
+              <a:rPr lang="cs-CZ" sz="2000" dirty="0" err="1"/>
+              <a:t>for</a:t>
+            </a:r>
+            <a:r>
+              <a:rPr lang="cs-CZ" sz="2000" dirty="0"/>
+              <a:t> </a:t>
+            </a:r>
+            <a:r>
+              <a:rPr lang="cs-CZ" sz="2000" dirty="0" err="1"/>
+              <a:t>even</a:t>
+            </a:r>
+            <a:r>
+              <a:rPr lang="cs-CZ" sz="2000" dirty="0"/>
+              <a:t> </a:t>
+            </a:r>
+            <a:r>
+              <a:rPr lang="cs-CZ" sz="2000" dirty="0" err="1"/>
+              <a:t>longer</a:t>
+            </a:r>
+            <a:r>
+              <a:rPr lang="cs-CZ" sz="2000" dirty="0"/>
+              <a:t>/</a:t>
+            </a:r>
+            <a:r>
+              <a:rPr lang="cs-CZ" sz="2000" dirty="0" err="1"/>
+              <a:t>shorter</a:t>
+            </a:r>
+            <a:r>
+              <a:rPr lang="cs-CZ" sz="2000" dirty="0"/>
+              <a:t> </a:t>
+            </a:r>
+            <a:r>
+              <a:rPr lang="cs-CZ" sz="2000" dirty="0" err="1"/>
+              <a:t>CAPTCHA‘s</a:t>
+            </a:r>
+            <a:r>
+              <a:rPr lang="cs-CZ" sz="2000" dirty="0"/>
+              <a:t>. (</a:t>
+            </a:r>
+            <a:r>
+              <a:rPr lang="cs-CZ" sz="2000" dirty="0" err="1"/>
+              <a:t>robustness</a:t>
+            </a:r>
+            <a:r>
+              <a:rPr lang="cs-CZ" sz="2000" dirty="0"/>
+              <a:t>)</a:t>
+            </a:r>
+          </a:p>
+          <a:p>
+            <a:pPr>
+              <a:lnSpc>
+                <a:spcPct val="150000"/>
+              </a:lnSpc>
+              <a:buClr>
+                <a:srgbClr val="FFC000"/>
+              </a:buClr>
+              <a:buFont typeface="Calibri" panose="020F0502020204030204" pitchFamily="34" charset="0"/>
+              <a:buChar char="&gt;"/>
+            </a:pPr>
+            <a:r>
+              <a:rPr lang="cs-CZ" sz="2000" dirty="0" err="1"/>
+              <a:t>During</a:t>
+            </a:r>
+            <a:r>
+              <a:rPr lang="cs-CZ" sz="2000" dirty="0"/>
+              <a:t> </a:t>
+            </a:r>
+            <a:r>
+              <a:rPr lang="cs-CZ" sz="2000" dirty="0" err="1"/>
+              <a:t>research</a:t>
+            </a:r>
+            <a:r>
+              <a:rPr lang="cs-CZ" sz="2000" dirty="0"/>
+              <a:t> </a:t>
+            </a:r>
+            <a:r>
+              <a:rPr lang="cs-CZ" sz="2000" dirty="0" err="1"/>
+              <a:t>we</a:t>
+            </a:r>
+            <a:r>
+              <a:rPr lang="cs-CZ" sz="2000" dirty="0"/>
+              <a:t> </a:t>
+            </a:r>
+            <a:r>
+              <a:rPr lang="cs-CZ" sz="2000" dirty="0" err="1"/>
+              <a:t>came</a:t>
+            </a:r>
+            <a:r>
+              <a:rPr lang="cs-CZ" sz="2000" dirty="0"/>
+              <a:t> </a:t>
+            </a:r>
+            <a:r>
+              <a:rPr lang="cs-CZ" sz="2000" dirty="0" err="1"/>
+              <a:t>across</a:t>
+            </a:r>
+            <a:r>
+              <a:rPr lang="cs-CZ" sz="2000" dirty="0"/>
+              <a:t> many </a:t>
+            </a:r>
+            <a:r>
+              <a:rPr lang="cs-CZ" sz="2000" dirty="0" err="1"/>
+              <a:t>interesting</a:t>
+            </a:r>
+            <a:r>
+              <a:rPr lang="cs-CZ" sz="2000" dirty="0"/>
+              <a:t> </a:t>
+            </a:r>
+            <a:r>
+              <a:rPr lang="cs-CZ" sz="2000" dirty="0" err="1"/>
+              <a:t>approaches</a:t>
+            </a:r>
+            <a:r>
+              <a:rPr lang="cs-CZ" sz="2000" dirty="0"/>
+              <a:t> to text </a:t>
+            </a:r>
+            <a:r>
+              <a:rPr lang="cs-CZ" sz="2000" dirty="0" err="1"/>
+              <a:t>recognition</a:t>
+            </a:r>
+            <a:r>
+              <a:rPr lang="cs-CZ" sz="2000" dirty="0"/>
+              <a:t>, </a:t>
+            </a:r>
+            <a:r>
+              <a:rPr lang="cs-CZ" sz="2000" dirty="0" err="1"/>
+              <a:t>which</a:t>
+            </a:r>
+            <a:r>
+              <a:rPr lang="cs-CZ" sz="2000" dirty="0"/>
+              <a:t> </a:t>
+            </a:r>
+            <a:r>
+              <a:rPr lang="cs-CZ" sz="2000" dirty="0" err="1"/>
+              <a:t>will</a:t>
+            </a:r>
+            <a:r>
+              <a:rPr lang="cs-CZ" sz="2000" dirty="0"/>
+              <a:t> </a:t>
+            </a:r>
+            <a:r>
+              <a:rPr lang="cs-CZ" sz="2000" dirty="0" err="1"/>
+              <a:t>surely</a:t>
+            </a:r>
+            <a:r>
+              <a:rPr lang="cs-CZ" sz="2000" dirty="0"/>
+              <a:t> </a:t>
+            </a:r>
+            <a:r>
+              <a:rPr lang="cs-CZ" sz="2000" dirty="0" err="1"/>
+              <a:t>come</a:t>
+            </a:r>
+            <a:r>
+              <a:rPr lang="cs-CZ" sz="2000" dirty="0"/>
+              <a:t> handy in </a:t>
+            </a:r>
+            <a:r>
+              <a:rPr lang="cs-CZ" sz="2000" dirty="0" err="1"/>
+              <a:t>the</a:t>
+            </a:r>
+            <a:r>
+              <a:rPr lang="cs-CZ" sz="2000" dirty="0"/>
+              <a:t> </a:t>
+            </a:r>
+            <a:r>
+              <a:rPr lang="cs-CZ" sz="2000" dirty="0" err="1"/>
+              <a:t>future</a:t>
+            </a:r>
+            <a:r>
+              <a:rPr lang="cs-CZ" sz="2000" dirty="0"/>
+              <a:t>.</a:t>
+            </a:r>
+          </a:p>
+          <a:p>
+            <a:pPr>
+              <a:lnSpc>
+                <a:spcPct val="150000"/>
+              </a:lnSpc>
+              <a:buClr>
+                <a:srgbClr val="FFC000"/>
+              </a:buClr>
+              <a:buFont typeface="Calibri" panose="020F0502020204030204" pitchFamily="34" charset="0"/>
+              <a:buChar char="&gt;"/>
+            </a:pPr>
+            <a:r>
+              <a:rPr lang="cs-CZ" sz="2000" dirty="0"/>
+              <a:t>So…</a:t>
+            </a:r>
+            <a:endParaRPr lang="cs-CZ" sz="2400" dirty="0"/>
+          </a:p>
+          <a:p>
+            <a:pPr lvl="1">
+              <a:buFont typeface="Calibri" panose="020F0502020204030204" pitchFamily="34" charset="0"/>
+              <a:buChar char="&gt;"/>
+            </a:pPr>
+            <a:endParaRPr lang="en-GB" dirty="0"/>
+          </a:p>
+        </p:txBody>
+      </p:sp>
+      <p:pic>
+        <p:nvPicPr>
+          <p:cNvPr id="17" name="Obrázek 16" descr="Obsah obrázku text, pták, snímek obrazovky&#10;&#10;Popis byl vytvořen automaticky">
+            <a:extLst>
+              <a:ext uri="{FF2B5EF4-FFF2-40B4-BE49-F238E27FC236}">
+                <a16:creationId xmlns:a16="http://schemas.microsoft.com/office/drawing/2014/main" id="{4EB7CA04-8C07-4AE1-ACB6-ABDD2E08498B}"/>
+              </a:ext>
+            </a:extLst>
+          </p:cNvPr>
+          <p:cNvPicPr>
+            <a:picLocks noChangeAspect="1"/>
+          </p:cNvPicPr>
+          <p:nvPr/>
+        </p:nvPicPr>
+        <p:blipFill>
+          <a:blip r:embed="rId7">
+            <a:extLst>
+              <a:ext uri="{28A0092B-C50C-407E-A947-70E740481C1C}">
+                <a14:useLocalDpi xmlns:a14="http://schemas.microsoft.com/office/drawing/2010/main" val="0"/>
+              </a:ext>
+            </a:extLst>
+          </a:blip>
+          <a:stretch>
+            <a:fillRect/>
+          </a:stretch>
+        </p:blipFill>
+        <p:spPr>
+          <a:xfrm>
+            <a:off x="3445243" y="5325171"/>
+            <a:ext cx="4740091" cy="1261972"/>
+          </a:xfrm>
+          <a:prstGeom prst="rect">
+            <a:avLst/>
+          </a:prstGeom>
+        </p:spPr>
+      </p:pic>
+    </p:spTree>
+    <p:extLst>
+      <p:ext uri="{BB962C8B-B14F-4D97-AF65-F5344CB8AC3E}">
+        <p14:creationId xmlns:p14="http://schemas.microsoft.com/office/powerpoint/2010/main" val="2352098734"/>
+      </p:ext>
+    </p:extLst>
+  </p:cSld>
+  <p:clrMapOvr>
+    <a:masterClrMapping/>
+  </p:clrMapOvr>
+  <p:timing>
+    <p:tnLst>
+      <p:par>
+        <p:cTn id="1" dur="indefinite" restart="never" nodeType="tmRoot">
+          <p:childTnLst>
+            <p:seq concurrent="1" nextAc="seek">
+              <p:cTn id="2" dur="indefinite" nodeType="mainSeq">
+                <p:childTnLst>
+                  <p:par>
+                    <p:cTn id="3" fill="hold">
+                      <p:stCondLst>
+                        <p:cond delay="indefinite"/>
+                      </p:stCondLst>
+                      <p:childTnLst>
+                        <p:par>
+                          <p:cTn id="4" fill="hold">
+                            <p:stCondLst>
+                              <p:cond delay="0"/>
+                            </p:stCondLst>
+                            <p:childTnLst>
+                              <p:par>
+                                <p:cTn id="5" presetID="42" presetClass="path" presetSubtype="0" accel="50000" decel="50000" fill="hold" nodeType="clickEffect">
+                                  <p:stCondLst>
+                                    <p:cond delay="0"/>
+                                  </p:stCondLst>
+                                  <p:childTnLst>
+                                    <p:animMotion origin="layout" path="M 1.11022E-16 4.07407E-6 L -0.00612 0.90416 " pathEditMode="relative" rAng="0" ptsTypes="AA">
+                                      <p:cBhvr>
+                                        <p:cTn id="6" dur="1500" fill="hold"/>
+                                        <p:tgtEl>
+                                          <p:spTgt spid="6"/>
+                                        </p:tgtEl>
+                                        <p:attrNameLst>
+                                          <p:attrName>ppt_x</p:attrName>
+                                          <p:attrName>ppt_y</p:attrName>
+                                        </p:attrNameLst>
+                                      </p:cBhvr>
+                                      <p:rCtr x="-313" y="45208"/>
+                                    </p:animMotion>
+                                  </p:childTnLst>
+                                </p:cTn>
+                              </p:par>
+                            </p:childTnLst>
+                          </p:cTn>
+                        </p:par>
+                      </p:childTnLst>
+                    </p:cTn>
+                  </p:par>
+                  <p:par>
+                    <p:cTn id="7" fill="hold">
+                      <p:stCondLst>
+                        <p:cond delay="indefinite"/>
+                      </p:stCondLst>
+                      <p:childTnLst>
+                        <p:par>
+                          <p:cTn id="8" fill="hold">
+                            <p:stCondLst>
+                              <p:cond delay="0"/>
+                            </p:stCondLst>
+                            <p:childTnLst>
+                              <p:par>
+                                <p:cTn id="9" presetID="42" presetClass="path" presetSubtype="0" accel="50000" decel="50000" fill="hold" nodeType="clickEffect">
+                                  <p:stCondLst>
+                                    <p:cond delay="0"/>
+                                  </p:stCondLst>
+                                  <p:childTnLst>
+                                    <p:animMotion origin="layout" path="M 1.11022E-16 -4.81481E-6 L -0.00768 0.9 " pathEditMode="relative" rAng="0" ptsTypes="AA">
+                                      <p:cBhvr>
+                                        <p:cTn id="10" dur="1250" fill="hold"/>
+                                        <p:tgtEl>
+                                          <p:spTgt spid="12"/>
+                                        </p:tgtEl>
+                                        <p:attrNameLst>
+                                          <p:attrName>ppt_x</p:attrName>
+                                          <p:attrName>ppt_y</p:attrName>
+                                        </p:attrNameLst>
+                                      </p:cBhvr>
+                                      <p:rCtr x="-391" y="45000"/>
+                                    </p:animMotion>
+                                  </p:childTnLst>
+                                </p:cTn>
+                              </p:par>
+                            </p:childTnLst>
+                          </p:cTn>
+                        </p:par>
+                      </p:childTnLst>
+                    </p:cTn>
+                  </p:par>
+                </p:childTnLst>
+              </p:cTn>
+              <p:prevCondLst>
+                <p:cond evt="onPrev" delay="0">
+                  <p:tgtEl>
+                    <p:sldTgt/>
+                  </p:tgtEl>
+                </p:cond>
+              </p:prevCondLst>
+              <p:nextCondLst>
+                <p:cond evt="onNext" delay="0">
+                  <p:tgtEl>
+                    <p:sldTgt/>
+                  </p:tgtEl>
+                </p:cond>
+              </p:nextCondLst>
+            </p:seq>
+          </p:childTnLst>
+        </p:cTn>
+      </p:par>
+    </p:tnLst>
+  </p:timing>
 </p:sld>
 </file>
 
@@ -10836,7 +16566,7 @@
         </p:nvSpPr>
         <p:spPr>
           <a:xfrm>
-            <a:off x="8332863" y="157711"/>
+            <a:off x="8259090" y="309400"/>
             <a:ext cx="3709359" cy="3639834"/>
           </a:xfrm>
           <a:prstGeom prst="rect">
@@ -11154,7 +16884,74 @@
             </a:r>
             <a:r>
               <a:rPr lang="cs-CZ" sz="2200" dirty="0"/>
-              <a:t>, Calibri). </a:t>
+              <a:t>, Calibri) and </a:t>
+            </a:r>
+            <a:r>
+              <a:rPr lang="cs-CZ" sz="2200" dirty="0" err="1"/>
+              <a:t>with</a:t>
+            </a:r>
+            <a:r>
+              <a:rPr lang="cs-CZ" sz="2200" dirty="0"/>
+              <a:t> </a:t>
+            </a:r>
+            <a:r>
+              <a:rPr lang="cs-CZ" sz="2200" dirty="0" err="1"/>
+              <a:t>deformations</a:t>
+            </a:r>
+            <a:r>
+              <a:rPr lang="cs-CZ" sz="2200" dirty="0"/>
+              <a:t>.</a:t>
+            </a:r>
+          </a:p>
+          <a:p>
+            <a:pPr marL="0" indent="0">
+              <a:lnSpc>
+                <a:spcPct val="150000"/>
+              </a:lnSpc>
+              <a:buClr>
+                <a:srgbClr val="FFC000"/>
+              </a:buClr>
+              <a:buNone/>
+            </a:pPr>
+            <a:r>
+              <a:rPr lang="cs-CZ" sz="2200" dirty="0" err="1"/>
+              <a:t>We</a:t>
+            </a:r>
+            <a:r>
+              <a:rPr lang="cs-CZ" sz="2200" dirty="0"/>
+              <a:t> </a:t>
+            </a:r>
+            <a:r>
+              <a:rPr lang="cs-CZ" sz="2200" dirty="0" err="1"/>
+              <a:t>choose</a:t>
+            </a:r>
+            <a:r>
+              <a:rPr lang="cs-CZ" sz="2200" dirty="0"/>
+              <a:t> CAPTCHA </a:t>
+            </a:r>
+            <a:r>
+              <a:rPr lang="cs-CZ" sz="2200" dirty="0" err="1"/>
+              <a:t>codes</a:t>
+            </a:r>
+            <a:r>
+              <a:rPr lang="cs-CZ" sz="2200" dirty="0"/>
+              <a:t> </a:t>
+            </a:r>
+            <a:r>
+              <a:rPr lang="cs-CZ" sz="2200" dirty="0" err="1"/>
+              <a:t>with</a:t>
+            </a:r>
+            <a:r>
+              <a:rPr lang="cs-CZ" sz="2200" dirty="0"/>
+              <a:t> 6 </a:t>
+            </a:r>
+            <a:r>
+              <a:rPr lang="cs-CZ" sz="2200" dirty="0" err="1"/>
+              <a:t>symbols</a:t>
+            </a:r>
+            <a:r>
+              <a:rPr lang="cs-CZ" sz="2200" dirty="0"/>
+              <a:t>. </a:t>
             </a:r>
           </a:p>
           <a:p>
@@ -11229,7 +17026,7 @@
         </p:blipFill>
         <p:spPr>
           <a:xfrm>
-            <a:off x="1008141" y="4657277"/>
+            <a:off x="1008141" y="4781102"/>
             <a:ext cx="10175718" cy="976622"/>
           </a:xfrm>
           <a:prstGeom prst="rect">
@@ -12978,7 +18775,7 @@
         </p:blipFill>
         <p:spPr>
           <a:xfrm>
-            <a:off x="10490783" y="4806988"/>
+            <a:off x="10259941" y="5692255"/>
             <a:ext cx="613589" cy="613589"/>
           </a:xfrm>
           <a:prstGeom prst="rect">
@@ -12996,75 +18793,6 @@
   <p:clrMapOvr>
     <a:masterClrMapping/>
   </p:clrMapOvr>
-  <p:timing>
-    <p:tnLst>
-      <p:par>
-        <p:cTn id="1" dur="indefinite" restart="never" nodeType="tmRoot">
-          <p:childTnLst>
-            <p:seq concurrent="1" nextAc="seek">
-              <p:cTn id="2" dur="indefinite" nodeType="mainSeq">
-                <p:childTnLst>
-                  <p:par>
-                    <p:cTn id="3" fill="hold">
-                      <p:stCondLst>
-                        <p:cond delay="indefinite"/>
-                      </p:stCondLst>
-                      <p:childTnLst>
-                        <p:par>
-                          <p:cTn id="4" fill="hold">
-                            <p:stCondLst>
-                              <p:cond delay="0"/>
-                            </p:stCondLst>
-                            <p:childTnLst>
-                              <p:par>
-                                <p:cTn id="5" presetID="0" presetClass="path" presetSubtype="0" accel="50000" decel="50000" fill="hold" nodeType="clickEffect">
-                                  <p:stCondLst>
-                                    <p:cond delay="0"/>
-                                  </p:stCondLst>
-                                  <p:childTnLst>
-                                    <p:animMotion origin="layout" path="M -0.00209 0.00185 L -0.00209 0.00185 C 0.00013 0.00463 0.00325 0.00625 0.00468 0.01042 C 0.00664 0.01528 0.00547 0.0132 0.0082 0.01644 C 0.00859 0.01759 0.00924 0.01875 0.0095 0.02014 C 0.01015 0.02246 0.01093 0.02755 0.01093 0.02755 C 0.01119 0.03125 0.01237 0.0463 0.01237 0.04954 C 0.01237 0.05556 0.01224 0.06181 0.01159 0.06783 C 0.01146 0.06921 0.01054 0.07014 0.01028 0.07153 C 0.00859 0.07732 0.01093 0.07338 0.00755 0.07755 C 0.00703 0.07894 0.00651 0.08009 0.00612 0.08125 C 0.00573 0.08241 0.00586 0.08403 0.00547 0.08496 C 0.00429 0.08727 0.00195 0.08912 0.00065 0.09097 C -0.00013 0.09213 -0.00065 0.09375 -0.00144 0.09468 C -0.00287 0.09699 -0.00456 0.09815 -0.00625 0.09977 C -0.01602 0.09815 -0.01563 0.10255 -0.01315 0.08009 C -0.01289 0.07801 -0.01276 0.08426 -0.0125 0.08611 C -0.01211 0.08866 -0.01107 0.09352 -0.01107 0.09352 " pathEditMode="relative" ptsTypes="AAAAAAAAAAAAAAAAAA">
-                                      <p:cBhvr>
-                                        <p:cTn id="6" dur="2000" fill="hold"/>
-                                        <p:tgtEl>
-                                          <p:spTgt spid="29"/>
-                                        </p:tgtEl>
-                                        <p:attrNameLst>
-                                          <p:attrName>ppt_x</p:attrName>
-                                          <p:attrName>ppt_y</p:attrName>
-                                        </p:attrNameLst>
-                                      </p:cBhvr>
-                                    </p:animMotion>
-                                  </p:childTnLst>
-                                </p:cTn>
-                              </p:par>
-                            </p:childTnLst>
-                          </p:cTn>
-                        </p:par>
-                      </p:childTnLst>
-                    </p:cTn>
-                  </p:par>
-                </p:childTnLst>
-              </p:cTn>
-              <p:prevCondLst>
-                <p:cond evt="onPrev" delay="0">
-                  <p:tgtEl>
-                    <p:sldTgt/>
-                  </p:tgtEl>
-                </p:cond>
-              </p:prevCondLst>
-              <p:nextCondLst>
-                <p:cond evt="onNext" delay="0">
-                  <p:tgtEl>
-                    <p:sldTgt/>
-                  </p:tgtEl>
-                </p:cond>
-              </p:nextCondLst>
-            </p:seq>
-          </p:childTnLst>
-        </p:cTn>
-      </p:par>
-    </p:tnLst>
-  </p:timing>
 </p:sld>
 </file>
 
@@ -13660,7 +19388,7 @@
         </p:blipFill>
         <p:spPr>
           <a:xfrm>
-            <a:off x="10389518" y="5503291"/>
+            <a:off x="10657019" y="5864407"/>
             <a:ext cx="613589" cy="613589"/>
           </a:xfrm>
           <a:prstGeom prst="rect">
@@ -14731,75 +20459,6 @@
   <p:clrMapOvr>
     <a:masterClrMapping/>
   </p:clrMapOvr>
-  <p:timing>
-    <p:tnLst>
-      <p:par>
-        <p:cTn id="1" dur="indefinite" restart="never" nodeType="tmRoot">
-          <p:childTnLst>
-            <p:seq concurrent="1" nextAc="seek">
-              <p:cTn id="2" dur="indefinite" nodeType="mainSeq">
-                <p:childTnLst>
-                  <p:par>
-                    <p:cTn id="3" fill="hold">
-                      <p:stCondLst>
-                        <p:cond delay="indefinite"/>
-                      </p:stCondLst>
-                      <p:childTnLst>
-                        <p:par>
-                          <p:cTn id="4" fill="hold">
-                            <p:stCondLst>
-                              <p:cond delay="0"/>
-                            </p:stCondLst>
-                            <p:childTnLst>
-                              <p:par>
-                                <p:cTn id="5" presetID="0" presetClass="path" presetSubtype="0" accel="50000" decel="50000" fill="hold" nodeType="clickEffect">
-                                  <p:stCondLst>
-                                    <p:cond delay="0"/>
-                                  </p:stCondLst>
-                                  <p:childTnLst>
-                                    <p:animMotion origin="layout" path="M -0.0056 -0.01782 L -0.0056 -0.01782 C -0.00872 -0.01597 -0.01093 -0.01528 -0.01328 -0.0118 C -0.01393 -0.01065 -0.01458 -0.00926 -0.01523 -0.0081 C -0.01614 -0.00694 -0.01914 -0.0037 -0.02005 -0.00324 C -0.02187 -0.00254 -0.02382 -0.00254 -0.02565 -0.00208 C -0.02656 -0.00116 -0.02734 -0.00023 -0.02838 0.00047 C -0.03033 0.00162 -0.03424 0.00255 -0.03593 0.00278 L -0.0414 0.00417 C -0.04765 0.00533 -0.05234 0.00579 -0.05859 0.00648 C -0.05976 0.00695 -0.06093 0.00834 -0.06211 0.00787 C -0.06289 0.00741 -0.06341 0.00556 -0.06341 0.00417 C -0.06367 0.0007 -0.06289 -0.00903 -0.06276 -0.00578 C -0.06237 0.00162 -0.06276 0.00903 -0.06276 0.01644 " pathEditMode="relative" ptsTypes="AAAAAAAAAAAAAA">
-                                      <p:cBhvr>
-                                        <p:cTn id="6" dur="2000" fill="hold"/>
-                                        <p:tgtEl>
-                                          <p:spTgt spid="29"/>
-                                        </p:tgtEl>
-                                        <p:attrNameLst>
-                                          <p:attrName>ppt_x</p:attrName>
-                                          <p:attrName>ppt_y</p:attrName>
-                                        </p:attrNameLst>
-                                      </p:cBhvr>
-                                    </p:animMotion>
-                                  </p:childTnLst>
-                                </p:cTn>
-                              </p:par>
-                            </p:childTnLst>
-                          </p:cTn>
-                        </p:par>
-                      </p:childTnLst>
-                    </p:cTn>
-                  </p:par>
-                </p:childTnLst>
-              </p:cTn>
-              <p:prevCondLst>
-                <p:cond evt="onPrev" delay="0">
-                  <p:tgtEl>
-                    <p:sldTgt/>
-                  </p:tgtEl>
-                </p:cond>
-              </p:prevCondLst>
-              <p:nextCondLst>
-                <p:cond evt="onNext" delay="0">
-                  <p:tgtEl>
-                    <p:sldTgt/>
-                  </p:tgtEl>
-                </p:cond>
-              </p:nextCondLst>
-            </p:seq>
-          </p:childTnLst>
-        </p:cTn>
-      </p:par>
-    </p:tnLst>
-  </p:timing>
 </p:sld>
 </file>
 
@@ -15276,7 +20935,7 @@
         </p:blipFill>
         <p:spPr>
           <a:xfrm>
-            <a:off x="10389518" y="5503291"/>
+            <a:off x="10328379" y="5911297"/>
             <a:ext cx="613589" cy="613589"/>
           </a:xfrm>
           <a:prstGeom prst="rect">
@@ -15341,75 +21000,6 @@
   <p:clrMapOvr>
     <a:masterClrMapping/>
   </p:clrMapOvr>
-  <p:timing>
-    <p:tnLst>
-      <p:par>
-        <p:cTn id="1" dur="indefinite" restart="never" nodeType="tmRoot">
-          <p:childTnLst>
-            <p:seq concurrent="1" nextAc="seek">
-              <p:cTn id="2" dur="indefinite" nodeType="mainSeq">
-                <p:childTnLst>
-                  <p:par>
-                    <p:cTn id="3" fill="hold">
-                      <p:stCondLst>
-                        <p:cond delay="indefinite"/>
-                      </p:stCondLst>
-                      <p:childTnLst>
-                        <p:par>
-                          <p:cTn id="4" fill="hold">
-                            <p:stCondLst>
-                              <p:cond delay="0"/>
-                            </p:stCondLst>
-                            <p:childTnLst>
-                              <p:par>
-                                <p:cTn id="5" presetID="0" presetClass="path" presetSubtype="0" accel="50000" decel="50000" fill="hold" nodeType="clickEffect">
-                                  <p:stCondLst>
-                                    <p:cond delay="0"/>
-                                  </p:stCondLst>
-                                  <p:childTnLst>
-                                    <p:animMotion origin="layout" path="M -0.00104 -0.00278 L -0.00104 -0.00278 C -0.00117 -0.00162 -0.00182 0.01273 -0.00247 0.01574 C -0.0026 0.01713 -0.00325 0.01806 -0.00377 0.01922 C -0.0039 0.02084 -0.00416 0.02246 -0.00442 0.02408 C -0.00455 0.02523 -0.00494 0.02616 -0.00507 0.02755 C -0.00625 0.0382 -0.00455 0.03287 -0.00703 0.03912 C -0.00729 0.04074 -0.00729 0.04236 -0.00768 0.04375 C -0.00794 0.04491 -0.00872 0.04514 -0.00898 0.04607 C -0.00963 0.04838 -0.00963 0.05093 -0.01028 0.05324 C -0.01067 0.05463 -0.01119 0.05625 -0.01158 0.05787 C -0.01289 0.06204 -0.01354 0.06343 -0.01484 0.06713 C -0.01836 0.0581 -0.01549 0.0669 -0.01549 0.04491 C -0.01549 0.03959 -0.01601 0.05579 -0.01614 0.06134 C -0.01627 0.06528 -0.01614 0.06922 -0.01614 0.07315 " pathEditMode="relative" ptsTypes="AAAAAAAAAAAAAAA">
-                                      <p:cBhvr>
-                                        <p:cTn id="6" dur="2000" fill="hold"/>
-                                        <p:tgtEl>
-                                          <p:spTgt spid="45"/>
-                                        </p:tgtEl>
-                                        <p:attrNameLst>
-                                          <p:attrName>ppt_x</p:attrName>
-                                          <p:attrName>ppt_y</p:attrName>
-                                        </p:attrNameLst>
-                                      </p:cBhvr>
-                                    </p:animMotion>
-                                  </p:childTnLst>
-                                </p:cTn>
-                              </p:par>
-                            </p:childTnLst>
-                          </p:cTn>
-                        </p:par>
-                      </p:childTnLst>
-                    </p:cTn>
-                  </p:par>
-                </p:childTnLst>
-              </p:cTn>
-              <p:prevCondLst>
-                <p:cond evt="onPrev" delay="0">
-                  <p:tgtEl>
-                    <p:sldTgt/>
-                  </p:tgtEl>
-                </p:cond>
-              </p:prevCondLst>
-              <p:nextCondLst>
-                <p:cond evt="onNext" delay="0">
-                  <p:tgtEl>
-                    <p:sldTgt/>
-                  </p:tgtEl>
-                </p:cond>
-              </p:nextCondLst>
-            </p:seq>
-          </p:childTnLst>
-        </p:cTn>
-      </p:par>
-    </p:tnLst>
-  </p:timing>
 </p:sld>
 </file>
 
@@ -15463,12 +21053,1581 @@
           </a:p>
         </p:txBody>
       </p:sp>
+      <p:grpSp>
+        <p:nvGrpSpPr>
+          <p:cNvPr id="81" name="Skupina 80">
+            <a:extLst>
+              <a:ext uri="{FF2B5EF4-FFF2-40B4-BE49-F238E27FC236}">
+                <a16:creationId xmlns:a16="http://schemas.microsoft.com/office/drawing/2014/main" id="{84470947-9962-46BD-B064-40B889FE1936}"/>
+              </a:ext>
+            </a:extLst>
+          </p:cNvPr>
+          <p:cNvGrpSpPr/>
+          <p:nvPr/>
+        </p:nvGrpSpPr>
+        <p:grpSpPr>
+          <a:xfrm>
+            <a:off x="216568" y="1686765"/>
+            <a:ext cx="11761788" cy="3234492"/>
+            <a:chOff x="216568" y="1828168"/>
+            <a:chExt cx="11761788" cy="3234492"/>
+          </a:xfrm>
+        </p:grpSpPr>
+        <p:grpSp>
+          <p:nvGrpSpPr>
+            <p:cNvPr id="60" name="Skupina 59">
+              <a:extLst>
+                <a:ext uri="{FF2B5EF4-FFF2-40B4-BE49-F238E27FC236}">
+                  <a16:creationId xmlns:a16="http://schemas.microsoft.com/office/drawing/2014/main" id="{772C1B08-4F90-4B00-812A-22B965ED1FC2}"/>
+                </a:ext>
+              </a:extLst>
+            </p:cNvPr>
+            <p:cNvGrpSpPr/>
+            <p:nvPr/>
+          </p:nvGrpSpPr>
+          <p:grpSpPr>
+            <a:xfrm>
+              <a:off x="485207" y="1828168"/>
+              <a:ext cx="3742471" cy="2484000"/>
+              <a:chOff x="674305" y="1828168"/>
+              <a:chExt cx="3742471" cy="2484000"/>
+            </a:xfrm>
+          </p:grpSpPr>
+          <p:grpSp>
+            <p:nvGrpSpPr>
+              <p:cNvPr id="4" name="Skupina 3">
+                <a:extLst>
+                  <a:ext uri="{FF2B5EF4-FFF2-40B4-BE49-F238E27FC236}">
+                    <a16:creationId xmlns:a16="http://schemas.microsoft.com/office/drawing/2014/main" id="{2D32652A-4FA2-4B16-85FF-28091D2614B6}"/>
+                  </a:ext>
+                </a:extLst>
+              </p:cNvPr>
+              <p:cNvGrpSpPr/>
+              <p:nvPr/>
+            </p:nvGrpSpPr>
+            <p:grpSpPr>
+              <a:xfrm>
+                <a:off x="674305" y="1828168"/>
+                <a:ext cx="2305526" cy="2484000"/>
+                <a:chOff x="674305" y="1828168"/>
+                <a:chExt cx="2305526" cy="2484000"/>
+              </a:xfrm>
+            </p:grpSpPr>
+            <p:sp>
+              <p:nvSpPr>
+                <p:cNvPr id="3" name="Lichoběžník 2">
+                  <a:extLst>
+                    <a:ext uri="{FF2B5EF4-FFF2-40B4-BE49-F238E27FC236}">
+                      <a16:creationId xmlns:a16="http://schemas.microsoft.com/office/drawing/2014/main" id="{E9248A94-2FBD-4583-A206-7C7B9903F42B}"/>
+                    </a:ext>
+                  </a:extLst>
+                </p:cNvPr>
+                <p:cNvSpPr/>
+                <p:nvPr/>
+              </p:nvSpPr>
+              <p:spPr>
+                <a:xfrm rot="5400000">
+                  <a:off x="296305" y="2206168"/>
+                  <a:ext cx="2484000" cy="1728000"/>
+                </a:xfrm>
+                <a:prstGeom prst="trapezoid">
+                  <a:avLst/>
+                </a:prstGeom>
+              </p:spPr>
+              <p:style>
+                <a:lnRef idx="2">
+                  <a:schemeClr val="accent1">
+                    <a:shade val="50000"/>
+                  </a:schemeClr>
+                </a:lnRef>
+                <a:fillRef idx="1">
+                  <a:schemeClr val="accent1"/>
+                </a:fillRef>
+                <a:effectRef idx="0">
+                  <a:schemeClr val="accent1"/>
+                </a:effectRef>
+                <a:fontRef idx="minor">
+                  <a:schemeClr val="lt1"/>
+                </a:fontRef>
+              </p:style>
+              <p:txBody>
+                <a:bodyPr rtlCol="0" anchor="ctr"/>
+                <a:lstStyle/>
+                <a:p>
+                  <a:pPr algn="ctr"/>
+                  <a:endParaRPr lang="en-GB"/>
+                </a:p>
+              </p:txBody>
+            </p:sp>
+            <p:sp>
+              <p:nvSpPr>
+                <p:cNvPr id="5" name="Lichoběžník 4">
+                  <a:extLst>
+                    <a:ext uri="{FF2B5EF4-FFF2-40B4-BE49-F238E27FC236}">
+                      <a16:creationId xmlns:a16="http://schemas.microsoft.com/office/drawing/2014/main" id="{751F2641-3F27-4FF0-B568-F1DE3E96D748}"/>
+                    </a:ext>
+                  </a:extLst>
+                </p:cNvPr>
+                <p:cNvSpPr/>
+                <p:nvPr/>
+              </p:nvSpPr>
+              <p:spPr>
+                <a:xfrm rot="5400000">
+                  <a:off x="440687" y="2206168"/>
+                  <a:ext cx="2484000" cy="1728000"/>
+                </a:xfrm>
+                <a:prstGeom prst="trapezoid">
+                  <a:avLst/>
+                </a:prstGeom>
+              </p:spPr>
+              <p:style>
+                <a:lnRef idx="2">
+                  <a:schemeClr val="accent1">
+                    <a:shade val="50000"/>
+                  </a:schemeClr>
+                </a:lnRef>
+                <a:fillRef idx="1">
+                  <a:schemeClr val="accent1"/>
+                </a:fillRef>
+                <a:effectRef idx="0">
+                  <a:schemeClr val="accent1"/>
+                </a:effectRef>
+                <a:fontRef idx="minor">
+                  <a:schemeClr val="lt1"/>
+                </a:fontRef>
+              </p:style>
+              <p:txBody>
+                <a:bodyPr rtlCol="0" anchor="ctr"/>
+                <a:lstStyle/>
+                <a:p>
+                  <a:pPr algn="ctr"/>
+                  <a:endParaRPr lang="en-GB"/>
+                </a:p>
+              </p:txBody>
+            </p:sp>
+            <p:sp>
+              <p:nvSpPr>
+                <p:cNvPr id="6" name="Lichoběžník 5">
+                  <a:extLst>
+                    <a:ext uri="{FF2B5EF4-FFF2-40B4-BE49-F238E27FC236}">
+                      <a16:creationId xmlns:a16="http://schemas.microsoft.com/office/drawing/2014/main" id="{D3896D39-252A-44E0-82EE-065FF3198685}"/>
+                    </a:ext>
+                  </a:extLst>
+                </p:cNvPr>
+                <p:cNvSpPr/>
+                <p:nvPr/>
+              </p:nvSpPr>
+              <p:spPr>
+                <a:xfrm rot="5400000">
+                  <a:off x="585069" y="2206168"/>
+                  <a:ext cx="2484000" cy="1728000"/>
+                </a:xfrm>
+                <a:prstGeom prst="trapezoid">
+                  <a:avLst/>
+                </a:prstGeom>
+              </p:spPr>
+              <p:style>
+                <a:lnRef idx="2">
+                  <a:schemeClr val="accent1">
+                    <a:shade val="50000"/>
+                  </a:schemeClr>
+                </a:lnRef>
+                <a:fillRef idx="1">
+                  <a:schemeClr val="accent1"/>
+                </a:fillRef>
+                <a:effectRef idx="0">
+                  <a:schemeClr val="accent1"/>
+                </a:effectRef>
+                <a:fontRef idx="minor">
+                  <a:schemeClr val="lt1"/>
+                </a:fontRef>
+              </p:style>
+              <p:txBody>
+                <a:bodyPr rtlCol="0" anchor="ctr"/>
+                <a:lstStyle/>
+                <a:p>
+                  <a:pPr algn="ctr"/>
+                  <a:endParaRPr lang="en-GB"/>
+                </a:p>
+              </p:txBody>
+            </p:sp>
+            <p:sp>
+              <p:nvSpPr>
+                <p:cNvPr id="8" name="Lichoběžník 7">
+                  <a:extLst>
+                    <a:ext uri="{FF2B5EF4-FFF2-40B4-BE49-F238E27FC236}">
+                      <a16:creationId xmlns:a16="http://schemas.microsoft.com/office/drawing/2014/main" id="{41170617-B4C6-4D94-9A5D-59AB35D7E1A0}"/>
+                    </a:ext>
+                  </a:extLst>
+                </p:cNvPr>
+                <p:cNvSpPr/>
+                <p:nvPr/>
+              </p:nvSpPr>
+              <p:spPr>
+                <a:xfrm rot="5400000">
+                  <a:off x="729451" y="2206168"/>
+                  <a:ext cx="2484000" cy="1728000"/>
+                </a:xfrm>
+                <a:prstGeom prst="trapezoid">
+                  <a:avLst/>
+                </a:prstGeom>
+              </p:spPr>
+              <p:style>
+                <a:lnRef idx="2">
+                  <a:schemeClr val="accent1">
+                    <a:shade val="50000"/>
+                  </a:schemeClr>
+                </a:lnRef>
+                <a:fillRef idx="1">
+                  <a:schemeClr val="accent1"/>
+                </a:fillRef>
+                <a:effectRef idx="0">
+                  <a:schemeClr val="accent1"/>
+                </a:effectRef>
+                <a:fontRef idx="minor">
+                  <a:schemeClr val="lt1"/>
+                </a:fontRef>
+              </p:style>
+              <p:txBody>
+                <a:bodyPr rtlCol="0" anchor="ctr"/>
+                <a:lstStyle/>
+                <a:p>
+                  <a:pPr algn="ctr"/>
+                  <a:endParaRPr lang="en-GB"/>
+                </a:p>
+              </p:txBody>
+            </p:sp>
+            <p:sp>
+              <p:nvSpPr>
+                <p:cNvPr id="9" name="Lichoběžník 8">
+                  <a:extLst>
+                    <a:ext uri="{FF2B5EF4-FFF2-40B4-BE49-F238E27FC236}">
+                      <a16:creationId xmlns:a16="http://schemas.microsoft.com/office/drawing/2014/main" id="{54D75485-25DE-4649-A1BE-B787623A7328}"/>
+                    </a:ext>
+                  </a:extLst>
+                </p:cNvPr>
+                <p:cNvSpPr/>
+                <p:nvPr/>
+              </p:nvSpPr>
+              <p:spPr>
+                <a:xfrm rot="5400000">
+                  <a:off x="873831" y="2206168"/>
+                  <a:ext cx="2484000" cy="1728000"/>
+                </a:xfrm>
+                <a:prstGeom prst="trapezoid">
+                  <a:avLst/>
+                </a:prstGeom>
+              </p:spPr>
+              <p:style>
+                <a:lnRef idx="2">
+                  <a:schemeClr val="accent1">
+                    <a:shade val="50000"/>
+                  </a:schemeClr>
+                </a:lnRef>
+                <a:fillRef idx="1">
+                  <a:schemeClr val="accent1"/>
+                </a:fillRef>
+                <a:effectRef idx="0">
+                  <a:schemeClr val="accent1"/>
+                </a:effectRef>
+                <a:fontRef idx="minor">
+                  <a:schemeClr val="lt1"/>
+                </a:fontRef>
+              </p:style>
+              <p:txBody>
+                <a:bodyPr rtlCol="0" anchor="ctr"/>
+                <a:lstStyle/>
+                <a:p>
+                  <a:pPr algn="ctr"/>
+                  <a:endParaRPr lang="en-GB"/>
+                </a:p>
+              </p:txBody>
+            </p:sp>
+          </p:grpSp>
+          <p:grpSp>
+            <p:nvGrpSpPr>
+              <p:cNvPr id="20" name="Skupina 19">
+                <a:extLst>
+                  <a:ext uri="{FF2B5EF4-FFF2-40B4-BE49-F238E27FC236}">
+                    <a16:creationId xmlns:a16="http://schemas.microsoft.com/office/drawing/2014/main" id="{A3362E59-625E-4A01-8818-68C51A68AB7A}"/>
+                  </a:ext>
+                </a:extLst>
+              </p:cNvPr>
+              <p:cNvGrpSpPr/>
+              <p:nvPr/>
+            </p:nvGrpSpPr>
+            <p:grpSpPr>
+              <a:xfrm>
+                <a:off x="1393922" y="1828168"/>
+                <a:ext cx="2305526" cy="2484000"/>
+                <a:chOff x="674305" y="1828168"/>
+                <a:chExt cx="2305526" cy="2484000"/>
+              </a:xfrm>
+            </p:grpSpPr>
+            <p:sp>
+              <p:nvSpPr>
+                <p:cNvPr id="21" name="Lichoběžník 20">
+                  <a:extLst>
+                    <a:ext uri="{FF2B5EF4-FFF2-40B4-BE49-F238E27FC236}">
+                      <a16:creationId xmlns:a16="http://schemas.microsoft.com/office/drawing/2014/main" id="{DFE283E6-7BE8-44AC-A100-CF0772B9C0C5}"/>
+                    </a:ext>
+                  </a:extLst>
+                </p:cNvPr>
+                <p:cNvSpPr/>
+                <p:nvPr/>
+              </p:nvSpPr>
+              <p:spPr>
+                <a:xfrm rot="5400000">
+                  <a:off x="296305" y="2206168"/>
+                  <a:ext cx="2484000" cy="1728000"/>
+                </a:xfrm>
+                <a:prstGeom prst="trapezoid">
+                  <a:avLst/>
+                </a:prstGeom>
+              </p:spPr>
+              <p:style>
+                <a:lnRef idx="2">
+                  <a:schemeClr val="accent1">
+                    <a:shade val="50000"/>
+                  </a:schemeClr>
+                </a:lnRef>
+                <a:fillRef idx="1">
+                  <a:schemeClr val="accent1"/>
+                </a:fillRef>
+                <a:effectRef idx="0">
+                  <a:schemeClr val="accent1"/>
+                </a:effectRef>
+                <a:fontRef idx="minor">
+                  <a:schemeClr val="lt1"/>
+                </a:fontRef>
+              </p:style>
+              <p:txBody>
+                <a:bodyPr rtlCol="0" anchor="ctr"/>
+                <a:lstStyle/>
+                <a:p>
+                  <a:pPr algn="ctr"/>
+                  <a:endParaRPr lang="en-GB"/>
+                </a:p>
+              </p:txBody>
+            </p:sp>
+            <p:sp>
+              <p:nvSpPr>
+                <p:cNvPr id="22" name="Lichoběžník 21">
+                  <a:extLst>
+                    <a:ext uri="{FF2B5EF4-FFF2-40B4-BE49-F238E27FC236}">
+                      <a16:creationId xmlns:a16="http://schemas.microsoft.com/office/drawing/2014/main" id="{114DF12A-C016-4A75-9DDA-3C7C02262A52}"/>
+                    </a:ext>
+                  </a:extLst>
+                </p:cNvPr>
+                <p:cNvSpPr/>
+                <p:nvPr/>
+              </p:nvSpPr>
+              <p:spPr>
+                <a:xfrm rot="5400000">
+                  <a:off x="440687" y="2206168"/>
+                  <a:ext cx="2484000" cy="1728000"/>
+                </a:xfrm>
+                <a:prstGeom prst="trapezoid">
+                  <a:avLst/>
+                </a:prstGeom>
+              </p:spPr>
+              <p:style>
+                <a:lnRef idx="2">
+                  <a:schemeClr val="accent1">
+                    <a:shade val="50000"/>
+                  </a:schemeClr>
+                </a:lnRef>
+                <a:fillRef idx="1">
+                  <a:schemeClr val="accent1"/>
+                </a:fillRef>
+                <a:effectRef idx="0">
+                  <a:schemeClr val="accent1"/>
+                </a:effectRef>
+                <a:fontRef idx="minor">
+                  <a:schemeClr val="lt1"/>
+                </a:fontRef>
+              </p:style>
+              <p:txBody>
+                <a:bodyPr rtlCol="0" anchor="ctr"/>
+                <a:lstStyle/>
+                <a:p>
+                  <a:pPr algn="ctr"/>
+                  <a:endParaRPr lang="en-GB"/>
+                </a:p>
+              </p:txBody>
+            </p:sp>
+            <p:sp>
+              <p:nvSpPr>
+                <p:cNvPr id="23" name="Lichoběžník 22">
+                  <a:extLst>
+                    <a:ext uri="{FF2B5EF4-FFF2-40B4-BE49-F238E27FC236}">
+                      <a16:creationId xmlns:a16="http://schemas.microsoft.com/office/drawing/2014/main" id="{E722FC92-9B0E-478D-B02B-653461B1C927}"/>
+                    </a:ext>
+                  </a:extLst>
+                </p:cNvPr>
+                <p:cNvSpPr/>
+                <p:nvPr/>
+              </p:nvSpPr>
+              <p:spPr>
+                <a:xfrm rot="5400000">
+                  <a:off x="585069" y="2206168"/>
+                  <a:ext cx="2484000" cy="1728000"/>
+                </a:xfrm>
+                <a:prstGeom prst="trapezoid">
+                  <a:avLst/>
+                </a:prstGeom>
+              </p:spPr>
+              <p:style>
+                <a:lnRef idx="2">
+                  <a:schemeClr val="accent1">
+                    <a:shade val="50000"/>
+                  </a:schemeClr>
+                </a:lnRef>
+                <a:fillRef idx="1">
+                  <a:schemeClr val="accent1"/>
+                </a:fillRef>
+                <a:effectRef idx="0">
+                  <a:schemeClr val="accent1"/>
+                </a:effectRef>
+                <a:fontRef idx="minor">
+                  <a:schemeClr val="lt1"/>
+                </a:fontRef>
+              </p:style>
+              <p:txBody>
+                <a:bodyPr rtlCol="0" anchor="ctr"/>
+                <a:lstStyle/>
+                <a:p>
+                  <a:pPr algn="ctr"/>
+                  <a:endParaRPr lang="en-GB"/>
+                </a:p>
+              </p:txBody>
+            </p:sp>
+            <p:sp>
+              <p:nvSpPr>
+                <p:cNvPr id="24" name="Lichoběžník 23">
+                  <a:extLst>
+                    <a:ext uri="{FF2B5EF4-FFF2-40B4-BE49-F238E27FC236}">
+                      <a16:creationId xmlns:a16="http://schemas.microsoft.com/office/drawing/2014/main" id="{7331A74C-8253-4783-95C1-30BF4A88A64F}"/>
+                    </a:ext>
+                  </a:extLst>
+                </p:cNvPr>
+                <p:cNvSpPr/>
+                <p:nvPr/>
+              </p:nvSpPr>
+              <p:spPr>
+                <a:xfrm rot="5400000">
+                  <a:off x="729451" y="2206168"/>
+                  <a:ext cx="2484000" cy="1728000"/>
+                </a:xfrm>
+                <a:prstGeom prst="trapezoid">
+                  <a:avLst/>
+                </a:prstGeom>
+              </p:spPr>
+              <p:style>
+                <a:lnRef idx="2">
+                  <a:schemeClr val="accent1">
+                    <a:shade val="50000"/>
+                  </a:schemeClr>
+                </a:lnRef>
+                <a:fillRef idx="1">
+                  <a:schemeClr val="accent1"/>
+                </a:fillRef>
+                <a:effectRef idx="0">
+                  <a:schemeClr val="accent1"/>
+                </a:effectRef>
+                <a:fontRef idx="minor">
+                  <a:schemeClr val="lt1"/>
+                </a:fontRef>
+              </p:style>
+              <p:txBody>
+                <a:bodyPr rtlCol="0" anchor="ctr"/>
+                <a:lstStyle/>
+                <a:p>
+                  <a:pPr algn="ctr"/>
+                  <a:endParaRPr lang="en-GB"/>
+                </a:p>
+              </p:txBody>
+            </p:sp>
+            <p:sp>
+              <p:nvSpPr>
+                <p:cNvPr id="25" name="Lichoběžník 24">
+                  <a:extLst>
+                    <a:ext uri="{FF2B5EF4-FFF2-40B4-BE49-F238E27FC236}">
+                      <a16:creationId xmlns:a16="http://schemas.microsoft.com/office/drawing/2014/main" id="{BC667AD9-DC31-45EE-97F6-FCD7FC033EA8}"/>
+                    </a:ext>
+                  </a:extLst>
+                </p:cNvPr>
+                <p:cNvSpPr/>
+                <p:nvPr/>
+              </p:nvSpPr>
+              <p:spPr>
+                <a:xfrm rot="5400000">
+                  <a:off x="873831" y="2206168"/>
+                  <a:ext cx="2484000" cy="1728000"/>
+                </a:xfrm>
+                <a:prstGeom prst="trapezoid">
+                  <a:avLst/>
+                </a:prstGeom>
+              </p:spPr>
+              <p:style>
+                <a:lnRef idx="2">
+                  <a:schemeClr val="accent1">
+                    <a:shade val="50000"/>
+                  </a:schemeClr>
+                </a:lnRef>
+                <a:fillRef idx="1">
+                  <a:schemeClr val="accent1"/>
+                </a:fillRef>
+                <a:effectRef idx="0">
+                  <a:schemeClr val="accent1"/>
+                </a:effectRef>
+                <a:fontRef idx="minor">
+                  <a:schemeClr val="lt1"/>
+                </a:fontRef>
+              </p:style>
+              <p:txBody>
+                <a:bodyPr rtlCol="0" anchor="ctr"/>
+                <a:lstStyle/>
+                <a:p>
+                  <a:pPr algn="ctr"/>
+                  <a:endParaRPr lang="en-GB"/>
+                </a:p>
+              </p:txBody>
+            </p:sp>
+          </p:grpSp>
+          <p:grpSp>
+            <p:nvGrpSpPr>
+              <p:cNvPr id="26" name="Skupina 25">
+                <a:extLst>
+                  <a:ext uri="{FF2B5EF4-FFF2-40B4-BE49-F238E27FC236}">
+                    <a16:creationId xmlns:a16="http://schemas.microsoft.com/office/drawing/2014/main" id="{8AB03D3E-DD0B-43F2-93D6-1753FBE548AB}"/>
+                  </a:ext>
+                </a:extLst>
+              </p:cNvPr>
+              <p:cNvGrpSpPr/>
+              <p:nvPr/>
+            </p:nvGrpSpPr>
+            <p:grpSpPr>
+              <a:xfrm>
+                <a:off x="2111250" y="1828168"/>
+                <a:ext cx="2305526" cy="2484000"/>
+                <a:chOff x="674305" y="1828168"/>
+                <a:chExt cx="2305526" cy="2484000"/>
+              </a:xfrm>
+            </p:grpSpPr>
+            <p:sp>
+              <p:nvSpPr>
+                <p:cNvPr id="27" name="Lichoběžník 26">
+                  <a:extLst>
+                    <a:ext uri="{FF2B5EF4-FFF2-40B4-BE49-F238E27FC236}">
+                      <a16:creationId xmlns:a16="http://schemas.microsoft.com/office/drawing/2014/main" id="{AA08FBCC-74DC-4F3F-9D40-326F839C9C3A}"/>
+                    </a:ext>
+                  </a:extLst>
+                </p:cNvPr>
+                <p:cNvSpPr/>
+                <p:nvPr/>
+              </p:nvSpPr>
+              <p:spPr>
+                <a:xfrm rot="5400000">
+                  <a:off x="296305" y="2206168"/>
+                  <a:ext cx="2484000" cy="1728000"/>
+                </a:xfrm>
+                <a:prstGeom prst="trapezoid">
+                  <a:avLst/>
+                </a:prstGeom>
+              </p:spPr>
+              <p:style>
+                <a:lnRef idx="2">
+                  <a:schemeClr val="accent1">
+                    <a:shade val="50000"/>
+                  </a:schemeClr>
+                </a:lnRef>
+                <a:fillRef idx="1">
+                  <a:schemeClr val="accent1"/>
+                </a:fillRef>
+                <a:effectRef idx="0">
+                  <a:schemeClr val="accent1"/>
+                </a:effectRef>
+                <a:fontRef idx="minor">
+                  <a:schemeClr val="lt1"/>
+                </a:fontRef>
+              </p:style>
+              <p:txBody>
+                <a:bodyPr rtlCol="0" anchor="ctr"/>
+                <a:lstStyle/>
+                <a:p>
+                  <a:pPr algn="ctr"/>
+                  <a:endParaRPr lang="en-GB"/>
+                </a:p>
+              </p:txBody>
+            </p:sp>
+            <p:sp>
+              <p:nvSpPr>
+                <p:cNvPr id="28" name="Lichoběžník 27">
+                  <a:extLst>
+                    <a:ext uri="{FF2B5EF4-FFF2-40B4-BE49-F238E27FC236}">
+                      <a16:creationId xmlns:a16="http://schemas.microsoft.com/office/drawing/2014/main" id="{BC1EA0FA-CD79-4260-82DA-6DA988AE6B87}"/>
+                    </a:ext>
+                  </a:extLst>
+                </p:cNvPr>
+                <p:cNvSpPr/>
+                <p:nvPr/>
+              </p:nvSpPr>
+              <p:spPr>
+                <a:xfrm rot="5400000">
+                  <a:off x="440687" y="2206168"/>
+                  <a:ext cx="2484000" cy="1728000"/>
+                </a:xfrm>
+                <a:prstGeom prst="trapezoid">
+                  <a:avLst/>
+                </a:prstGeom>
+              </p:spPr>
+              <p:style>
+                <a:lnRef idx="2">
+                  <a:schemeClr val="accent1">
+                    <a:shade val="50000"/>
+                  </a:schemeClr>
+                </a:lnRef>
+                <a:fillRef idx="1">
+                  <a:schemeClr val="accent1"/>
+                </a:fillRef>
+                <a:effectRef idx="0">
+                  <a:schemeClr val="accent1"/>
+                </a:effectRef>
+                <a:fontRef idx="minor">
+                  <a:schemeClr val="lt1"/>
+                </a:fontRef>
+              </p:style>
+              <p:txBody>
+                <a:bodyPr rtlCol="0" anchor="ctr"/>
+                <a:lstStyle/>
+                <a:p>
+                  <a:pPr algn="ctr"/>
+                  <a:endParaRPr lang="en-GB"/>
+                </a:p>
+              </p:txBody>
+            </p:sp>
+            <p:sp>
+              <p:nvSpPr>
+                <p:cNvPr id="29" name="Lichoběžník 28">
+                  <a:extLst>
+                    <a:ext uri="{FF2B5EF4-FFF2-40B4-BE49-F238E27FC236}">
+                      <a16:creationId xmlns:a16="http://schemas.microsoft.com/office/drawing/2014/main" id="{BA06CC5B-1FCC-48AB-B37D-7E7C14011B64}"/>
+                    </a:ext>
+                  </a:extLst>
+                </p:cNvPr>
+                <p:cNvSpPr/>
+                <p:nvPr/>
+              </p:nvSpPr>
+              <p:spPr>
+                <a:xfrm rot="5400000">
+                  <a:off x="585069" y="2206168"/>
+                  <a:ext cx="2484000" cy="1728000"/>
+                </a:xfrm>
+                <a:prstGeom prst="trapezoid">
+                  <a:avLst/>
+                </a:prstGeom>
+              </p:spPr>
+              <p:style>
+                <a:lnRef idx="2">
+                  <a:schemeClr val="accent1">
+                    <a:shade val="50000"/>
+                  </a:schemeClr>
+                </a:lnRef>
+                <a:fillRef idx="1">
+                  <a:schemeClr val="accent1"/>
+                </a:fillRef>
+                <a:effectRef idx="0">
+                  <a:schemeClr val="accent1"/>
+                </a:effectRef>
+                <a:fontRef idx="minor">
+                  <a:schemeClr val="lt1"/>
+                </a:fontRef>
+              </p:style>
+              <p:txBody>
+                <a:bodyPr rtlCol="0" anchor="ctr"/>
+                <a:lstStyle/>
+                <a:p>
+                  <a:pPr algn="ctr"/>
+                  <a:endParaRPr lang="en-GB"/>
+                </a:p>
+              </p:txBody>
+            </p:sp>
+            <p:sp>
+              <p:nvSpPr>
+                <p:cNvPr id="30" name="Lichoběžník 29">
+                  <a:extLst>
+                    <a:ext uri="{FF2B5EF4-FFF2-40B4-BE49-F238E27FC236}">
+                      <a16:creationId xmlns:a16="http://schemas.microsoft.com/office/drawing/2014/main" id="{F3C5A376-6AD3-446D-A103-B42A231252C0}"/>
+                    </a:ext>
+                  </a:extLst>
+                </p:cNvPr>
+                <p:cNvSpPr/>
+                <p:nvPr/>
+              </p:nvSpPr>
+              <p:spPr>
+                <a:xfrm rot="5400000">
+                  <a:off x="729451" y="2206168"/>
+                  <a:ext cx="2484000" cy="1728000"/>
+                </a:xfrm>
+                <a:prstGeom prst="trapezoid">
+                  <a:avLst/>
+                </a:prstGeom>
+              </p:spPr>
+              <p:style>
+                <a:lnRef idx="2">
+                  <a:schemeClr val="accent1">
+                    <a:shade val="50000"/>
+                  </a:schemeClr>
+                </a:lnRef>
+                <a:fillRef idx="1">
+                  <a:schemeClr val="accent1"/>
+                </a:fillRef>
+                <a:effectRef idx="0">
+                  <a:schemeClr val="accent1"/>
+                </a:effectRef>
+                <a:fontRef idx="minor">
+                  <a:schemeClr val="lt1"/>
+                </a:fontRef>
+              </p:style>
+              <p:txBody>
+                <a:bodyPr rtlCol="0" anchor="ctr"/>
+                <a:lstStyle/>
+                <a:p>
+                  <a:pPr algn="ctr"/>
+                  <a:endParaRPr lang="en-GB"/>
+                </a:p>
+              </p:txBody>
+            </p:sp>
+            <p:sp>
+              <p:nvSpPr>
+                <p:cNvPr id="31" name="Lichoběžník 30">
+                  <a:extLst>
+                    <a:ext uri="{FF2B5EF4-FFF2-40B4-BE49-F238E27FC236}">
+                      <a16:creationId xmlns:a16="http://schemas.microsoft.com/office/drawing/2014/main" id="{AC59EC21-1899-439B-BA74-C0B30EBFF2C2}"/>
+                    </a:ext>
+                  </a:extLst>
+                </p:cNvPr>
+                <p:cNvSpPr/>
+                <p:nvPr/>
+              </p:nvSpPr>
+              <p:spPr>
+                <a:xfrm rot="5400000">
+                  <a:off x="873831" y="2206168"/>
+                  <a:ext cx="2484000" cy="1728000"/>
+                </a:xfrm>
+                <a:prstGeom prst="trapezoid">
+                  <a:avLst/>
+                </a:prstGeom>
+              </p:spPr>
+              <p:style>
+                <a:lnRef idx="2">
+                  <a:schemeClr val="accent1">
+                    <a:shade val="50000"/>
+                  </a:schemeClr>
+                </a:lnRef>
+                <a:fillRef idx="1">
+                  <a:schemeClr val="accent1"/>
+                </a:fillRef>
+                <a:effectRef idx="0">
+                  <a:schemeClr val="accent1"/>
+                </a:effectRef>
+                <a:fontRef idx="minor">
+                  <a:schemeClr val="lt1"/>
+                </a:fontRef>
+              </p:style>
+              <p:txBody>
+                <a:bodyPr rtlCol="0" anchor="ctr"/>
+                <a:lstStyle/>
+                <a:p>
+                  <a:pPr algn="ctr"/>
+                  <a:endParaRPr lang="en-GB" dirty="0"/>
+                </a:p>
+              </p:txBody>
+            </p:sp>
+          </p:grpSp>
+        </p:grpSp>
+        <p:cxnSp>
+          <p:nvCxnSpPr>
+            <p:cNvPr id="63" name="Přímá spojnice 62">
+              <a:extLst>
+                <a:ext uri="{FF2B5EF4-FFF2-40B4-BE49-F238E27FC236}">
+                  <a16:creationId xmlns:a16="http://schemas.microsoft.com/office/drawing/2014/main" id="{3678549E-6FC1-4E68-95CA-2DA8C59E05FC}"/>
+                </a:ext>
+              </a:extLst>
+            </p:cNvPr>
+            <p:cNvCxnSpPr>
+              <a:cxnSpLocks/>
+            </p:cNvCxnSpPr>
+            <p:nvPr/>
+          </p:nvCxnSpPr>
+          <p:spPr>
+            <a:xfrm flipH="1">
+              <a:off x="3360196" y="3084205"/>
+              <a:ext cx="379805" cy="0"/>
+            </a:xfrm>
+            <a:prstGeom prst="line">
+              <a:avLst/>
+            </a:prstGeom>
+            <a:ln w="76200" cap="rnd">
+              <a:solidFill>
+                <a:schemeClr val="tx1"/>
+              </a:solidFill>
+            </a:ln>
+          </p:spPr>
+          <p:style>
+            <a:lnRef idx="1">
+              <a:schemeClr val="accent1"/>
+            </a:lnRef>
+            <a:fillRef idx="0">
+              <a:schemeClr val="accent1"/>
+            </a:fillRef>
+            <a:effectRef idx="0">
+              <a:schemeClr val="accent1"/>
+            </a:effectRef>
+            <a:fontRef idx="minor">
+              <a:schemeClr val="tx1"/>
+            </a:fontRef>
+          </p:style>
+        </p:cxnSp>
+        <p:sp>
+          <p:nvSpPr>
+            <p:cNvPr id="32" name="Lichoběžník 31">
+              <a:extLst>
+                <a:ext uri="{FF2B5EF4-FFF2-40B4-BE49-F238E27FC236}">
+                  <a16:creationId xmlns:a16="http://schemas.microsoft.com/office/drawing/2014/main" id="{08BE2A33-8F7E-4A92-B0E7-792735443556}"/>
+                </a:ext>
+              </a:extLst>
+            </p:cNvPr>
+            <p:cNvSpPr/>
+            <p:nvPr/>
+          </p:nvSpPr>
+          <p:spPr>
+            <a:xfrm rot="5400000">
+              <a:off x="3362001" y="2206168"/>
+              <a:ext cx="2484000" cy="1728000"/>
+            </a:xfrm>
+            <a:prstGeom prst="trapezoid">
+              <a:avLst/>
+            </a:prstGeom>
+            <a:solidFill>
+              <a:schemeClr val="accent6">
+                <a:lumMod val="75000"/>
+              </a:schemeClr>
+            </a:solidFill>
+            <a:ln>
+              <a:solidFill>
+                <a:schemeClr val="accent6">
+                  <a:lumMod val="50000"/>
+                </a:schemeClr>
+              </a:solidFill>
+            </a:ln>
+          </p:spPr>
+          <p:style>
+            <a:lnRef idx="2">
+              <a:schemeClr val="accent1">
+                <a:shade val="50000"/>
+              </a:schemeClr>
+            </a:lnRef>
+            <a:fillRef idx="1">
+              <a:schemeClr val="accent1"/>
+            </a:fillRef>
+            <a:effectRef idx="0">
+              <a:schemeClr val="accent1"/>
+            </a:effectRef>
+            <a:fontRef idx="minor">
+              <a:schemeClr val="lt1"/>
+            </a:fontRef>
+          </p:style>
+          <p:txBody>
+            <a:bodyPr rtlCol="0" anchor="ctr"/>
+            <a:lstStyle/>
+            <a:p>
+              <a:pPr algn="ctr"/>
+              <a:endParaRPr lang="en-GB" dirty="0"/>
+            </a:p>
+          </p:txBody>
+        </p:sp>
+        <p:sp>
+          <p:nvSpPr>
+            <p:cNvPr id="35" name="Lichoběžník 34">
+              <a:extLst>
+                <a:ext uri="{FF2B5EF4-FFF2-40B4-BE49-F238E27FC236}">
+                  <a16:creationId xmlns:a16="http://schemas.microsoft.com/office/drawing/2014/main" id="{5359BACC-47A6-443C-9EA6-749E04E97C9F}"/>
+                </a:ext>
+              </a:extLst>
+            </p:cNvPr>
+            <p:cNvSpPr/>
+            <p:nvPr/>
+          </p:nvSpPr>
+          <p:spPr>
+            <a:xfrm rot="5400000">
+              <a:off x="4321589" y="2206168"/>
+              <a:ext cx="2484000" cy="1728000"/>
+            </a:xfrm>
+            <a:prstGeom prst="trapezoid">
+              <a:avLst/>
+            </a:prstGeom>
+            <a:solidFill>
+              <a:schemeClr val="accent6">
+                <a:lumMod val="60000"/>
+                <a:lumOff val="40000"/>
+              </a:schemeClr>
+            </a:solidFill>
+            <a:ln>
+              <a:solidFill>
+                <a:schemeClr val="accent6">
+                  <a:lumMod val="50000"/>
+                </a:schemeClr>
+              </a:solidFill>
+            </a:ln>
+          </p:spPr>
+          <p:style>
+            <a:lnRef idx="2">
+              <a:schemeClr val="accent1">
+                <a:shade val="50000"/>
+              </a:schemeClr>
+            </a:lnRef>
+            <a:fillRef idx="1">
+              <a:schemeClr val="accent1"/>
+            </a:fillRef>
+            <a:effectRef idx="0">
+              <a:schemeClr val="accent1"/>
+            </a:effectRef>
+            <a:fontRef idx="minor">
+              <a:schemeClr val="lt1"/>
+            </a:fontRef>
+          </p:style>
+          <p:txBody>
+            <a:bodyPr rtlCol="0" anchor="ctr"/>
+            <a:lstStyle/>
+            <a:p>
+              <a:pPr algn="ctr"/>
+              <a:endParaRPr lang="en-GB" dirty="0"/>
+            </a:p>
+          </p:txBody>
+        </p:sp>
+        <p:sp>
+          <p:nvSpPr>
+            <p:cNvPr id="36" name="Lichoběžník 35">
+              <a:extLst>
+                <a:ext uri="{FF2B5EF4-FFF2-40B4-BE49-F238E27FC236}">
+                  <a16:creationId xmlns:a16="http://schemas.microsoft.com/office/drawing/2014/main" id="{84B7C78F-A62C-40A2-9778-399AB71A29CD}"/>
+                </a:ext>
+              </a:extLst>
+            </p:cNvPr>
+            <p:cNvSpPr/>
+            <p:nvPr/>
+          </p:nvSpPr>
+          <p:spPr>
+            <a:xfrm rot="5400000">
+              <a:off x="5200967" y="2206168"/>
+              <a:ext cx="2484000" cy="1728000"/>
+            </a:xfrm>
+            <a:prstGeom prst="trapezoid">
+              <a:avLst/>
+            </a:prstGeom>
+            <a:solidFill>
+              <a:schemeClr val="accent6">
+                <a:lumMod val="40000"/>
+                <a:lumOff val="60000"/>
+              </a:schemeClr>
+            </a:solidFill>
+            <a:ln>
+              <a:solidFill>
+                <a:schemeClr val="accent6">
+                  <a:lumMod val="50000"/>
+                </a:schemeClr>
+              </a:solidFill>
+            </a:ln>
+          </p:spPr>
+          <p:style>
+            <a:lnRef idx="2">
+              <a:schemeClr val="accent1">
+                <a:shade val="50000"/>
+              </a:schemeClr>
+            </a:lnRef>
+            <a:fillRef idx="1">
+              <a:schemeClr val="accent1"/>
+            </a:fillRef>
+            <a:effectRef idx="0">
+              <a:schemeClr val="accent1"/>
+            </a:effectRef>
+            <a:fontRef idx="minor">
+              <a:schemeClr val="lt1"/>
+            </a:fontRef>
+          </p:style>
+          <p:txBody>
+            <a:bodyPr rtlCol="0" anchor="ctr"/>
+            <a:lstStyle/>
+            <a:p>
+              <a:pPr algn="ctr"/>
+              <a:endParaRPr lang="en-GB" dirty="0"/>
+            </a:p>
+          </p:txBody>
+        </p:sp>
+        <p:sp>
+          <p:nvSpPr>
+            <p:cNvPr id="38" name="Lichoběžník 37">
+              <a:extLst>
+                <a:ext uri="{FF2B5EF4-FFF2-40B4-BE49-F238E27FC236}">
+                  <a16:creationId xmlns:a16="http://schemas.microsoft.com/office/drawing/2014/main" id="{48318B05-9750-43CD-8A26-BF449219EED6}"/>
+                </a:ext>
+              </a:extLst>
+            </p:cNvPr>
+            <p:cNvSpPr/>
+            <p:nvPr/>
+          </p:nvSpPr>
+          <p:spPr>
+            <a:xfrm rot="5400000">
+              <a:off x="6096387" y="2206168"/>
+              <a:ext cx="2484000" cy="1728000"/>
+            </a:xfrm>
+            <a:prstGeom prst="trapezoid">
+              <a:avLst/>
+            </a:prstGeom>
+            <a:solidFill>
+              <a:schemeClr val="accent6">
+                <a:lumMod val="20000"/>
+                <a:lumOff val="80000"/>
+              </a:schemeClr>
+            </a:solidFill>
+            <a:ln>
+              <a:solidFill>
+                <a:schemeClr val="accent6">
+                  <a:lumMod val="50000"/>
+                </a:schemeClr>
+              </a:solidFill>
+            </a:ln>
+          </p:spPr>
+          <p:style>
+            <a:lnRef idx="2">
+              <a:schemeClr val="accent1">
+                <a:shade val="50000"/>
+              </a:schemeClr>
+            </a:lnRef>
+            <a:fillRef idx="1">
+              <a:schemeClr val="accent1"/>
+            </a:fillRef>
+            <a:effectRef idx="0">
+              <a:schemeClr val="accent1"/>
+            </a:effectRef>
+            <a:fontRef idx="minor">
+              <a:schemeClr val="lt1"/>
+            </a:fontRef>
+          </p:style>
+          <p:txBody>
+            <a:bodyPr rtlCol="0" anchor="ctr"/>
+            <a:lstStyle/>
+            <a:p>
+              <a:pPr algn="ctr"/>
+              <a:endParaRPr lang="en-GB" dirty="0"/>
+            </a:p>
+          </p:txBody>
+        </p:sp>
+        <p:cxnSp>
+          <p:nvCxnSpPr>
+            <p:cNvPr id="67" name="Přímá spojnice 66">
+              <a:extLst>
+                <a:ext uri="{FF2B5EF4-FFF2-40B4-BE49-F238E27FC236}">
+                  <a16:creationId xmlns:a16="http://schemas.microsoft.com/office/drawing/2014/main" id="{DE2F5FF0-30E0-480A-A4C7-3E92A157B701}"/>
+                </a:ext>
+              </a:extLst>
+            </p:cNvPr>
+            <p:cNvCxnSpPr>
+              <a:cxnSpLocks/>
+            </p:cNvCxnSpPr>
+            <p:nvPr/>
+          </p:nvCxnSpPr>
+          <p:spPr>
+            <a:xfrm flipH="1">
+              <a:off x="7338387" y="3084205"/>
+              <a:ext cx="769352" cy="0"/>
+            </a:xfrm>
+            <a:prstGeom prst="line">
+              <a:avLst/>
+            </a:prstGeom>
+            <a:ln w="76200" cap="rnd">
+              <a:solidFill>
+                <a:schemeClr val="tx1"/>
+              </a:solidFill>
+            </a:ln>
+          </p:spPr>
+          <p:style>
+            <a:lnRef idx="1">
+              <a:schemeClr val="accent1"/>
+            </a:lnRef>
+            <a:fillRef idx="0">
+              <a:schemeClr val="accent1"/>
+            </a:fillRef>
+            <a:effectRef idx="0">
+              <a:schemeClr val="accent1"/>
+            </a:effectRef>
+            <a:fontRef idx="minor">
+              <a:schemeClr val="tx1"/>
+            </a:fontRef>
+          </p:style>
+        </p:cxnSp>
+        <p:sp>
+          <p:nvSpPr>
+            <p:cNvPr id="39" name="Lichoběžník 38">
+              <a:extLst>
+                <a:ext uri="{FF2B5EF4-FFF2-40B4-BE49-F238E27FC236}">
+                  <a16:creationId xmlns:a16="http://schemas.microsoft.com/office/drawing/2014/main" id="{98A7B614-2186-4F2A-8A69-C9F170698CB2}"/>
+                </a:ext>
+              </a:extLst>
+            </p:cNvPr>
+            <p:cNvSpPr/>
+            <p:nvPr/>
+          </p:nvSpPr>
+          <p:spPr>
+            <a:xfrm rot="5400000">
+              <a:off x="7729739" y="2234242"/>
+              <a:ext cx="2484000" cy="1728000"/>
+            </a:xfrm>
+            <a:prstGeom prst="trapezoid">
+              <a:avLst/>
+            </a:prstGeom>
+            <a:solidFill>
+              <a:schemeClr val="accent2">
+                <a:lumMod val="75000"/>
+              </a:schemeClr>
+            </a:solidFill>
+            <a:ln>
+              <a:solidFill>
+                <a:schemeClr val="accent2">
+                  <a:lumMod val="50000"/>
+                </a:schemeClr>
+              </a:solidFill>
+            </a:ln>
+          </p:spPr>
+          <p:style>
+            <a:lnRef idx="2">
+              <a:schemeClr val="accent1">
+                <a:shade val="50000"/>
+              </a:schemeClr>
+            </a:lnRef>
+            <a:fillRef idx="1">
+              <a:schemeClr val="accent1"/>
+            </a:fillRef>
+            <a:effectRef idx="0">
+              <a:schemeClr val="accent1"/>
+            </a:effectRef>
+            <a:fontRef idx="minor">
+              <a:schemeClr val="lt1"/>
+            </a:fontRef>
+          </p:style>
+          <p:txBody>
+            <a:bodyPr rtlCol="0" anchor="ctr"/>
+            <a:lstStyle/>
+            <a:p>
+              <a:pPr algn="ctr"/>
+              <a:endParaRPr lang="en-GB" dirty="0"/>
+            </a:p>
+          </p:txBody>
+        </p:sp>
+        <p:sp>
+          <p:nvSpPr>
+            <p:cNvPr id="40" name="Lichoběžník 39">
+              <a:extLst>
+                <a:ext uri="{FF2B5EF4-FFF2-40B4-BE49-F238E27FC236}">
+                  <a16:creationId xmlns:a16="http://schemas.microsoft.com/office/drawing/2014/main" id="{5322BC6C-311C-441F-BCB6-0D245032A775}"/>
+                </a:ext>
+              </a:extLst>
+            </p:cNvPr>
+            <p:cNvSpPr/>
+            <p:nvPr/>
+          </p:nvSpPr>
+          <p:spPr>
+            <a:xfrm rot="5400000">
+              <a:off x="8747871" y="2234242"/>
+              <a:ext cx="2484000" cy="1728000"/>
+            </a:xfrm>
+            <a:prstGeom prst="trapezoid">
+              <a:avLst/>
+            </a:prstGeom>
+            <a:solidFill>
+              <a:schemeClr val="accent2">
+                <a:lumMod val="60000"/>
+                <a:lumOff val="40000"/>
+              </a:schemeClr>
+            </a:solidFill>
+            <a:ln>
+              <a:solidFill>
+                <a:schemeClr val="accent2">
+                  <a:lumMod val="50000"/>
+                </a:schemeClr>
+              </a:solidFill>
+            </a:ln>
+          </p:spPr>
+          <p:style>
+            <a:lnRef idx="2">
+              <a:schemeClr val="accent1">
+                <a:shade val="50000"/>
+              </a:schemeClr>
+            </a:lnRef>
+            <a:fillRef idx="1">
+              <a:schemeClr val="accent1"/>
+            </a:fillRef>
+            <a:effectRef idx="0">
+              <a:schemeClr val="accent1"/>
+            </a:effectRef>
+            <a:fontRef idx="minor">
+              <a:schemeClr val="lt1"/>
+            </a:fontRef>
+          </p:style>
+          <p:txBody>
+            <a:bodyPr rtlCol="0" anchor="ctr"/>
+            <a:lstStyle/>
+            <a:p>
+              <a:pPr algn="ctr"/>
+              <a:endParaRPr lang="en-GB" dirty="0"/>
+            </a:p>
+          </p:txBody>
+        </p:sp>
+        <p:sp>
+          <p:nvSpPr>
+            <p:cNvPr id="41" name="Lichoběžník 40">
+              <a:extLst>
+                <a:ext uri="{FF2B5EF4-FFF2-40B4-BE49-F238E27FC236}">
+                  <a16:creationId xmlns:a16="http://schemas.microsoft.com/office/drawing/2014/main" id="{C028CC86-DDC9-4BC9-AEE1-A9A9CC28FD0F}"/>
+                </a:ext>
+              </a:extLst>
+            </p:cNvPr>
+            <p:cNvSpPr/>
+            <p:nvPr/>
+          </p:nvSpPr>
+          <p:spPr>
+            <a:xfrm rot="5400000">
+              <a:off x="9729125" y="2206168"/>
+              <a:ext cx="2484000" cy="1728000"/>
+            </a:xfrm>
+            <a:prstGeom prst="trapezoid">
+              <a:avLst/>
+            </a:prstGeom>
+            <a:solidFill>
+              <a:schemeClr val="accent2">
+                <a:lumMod val="40000"/>
+                <a:lumOff val="60000"/>
+              </a:schemeClr>
+            </a:solidFill>
+            <a:ln>
+              <a:solidFill>
+                <a:schemeClr val="accent2">
+                  <a:lumMod val="50000"/>
+                </a:schemeClr>
+              </a:solidFill>
+            </a:ln>
+          </p:spPr>
+          <p:style>
+            <a:lnRef idx="2">
+              <a:schemeClr val="accent1">
+                <a:shade val="50000"/>
+              </a:schemeClr>
+            </a:lnRef>
+            <a:fillRef idx="1">
+              <a:schemeClr val="accent1"/>
+            </a:fillRef>
+            <a:effectRef idx="0">
+              <a:schemeClr val="accent1"/>
+            </a:effectRef>
+            <a:fontRef idx="minor">
+              <a:schemeClr val="lt1"/>
+            </a:fontRef>
+          </p:style>
+          <p:txBody>
+            <a:bodyPr rtlCol="0" anchor="ctr"/>
+            <a:lstStyle/>
+            <a:p>
+              <a:pPr algn="ctr"/>
+              <a:endParaRPr lang="en-GB" dirty="0"/>
+            </a:p>
+          </p:txBody>
+        </p:sp>
+        <p:cxnSp>
+          <p:nvCxnSpPr>
+            <p:cNvPr id="62" name="Přímá spojnice 61">
+              <a:extLst>
+                <a:ext uri="{FF2B5EF4-FFF2-40B4-BE49-F238E27FC236}">
+                  <a16:creationId xmlns:a16="http://schemas.microsoft.com/office/drawing/2014/main" id="{DF30179C-2AE4-4EEF-BA24-C067D3F03AFE}"/>
+                </a:ext>
+              </a:extLst>
+            </p:cNvPr>
+            <p:cNvCxnSpPr>
+              <a:cxnSpLocks/>
+            </p:cNvCxnSpPr>
+            <p:nvPr/>
+          </p:nvCxnSpPr>
+          <p:spPr>
+            <a:xfrm flipH="1">
+              <a:off x="216568" y="3084205"/>
+              <a:ext cx="268639" cy="0"/>
+            </a:xfrm>
+            <a:prstGeom prst="line">
+              <a:avLst/>
+            </a:prstGeom>
+            <a:ln w="76200">
+              <a:solidFill>
+                <a:schemeClr val="tx1"/>
+              </a:solidFill>
+            </a:ln>
+          </p:spPr>
+          <p:style>
+            <a:lnRef idx="1">
+              <a:schemeClr val="accent1"/>
+            </a:lnRef>
+            <a:fillRef idx="0">
+              <a:schemeClr val="accent1"/>
+            </a:fillRef>
+            <a:effectRef idx="0">
+              <a:schemeClr val="accent1"/>
+            </a:effectRef>
+            <a:fontRef idx="minor">
+              <a:schemeClr val="tx1"/>
+            </a:fontRef>
+          </p:style>
+        </p:cxnSp>
+        <p:cxnSp>
+          <p:nvCxnSpPr>
+            <p:cNvPr id="71" name="Přímá spojnice 70">
+              <a:extLst>
+                <a:ext uri="{FF2B5EF4-FFF2-40B4-BE49-F238E27FC236}">
+                  <a16:creationId xmlns:a16="http://schemas.microsoft.com/office/drawing/2014/main" id="{AD123A36-30B3-4031-9598-F0E572E08281}"/>
+                </a:ext>
+              </a:extLst>
+            </p:cNvPr>
+            <p:cNvCxnSpPr>
+              <a:cxnSpLocks/>
+            </p:cNvCxnSpPr>
+            <p:nvPr/>
+          </p:nvCxnSpPr>
+          <p:spPr>
+            <a:xfrm flipH="1">
+              <a:off x="11209001" y="3084205"/>
+              <a:ext cx="769352" cy="0"/>
+            </a:xfrm>
+            <a:prstGeom prst="line">
+              <a:avLst/>
+            </a:prstGeom>
+            <a:ln w="76200" cap="rnd">
+              <a:solidFill>
+                <a:schemeClr val="tx1"/>
+              </a:solidFill>
+              <a:headEnd type="triangle"/>
+            </a:ln>
+          </p:spPr>
+          <p:style>
+            <a:lnRef idx="1">
+              <a:schemeClr val="accent1"/>
+            </a:lnRef>
+            <a:fillRef idx="0">
+              <a:schemeClr val="accent1"/>
+            </a:fillRef>
+            <a:effectRef idx="0">
+              <a:schemeClr val="accent1"/>
+            </a:effectRef>
+            <a:fontRef idx="minor">
+              <a:schemeClr val="tx1"/>
+            </a:fontRef>
+          </p:style>
+        </p:cxnSp>
+        <p:sp>
+          <p:nvSpPr>
+            <p:cNvPr id="72" name="Levá složená závorka 71">
+              <a:extLst>
+                <a:ext uri="{FF2B5EF4-FFF2-40B4-BE49-F238E27FC236}">
+                  <a16:creationId xmlns:a16="http://schemas.microsoft.com/office/drawing/2014/main" id="{3BF5ADE2-0CCF-4C06-95B3-F55D111A16C5}"/>
+                </a:ext>
+              </a:extLst>
+            </p:cNvPr>
+            <p:cNvSpPr/>
+            <p:nvPr/>
+          </p:nvSpPr>
+          <p:spPr>
+            <a:xfrm rot="16200000">
+              <a:off x="1615646" y="3061286"/>
+              <a:ext cx="613012" cy="3389736"/>
+            </a:xfrm>
+            <a:prstGeom prst="leftBrace">
+              <a:avLst>
+                <a:gd name="adj1" fmla="val 16022"/>
+                <a:gd name="adj2" fmla="val 45671"/>
+              </a:avLst>
+            </a:prstGeom>
+            <a:ln w="19050">
+              <a:solidFill>
+                <a:schemeClr val="accent1"/>
+              </a:solidFill>
+              <a:prstDash val="sysDash"/>
+              <a:extLst>
+                <a:ext uri="{C807C97D-BFC1-408E-A445-0C87EB9F89A2}">
+                  <ask:lineSketchStyleProps xmlns:ask="http://schemas.microsoft.com/office/drawing/2018/sketchyshapes">
+                    <ask:type>
+                      <ask:lineSketchNone/>
+                    </ask:type>
+                  </ask:lineSketchStyleProps>
+                </a:ext>
+              </a:extLst>
+            </a:ln>
+          </p:spPr>
+          <p:style>
+            <a:lnRef idx="1">
+              <a:schemeClr val="accent1"/>
+            </a:lnRef>
+            <a:fillRef idx="0">
+              <a:schemeClr val="accent1"/>
+            </a:fillRef>
+            <a:effectRef idx="0">
+              <a:schemeClr val="accent1"/>
+            </a:effectRef>
+            <a:fontRef idx="minor">
+              <a:schemeClr val="tx1"/>
+            </a:fontRef>
+          </p:style>
+          <p:txBody>
+            <a:bodyPr rtlCol="0" anchor="ctr"/>
+            <a:lstStyle/>
+            <a:p>
+              <a:pPr algn="ctr"/>
+              <a:endParaRPr lang="en-GB"/>
+            </a:p>
+          </p:txBody>
+        </p:sp>
+        <p:sp>
+          <p:nvSpPr>
+            <p:cNvPr id="73" name="Levá složená závorka 72">
+              <a:extLst>
+                <a:ext uri="{FF2B5EF4-FFF2-40B4-BE49-F238E27FC236}">
+                  <a16:creationId xmlns:a16="http://schemas.microsoft.com/office/drawing/2014/main" id="{AE4B5D0B-7BBE-4AB5-A6FA-D63DE73D6FE3}"/>
+                </a:ext>
+              </a:extLst>
+            </p:cNvPr>
+            <p:cNvSpPr/>
+            <p:nvPr/>
+          </p:nvSpPr>
+          <p:spPr>
+            <a:xfrm rot="16200000">
+              <a:off x="5496634" y="2621925"/>
+              <a:ext cx="613012" cy="4268457"/>
+            </a:xfrm>
+            <a:prstGeom prst="leftBrace">
+              <a:avLst>
+                <a:gd name="adj1" fmla="val 16022"/>
+                <a:gd name="adj2" fmla="val 45671"/>
+              </a:avLst>
+            </a:prstGeom>
+            <a:ln w="19050">
+              <a:solidFill>
+                <a:schemeClr val="accent6">
+                  <a:lumMod val="75000"/>
+                </a:schemeClr>
+              </a:solidFill>
+              <a:prstDash val="sysDash"/>
+              <a:extLst>
+                <a:ext uri="{C807C97D-BFC1-408E-A445-0C87EB9F89A2}">
+                  <ask:lineSketchStyleProps xmlns:ask="http://schemas.microsoft.com/office/drawing/2018/sketchyshapes">
+                    <ask:type>
+                      <ask:lineSketchNone/>
+                    </ask:type>
+                  </ask:lineSketchStyleProps>
+                </a:ext>
+              </a:extLst>
+            </a:ln>
+          </p:spPr>
+          <p:style>
+            <a:lnRef idx="1">
+              <a:schemeClr val="accent1"/>
+            </a:lnRef>
+            <a:fillRef idx="0">
+              <a:schemeClr val="accent1"/>
+            </a:fillRef>
+            <a:effectRef idx="0">
+              <a:schemeClr val="accent1"/>
+            </a:effectRef>
+            <a:fontRef idx="minor">
+              <a:schemeClr val="tx1"/>
+            </a:fontRef>
+          </p:style>
+          <p:txBody>
+            <a:bodyPr rtlCol="0" anchor="ctr"/>
+            <a:lstStyle/>
+            <a:p>
+              <a:pPr algn="ctr"/>
+              <a:endParaRPr lang="en-GB"/>
+            </a:p>
+          </p:txBody>
+        </p:sp>
+        <p:sp>
+          <p:nvSpPr>
+            <p:cNvPr id="74" name="Levá složená závorka 73">
+              <a:extLst>
+                <a:ext uri="{FF2B5EF4-FFF2-40B4-BE49-F238E27FC236}">
+                  <a16:creationId xmlns:a16="http://schemas.microsoft.com/office/drawing/2014/main" id="{A080AAE1-EE58-419B-BA45-60E0C87565F8}"/>
+                </a:ext>
+              </a:extLst>
+            </p:cNvPr>
+            <p:cNvSpPr/>
+            <p:nvPr/>
+          </p:nvSpPr>
+          <p:spPr>
+            <a:xfrm rot="16200000">
+              <a:off x="9677303" y="2761607"/>
+              <a:ext cx="613012" cy="3989094"/>
+            </a:xfrm>
+            <a:prstGeom prst="leftBrace">
+              <a:avLst>
+                <a:gd name="adj1" fmla="val 16022"/>
+                <a:gd name="adj2" fmla="val 49688"/>
+              </a:avLst>
+            </a:prstGeom>
+            <a:ln w="19050">
+              <a:solidFill>
+                <a:schemeClr val="accent2">
+                  <a:lumMod val="75000"/>
+                </a:schemeClr>
+              </a:solidFill>
+              <a:prstDash val="sysDash"/>
+              <a:extLst>
+                <a:ext uri="{C807C97D-BFC1-408E-A445-0C87EB9F89A2}">
+                  <ask:lineSketchStyleProps xmlns:ask="http://schemas.microsoft.com/office/drawing/2018/sketchyshapes">
+                    <ask:type>
+                      <ask:lineSketchNone/>
+                    </ask:type>
+                  </ask:lineSketchStyleProps>
+                </a:ext>
+              </a:extLst>
+            </a:ln>
+          </p:spPr>
+          <p:style>
+            <a:lnRef idx="1">
+              <a:schemeClr val="accent1"/>
+            </a:lnRef>
+            <a:fillRef idx="0">
+              <a:schemeClr val="accent1"/>
+            </a:fillRef>
+            <a:effectRef idx="0">
+              <a:schemeClr val="accent1"/>
+            </a:effectRef>
+            <a:fontRef idx="minor">
+              <a:schemeClr val="tx1"/>
+            </a:fontRef>
+          </p:style>
+          <p:txBody>
+            <a:bodyPr rtlCol="0" anchor="ctr"/>
+            <a:lstStyle/>
+            <a:p>
+              <a:pPr algn="ctr"/>
+              <a:endParaRPr lang="en-GB"/>
+            </a:p>
+          </p:txBody>
+        </p:sp>
+      </p:grpSp>
       <p:sp>
         <p:nvSpPr>
-          <p:cNvPr id="7" name="TextovéPole 6">
+          <p:cNvPr id="76" name="TextovéPole 75">
             <a:extLst>
               <a:ext uri="{FF2B5EF4-FFF2-40B4-BE49-F238E27FC236}">
-                <a16:creationId xmlns:a16="http://schemas.microsoft.com/office/drawing/2014/main" id="{049929F2-58C8-4227-B486-AA64CD061AC6}"/>
+                <a16:creationId xmlns:a16="http://schemas.microsoft.com/office/drawing/2014/main" id="{8C462ED5-461E-46BB-B064-267DCF7352B1}"/>
               </a:ext>
             </a:extLst>
           </p:cNvPr>
@@ -15477,8 +22636,8 @@
         </p:nvSpPr>
         <p:spPr>
           <a:xfrm>
-            <a:off x="9578828" y="6324987"/>
-            <a:ext cx="2333537" cy="369332"/>
+            <a:off x="315244" y="4995737"/>
+            <a:ext cx="3009309" cy="646331"/>
           </a:xfrm>
           <a:prstGeom prst="rect">
             <a:avLst/>
@@ -15491,25 +22650,362 @@
           </a:bodyPr>
           <a:lstStyle/>
           <a:p>
-            <a:pPr algn="r"/>
-            <a:r>
-              <a:rPr lang="cs-CZ" dirty="0" err="1">
-                <a:latin typeface="OCR A Extended" panose="02010509020102010303" pitchFamily="50" charset="0"/>
+            <a:pPr algn="ctr"/>
+            <a:r>
+              <a:rPr lang="cs-CZ" b="1" dirty="0"/>
+              <a:t>CNN part #1</a:t>
+            </a:r>
+          </a:p>
+          <a:p>
+            <a:r>
+              <a:rPr lang="cs-CZ" dirty="0"/>
+              <a:t> - </a:t>
+            </a:r>
+            <a:r>
+              <a:rPr lang="cs-CZ" dirty="0" err="1"/>
+              <a:t>first</a:t>
+            </a:r>
+            <a:r>
+              <a:rPr lang="cs-CZ" dirty="0"/>
+              <a:t> 15 </a:t>
+            </a:r>
+            <a:r>
+              <a:rPr lang="cs-CZ" dirty="0" err="1"/>
+              <a:t>layers</a:t>
+            </a:r>
+            <a:r>
+              <a:rPr lang="cs-CZ" dirty="0"/>
+              <a:t> </a:t>
+            </a:r>
+            <a:r>
+              <a:rPr lang="cs-CZ" dirty="0" err="1"/>
+              <a:t>from</a:t>
+            </a:r>
+            <a:r>
+              <a:rPr lang="cs-CZ" dirty="0"/>
+              <a:t> </a:t>
+            </a:r>
+            <a:r>
+              <a:rPr lang="cs-CZ" u="heavy" dirty="0">
+                <a:uFill>
+                  <a:solidFill>
+                    <a:schemeClr val="accent1"/>
+                  </a:solidFill>
+                </a:uFill>
               </a:rPr>
-              <a:t>What</a:t>
-            </a:r>
-            <a:r>
-              <a:rPr lang="cs-CZ" dirty="0">
-                <a:latin typeface="OCR A Extended" panose="02010509020102010303" pitchFamily="50" charset="0"/>
-              </a:rPr>
-              <a:t>?</a:t>
-            </a:r>
-            <a:endParaRPr lang="en-GB" dirty="0">
-              <a:latin typeface="OCR A Extended" panose="02010509020102010303" pitchFamily="50" charset="0"/>
+              <a:t>resnet18</a:t>
+            </a:r>
+            <a:endParaRPr lang="en-GB" u="heavy" dirty="0">
+              <a:uFill>
+                <a:solidFill>
+                  <a:schemeClr val="accent1"/>
+                </a:solidFill>
+              </a:uFill>
             </a:endParaRPr>
           </a:p>
         </p:txBody>
       </p:sp>
+      <p:sp>
+        <p:nvSpPr>
+          <p:cNvPr id="77" name="TextovéPole 76">
+            <a:extLst>
+              <a:ext uri="{FF2B5EF4-FFF2-40B4-BE49-F238E27FC236}">
+                <a16:creationId xmlns:a16="http://schemas.microsoft.com/office/drawing/2014/main" id="{5DD75B31-FD1F-4A6F-B4BB-7C0DDE06BE8C}"/>
+              </a:ext>
+            </a:extLst>
+          </p:cNvPr>
+          <p:cNvSpPr txBox="1"/>
+          <p:nvPr/>
+        </p:nvSpPr>
+        <p:spPr>
+          <a:xfrm>
+            <a:off x="4058934" y="4995737"/>
+            <a:ext cx="3009309" cy="1477328"/>
+          </a:xfrm>
+          <a:prstGeom prst="rect">
+            <a:avLst/>
+          </a:prstGeom>
+          <a:noFill/>
+        </p:spPr>
+        <p:txBody>
+          <a:bodyPr wrap="square" rtlCol="0">
+            <a:spAutoFit/>
+          </a:bodyPr>
+          <a:lstStyle/>
+          <a:p>
+            <a:pPr algn="ctr"/>
+            <a:r>
+              <a:rPr lang="cs-CZ" b="1" dirty="0"/>
+              <a:t>CNN part #2</a:t>
+            </a:r>
+          </a:p>
+          <a:p>
+            <a:pPr marL="285750" indent="-285750">
+              <a:buFontTx/>
+              <a:buChar char="-"/>
+            </a:pPr>
+            <a:r>
+              <a:rPr lang="cs-CZ" u="heavy" dirty="0">
+                <a:uFill>
+                  <a:solidFill>
+                    <a:schemeClr val="accent6">
+                      <a:lumMod val="75000"/>
+                    </a:schemeClr>
+                  </a:solidFill>
+                </a:uFill>
+              </a:rPr>
+              <a:t>Conv2d</a:t>
+            </a:r>
+            <a:r>
+              <a:rPr lang="cs-CZ" dirty="0"/>
+              <a:t> </a:t>
+            </a:r>
+            <a:r>
+              <a:rPr lang="cs-CZ" dirty="0" err="1"/>
+              <a:t>layer</a:t>
+            </a:r>
+            <a:endParaRPr lang="cs-CZ" dirty="0"/>
+          </a:p>
+          <a:p>
+            <a:pPr marL="285750" indent="-285750">
+              <a:buFontTx/>
+              <a:buChar char="-"/>
+            </a:pPr>
+            <a:r>
+              <a:rPr lang="cs-CZ" u="heavy" dirty="0">
+                <a:uFill>
+                  <a:solidFill>
+                    <a:schemeClr val="accent6">
+                      <a:lumMod val="60000"/>
+                      <a:lumOff val="40000"/>
+                    </a:schemeClr>
+                  </a:solidFill>
+                </a:uFill>
+              </a:rPr>
+              <a:t>BatchNorm2d</a:t>
+            </a:r>
+            <a:r>
+              <a:rPr lang="cs-CZ" dirty="0"/>
+              <a:t> </a:t>
+            </a:r>
+            <a:r>
+              <a:rPr lang="cs-CZ" dirty="0" err="1"/>
+              <a:t>layer</a:t>
+            </a:r>
+            <a:endParaRPr lang="cs-CZ" dirty="0"/>
+          </a:p>
+          <a:p>
+            <a:pPr marL="285750" indent="-285750">
+              <a:buFontTx/>
+              <a:buChar char="-"/>
+            </a:pPr>
+            <a:r>
+              <a:rPr lang="cs-CZ" u="heavy" dirty="0" err="1">
+                <a:uFill>
+                  <a:solidFill>
+                    <a:schemeClr val="accent6">
+                      <a:lumMod val="40000"/>
+                      <a:lumOff val="60000"/>
+                    </a:schemeClr>
+                  </a:solidFill>
+                </a:uFill>
+              </a:rPr>
+              <a:t>ReLu</a:t>
+            </a:r>
+            <a:r>
+              <a:rPr lang="cs-CZ" dirty="0"/>
+              <a:t> </a:t>
+            </a:r>
+            <a:r>
+              <a:rPr lang="cs-CZ" dirty="0" err="1"/>
+              <a:t>layer</a:t>
+            </a:r>
+            <a:endParaRPr lang="cs-CZ" dirty="0"/>
+          </a:p>
+          <a:p>
+            <a:pPr marL="285750" indent="-285750">
+              <a:buFontTx/>
+              <a:buChar char="-"/>
+            </a:pPr>
+            <a:r>
+              <a:rPr lang="cs-CZ" u="heavy" dirty="0" err="1">
+                <a:uFill>
+                  <a:solidFill>
+                    <a:schemeClr val="accent6">
+                      <a:lumMod val="20000"/>
+                      <a:lumOff val="80000"/>
+                    </a:schemeClr>
+                  </a:solidFill>
+                </a:uFill>
+              </a:rPr>
+              <a:t>Linear</a:t>
+            </a:r>
+            <a:r>
+              <a:rPr lang="cs-CZ" dirty="0"/>
+              <a:t> </a:t>
+            </a:r>
+            <a:r>
+              <a:rPr lang="cs-CZ" dirty="0" err="1"/>
+              <a:t>layer</a:t>
+            </a:r>
+            <a:endParaRPr lang="en-GB" dirty="0"/>
+          </a:p>
+        </p:txBody>
+      </p:sp>
+      <p:sp>
+        <p:nvSpPr>
+          <p:cNvPr id="78" name="TextovéPole 77">
+            <a:extLst>
+              <a:ext uri="{FF2B5EF4-FFF2-40B4-BE49-F238E27FC236}">
+                <a16:creationId xmlns:a16="http://schemas.microsoft.com/office/drawing/2014/main" id="{DD76087C-0681-49D4-BAEB-B2FD55403BC5}"/>
+              </a:ext>
+            </a:extLst>
+          </p:cNvPr>
+          <p:cNvSpPr txBox="1"/>
+          <p:nvPr/>
+        </p:nvSpPr>
+        <p:spPr>
+          <a:xfrm>
+            <a:off x="8479154" y="4995737"/>
+            <a:ext cx="3009309" cy="1200329"/>
+          </a:xfrm>
+          <a:prstGeom prst="rect">
+            <a:avLst/>
+          </a:prstGeom>
+          <a:noFill/>
+        </p:spPr>
+        <p:txBody>
+          <a:bodyPr wrap="square" rtlCol="0">
+            <a:spAutoFit/>
+          </a:bodyPr>
+          <a:lstStyle/>
+          <a:p>
+            <a:pPr algn="ctr"/>
+            <a:r>
+              <a:rPr lang="cs-CZ" b="1" dirty="0"/>
+              <a:t>RNN</a:t>
+            </a:r>
+          </a:p>
+          <a:p>
+            <a:pPr marL="285750" indent="-285750">
+              <a:buFontTx/>
+              <a:buChar char="-"/>
+            </a:pPr>
+            <a:r>
+              <a:rPr lang="cs-CZ" u="heavy" dirty="0">
+                <a:uFill>
+                  <a:solidFill>
+                    <a:schemeClr val="accent2">
+                      <a:lumMod val="75000"/>
+                    </a:schemeClr>
+                  </a:solidFill>
+                </a:uFill>
+              </a:rPr>
+              <a:t>GRU</a:t>
+            </a:r>
+            <a:r>
+              <a:rPr lang="cs-CZ" dirty="0"/>
+              <a:t> </a:t>
+            </a:r>
+            <a:r>
+              <a:rPr lang="cs-CZ" dirty="0" err="1"/>
+              <a:t>layer</a:t>
+            </a:r>
+            <a:endParaRPr lang="cs-CZ" dirty="0"/>
+          </a:p>
+          <a:p>
+            <a:pPr marL="285750" indent="-285750">
+              <a:buFontTx/>
+              <a:buChar char="-"/>
+            </a:pPr>
+            <a:r>
+              <a:rPr lang="cs-CZ" u="heavy" dirty="0">
+                <a:uFill>
+                  <a:solidFill>
+                    <a:schemeClr val="accent2">
+                      <a:lumMod val="60000"/>
+                      <a:lumOff val="40000"/>
+                    </a:schemeClr>
+                  </a:solidFill>
+                </a:uFill>
+              </a:rPr>
+              <a:t>GRU</a:t>
+            </a:r>
+            <a:r>
+              <a:rPr lang="cs-CZ" i="1" dirty="0"/>
+              <a:t> </a:t>
+            </a:r>
+            <a:r>
+              <a:rPr lang="cs-CZ" dirty="0" err="1"/>
+              <a:t>layer</a:t>
+            </a:r>
+            <a:endParaRPr lang="cs-CZ" dirty="0"/>
+          </a:p>
+          <a:p>
+            <a:pPr marL="285750" indent="-285750">
+              <a:buFontTx/>
+              <a:buChar char="-"/>
+            </a:pPr>
+            <a:r>
+              <a:rPr lang="cs-CZ" u="heavy" dirty="0" err="1">
+                <a:uFill>
+                  <a:solidFill>
+                    <a:schemeClr val="accent2">
+                      <a:lumMod val="40000"/>
+                      <a:lumOff val="60000"/>
+                    </a:schemeClr>
+                  </a:solidFill>
+                </a:uFill>
+              </a:rPr>
+              <a:t>Linear</a:t>
+            </a:r>
+            <a:r>
+              <a:rPr lang="cs-CZ" dirty="0"/>
+              <a:t> </a:t>
+            </a:r>
+            <a:r>
+              <a:rPr lang="cs-CZ" dirty="0" err="1"/>
+              <a:t>layer</a:t>
+            </a:r>
+            <a:endParaRPr lang="en-GB" dirty="0"/>
+          </a:p>
+        </p:txBody>
+      </p:sp>
+      <p:pic>
+        <p:nvPicPr>
+          <p:cNvPr id="82" name="Obrázek 81">
+            <a:extLst>
+              <a:ext uri="{FF2B5EF4-FFF2-40B4-BE49-F238E27FC236}">
+                <a16:creationId xmlns:a16="http://schemas.microsoft.com/office/drawing/2014/main" id="{212A5524-EC88-459A-847B-AACD3E09CE02}"/>
+              </a:ext>
+            </a:extLst>
+          </p:cNvPr>
+          <p:cNvPicPr>
+            <a:picLocks noChangeAspect="1"/>
+          </p:cNvPicPr>
+          <p:nvPr/>
+        </p:nvPicPr>
+        <p:blipFill rotWithShape="1">
+          <a:blip r:embed="rId2">
+            <a:extLst>
+              <a:ext uri="{28A0092B-C50C-407E-A947-70E740481C1C}">
+                <a14:useLocalDpi xmlns:a14="http://schemas.microsoft.com/office/drawing/2010/main" val="0"/>
+              </a:ext>
+            </a:extLst>
+          </a:blip>
+          <a:srcRect t="71911" b="1"/>
+          <a:stretch/>
+        </p:blipFill>
+        <p:spPr>
+          <a:xfrm>
+            <a:off x="8728131" y="-16778"/>
+            <a:ext cx="3389400" cy="978765"/>
+          </a:xfrm>
+          <a:prstGeom prst="rect">
+            <a:avLst/>
+          </a:prstGeom>
+        </p:spPr>
+      </p:pic>
     </p:spTree>
     <p:extLst>
       <p:ext uri="{BB962C8B-B14F-4D97-AF65-F5344CB8AC3E}">

--- a/presentation/Final_presentation_draft.pptx
+++ b/presentation/Final_presentation_draft.pptx
@@ -14,13 +14,14 @@
     <p:sldId id="269" r:id="rId8"/>
     <p:sldId id="270" r:id="rId9"/>
     <p:sldId id="271" r:id="rId10"/>
-    <p:sldId id="272" r:id="rId11"/>
-    <p:sldId id="274" r:id="rId12"/>
-    <p:sldId id="275" r:id="rId13"/>
-    <p:sldId id="276" r:id="rId14"/>
-    <p:sldId id="273" r:id="rId15"/>
-    <p:sldId id="259" r:id="rId16"/>
-    <p:sldId id="277" r:id="rId17"/>
+    <p:sldId id="278" r:id="rId11"/>
+    <p:sldId id="272" r:id="rId12"/>
+    <p:sldId id="274" r:id="rId13"/>
+    <p:sldId id="275" r:id="rId14"/>
+    <p:sldId id="276" r:id="rId15"/>
+    <p:sldId id="273" r:id="rId16"/>
+    <p:sldId id="259" r:id="rId17"/>
+    <p:sldId id="277" r:id="rId18"/>
   </p:sldIdLst>
   <p:sldSz cx="12192000" cy="6858000"/>
   <p:notesSz cx="6858000" cy="9144000"/>
@@ -6142,7 +6143,7 @@
           <a:p>
             <a:fld id="{377FF098-CDFA-4D8A-A977-0D920ED29423}" type="datetimeFigureOut">
               <a:rPr lang="en-GB" smtClean="0"/>
-              <a:t>04/01/2022</a:t>
+              <a:t>05/01/2022</a:t>
             </a:fld>
             <a:endParaRPr lang="en-GB"/>
           </a:p>
@@ -6342,7 +6343,7 @@
           <a:p>
             <a:fld id="{377FF098-CDFA-4D8A-A977-0D920ED29423}" type="datetimeFigureOut">
               <a:rPr lang="en-GB" smtClean="0"/>
-              <a:t>04/01/2022</a:t>
+              <a:t>05/01/2022</a:t>
             </a:fld>
             <a:endParaRPr lang="en-GB"/>
           </a:p>
@@ -6552,7 +6553,7 @@
           <a:p>
             <a:fld id="{377FF098-CDFA-4D8A-A977-0D920ED29423}" type="datetimeFigureOut">
               <a:rPr lang="en-GB" smtClean="0"/>
-              <a:t>04/01/2022</a:t>
+              <a:t>05/01/2022</a:t>
             </a:fld>
             <a:endParaRPr lang="en-GB"/>
           </a:p>
@@ -6752,7 +6753,7 @@
           <a:p>
             <a:fld id="{377FF098-CDFA-4D8A-A977-0D920ED29423}" type="datetimeFigureOut">
               <a:rPr lang="en-GB" smtClean="0"/>
-              <a:t>04/01/2022</a:t>
+              <a:t>05/01/2022</a:t>
             </a:fld>
             <a:endParaRPr lang="en-GB"/>
           </a:p>
@@ -7028,7 +7029,7 @@
           <a:p>
             <a:fld id="{377FF098-CDFA-4D8A-A977-0D920ED29423}" type="datetimeFigureOut">
               <a:rPr lang="en-GB" smtClean="0"/>
-              <a:t>04/01/2022</a:t>
+              <a:t>05/01/2022</a:t>
             </a:fld>
             <a:endParaRPr lang="en-GB"/>
           </a:p>
@@ -7296,7 +7297,7 @@
           <a:p>
             <a:fld id="{377FF098-CDFA-4D8A-A977-0D920ED29423}" type="datetimeFigureOut">
               <a:rPr lang="en-GB" smtClean="0"/>
-              <a:t>04/01/2022</a:t>
+              <a:t>05/01/2022</a:t>
             </a:fld>
             <a:endParaRPr lang="en-GB"/>
           </a:p>
@@ -7711,7 +7712,7 @@
           <a:p>
             <a:fld id="{377FF098-CDFA-4D8A-A977-0D920ED29423}" type="datetimeFigureOut">
               <a:rPr lang="en-GB" smtClean="0"/>
-              <a:t>04/01/2022</a:t>
+              <a:t>05/01/2022</a:t>
             </a:fld>
             <a:endParaRPr lang="en-GB"/>
           </a:p>
@@ -7853,7 +7854,7 @@
           <a:p>
             <a:fld id="{377FF098-CDFA-4D8A-A977-0D920ED29423}" type="datetimeFigureOut">
               <a:rPr lang="en-GB" smtClean="0"/>
-              <a:t>04/01/2022</a:t>
+              <a:t>05/01/2022</a:t>
             </a:fld>
             <a:endParaRPr lang="en-GB"/>
           </a:p>
@@ -7966,7 +7967,7 @@
           <a:p>
             <a:fld id="{377FF098-CDFA-4D8A-A977-0D920ED29423}" type="datetimeFigureOut">
               <a:rPr lang="en-GB" smtClean="0"/>
-              <a:t>04/01/2022</a:t>
+              <a:t>05/01/2022</a:t>
             </a:fld>
             <a:endParaRPr lang="en-GB"/>
           </a:p>
@@ -8279,7 +8280,7 @@
           <a:p>
             <a:fld id="{377FF098-CDFA-4D8A-A977-0D920ED29423}" type="datetimeFigureOut">
               <a:rPr lang="en-GB" smtClean="0"/>
-              <a:t>04/01/2022</a:t>
+              <a:t>05/01/2022</a:t>
             </a:fld>
             <a:endParaRPr lang="en-GB"/>
           </a:p>
@@ -8568,7 +8569,7 @@
           <a:p>
             <a:fld id="{377FF098-CDFA-4D8A-A977-0D920ED29423}" type="datetimeFigureOut">
               <a:rPr lang="en-GB" smtClean="0"/>
-              <a:t>04/01/2022</a:t>
+              <a:t>05/01/2022</a:t>
             </a:fld>
             <a:endParaRPr lang="en-GB"/>
           </a:p>
@@ -8811,7 +8812,7 @@
           <a:p>
             <a:fld id="{377FF098-CDFA-4D8A-A977-0D920ED29423}" type="datetimeFigureOut">
               <a:rPr lang="en-GB" smtClean="0"/>
-              <a:t>04/01/2022</a:t>
+              <a:t>05/01/2022</a:t>
             </a:fld>
             <a:endParaRPr lang="en-GB"/>
           </a:p>
@@ -9604,6 +9605,477 @@
 </file>
 
 <file path=ppt/slides/slide10.xml><?xml version="1.0" encoding="utf-8"?>
+<p:sld xmlns:a="http://schemas.openxmlformats.org/drawingml/2006/main" xmlns:r="http://schemas.openxmlformats.org/officeDocument/2006/relationships" xmlns:p="http://schemas.openxmlformats.org/presentationml/2006/main">
+  <p:cSld>
+    <p:spTree>
+      <p:nvGrpSpPr>
+        <p:cNvPr id="1" name=""/>
+        <p:cNvGrpSpPr/>
+        <p:nvPr/>
+      </p:nvGrpSpPr>
+      <p:grpSpPr>
+        <a:xfrm>
+          <a:off x="0" y="0"/>
+          <a:ext cx="0" cy="0"/>
+          <a:chOff x="0" y="0"/>
+          <a:chExt cx="0" cy="0"/>
+        </a:xfrm>
+      </p:grpSpPr>
+      <p:sp>
+        <p:nvSpPr>
+          <p:cNvPr id="2" name="Nadpis 1">
+            <a:extLst>
+              <a:ext uri="{FF2B5EF4-FFF2-40B4-BE49-F238E27FC236}">
+                <a16:creationId xmlns:a16="http://schemas.microsoft.com/office/drawing/2014/main" id="{507DB7F6-1740-4A8A-99FA-FA8ABE9AC6BF}"/>
+              </a:ext>
+            </a:extLst>
+          </p:cNvPr>
+          <p:cNvSpPr>
+            <a:spLocks noGrp="1"/>
+          </p:cNvSpPr>
+          <p:nvPr>
+            <p:ph type="title"/>
+          </p:nvPr>
+        </p:nvSpPr>
+        <p:spPr/>
+        <p:txBody>
+          <a:bodyPr/>
+          <a:lstStyle/>
+          <a:p>
+            <a:r>
+              <a:rPr lang="cs-CZ" dirty="0">
+                <a:latin typeface="OCR A Extended" panose="02010509020102010303" pitchFamily="50" charset="0"/>
+              </a:rPr>
+              <a:t>G</a:t>
+            </a:r>
+            <a:r>
+              <a:rPr lang="en-US" dirty="0" err="1">
+                <a:latin typeface="OCR A Extended" panose="02010509020102010303" pitchFamily="50" charset="0"/>
+              </a:rPr>
+              <a:t>ated</a:t>
+            </a:r>
+            <a:r>
+              <a:rPr lang="en-US" dirty="0">
+                <a:latin typeface="OCR A Extended" panose="02010509020102010303" pitchFamily="50" charset="0"/>
+              </a:rPr>
+              <a:t> recurrent unit (GRU) RNN</a:t>
+            </a:r>
+            <a:endParaRPr lang="cs-CZ" dirty="0"/>
+          </a:p>
+        </p:txBody>
+      </p:sp>
+      <p:pic>
+        <p:nvPicPr>
+          <p:cNvPr id="5" name="Zástupný obsah 4">
+            <a:extLst>
+              <a:ext uri="{FF2B5EF4-FFF2-40B4-BE49-F238E27FC236}">
+                <a16:creationId xmlns:a16="http://schemas.microsoft.com/office/drawing/2014/main" id="{A9CE9E68-BE3D-4EC0-A214-CDDE5D4F723C}"/>
+              </a:ext>
+            </a:extLst>
+          </p:cNvPr>
+          <p:cNvPicPr>
+            <a:picLocks noGrp="1" noChangeAspect="1"/>
+          </p:cNvPicPr>
+          <p:nvPr>
+            <p:ph idx="1"/>
+          </p:nvPr>
+        </p:nvPicPr>
+        <p:blipFill>
+          <a:blip r:embed="rId2">
+            <a:extLst>
+              <a:ext uri="{28A0092B-C50C-407E-A947-70E740481C1C}">
+                <a14:useLocalDpi xmlns:a14="http://schemas.microsoft.com/office/drawing/2010/main" val="0"/>
+              </a:ext>
+            </a:extLst>
+          </a:blip>
+          <a:stretch>
+            <a:fillRect/>
+          </a:stretch>
+        </p:blipFill>
+        <p:spPr>
+          <a:xfrm>
+            <a:off x="838200" y="1382936"/>
+            <a:ext cx="10515600" cy="3163442"/>
+          </a:xfrm>
+        </p:spPr>
+      </p:pic>
+      <p:sp>
+        <p:nvSpPr>
+          <p:cNvPr id="6" name="Zástupný obsah 2">
+            <a:extLst>
+              <a:ext uri="{FF2B5EF4-FFF2-40B4-BE49-F238E27FC236}">
+                <a16:creationId xmlns:a16="http://schemas.microsoft.com/office/drawing/2014/main" id="{86707543-AB6C-4DC3-BAF8-00B0B8EC7A8E}"/>
+              </a:ext>
+            </a:extLst>
+          </p:cNvPr>
+          <p:cNvSpPr txBox="1">
+            <a:spLocks/>
+          </p:cNvSpPr>
+          <p:nvPr/>
+        </p:nvSpPr>
+        <p:spPr>
+          <a:xfrm>
+            <a:off x="712486" y="4448175"/>
+            <a:ext cx="10767027" cy="1728787"/>
+          </a:xfrm>
+          <a:prstGeom prst="rect">
+            <a:avLst/>
+          </a:prstGeom>
+        </p:spPr>
+        <p:txBody>
+          <a:bodyPr vert="horz" lIns="91440" tIns="45720" rIns="91440" bIns="45720" rtlCol="0">
+            <a:normAutofit/>
+          </a:bodyPr>
+          <a:lstStyle>
+            <a:lvl1pPr marL="228600" indent="-228600" algn="l" defTabSz="914400" rtl="0" eaLnBrk="1" latinLnBrk="0" hangingPunct="1">
+              <a:lnSpc>
+                <a:spcPct val="90000"/>
+              </a:lnSpc>
+              <a:spcBef>
+                <a:spcPts val="1000"/>
+              </a:spcBef>
+              <a:buFont typeface="Arial" panose="020B0604020202020204" pitchFamily="34" charset="0"/>
+              <a:buChar char="•"/>
+              <a:defRPr sz="2800" kern="1200">
+                <a:solidFill>
+                  <a:schemeClr val="tx1"/>
+                </a:solidFill>
+                <a:latin typeface="+mn-lt"/>
+                <a:ea typeface="+mn-ea"/>
+                <a:cs typeface="+mn-cs"/>
+              </a:defRPr>
+            </a:lvl1pPr>
+            <a:lvl2pPr marL="685800" indent="-228600" algn="l" defTabSz="914400" rtl="0" eaLnBrk="1" latinLnBrk="0" hangingPunct="1">
+              <a:lnSpc>
+                <a:spcPct val="90000"/>
+              </a:lnSpc>
+              <a:spcBef>
+                <a:spcPts val="500"/>
+              </a:spcBef>
+              <a:buFont typeface="Arial" panose="020B0604020202020204" pitchFamily="34" charset="0"/>
+              <a:buChar char="•"/>
+              <a:defRPr sz="2400" kern="1200">
+                <a:solidFill>
+                  <a:schemeClr val="tx1"/>
+                </a:solidFill>
+                <a:latin typeface="+mn-lt"/>
+                <a:ea typeface="+mn-ea"/>
+                <a:cs typeface="+mn-cs"/>
+              </a:defRPr>
+            </a:lvl2pPr>
+            <a:lvl3pPr marL="1143000" indent="-228600" algn="l" defTabSz="914400" rtl="0" eaLnBrk="1" latinLnBrk="0" hangingPunct="1">
+              <a:lnSpc>
+                <a:spcPct val="90000"/>
+              </a:lnSpc>
+              <a:spcBef>
+                <a:spcPts val="500"/>
+              </a:spcBef>
+              <a:buFont typeface="Arial" panose="020B0604020202020204" pitchFamily="34" charset="0"/>
+              <a:buChar char="•"/>
+              <a:defRPr sz="2000" kern="1200">
+                <a:solidFill>
+                  <a:schemeClr val="tx1"/>
+                </a:solidFill>
+                <a:latin typeface="+mn-lt"/>
+                <a:ea typeface="+mn-ea"/>
+                <a:cs typeface="+mn-cs"/>
+              </a:defRPr>
+            </a:lvl3pPr>
+            <a:lvl4pPr marL="1600200" indent="-228600" algn="l" defTabSz="914400" rtl="0" eaLnBrk="1" latinLnBrk="0" hangingPunct="1">
+              <a:lnSpc>
+                <a:spcPct val="90000"/>
+              </a:lnSpc>
+              <a:spcBef>
+                <a:spcPts val="500"/>
+              </a:spcBef>
+              <a:buFont typeface="Arial" panose="020B0604020202020204" pitchFamily="34" charset="0"/>
+              <a:buChar char="•"/>
+              <a:defRPr sz="1800" kern="1200">
+                <a:solidFill>
+                  <a:schemeClr val="tx1"/>
+                </a:solidFill>
+                <a:latin typeface="+mn-lt"/>
+                <a:ea typeface="+mn-ea"/>
+                <a:cs typeface="+mn-cs"/>
+              </a:defRPr>
+            </a:lvl4pPr>
+            <a:lvl5pPr marL="2057400" indent="-228600" algn="l" defTabSz="914400" rtl="0" eaLnBrk="1" latinLnBrk="0" hangingPunct="1">
+              <a:lnSpc>
+                <a:spcPct val="90000"/>
+              </a:lnSpc>
+              <a:spcBef>
+                <a:spcPts val="500"/>
+              </a:spcBef>
+              <a:buFont typeface="Arial" panose="020B0604020202020204" pitchFamily="34" charset="0"/>
+              <a:buChar char="•"/>
+              <a:defRPr sz="1800" kern="1200">
+                <a:solidFill>
+                  <a:schemeClr val="tx1"/>
+                </a:solidFill>
+                <a:latin typeface="+mn-lt"/>
+                <a:ea typeface="+mn-ea"/>
+                <a:cs typeface="+mn-cs"/>
+              </a:defRPr>
+            </a:lvl5pPr>
+            <a:lvl6pPr marL="2514600" indent="-228600" algn="l" defTabSz="914400" rtl="0" eaLnBrk="1" latinLnBrk="0" hangingPunct="1">
+              <a:lnSpc>
+                <a:spcPct val="90000"/>
+              </a:lnSpc>
+              <a:spcBef>
+                <a:spcPts val="500"/>
+              </a:spcBef>
+              <a:buFont typeface="Arial" panose="020B0604020202020204" pitchFamily="34" charset="0"/>
+              <a:buChar char="•"/>
+              <a:defRPr sz="1800" kern="1200">
+                <a:solidFill>
+                  <a:schemeClr val="tx1"/>
+                </a:solidFill>
+                <a:latin typeface="+mn-lt"/>
+                <a:ea typeface="+mn-ea"/>
+                <a:cs typeface="+mn-cs"/>
+              </a:defRPr>
+            </a:lvl6pPr>
+            <a:lvl7pPr marL="2971800" indent="-228600" algn="l" defTabSz="914400" rtl="0" eaLnBrk="1" latinLnBrk="0" hangingPunct="1">
+              <a:lnSpc>
+                <a:spcPct val="90000"/>
+              </a:lnSpc>
+              <a:spcBef>
+                <a:spcPts val="500"/>
+              </a:spcBef>
+              <a:buFont typeface="Arial" panose="020B0604020202020204" pitchFamily="34" charset="0"/>
+              <a:buChar char="•"/>
+              <a:defRPr sz="1800" kern="1200">
+                <a:solidFill>
+                  <a:schemeClr val="tx1"/>
+                </a:solidFill>
+                <a:latin typeface="+mn-lt"/>
+                <a:ea typeface="+mn-ea"/>
+                <a:cs typeface="+mn-cs"/>
+              </a:defRPr>
+            </a:lvl7pPr>
+            <a:lvl8pPr marL="3429000" indent="-228600" algn="l" defTabSz="914400" rtl="0" eaLnBrk="1" latinLnBrk="0" hangingPunct="1">
+              <a:lnSpc>
+                <a:spcPct val="90000"/>
+              </a:lnSpc>
+              <a:spcBef>
+                <a:spcPts val="500"/>
+              </a:spcBef>
+              <a:buFont typeface="Arial" panose="020B0604020202020204" pitchFamily="34" charset="0"/>
+              <a:buChar char="•"/>
+              <a:defRPr sz="1800" kern="1200">
+                <a:solidFill>
+                  <a:schemeClr val="tx1"/>
+                </a:solidFill>
+                <a:latin typeface="+mn-lt"/>
+                <a:ea typeface="+mn-ea"/>
+                <a:cs typeface="+mn-cs"/>
+              </a:defRPr>
+            </a:lvl8pPr>
+            <a:lvl9pPr marL="3886200" indent="-228600" algn="l" defTabSz="914400" rtl="0" eaLnBrk="1" latinLnBrk="0" hangingPunct="1">
+              <a:lnSpc>
+                <a:spcPct val="90000"/>
+              </a:lnSpc>
+              <a:spcBef>
+                <a:spcPts val="500"/>
+              </a:spcBef>
+              <a:buFont typeface="Arial" panose="020B0604020202020204" pitchFamily="34" charset="0"/>
+              <a:buChar char="•"/>
+              <a:defRPr sz="1800" kern="1200">
+                <a:solidFill>
+                  <a:schemeClr val="tx1"/>
+                </a:solidFill>
+                <a:latin typeface="+mn-lt"/>
+                <a:ea typeface="+mn-ea"/>
+                <a:cs typeface="+mn-cs"/>
+              </a:defRPr>
+            </a:lvl9pPr>
+          </a:lstStyle>
+          <a:p>
+            <a:pPr marL="0" indent="0" algn="just">
+              <a:lnSpc>
+                <a:spcPct val="150000"/>
+              </a:lnSpc>
+              <a:buNone/>
+            </a:pPr>
+            <a:r>
+              <a:rPr lang="cs-CZ" sz="1800" dirty="0" err="1"/>
+              <a:t>Gating</a:t>
+            </a:r>
+            <a:r>
+              <a:rPr lang="cs-CZ" sz="1800" dirty="0"/>
+              <a:t> </a:t>
+            </a:r>
+            <a:r>
+              <a:rPr lang="cs-CZ" sz="1800" dirty="0" err="1"/>
+              <a:t>mechanism</a:t>
+            </a:r>
+            <a:r>
+              <a:rPr lang="cs-CZ" sz="1800" dirty="0"/>
+              <a:t> in RNN – reset and update </a:t>
+            </a:r>
+            <a:r>
+              <a:rPr lang="cs-CZ" sz="1800" dirty="0" err="1"/>
+              <a:t>gate</a:t>
+            </a:r>
+            <a:r>
+              <a:rPr lang="cs-CZ" sz="1800" dirty="0"/>
+              <a:t>.</a:t>
+            </a:r>
+          </a:p>
+          <a:p>
+            <a:pPr marL="0" indent="0" algn="just">
+              <a:lnSpc>
+                <a:spcPct val="150000"/>
+              </a:lnSpc>
+              <a:buNone/>
+            </a:pPr>
+            <a:r>
+              <a:rPr lang="cs-CZ" sz="1800" dirty="0"/>
+              <a:t>GRU </a:t>
+            </a:r>
+            <a:r>
+              <a:rPr lang="cs-CZ" sz="1800" dirty="0" err="1"/>
+              <a:t>similar</a:t>
+            </a:r>
+            <a:r>
+              <a:rPr lang="cs-CZ" sz="1800" dirty="0"/>
+              <a:t> to LSTM - </a:t>
+            </a:r>
+            <a:r>
+              <a:rPr lang="cs-CZ" sz="1800" dirty="0" err="1"/>
+              <a:t>computationally</a:t>
+            </a:r>
+            <a:r>
+              <a:rPr lang="cs-CZ" sz="1800" dirty="0"/>
+              <a:t> more </a:t>
+            </a:r>
+            <a:r>
+              <a:rPr lang="cs-CZ" sz="1800" dirty="0" err="1"/>
+              <a:t>efficient</a:t>
+            </a:r>
+            <a:r>
+              <a:rPr lang="cs-CZ" sz="1800" dirty="0"/>
+              <a:t>, </a:t>
+            </a:r>
+            <a:r>
+              <a:rPr lang="cs-CZ" sz="1800" dirty="0" err="1"/>
+              <a:t>without</a:t>
+            </a:r>
+            <a:r>
+              <a:rPr lang="cs-CZ" sz="1800" dirty="0"/>
+              <a:t> </a:t>
+            </a:r>
+            <a:r>
+              <a:rPr lang="cs-CZ" sz="1800" dirty="0" err="1"/>
+              <a:t>memory</a:t>
+            </a:r>
+            <a:r>
+              <a:rPr lang="cs-CZ" sz="1800" dirty="0"/>
+              <a:t> unit (no relations </a:t>
+            </a:r>
+            <a:r>
+              <a:rPr lang="cs-CZ" sz="1800" dirty="0" err="1"/>
+              <a:t>between</a:t>
+            </a:r>
+            <a:r>
+              <a:rPr lang="cs-CZ" sz="1800" dirty="0"/>
+              <a:t> </a:t>
+            </a:r>
+            <a:r>
+              <a:rPr lang="cs-CZ" sz="1800" dirty="0" err="1"/>
+              <a:t>symbols</a:t>
+            </a:r>
+            <a:r>
+              <a:rPr lang="cs-CZ" sz="1800" dirty="0"/>
+              <a:t> in CAPTCHA) .</a:t>
+            </a:r>
+            <a:endParaRPr lang="en-GB" sz="2200" dirty="0">
+              <a:latin typeface="OCR A Extended" panose="02010509020102010303" pitchFamily="50" charset="0"/>
+            </a:endParaRPr>
+          </a:p>
+          <a:p>
+            <a:pPr marL="0" indent="0" algn="just">
+              <a:lnSpc>
+                <a:spcPct val="150000"/>
+              </a:lnSpc>
+              <a:buFont typeface="Arial" panose="020B0604020202020204" pitchFamily="34" charset="0"/>
+              <a:buNone/>
+            </a:pPr>
+            <a:endParaRPr lang="cs-CZ" sz="1800" dirty="0"/>
+          </a:p>
+          <a:p>
+            <a:pPr marL="0" indent="0" algn="just">
+              <a:lnSpc>
+                <a:spcPct val="150000"/>
+              </a:lnSpc>
+              <a:buFont typeface="Arial" panose="020B0604020202020204" pitchFamily="34" charset="0"/>
+              <a:buNone/>
+            </a:pPr>
+            <a:endParaRPr lang="en-GB" sz="2200" dirty="0">
+              <a:latin typeface="OCR A Extended" panose="02010509020102010303" pitchFamily="50" charset="0"/>
+            </a:endParaRPr>
+          </a:p>
+          <a:p>
+            <a:pPr marL="0" indent="0">
+              <a:buFont typeface="Arial" panose="020B0604020202020204" pitchFamily="34" charset="0"/>
+              <a:buNone/>
+            </a:pPr>
+            <a:endParaRPr lang="en-GB" sz="2400" dirty="0">
+              <a:latin typeface="OCR A Extended" panose="02010509020102010303" pitchFamily="50" charset="0"/>
+            </a:endParaRPr>
+          </a:p>
+          <a:p>
+            <a:pPr marL="0" indent="0">
+              <a:buFont typeface="Arial" panose="020B0604020202020204" pitchFamily="34" charset="0"/>
+              <a:buNone/>
+            </a:pPr>
+            <a:endParaRPr lang="en-GB" sz="2400" dirty="0">
+              <a:latin typeface="OCR A Extended" panose="02010509020102010303" pitchFamily="50" charset="0"/>
+            </a:endParaRPr>
+          </a:p>
+          <a:p>
+            <a:pPr marL="0" indent="0">
+              <a:buFont typeface="Arial" panose="020B0604020202020204" pitchFamily="34" charset="0"/>
+              <a:buNone/>
+            </a:pPr>
+            <a:endParaRPr lang="en-GB" sz="2400" dirty="0">
+              <a:latin typeface="OCR A Extended" panose="02010509020102010303" pitchFamily="50" charset="0"/>
+            </a:endParaRPr>
+          </a:p>
+          <a:p>
+            <a:pPr marL="0" indent="0">
+              <a:buFont typeface="Arial" panose="020B0604020202020204" pitchFamily="34" charset="0"/>
+              <a:buNone/>
+            </a:pPr>
+            <a:endParaRPr lang="en-GB" sz="2400" dirty="0">
+              <a:latin typeface="OCR A Extended" panose="02010509020102010303" pitchFamily="50" charset="0"/>
+            </a:endParaRPr>
+          </a:p>
+          <a:p>
+            <a:pPr marL="0" indent="0">
+              <a:buFont typeface="Arial" panose="020B0604020202020204" pitchFamily="34" charset="0"/>
+              <a:buNone/>
+            </a:pPr>
+            <a:endParaRPr lang="en-GB" sz="2400" dirty="0">
+              <a:latin typeface="OCR A Extended" panose="02010509020102010303" pitchFamily="50" charset="0"/>
+            </a:endParaRPr>
+          </a:p>
+        </p:txBody>
+      </p:sp>
+    </p:spTree>
+    <p:extLst>
+      <p:ext uri="{BB962C8B-B14F-4D97-AF65-F5344CB8AC3E}">
+        <p14:creationId xmlns:p14="http://schemas.microsoft.com/office/powerpoint/2010/main" val="3101403597"/>
+      </p:ext>
+    </p:extLst>
+  </p:cSld>
+  <p:clrMapOvr>
+    <a:masterClrMapping/>
+  </p:clrMapOvr>
+</p:sld>
+</file>
+
+<file path=ppt/slides/slide11.xml><?xml version="1.0" encoding="utf-8"?>
 <p:sld xmlns:a="http://schemas.openxmlformats.org/drawingml/2006/main" xmlns:r="http://schemas.openxmlformats.org/officeDocument/2006/relationships" xmlns:p="http://schemas.openxmlformats.org/presentationml/2006/main">
   <p:cSld>
     <p:spTree>
@@ -11268,8 +11740,8 @@
           </a:graphicData>
         </a:graphic>
       </p:graphicFrame>
-      <mc:AlternateContent xmlns:mc="http://schemas.openxmlformats.org/markup-compatibility/2006">
-        <mc:Choice xmlns:a14="http://schemas.microsoft.com/office/drawing/2010/main" Requires="a14">
+      <mc:AlternateContent xmlns:mc="http://schemas.openxmlformats.org/markup-compatibility/2006" xmlns:a14="http://schemas.microsoft.com/office/drawing/2010/main">
+        <mc:Choice Requires="a14">
           <p:sp>
             <p:nvSpPr>
               <p:cNvPr id="9" name="TextovéPole 8">
@@ -11316,12 +11788,16 @@
                     <m:f>
                       <m:fPr>
                         <m:ctrlPr>
-                          <a:rPr lang="cs-CZ" i="1" smtClean="0"/>
+                          <a:rPr lang="cs-CZ" i="1" smtClean="0">
+                            <a:latin typeface="Cambria Math" panose="02040503050406030204" pitchFamily="18" charset="0"/>
+                          </a:rPr>
                         </m:ctrlPr>
                       </m:fPr>
                       <m:num>
                         <m:r>
-                          <a:rPr lang="cs-CZ" b="0" i="1" smtClean="0"/>
+                          <a:rPr lang="cs-CZ" b="0" i="1" smtClean="0">
+                            <a:latin typeface="Cambria Math" panose="02040503050406030204" pitchFamily="18" charset="0"/>
+                          </a:rPr>
                           <m:t>2(</m:t>
                         </m:r>
                         <m:d>
@@ -11329,18 +11805,24 @@
                             <m:begChr m:val="|"/>
                             <m:endChr m:val="|"/>
                             <m:ctrlPr>
-                              <a:rPr lang="cs-CZ" b="0" i="1" smtClean="0"/>
+                              <a:rPr lang="cs-CZ" b="0" i="1" smtClean="0">
+                                <a:latin typeface="Cambria Math" panose="02040503050406030204" pitchFamily="18" charset="0"/>
+                              </a:rPr>
                             </m:ctrlPr>
                           </m:dPr>
                           <m:e>
                             <m:r>
-                              <a:rPr lang="cs-CZ" b="0" i="1" smtClean="0"/>
+                              <a:rPr lang="cs-CZ" b="0" i="1" smtClean="0">
+                                <a:latin typeface="Cambria Math" panose="02040503050406030204" pitchFamily="18" charset="0"/>
+                              </a:rPr>
                               <m:t>𝐶𝐴</m:t>
                             </m:r>
                           </m:e>
                         </m:d>
                         <m:r>
-                          <a:rPr lang="cs-CZ" b="0" i="1" smtClean="0"/>
+                          <a:rPr lang="cs-CZ" b="0" i="1" smtClean="0">
+                            <a:latin typeface="Cambria Math" panose="02040503050406030204" pitchFamily="18" charset="0"/>
+                          </a:rPr>
                           <m:t>+</m:t>
                         </m:r>
                         <m:d>
@@ -11348,26 +11830,36 @@
                             <m:begChr m:val="|"/>
                             <m:endChr m:val="|"/>
                             <m:ctrlPr>
-                              <a:rPr lang="cs-CZ" b="0" i="1" smtClean="0"/>
+                              <a:rPr lang="cs-CZ" b="0" i="1" smtClean="0">
+                                <a:latin typeface="Cambria Math" panose="02040503050406030204" pitchFamily="18" charset="0"/>
+                              </a:rPr>
                             </m:ctrlPr>
                           </m:dPr>
                           <m:e>
                             <m:r>
-                              <a:rPr lang="cs-CZ" b="0" i="1" smtClean="0"/>
+                              <a:rPr lang="cs-CZ" b="0" i="1" smtClean="0">
+                                <a:latin typeface="Cambria Math" panose="02040503050406030204" pitchFamily="18" charset="0"/>
+                              </a:rPr>
                               <m:t>𝐶𝐻𝐴</m:t>
                             </m:r>
                           </m:e>
                         </m:d>
                         <m:r>
-                          <a:rPr lang="cs-CZ" b="0" i="1" smtClean="0"/>
+                          <a:rPr lang="cs-CZ" b="0" i="1" smtClean="0">
+                            <a:latin typeface="Cambria Math" panose="02040503050406030204" pitchFamily="18" charset="0"/>
+                          </a:rPr>
                           <m:t>+|</m:t>
                         </m:r>
                         <m:r>
-                          <a:rPr lang="cs-CZ" b="0" i="1" smtClean="0"/>
+                          <a:rPr lang="cs-CZ" b="0" i="1" smtClean="0">
+                            <a:latin typeface="Cambria Math" panose="02040503050406030204" pitchFamily="18" charset="0"/>
+                          </a:rPr>
                           <m:t>𝑃</m:t>
                         </m:r>
                         <m:r>
-                          <a:rPr lang="cs-CZ" b="0" i="1" smtClean="0"/>
+                          <a:rPr lang="cs-CZ" b="0" i="1" smtClean="0">
+                            <a:latin typeface="Cambria Math" panose="02040503050406030204" pitchFamily="18" charset="0"/>
+                          </a:rPr>
                           <m:t>|)</m:t>
                         </m:r>
                       </m:num>
@@ -11377,55 +11869,75 @@
                             <m:begChr m:val="|"/>
                             <m:endChr m:val="|"/>
                             <m:ctrlPr>
-                              <a:rPr lang="cs-CZ" b="0" i="1" smtClean="0"/>
+                              <a:rPr lang="cs-CZ" b="0" i="1" smtClean="0">
+                                <a:latin typeface="Cambria Math" panose="02040503050406030204" pitchFamily="18" charset="0"/>
+                              </a:rPr>
                             </m:ctrlPr>
                           </m:dPr>
                           <m:e>
                             <m:r>
-                              <a:rPr lang="cs-CZ" b="0" i="1" smtClean="0"/>
+                              <a:rPr lang="cs-CZ" b="0" i="1" smtClean="0">
+                                <a:latin typeface="Cambria Math" panose="02040503050406030204" pitchFamily="18" charset="0"/>
+                              </a:rPr>
                               <m:t>𝐶𝐴𝑃𝑇𝐶𝐻𝐴</m:t>
                             </m:r>
                           </m:e>
                         </m:d>
                         <m:r>
-                          <a:rPr lang="cs-CZ" b="0" i="1" smtClean="0"/>
+                          <a:rPr lang="cs-CZ" b="0" i="1" smtClean="0">
+                            <a:latin typeface="Cambria Math" panose="02040503050406030204" pitchFamily="18" charset="0"/>
+                          </a:rPr>
                           <m:t>+|</m:t>
                         </m:r>
                         <m:r>
-                          <a:rPr lang="cs-CZ" b="0" i="1" smtClean="0"/>
+                          <a:rPr lang="cs-CZ" b="0" i="1" smtClean="0">
+                            <a:latin typeface="Cambria Math" panose="02040503050406030204" pitchFamily="18" charset="0"/>
+                          </a:rPr>
                           <m:t>𝐶𝐴𝐼𝑃𝐶𝐻𝐴</m:t>
                         </m:r>
                         <m:r>
-                          <a:rPr lang="cs-CZ" b="0" i="1" smtClean="0"/>
+                          <a:rPr lang="cs-CZ" b="0" i="1" smtClean="0">
+                            <a:latin typeface="Cambria Math" panose="02040503050406030204" pitchFamily="18" charset="0"/>
+                          </a:rPr>
                           <m:t>|</m:t>
                         </m:r>
                       </m:den>
                     </m:f>
                     <m:r>
-                      <a:rPr lang="cs-CZ" b="0" i="1" smtClean="0"/>
+                      <a:rPr lang="cs-CZ" b="0" i="1" smtClean="0">
+                        <a:latin typeface="Cambria Math" panose="02040503050406030204" pitchFamily="18" charset="0"/>
+                      </a:rPr>
                       <m:t>=</m:t>
                     </m:r>
                     <m:f>
                       <m:fPr>
                         <m:ctrlPr>
-                          <a:rPr lang="cs-CZ" b="0" i="1" smtClean="0"/>
+                          <a:rPr lang="cs-CZ" b="0" i="1" smtClean="0">
+                            <a:latin typeface="Cambria Math" panose="02040503050406030204" pitchFamily="18" charset="0"/>
+                          </a:rPr>
                         </m:ctrlPr>
                       </m:fPr>
                       <m:num>
                         <m:r>
-                          <a:rPr lang="cs-CZ" b="0" i="1" smtClean="0"/>
+                          <a:rPr lang="cs-CZ" b="0" i="1" smtClean="0">
+                            <a:latin typeface="Cambria Math" panose="02040503050406030204" pitchFamily="18" charset="0"/>
+                          </a:rPr>
                           <m:t>2(2+3+1)</m:t>
                         </m:r>
                       </m:num>
                       <m:den>
                         <m:r>
-                          <a:rPr lang="cs-CZ" b="0" i="1" smtClean="0"/>
+                          <a:rPr lang="cs-CZ" b="0" i="1" smtClean="0">
+                            <a:latin typeface="Cambria Math" panose="02040503050406030204" pitchFamily="18" charset="0"/>
+                          </a:rPr>
                           <m:t>7+7</m:t>
                         </m:r>
                       </m:den>
                     </m:f>
                     <m:r>
-                      <a:rPr lang="cs-CZ" b="0" i="1" smtClean="0"/>
+                      <a:rPr lang="cs-CZ" b="0" i="1" smtClean="0">
+                        <a:latin typeface="Cambria Math" panose="02040503050406030204" pitchFamily="18" charset="0"/>
+                      </a:rPr>
                       <m:t>=0.85</m:t>
                     </m:r>
                   </m:oMath>
@@ -11435,7 +11947,7 @@
             </p:txBody>
           </p:sp>
         </mc:Choice>
-        <mc:Fallback>
+        <mc:Fallback xmlns="">
           <p:sp>
             <p:nvSpPr>
               <p:cNvPr id="9" name="TextovéPole 8">
@@ -11573,7 +12085,7 @@
 </p:sld>
 </file>
 
-<file path=ppt/slides/slide11.xml><?xml version="1.0" encoding="utf-8"?>
+<file path=ppt/slides/slide12.xml><?xml version="1.0" encoding="utf-8"?>
 <p:sld xmlns:a="http://schemas.openxmlformats.org/drawingml/2006/main" xmlns:r="http://schemas.openxmlformats.org/officeDocument/2006/relationships" xmlns:p="http://schemas.openxmlformats.org/presentationml/2006/main">
   <p:cSld>
     <p:spTree>
@@ -11697,7 +12209,7 @@
             <p:ph idx="1"/>
             <p:extLst>
               <p:ext uri="{D42A27DB-BD31-4B8C-83A1-F6EECF244321}">
-                <p14:modId xmlns:p14="http://schemas.microsoft.com/office/powerpoint/2010/main" val="4014734931"/>
+                <p14:modId xmlns:p14="http://schemas.microsoft.com/office/powerpoint/2010/main" val="139701201"/>
               </p:ext>
             </p:extLst>
           </p:nvPr>
@@ -11911,7 +12423,7 @@
                       <a:pPr algn="ctr"/>
                       <a:r>
                         <a:rPr lang="cs-CZ" dirty="0"/>
-                        <a:t>1.00</a:t>
+                        <a:t>0.97</a:t>
                       </a:r>
                       <a:endParaRPr lang="en-GB" dirty="0"/>
                     </a:p>
@@ -11978,7 +12490,7 @@
                       <a:pPr algn="ctr"/>
                       <a:r>
                         <a:rPr lang="cs-CZ" dirty="0"/>
-                        <a:t>0.91</a:t>
+                        <a:t>0.97</a:t>
                       </a:r>
                       <a:endParaRPr lang="en-GB" dirty="0"/>
                     </a:p>
@@ -12137,7 +12649,7 @@
 </p:sld>
 </file>
 
-<file path=ppt/slides/slide12.xml><?xml version="1.0" encoding="utf-8"?>
+<file path=ppt/slides/slide13.xml><?xml version="1.0" encoding="utf-8"?>
 <p:sld xmlns:a="http://schemas.openxmlformats.org/drawingml/2006/main" xmlns:r="http://schemas.openxmlformats.org/officeDocument/2006/relationships" xmlns:p="http://schemas.openxmlformats.org/presentationml/2006/main">
   <p:cSld>
     <p:spTree>
@@ -12273,7 +12785,7 @@
             <p:ph idx="1"/>
             <p:extLst>
               <p:ext uri="{D42A27DB-BD31-4B8C-83A1-F6EECF244321}">
-                <p14:modId xmlns:p14="http://schemas.microsoft.com/office/powerpoint/2010/main" val="2403843471"/>
+                <p14:modId xmlns:p14="http://schemas.microsoft.com/office/powerpoint/2010/main" val="630994442"/>
               </p:ext>
             </p:extLst>
           </p:nvPr>
@@ -12614,7 +13126,7 @@
                       <a:pPr algn="ctr"/>
                       <a:r>
                         <a:rPr lang="cs-CZ" dirty="0"/>
-                        <a:t>1.00</a:t>
+                        <a:t>0.98</a:t>
                       </a:r>
                       <a:endParaRPr lang="en-GB" dirty="0"/>
                     </a:p>
@@ -12774,7 +13286,7 @@
 </p:sld>
 </file>
 
-<file path=ppt/slides/slide13.xml><?xml version="1.0" encoding="utf-8"?>
+<file path=ppt/slides/slide14.xml><?xml version="1.0" encoding="utf-8"?>
 <p:sld xmlns:a="http://schemas.openxmlformats.org/drawingml/2006/main" xmlns:r="http://schemas.openxmlformats.org/officeDocument/2006/relationships" xmlns:p="http://schemas.openxmlformats.org/presentationml/2006/main">
   <p:cSld>
     <p:bg>
@@ -13309,7 +13821,7 @@
 </p:sld>
 </file>
 
-<file path=ppt/slides/slide14.xml><?xml version="1.0" encoding="utf-8"?>
+<file path=ppt/slides/slide15.xml><?xml version="1.0" encoding="utf-8"?>
 <p:sld xmlns:a="http://schemas.openxmlformats.org/drawingml/2006/main" xmlns:r="http://schemas.openxmlformats.org/officeDocument/2006/relationships" xmlns:p="http://schemas.openxmlformats.org/presentationml/2006/main">
   <p:cSld>
     <p:spTree>
@@ -13924,7 +14436,7 @@
 </p:sld>
 </file>
 
-<file path=ppt/slides/slide15.xml><?xml version="1.0" encoding="utf-8"?>
+<file path=ppt/slides/slide16.xml><?xml version="1.0" encoding="utf-8"?>
 <p:sld xmlns:a="http://schemas.openxmlformats.org/drawingml/2006/main" xmlns:r="http://schemas.openxmlformats.org/officeDocument/2006/relationships" xmlns:p="http://schemas.openxmlformats.org/presentationml/2006/main">
   <p:cSld>
     <p:spTree>
@@ -14756,7 +15268,7 @@
 </p:sld>
 </file>
 
-<file path=ppt/slides/slide16.xml><?xml version="1.0" encoding="utf-8"?>
+<file path=ppt/slides/slide17.xml><?xml version="1.0" encoding="utf-8"?>
 <p:sld xmlns:a="http://schemas.openxmlformats.org/drawingml/2006/main" xmlns:r="http://schemas.openxmlformats.org/officeDocument/2006/relationships" xmlns:p="http://schemas.openxmlformats.org/presentationml/2006/main">
   <p:cSld>
     <p:spTree>

--- a/presentation/Final_presentation_draft.pptx
+++ b/presentation/Final_presentation_draft.pptx
@@ -4,6 +4,9 @@
   <p:sldMasterIdLst>
     <p:sldMasterId id="2147483678" r:id="rId1"/>
   </p:sldMasterIdLst>
+  <p:notesMasterIdLst>
+    <p:notesMasterId r:id="rId20"/>
+  </p:notesMasterIdLst>
   <p:sldIdLst>
     <p:sldId id="256" r:id="rId2"/>
     <p:sldId id="257" r:id="rId3"/>
@@ -22,6 +25,7 @@
     <p:sldId id="273" r:id="rId16"/>
     <p:sldId id="259" r:id="rId17"/>
     <p:sldId id="277" r:id="rId18"/>
+    <p:sldId id="279" r:id="rId19"/>
   </p:sldIdLst>
   <p:sldSz cx="12192000" cy="6858000"/>
   <p:notesSz cx="6858000" cy="9144000"/>
@@ -2015,7 +2019,7 @@
   <dgm:whole/>
   <dgm:extLst>
     <a:ext uri="http://schemas.microsoft.com/office/drawing/2008/diagram">
-      <dsp:dataModelExt xmlns:dsp="http://schemas.microsoft.com/office/drawing/2008/diagram" relId="rId12" minVer="http://schemas.openxmlformats.org/drawingml/2006/diagram"/>
+      <dsp:dataModelExt xmlns:dsp="http://schemas.microsoft.com/office/drawing/2008/diagram" relId="rId13" minVer="http://schemas.openxmlformats.org/drawingml/2006/diagram"/>
     </a:ext>
   </dgm:extLst>
 </dgm:dataModel>
@@ -2528,7 +2532,7 @@
   <dgm:whole/>
   <dgm:extLst>
     <a:ext uri="http://schemas.microsoft.com/office/drawing/2008/diagram">
-      <dsp:dataModelExt xmlns:dsp="http://schemas.microsoft.com/office/drawing/2008/diagram" relId="rId12" minVer="http://schemas.openxmlformats.org/drawingml/2006/diagram"/>
+      <dsp:dataModelExt xmlns:dsp="http://schemas.microsoft.com/office/drawing/2008/diagram" relId="rId13" minVer="http://schemas.openxmlformats.org/drawingml/2006/diagram"/>
     </a:ext>
   </dgm:extLst>
 </dgm:dataModel>
@@ -5994,6 +5998,1768 @@
 </dgm:styleDef>
 </file>
 
+<file path=ppt/notesMasters/notesMaster1.xml><?xml version="1.0" encoding="utf-8"?>
+<p:notesMaster xmlns:a="http://schemas.openxmlformats.org/drawingml/2006/main" xmlns:r="http://schemas.openxmlformats.org/officeDocument/2006/relationships" xmlns:p="http://schemas.openxmlformats.org/presentationml/2006/main">
+  <p:cSld>
+    <p:bg>
+      <p:bgRef idx="1001">
+        <a:schemeClr val="bg1"/>
+      </p:bgRef>
+    </p:bg>
+    <p:spTree>
+      <p:nvGrpSpPr>
+        <p:cNvPr id="1" name=""/>
+        <p:cNvGrpSpPr/>
+        <p:nvPr/>
+      </p:nvGrpSpPr>
+      <p:grpSpPr>
+        <a:xfrm>
+          <a:off x="0" y="0"/>
+          <a:ext cx="0" cy="0"/>
+          <a:chOff x="0" y="0"/>
+          <a:chExt cx="0" cy="0"/>
+        </a:xfrm>
+      </p:grpSpPr>
+      <p:sp>
+        <p:nvSpPr>
+          <p:cNvPr id="2" name="Zástupný symbol pro záhlaví 1"/>
+          <p:cNvSpPr>
+            <a:spLocks noGrp="1"/>
+          </p:cNvSpPr>
+          <p:nvPr>
+            <p:ph type="hdr" sz="quarter"/>
+          </p:nvPr>
+        </p:nvSpPr>
+        <p:spPr>
+          <a:xfrm>
+            <a:off x="0" y="0"/>
+            <a:ext cx="2971800" cy="458788"/>
+          </a:xfrm>
+          <a:prstGeom prst="rect">
+            <a:avLst/>
+          </a:prstGeom>
+        </p:spPr>
+        <p:txBody>
+          <a:bodyPr vert="horz" lIns="91440" tIns="45720" rIns="91440" bIns="45720" rtlCol="0"/>
+          <a:lstStyle>
+            <a:lvl1pPr algn="l">
+              <a:defRPr sz="1200"/>
+            </a:lvl1pPr>
+          </a:lstStyle>
+          <a:p>
+            <a:endParaRPr lang="en-GB"/>
+          </a:p>
+        </p:txBody>
+      </p:sp>
+      <p:sp>
+        <p:nvSpPr>
+          <p:cNvPr id="3" name="Zástupný symbol pro datum 2"/>
+          <p:cNvSpPr>
+            <a:spLocks noGrp="1"/>
+          </p:cNvSpPr>
+          <p:nvPr>
+            <p:ph type="dt" idx="1"/>
+          </p:nvPr>
+        </p:nvSpPr>
+        <p:spPr>
+          <a:xfrm>
+            <a:off x="3884613" y="0"/>
+            <a:ext cx="2971800" cy="458788"/>
+          </a:xfrm>
+          <a:prstGeom prst="rect">
+            <a:avLst/>
+          </a:prstGeom>
+        </p:spPr>
+        <p:txBody>
+          <a:bodyPr vert="horz" lIns="91440" tIns="45720" rIns="91440" bIns="45720" rtlCol="0"/>
+          <a:lstStyle>
+            <a:lvl1pPr algn="r">
+              <a:defRPr sz="1200"/>
+            </a:lvl1pPr>
+          </a:lstStyle>
+          <a:p>
+            <a:fld id="{76D89CEC-03EA-4ED0-AD81-07C5074850AA}" type="datetimeFigureOut">
+              <a:rPr lang="en-GB" smtClean="0"/>
+              <a:t>05/01/2022</a:t>
+            </a:fld>
+            <a:endParaRPr lang="en-GB"/>
+          </a:p>
+        </p:txBody>
+      </p:sp>
+      <p:sp>
+        <p:nvSpPr>
+          <p:cNvPr id="4" name="Zástupný symbol pro obrázek snímku 3"/>
+          <p:cNvSpPr>
+            <a:spLocks noGrp="1" noRot="1" noChangeAspect="1"/>
+          </p:cNvSpPr>
+          <p:nvPr>
+            <p:ph type="sldImg" idx="2"/>
+          </p:nvPr>
+        </p:nvSpPr>
+        <p:spPr>
+          <a:xfrm>
+            <a:off x="685800" y="1143000"/>
+            <a:ext cx="5486400" cy="3086100"/>
+          </a:xfrm>
+          <a:prstGeom prst="rect">
+            <a:avLst/>
+          </a:prstGeom>
+          <a:noFill/>
+          <a:ln w="12700">
+            <a:solidFill>
+              <a:prstClr val="black"/>
+            </a:solidFill>
+          </a:ln>
+        </p:spPr>
+        <p:txBody>
+          <a:bodyPr vert="horz" lIns="91440" tIns="45720" rIns="91440" bIns="45720" rtlCol="0" anchor="ctr"/>
+          <a:lstStyle/>
+          <a:p>
+            <a:endParaRPr lang="en-GB"/>
+          </a:p>
+        </p:txBody>
+      </p:sp>
+      <p:sp>
+        <p:nvSpPr>
+          <p:cNvPr id="5" name="Zástupný symbol pro poznámky 4"/>
+          <p:cNvSpPr>
+            <a:spLocks noGrp="1"/>
+          </p:cNvSpPr>
+          <p:nvPr>
+            <p:ph type="body" sz="quarter" idx="3"/>
+          </p:nvPr>
+        </p:nvSpPr>
+        <p:spPr>
+          <a:xfrm>
+            <a:off x="685800" y="4400550"/>
+            <a:ext cx="5486400" cy="3600450"/>
+          </a:xfrm>
+          <a:prstGeom prst="rect">
+            <a:avLst/>
+          </a:prstGeom>
+        </p:spPr>
+        <p:txBody>
+          <a:bodyPr vert="horz" lIns="91440" tIns="45720" rIns="91440" bIns="45720" rtlCol="0"/>
+          <a:lstStyle/>
+          <a:p>
+            <a:pPr lvl="0"/>
+            <a:r>
+              <a:rPr lang="cs-CZ"/>
+              <a:t>Po kliknutí můžete upravovat styly textu v předloze.</a:t>
+            </a:r>
+          </a:p>
+          <a:p>
+            <a:pPr lvl="1"/>
+            <a:r>
+              <a:rPr lang="cs-CZ"/>
+              <a:t>Druhá úroveň</a:t>
+            </a:r>
+          </a:p>
+          <a:p>
+            <a:pPr lvl="2"/>
+            <a:r>
+              <a:rPr lang="cs-CZ"/>
+              <a:t>Třetí úroveň</a:t>
+            </a:r>
+          </a:p>
+          <a:p>
+            <a:pPr lvl="3"/>
+            <a:r>
+              <a:rPr lang="cs-CZ"/>
+              <a:t>Čtvrtá úroveň</a:t>
+            </a:r>
+          </a:p>
+          <a:p>
+            <a:pPr lvl="4"/>
+            <a:r>
+              <a:rPr lang="cs-CZ"/>
+              <a:t>Pátá úroveň</a:t>
+            </a:r>
+            <a:endParaRPr lang="en-GB"/>
+          </a:p>
+        </p:txBody>
+      </p:sp>
+      <p:sp>
+        <p:nvSpPr>
+          <p:cNvPr id="6" name="Zástupný symbol pro zápatí 5"/>
+          <p:cNvSpPr>
+            <a:spLocks noGrp="1"/>
+          </p:cNvSpPr>
+          <p:nvPr>
+            <p:ph type="ftr" sz="quarter" idx="4"/>
+          </p:nvPr>
+        </p:nvSpPr>
+        <p:spPr>
+          <a:xfrm>
+            <a:off x="0" y="8685213"/>
+            <a:ext cx="2971800" cy="458787"/>
+          </a:xfrm>
+          <a:prstGeom prst="rect">
+            <a:avLst/>
+          </a:prstGeom>
+        </p:spPr>
+        <p:txBody>
+          <a:bodyPr vert="horz" lIns="91440" tIns="45720" rIns="91440" bIns="45720" rtlCol="0" anchor="b"/>
+          <a:lstStyle>
+            <a:lvl1pPr algn="l">
+              <a:defRPr sz="1200"/>
+            </a:lvl1pPr>
+          </a:lstStyle>
+          <a:p>
+            <a:endParaRPr lang="en-GB"/>
+          </a:p>
+        </p:txBody>
+      </p:sp>
+      <p:sp>
+        <p:nvSpPr>
+          <p:cNvPr id="7" name="Zástupný symbol pro číslo snímku 6"/>
+          <p:cNvSpPr>
+            <a:spLocks noGrp="1"/>
+          </p:cNvSpPr>
+          <p:nvPr>
+            <p:ph type="sldNum" sz="quarter" idx="5"/>
+          </p:nvPr>
+        </p:nvSpPr>
+        <p:spPr>
+          <a:xfrm>
+            <a:off x="3884613" y="8685213"/>
+            <a:ext cx="2971800" cy="458787"/>
+          </a:xfrm>
+          <a:prstGeom prst="rect">
+            <a:avLst/>
+          </a:prstGeom>
+        </p:spPr>
+        <p:txBody>
+          <a:bodyPr vert="horz" lIns="91440" tIns="45720" rIns="91440" bIns="45720" rtlCol="0" anchor="b"/>
+          <a:lstStyle>
+            <a:lvl1pPr algn="r">
+              <a:defRPr sz="1200"/>
+            </a:lvl1pPr>
+          </a:lstStyle>
+          <a:p>
+            <a:fld id="{36FA8A25-9A85-4F07-8807-D103CA75A5AD}" type="slidenum">
+              <a:rPr lang="en-GB" smtClean="0"/>
+              <a:t>‹#›</a:t>
+            </a:fld>
+            <a:endParaRPr lang="en-GB"/>
+          </a:p>
+        </p:txBody>
+      </p:sp>
+    </p:spTree>
+    <p:extLst>
+      <p:ext uri="{BB962C8B-B14F-4D97-AF65-F5344CB8AC3E}">
+        <p14:creationId xmlns:p14="http://schemas.microsoft.com/office/powerpoint/2010/main" val="1793364694"/>
+      </p:ext>
+    </p:extLst>
+  </p:cSld>
+  <p:clrMap bg1="lt1" tx1="dk1" bg2="lt2" tx2="dk2" accent1="accent1" accent2="accent2" accent3="accent3" accent4="accent4" accent5="accent5" accent6="accent6" hlink="hlink" folHlink="folHlink"/>
+  <p:notesStyle>
+    <a:lvl1pPr marL="0" algn="l" defTabSz="914400" rtl="0" eaLnBrk="1" latinLnBrk="0" hangingPunct="1">
+      <a:defRPr sz="1200" kern="1200">
+        <a:solidFill>
+          <a:schemeClr val="tx1"/>
+        </a:solidFill>
+        <a:latin typeface="+mn-lt"/>
+        <a:ea typeface="+mn-ea"/>
+        <a:cs typeface="+mn-cs"/>
+      </a:defRPr>
+    </a:lvl1pPr>
+    <a:lvl2pPr marL="457200" algn="l" defTabSz="914400" rtl="0" eaLnBrk="1" latinLnBrk="0" hangingPunct="1">
+      <a:defRPr sz="1200" kern="1200">
+        <a:solidFill>
+          <a:schemeClr val="tx1"/>
+        </a:solidFill>
+        <a:latin typeface="+mn-lt"/>
+        <a:ea typeface="+mn-ea"/>
+        <a:cs typeface="+mn-cs"/>
+      </a:defRPr>
+    </a:lvl2pPr>
+    <a:lvl3pPr marL="914400" algn="l" defTabSz="914400" rtl="0" eaLnBrk="1" latinLnBrk="0" hangingPunct="1">
+      <a:defRPr sz="1200" kern="1200">
+        <a:solidFill>
+          <a:schemeClr val="tx1"/>
+        </a:solidFill>
+        <a:latin typeface="+mn-lt"/>
+        <a:ea typeface="+mn-ea"/>
+        <a:cs typeface="+mn-cs"/>
+      </a:defRPr>
+    </a:lvl3pPr>
+    <a:lvl4pPr marL="1371600" algn="l" defTabSz="914400" rtl="0" eaLnBrk="1" latinLnBrk="0" hangingPunct="1">
+      <a:defRPr sz="1200" kern="1200">
+        <a:solidFill>
+          <a:schemeClr val="tx1"/>
+        </a:solidFill>
+        <a:latin typeface="+mn-lt"/>
+        <a:ea typeface="+mn-ea"/>
+        <a:cs typeface="+mn-cs"/>
+      </a:defRPr>
+    </a:lvl4pPr>
+    <a:lvl5pPr marL="1828800" algn="l" defTabSz="914400" rtl="0" eaLnBrk="1" latinLnBrk="0" hangingPunct="1">
+      <a:defRPr sz="1200" kern="1200">
+        <a:solidFill>
+          <a:schemeClr val="tx1"/>
+        </a:solidFill>
+        <a:latin typeface="+mn-lt"/>
+        <a:ea typeface="+mn-ea"/>
+        <a:cs typeface="+mn-cs"/>
+      </a:defRPr>
+    </a:lvl5pPr>
+    <a:lvl6pPr marL="2286000" algn="l" defTabSz="914400" rtl="0" eaLnBrk="1" latinLnBrk="0" hangingPunct="1">
+      <a:defRPr sz="1200" kern="1200">
+        <a:solidFill>
+          <a:schemeClr val="tx1"/>
+        </a:solidFill>
+        <a:latin typeface="+mn-lt"/>
+        <a:ea typeface="+mn-ea"/>
+        <a:cs typeface="+mn-cs"/>
+      </a:defRPr>
+    </a:lvl6pPr>
+    <a:lvl7pPr marL="2743200" algn="l" defTabSz="914400" rtl="0" eaLnBrk="1" latinLnBrk="0" hangingPunct="1">
+      <a:defRPr sz="1200" kern="1200">
+        <a:solidFill>
+          <a:schemeClr val="tx1"/>
+        </a:solidFill>
+        <a:latin typeface="+mn-lt"/>
+        <a:ea typeface="+mn-ea"/>
+        <a:cs typeface="+mn-cs"/>
+      </a:defRPr>
+    </a:lvl7pPr>
+    <a:lvl8pPr marL="3200400" algn="l" defTabSz="914400" rtl="0" eaLnBrk="1" latinLnBrk="0" hangingPunct="1">
+      <a:defRPr sz="1200" kern="1200">
+        <a:solidFill>
+          <a:schemeClr val="tx1"/>
+        </a:solidFill>
+        <a:latin typeface="+mn-lt"/>
+        <a:ea typeface="+mn-ea"/>
+        <a:cs typeface="+mn-cs"/>
+      </a:defRPr>
+    </a:lvl8pPr>
+    <a:lvl9pPr marL="3657600" algn="l" defTabSz="914400" rtl="0" eaLnBrk="1" latinLnBrk="0" hangingPunct="1">
+      <a:defRPr sz="1200" kern="1200">
+        <a:solidFill>
+          <a:schemeClr val="tx1"/>
+        </a:solidFill>
+        <a:latin typeface="+mn-lt"/>
+        <a:ea typeface="+mn-ea"/>
+        <a:cs typeface="+mn-cs"/>
+      </a:defRPr>
+    </a:lvl9pPr>
+  </p:notesStyle>
+</p:notesMaster>
+</file>
+
+<file path=ppt/notesSlides/notesSlide1.xml><?xml version="1.0" encoding="utf-8"?>
+<p:notes xmlns:a="http://schemas.openxmlformats.org/drawingml/2006/main" xmlns:r="http://schemas.openxmlformats.org/officeDocument/2006/relationships" xmlns:p="http://schemas.openxmlformats.org/presentationml/2006/main">
+  <p:cSld>
+    <p:spTree>
+      <p:nvGrpSpPr>
+        <p:cNvPr id="1" name=""/>
+        <p:cNvGrpSpPr/>
+        <p:nvPr/>
+      </p:nvGrpSpPr>
+      <p:grpSpPr>
+        <a:xfrm>
+          <a:off x="0" y="0"/>
+          <a:ext cx="0" cy="0"/>
+          <a:chOff x="0" y="0"/>
+          <a:chExt cx="0" cy="0"/>
+        </a:xfrm>
+      </p:grpSpPr>
+      <p:sp>
+        <p:nvSpPr>
+          <p:cNvPr id="2" name="Zástupný symbol pro obrázek snímku 1"/>
+          <p:cNvSpPr>
+            <a:spLocks noGrp="1" noRot="1" noChangeAspect="1"/>
+          </p:cNvSpPr>
+          <p:nvPr>
+            <p:ph type="sldImg"/>
+          </p:nvPr>
+        </p:nvSpPr>
+        <p:spPr/>
+      </p:sp>
+      <p:sp>
+        <p:nvSpPr>
+          <p:cNvPr id="3" name="Zástupný symbol pro poznámky 2"/>
+          <p:cNvSpPr>
+            <a:spLocks noGrp="1"/>
+          </p:cNvSpPr>
+          <p:nvPr>
+            <p:ph type="body" idx="1"/>
+          </p:nvPr>
+        </p:nvSpPr>
+        <p:spPr/>
+        <p:txBody>
+          <a:bodyPr/>
+          <a:lstStyle/>
+          <a:p>
+            <a:r>
+              <a:rPr lang="cs-CZ" dirty="0"/>
+              <a:t>A</a:t>
+            </a:r>
+            <a:endParaRPr lang="en-GB" dirty="0"/>
+          </a:p>
+        </p:txBody>
+      </p:sp>
+      <p:sp>
+        <p:nvSpPr>
+          <p:cNvPr id="4" name="Zástupný symbol pro číslo snímku 3"/>
+          <p:cNvSpPr>
+            <a:spLocks noGrp="1"/>
+          </p:cNvSpPr>
+          <p:nvPr>
+            <p:ph type="sldNum" sz="quarter" idx="5"/>
+          </p:nvPr>
+        </p:nvSpPr>
+        <p:spPr/>
+        <p:txBody>
+          <a:bodyPr/>
+          <a:lstStyle/>
+          <a:p>
+            <a:fld id="{36FA8A25-9A85-4F07-8807-D103CA75A5AD}" type="slidenum">
+              <a:rPr lang="en-GB" smtClean="0"/>
+              <a:t>1</a:t>
+            </a:fld>
+            <a:endParaRPr lang="en-GB"/>
+          </a:p>
+        </p:txBody>
+      </p:sp>
+    </p:spTree>
+    <p:extLst>
+      <p:ext uri="{BB962C8B-B14F-4D97-AF65-F5344CB8AC3E}">
+        <p14:creationId xmlns:p14="http://schemas.microsoft.com/office/powerpoint/2010/main" val="2034041174"/>
+      </p:ext>
+    </p:extLst>
+  </p:cSld>
+  <p:clrMapOvr>
+    <a:masterClrMapping/>
+  </p:clrMapOvr>
+</p:notes>
+</file>
+
+<file path=ppt/notesSlides/notesSlide10.xml><?xml version="1.0" encoding="utf-8"?>
+<p:notes xmlns:a="http://schemas.openxmlformats.org/drawingml/2006/main" xmlns:r="http://schemas.openxmlformats.org/officeDocument/2006/relationships" xmlns:p="http://schemas.openxmlformats.org/presentationml/2006/main">
+  <p:cSld>
+    <p:spTree>
+      <p:nvGrpSpPr>
+        <p:cNvPr id="1" name=""/>
+        <p:cNvGrpSpPr/>
+        <p:nvPr/>
+      </p:nvGrpSpPr>
+      <p:grpSpPr>
+        <a:xfrm>
+          <a:off x="0" y="0"/>
+          <a:ext cx="0" cy="0"/>
+          <a:chOff x="0" y="0"/>
+          <a:chExt cx="0" cy="0"/>
+        </a:xfrm>
+      </p:grpSpPr>
+      <p:sp>
+        <p:nvSpPr>
+          <p:cNvPr id="2" name="Zástupný symbol pro obrázek snímku 1"/>
+          <p:cNvSpPr>
+            <a:spLocks noGrp="1" noRot="1" noChangeAspect="1"/>
+          </p:cNvSpPr>
+          <p:nvPr>
+            <p:ph type="sldImg"/>
+          </p:nvPr>
+        </p:nvSpPr>
+        <p:spPr/>
+      </p:sp>
+      <p:sp>
+        <p:nvSpPr>
+          <p:cNvPr id="3" name="Zástupný symbol pro poznámky 2"/>
+          <p:cNvSpPr>
+            <a:spLocks noGrp="1"/>
+          </p:cNvSpPr>
+          <p:nvPr>
+            <p:ph type="body" idx="1"/>
+          </p:nvPr>
+        </p:nvSpPr>
+        <p:spPr/>
+        <p:txBody>
+          <a:bodyPr/>
+          <a:lstStyle/>
+          <a:p>
+            <a:r>
+              <a:rPr lang="cs-CZ" dirty="0"/>
+              <a:t>A+E</a:t>
+            </a:r>
+            <a:endParaRPr lang="en-GB" dirty="0"/>
+          </a:p>
+        </p:txBody>
+      </p:sp>
+      <p:sp>
+        <p:nvSpPr>
+          <p:cNvPr id="4" name="Zástupný symbol pro číslo snímku 3"/>
+          <p:cNvSpPr>
+            <a:spLocks noGrp="1"/>
+          </p:cNvSpPr>
+          <p:nvPr>
+            <p:ph type="sldNum" sz="quarter" idx="5"/>
+          </p:nvPr>
+        </p:nvSpPr>
+        <p:spPr/>
+        <p:txBody>
+          <a:bodyPr/>
+          <a:lstStyle/>
+          <a:p>
+            <a:fld id="{36FA8A25-9A85-4F07-8807-D103CA75A5AD}" type="slidenum">
+              <a:rPr lang="en-GB" smtClean="0"/>
+              <a:t>10</a:t>
+            </a:fld>
+            <a:endParaRPr lang="en-GB"/>
+          </a:p>
+        </p:txBody>
+      </p:sp>
+    </p:spTree>
+    <p:extLst>
+      <p:ext uri="{BB962C8B-B14F-4D97-AF65-F5344CB8AC3E}">
+        <p14:creationId xmlns:p14="http://schemas.microsoft.com/office/powerpoint/2010/main" val="234175879"/>
+      </p:ext>
+    </p:extLst>
+  </p:cSld>
+  <p:clrMapOvr>
+    <a:masterClrMapping/>
+  </p:clrMapOvr>
+</p:notes>
+</file>
+
+<file path=ppt/notesSlides/notesSlide11.xml><?xml version="1.0" encoding="utf-8"?>
+<p:notes xmlns:a="http://schemas.openxmlformats.org/drawingml/2006/main" xmlns:r="http://schemas.openxmlformats.org/officeDocument/2006/relationships" xmlns:p="http://schemas.openxmlformats.org/presentationml/2006/main">
+  <p:cSld>
+    <p:spTree>
+      <p:nvGrpSpPr>
+        <p:cNvPr id="1" name=""/>
+        <p:cNvGrpSpPr/>
+        <p:nvPr/>
+      </p:nvGrpSpPr>
+      <p:grpSpPr>
+        <a:xfrm>
+          <a:off x="0" y="0"/>
+          <a:ext cx="0" cy="0"/>
+          <a:chOff x="0" y="0"/>
+          <a:chExt cx="0" cy="0"/>
+        </a:xfrm>
+      </p:grpSpPr>
+      <p:sp>
+        <p:nvSpPr>
+          <p:cNvPr id="2" name="Zástupný symbol pro obrázek snímku 1"/>
+          <p:cNvSpPr>
+            <a:spLocks noGrp="1" noRot="1" noChangeAspect="1"/>
+          </p:cNvSpPr>
+          <p:nvPr>
+            <p:ph type="sldImg"/>
+          </p:nvPr>
+        </p:nvSpPr>
+        <p:spPr/>
+      </p:sp>
+      <p:sp>
+        <p:nvSpPr>
+          <p:cNvPr id="3" name="Zástupný symbol pro poznámky 2"/>
+          <p:cNvSpPr>
+            <a:spLocks noGrp="1"/>
+          </p:cNvSpPr>
+          <p:nvPr>
+            <p:ph type="body" idx="1"/>
+          </p:nvPr>
+        </p:nvSpPr>
+        <p:spPr/>
+        <p:txBody>
+          <a:bodyPr/>
+          <a:lstStyle/>
+          <a:p>
+            <a:r>
+              <a:rPr lang="cs-CZ" dirty="0"/>
+              <a:t>A</a:t>
+            </a:r>
+            <a:endParaRPr lang="en-GB" dirty="0"/>
+          </a:p>
+        </p:txBody>
+      </p:sp>
+      <p:sp>
+        <p:nvSpPr>
+          <p:cNvPr id="4" name="Zástupný symbol pro číslo snímku 3"/>
+          <p:cNvSpPr>
+            <a:spLocks noGrp="1"/>
+          </p:cNvSpPr>
+          <p:nvPr>
+            <p:ph type="sldNum" sz="quarter" idx="5"/>
+          </p:nvPr>
+        </p:nvSpPr>
+        <p:spPr/>
+        <p:txBody>
+          <a:bodyPr/>
+          <a:lstStyle/>
+          <a:p>
+            <a:fld id="{36FA8A25-9A85-4F07-8807-D103CA75A5AD}" type="slidenum">
+              <a:rPr lang="en-GB" smtClean="0"/>
+              <a:t>11</a:t>
+            </a:fld>
+            <a:endParaRPr lang="en-GB"/>
+          </a:p>
+        </p:txBody>
+      </p:sp>
+    </p:spTree>
+    <p:extLst>
+      <p:ext uri="{BB962C8B-B14F-4D97-AF65-F5344CB8AC3E}">
+        <p14:creationId xmlns:p14="http://schemas.microsoft.com/office/powerpoint/2010/main" val="4118128949"/>
+      </p:ext>
+    </p:extLst>
+  </p:cSld>
+  <p:clrMapOvr>
+    <a:masterClrMapping/>
+  </p:clrMapOvr>
+</p:notes>
+</file>
+
+<file path=ppt/notesSlides/notesSlide12.xml><?xml version="1.0" encoding="utf-8"?>
+<p:notes xmlns:a="http://schemas.openxmlformats.org/drawingml/2006/main" xmlns:r="http://schemas.openxmlformats.org/officeDocument/2006/relationships" xmlns:p="http://schemas.openxmlformats.org/presentationml/2006/main">
+  <p:cSld>
+    <p:spTree>
+      <p:nvGrpSpPr>
+        <p:cNvPr id="1" name=""/>
+        <p:cNvGrpSpPr/>
+        <p:nvPr/>
+      </p:nvGrpSpPr>
+      <p:grpSpPr>
+        <a:xfrm>
+          <a:off x="0" y="0"/>
+          <a:ext cx="0" cy="0"/>
+          <a:chOff x="0" y="0"/>
+          <a:chExt cx="0" cy="0"/>
+        </a:xfrm>
+      </p:grpSpPr>
+      <p:sp>
+        <p:nvSpPr>
+          <p:cNvPr id="2" name="Zástupný symbol pro obrázek snímku 1"/>
+          <p:cNvSpPr>
+            <a:spLocks noGrp="1" noRot="1" noChangeAspect="1"/>
+          </p:cNvSpPr>
+          <p:nvPr>
+            <p:ph type="sldImg"/>
+          </p:nvPr>
+        </p:nvSpPr>
+        <p:spPr/>
+      </p:sp>
+      <p:sp>
+        <p:nvSpPr>
+          <p:cNvPr id="3" name="Zástupný symbol pro poznámky 2"/>
+          <p:cNvSpPr>
+            <a:spLocks noGrp="1"/>
+          </p:cNvSpPr>
+          <p:nvPr>
+            <p:ph type="body" idx="1"/>
+          </p:nvPr>
+        </p:nvSpPr>
+        <p:spPr/>
+        <p:txBody>
+          <a:bodyPr/>
+          <a:lstStyle/>
+          <a:p>
+            <a:r>
+              <a:rPr lang="cs-CZ" dirty="0"/>
+              <a:t>E</a:t>
+            </a:r>
+            <a:endParaRPr lang="en-GB" dirty="0"/>
+          </a:p>
+        </p:txBody>
+      </p:sp>
+      <p:sp>
+        <p:nvSpPr>
+          <p:cNvPr id="4" name="Zástupný symbol pro číslo snímku 3"/>
+          <p:cNvSpPr>
+            <a:spLocks noGrp="1"/>
+          </p:cNvSpPr>
+          <p:nvPr>
+            <p:ph type="sldNum" sz="quarter" idx="5"/>
+          </p:nvPr>
+        </p:nvSpPr>
+        <p:spPr/>
+        <p:txBody>
+          <a:bodyPr/>
+          <a:lstStyle/>
+          <a:p>
+            <a:fld id="{36FA8A25-9A85-4F07-8807-D103CA75A5AD}" type="slidenum">
+              <a:rPr lang="en-GB" smtClean="0"/>
+              <a:t>12</a:t>
+            </a:fld>
+            <a:endParaRPr lang="en-GB"/>
+          </a:p>
+        </p:txBody>
+      </p:sp>
+    </p:spTree>
+    <p:extLst>
+      <p:ext uri="{BB962C8B-B14F-4D97-AF65-F5344CB8AC3E}">
+        <p14:creationId xmlns:p14="http://schemas.microsoft.com/office/powerpoint/2010/main" val="2897570079"/>
+      </p:ext>
+    </p:extLst>
+  </p:cSld>
+  <p:clrMapOvr>
+    <a:masterClrMapping/>
+  </p:clrMapOvr>
+</p:notes>
+</file>
+
+<file path=ppt/notesSlides/notesSlide13.xml><?xml version="1.0" encoding="utf-8"?>
+<p:notes xmlns:a="http://schemas.openxmlformats.org/drawingml/2006/main" xmlns:r="http://schemas.openxmlformats.org/officeDocument/2006/relationships" xmlns:p="http://schemas.openxmlformats.org/presentationml/2006/main">
+  <p:cSld>
+    <p:spTree>
+      <p:nvGrpSpPr>
+        <p:cNvPr id="1" name=""/>
+        <p:cNvGrpSpPr/>
+        <p:nvPr/>
+      </p:nvGrpSpPr>
+      <p:grpSpPr>
+        <a:xfrm>
+          <a:off x="0" y="0"/>
+          <a:ext cx="0" cy="0"/>
+          <a:chOff x="0" y="0"/>
+          <a:chExt cx="0" cy="0"/>
+        </a:xfrm>
+      </p:grpSpPr>
+      <p:sp>
+        <p:nvSpPr>
+          <p:cNvPr id="2" name="Zástupný symbol pro obrázek snímku 1"/>
+          <p:cNvSpPr>
+            <a:spLocks noGrp="1" noRot="1" noChangeAspect="1"/>
+          </p:cNvSpPr>
+          <p:nvPr>
+            <p:ph type="sldImg"/>
+          </p:nvPr>
+        </p:nvSpPr>
+        <p:spPr/>
+      </p:sp>
+      <p:sp>
+        <p:nvSpPr>
+          <p:cNvPr id="3" name="Zástupný symbol pro poznámky 2"/>
+          <p:cNvSpPr>
+            <a:spLocks noGrp="1"/>
+          </p:cNvSpPr>
+          <p:nvPr>
+            <p:ph type="body" idx="1"/>
+          </p:nvPr>
+        </p:nvSpPr>
+        <p:spPr/>
+        <p:txBody>
+          <a:bodyPr/>
+          <a:lstStyle/>
+          <a:p>
+            <a:r>
+              <a:rPr lang="cs-CZ" dirty="0"/>
+              <a:t>E</a:t>
+            </a:r>
+            <a:endParaRPr lang="en-GB" dirty="0"/>
+          </a:p>
+        </p:txBody>
+      </p:sp>
+      <p:sp>
+        <p:nvSpPr>
+          <p:cNvPr id="4" name="Zástupný symbol pro číslo snímku 3"/>
+          <p:cNvSpPr>
+            <a:spLocks noGrp="1"/>
+          </p:cNvSpPr>
+          <p:nvPr>
+            <p:ph type="sldNum" sz="quarter" idx="5"/>
+          </p:nvPr>
+        </p:nvSpPr>
+        <p:spPr/>
+        <p:txBody>
+          <a:bodyPr/>
+          <a:lstStyle/>
+          <a:p>
+            <a:fld id="{36FA8A25-9A85-4F07-8807-D103CA75A5AD}" type="slidenum">
+              <a:rPr lang="en-GB" smtClean="0"/>
+              <a:t>13</a:t>
+            </a:fld>
+            <a:endParaRPr lang="en-GB"/>
+          </a:p>
+        </p:txBody>
+      </p:sp>
+    </p:spTree>
+    <p:extLst>
+      <p:ext uri="{BB962C8B-B14F-4D97-AF65-F5344CB8AC3E}">
+        <p14:creationId xmlns:p14="http://schemas.microsoft.com/office/powerpoint/2010/main" val="1956781822"/>
+      </p:ext>
+    </p:extLst>
+  </p:cSld>
+  <p:clrMapOvr>
+    <a:masterClrMapping/>
+  </p:clrMapOvr>
+</p:notes>
+</file>
+
+<file path=ppt/notesSlides/notesSlide14.xml><?xml version="1.0" encoding="utf-8"?>
+<p:notes xmlns:a="http://schemas.openxmlformats.org/drawingml/2006/main" xmlns:r="http://schemas.openxmlformats.org/officeDocument/2006/relationships" xmlns:p="http://schemas.openxmlformats.org/presentationml/2006/main">
+  <p:cSld>
+    <p:spTree>
+      <p:nvGrpSpPr>
+        <p:cNvPr id="1" name=""/>
+        <p:cNvGrpSpPr/>
+        <p:nvPr/>
+      </p:nvGrpSpPr>
+      <p:grpSpPr>
+        <a:xfrm>
+          <a:off x="0" y="0"/>
+          <a:ext cx="0" cy="0"/>
+          <a:chOff x="0" y="0"/>
+          <a:chExt cx="0" cy="0"/>
+        </a:xfrm>
+      </p:grpSpPr>
+      <p:sp>
+        <p:nvSpPr>
+          <p:cNvPr id="2" name="Zástupný symbol pro obrázek snímku 1"/>
+          <p:cNvSpPr>
+            <a:spLocks noGrp="1" noRot="1" noChangeAspect="1"/>
+          </p:cNvSpPr>
+          <p:nvPr>
+            <p:ph type="sldImg"/>
+          </p:nvPr>
+        </p:nvSpPr>
+        <p:spPr/>
+      </p:sp>
+      <p:sp>
+        <p:nvSpPr>
+          <p:cNvPr id="3" name="Zástupný symbol pro poznámky 2"/>
+          <p:cNvSpPr>
+            <a:spLocks noGrp="1"/>
+          </p:cNvSpPr>
+          <p:nvPr>
+            <p:ph type="body" idx="1"/>
+          </p:nvPr>
+        </p:nvSpPr>
+        <p:spPr/>
+        <p:txBody>
+          <a:bodyPr/>
+          <a:lstStyle/>
+          <a:p>
+            <a:r>
+              <a:rPr lang="cs-CZ" dirty="0"/>
+              <a:t>E</a:t>
+            </a:r>
+            <a:endParaRPr lang="en-GB" dirty="0"/>
+          </a:p>
+        </p:txBody>
+      </p:sp>
+      <p:sp>
+        <p:nvSpPr>
+          <p:cNvPr id="4" name="Zástupný symbol pro číslo snímku 3"/>
+          <p:cNvSpPr>
+            <a:spLocks noGrp="1"/>
+          </p:cNvSpPr>
+          <p:nvPr>
+            <p:ph type="sldNum" sz="quarter" idx="5"/>
+          </p:nvPr>
+        </p:nvSpPr>
+        <p:spPr/>
+        <p:txBody>
+          <a:bodyPr/>
+          <a:lstStyle/>
+          <a:p>
+            <a:fld id="{36FA8A25-9A85-4F07-8807-D103CA75A5AD}" type="slidenum">
+              <a:rPr lang="en-GB" smtClean="0"/>
+              <a:t>14</a:t>
+            </a:fld>
+            <a:endParaRPr lang="en-GB"/>
+          </a:p>
+        </p:txBody>
+      </p:sp>
+    </p:spTree>
+    <p:extLst>
+      <p:ext uri="{BB962C8B-B14F-4D97-AF65-F5344CB8AC3E}">
+        <p14:creationId xmlns:p14="http://schemas.microsoft.com/office/powerpoint/2010/main" val="2653740"/>
+      </p:ext>
+    </p:extLst>
+  </p:cSld>
+  <p:clrMapOvr>
+    <a:masterClrMapping/>
+  </p:clrMapOvr>
+</p:notes>
+</file>
+
+<file path=ppt/notesSlides/notesSlide15.xml><?xml version="1.0" encoding="utf-8"?>
+<p:notes xmlns:a="http://schemas.openxmlformats.org/drawingml/2006/main" xmlns:r="http://schemas.openxmlformats.org/officeDocument/2006/relationships" xmlns:p="http://schemas.openxmlformats.org/presentationml/2006/main">
+  <p:cSld>
+    <p:spTree>
+      <p:nvGrpSpPr>
+        <p:cNvPr id="1" name=""/>
+        <p:cNvGrpSpPr/>
+        <p:nvPr/>
+      </p:nvGrpSpPr>
+      <p:grpSpPr>
+        <a:xfrm>
+          <a:off x="0" y="0"/>
+          <a:ext cx="0" cy="0"/>
+          <a:chOff x="0" y="0"/>
+          <a:chExt cx="0" cy="0"/>
+        </a:xfrm>
+      </p:grpSpPr>
+      <p:sp>
+        <p:nvSpPr>
+          <p:cNvPr id="2" name="Zástupný symbol pro obrázek snímku 1"/>
+          <p:cNvSpPr>
+            <a:spLocks noGrp="1" noRot="1" noChangeAspect="1"/>
+          </p:cNvSpPr>
+          <p:nvPr>
+            <p:ph type="sldImg"/>
+          </p:nvPr>
+        </p:nvSpPr>
+        <p:spPr/>
+      </p:sp>
+      <p:sp>
+        <p:nvSpPr>
+          <p:cNvPr id="3" name="Zástupný symbol pro poznámky 2"/>
+          <p:cNvSpPr>
+            <a:spLocks noGrp="1"/>
+          </p:cNvSpPr>
+          <p:nvPr>
+            <p:ph type="body" idx="1"/>
+          </p:nvPr>
+        </p:nvSpPr>
+        <p:spPr/>
+        <p:txBody>
+          <a:bodyPr/>
+          <a:lstStyle/>
+          <a:p>
+            <a:r>
+              <a:rPr lang="cs-CZ" dirty="0"/>
+              <a:t>E</a:t>
+            </a:r>
+            <a:endParaRPr lang="en-GB" dirty="0"/>
+          </a:p>
+        </p:txBody>
+      </p:sp>
+      <p:sp>
+        <p:nvSpPr>
+          <p:cNvPr id="4" name="Zástupný symbol pro číslo snímku 3"/>
+          <p:cNvSpPr>
+            <a:spLocks noGrp="1"/>
+          </p:cNvSpPr>
+          <p:nvPr>
+            <p:ph type="sldNum" sz="quarter" idx="5"/>
+          </p:nvPr>
+        </p:nvSpPr>
+        <p:spPr/>
+        <p:txBody>
+          <a:bodyPr/>
+          <a:lstStyle/>
+          <a:p>
+            <a:fld id="{36FA8A25-9A85-4F07-8807-D103CA75A5AD}" type="slidenum">
+              <a:rPr lang="en-GB" smtClean="0"/>
+              <a:t>15</a:t>
+            </a:fld>
+            <a:endParaRPr lang="en-GB"/>
+          </a:p>
+        </p:txBody>
+      </p:sp>
+    </p:spTree>
+    <p:extLst>
+      <p:ext uri="{BB962C8B-B14F-4D97-AF65-F5344CB8AC3E}">
+        <p14:creationId xmlns:p14="http://schemas.microsoft.com/office/powerpoint/2010/main" val="3023183627"/>
+      </p:ext>
+    </p:extLst>
+  </p:cSld>
+  <p:clrMapOvr>
+    <a:masterClrMapping/>
+  </p:clrMapOvr>
+</p:notes>
+</file>
+
+<file path=ppt/notesSlides/notesSlide16.xml><?xml version="1.0" encoding="utf-8"?>
+<p:notes xmlns:a="http://schemas.openxmlformats.org/drawingml/2006/main" xmlns:r="http://schemas.openxmlformats.org/officeDocument/2006/relationships" xmlns:p="http://schemas.openxmlformats.org/presentationml/2006/main">
+  <p:cSld>
+    <p:spTree>
+      <p:nvGrpSpPr>
+        <p:cNvPr id="1" name=""/>
+        <p:cNvGrpSpPr/>
+        <p:nvPr/>
+      </p:nvGrpSpPr>
+      <p:grpSpPr>
+        <a:xfrm>
+          <a:off x="0" y="0"/>
+          <a:ext cx="0" cy="0"/>
+          <a:chOff x="0" y="0"/>
+          <a:chExt cx="0" cy="0"/>
+        </a:xfrm>
+      </p:grpSpPr>
+      <p:sp>
+        <p:nvSpPr>
+          <p:cNvPr id="2" name="Zástupný symbol pro obrázek snímku 1"/>
+          <p:cNvSpPr>
+            <a:spLocks noGrp="1" noRot="1" noChangeAspect="1"/>
+          </p:cNvSpPr>
+          <p:nvPr>
+            <p:ph type="sldImg"/>
+          </p:nvPr>
+        </p:nvSpPr>
+        <p:spPr/>
+      </p:sp>
+      <p:sp>
+        <p:nvSpPr>
+          <p:cNvPr id="3" name="Zástupný symbol pro poznámky 2"/>
+          <p:cNvSpPr>
+            <a:spLocks noGrp="1"/>
+          </p:cNvSpPr>
+          <p:nvPr>
+            <p:ph type="body" idx="1"/>
+          </p:nvPr>
+        </p:nvSpPr>
+        <p:spPr/>
+        <p:txBody>
+          <a:bodyPr/>
+          <a:lstStyle/>
+          <a:p>
+            <a:r>
+              <a:rPr lang="cs-CZ" dirty="0"/>
+              <a:t>A</a:t>
+            </a:r>
+            <a:endParaRPr lang="en-GB" dirty="0"/>
+          </a:p>
+        </p:txBody>
+      </p:sp>
+      <p:sp>
+        <p:nvSpPr>
+          <p:cNvPr id="4" name="Zástupný symbol pro číslo snímku 3"/>
+          <p:cNvSpPr>
+            <a:spLocks noGrp="1"/>
+          </p:cNvSpPr>
+          <p:nvPr>
+            <p:ph type="sldNum" sz="quarter" idx="5"/>
+          </p:nvPr>
+        </p:nvSpPr>
+        <p:spPr/>
+        <p:txBody>
+          <a:bodyPr/>
+          <a:lstStyle/>
+          <a:p>
+            <a:fld id="{36FA8A25-9A85-4F07-8807-D103CA75A5AD}" type="slidenum">
+              <a:rPr lang="en-GB" smtClean="0"/>
+              <a:t>16</a:t>
+            </a:fld>
+            <a:endParaRPr lang="en-GB"/>
+          </a:p>
+        </p:txBody>
+      </p:sp>
+    </p:spTree>
+    <p:extLst>
+      <p:ext uri="{BB962C8B-B14F-4D97-AF65-F5344CB8AC3E}">
+        <p14:creationId xmlns:p14="http://schemas.microsoft.com/office/powerpoint/2010/main" val="4150736134"/>
+      </p:ext>
+    </p:extLst>
+  </p:cSld>
+  <p:clrMapOvr>
+    <a:masterClrMapping/>
+  </p:clrMapOvr>
+</p:notes>
+</file>
+
+<file path=ppt/notesSlides/notesSlide2.xml><?xml version="1.0" encoding="utf-8"?>
+<p:notes xmlns:a="http://schemas.openxmlformats.org/drawingml/2006/main" xmlns:r="http://schemas.openxmlformats.org/officeDocument/2006/relationships" xmlns:p="http://schemas.openxmlformats.org/presentationml/2006/main">
+  <p:cSld>
+    <p:spTree>
+      <p:nvGrpSpPr>
+        <p:cNvPr id="1" name=""/>
+        <p:cNvGrpSpPr/>
+        <p:nvPr/>
+      </p:nvGrpSpPr>
+      <p:grpSpPr>
+        <a:xfrm>
+          <a:off x="0" y="0"/>
+          <a:ext cx="0" cy="0"/>
+          <a:chOff x="0" y="0"/>
+          <a:chExt cx="0" cy="0"/>
+        </a:xfrm>
+      </p:grpSpPr>
+      <p:sp>
+        <p:nvSpPr>
+          <p:cNvPr id="2" name="Zástupný symbol pro obrázek snímku 1"/>
+          <p:cNvSpPr>
+            <a:spLocks noGrp="1" noRot="1" noChangeAspect="1"/>
+          </p:cNvSpPr>
+          <p:nvPr>
+            <p:ph type="sldImg"/>
+          </p:nvPr>
+        </p:nvSpPr>
+        <p:spPr/>
+      </p:sp>
+      <p:sp>
+        <p:nvSpPr>
+          <p:cNvPr id="3" name="Zástupný symbol pro poznámky 2"/>
+          <p:cNvSpPr>
+            <a:spLocks noGrp="1"/>
+          </p:cNvSpPr>
+          <p:nvPr>
+            <p:ph type="body" idx="1"/>
+          </p:nvPr>
+        </p:nvSpPr>
+        <p:spPr/>
+        <p:txBody>
+          <a:bodyPr/>
+          <a:lstStyle/>
+          <a:p>
+            <a:r>
+              <a:rPr lang="cs-CZ" dirty="0"/>
+              <a:t>A</a:t>
+            </a:r>
+            <a:endParaRPr lang="en-GB" dirty="0"/>
+          </a:p>
+        </p:txBody>
+      </p:sp>
+      <p:sp>
+        <p:nvSpPr>
+          <p:cNvPr id="4" name="Zástupný symbol pro číslo snímku 3"/>
+          <p:cNvSpPr>
+            <a:spLocks noGrp="1"/>
+          </p:cNvSpPr>
+          <p:nvPr>
+            <p:ph type="sldNum" sz="quarter" idx="5"/>
+          </p:nvPr>
+        </p:nvSpPr>
+        <p:spPr/>
+        <p:txBody>
+          <a:bodyPr/>
+          <a:lstStyle/>
+          <a:p>
+            <a:fld id="{36FA8A25-9A85-4F07-8807-D103CA75A5AD}" type="slidenum">
+              <a:rPr lang="en-GB" smtClean="0"/>
+              <a:t>2</a:t>
+            </a:fld>
+            <a:endParaRPr lang="en-GB"/>
+          </a:p>
+        </p:txBody>
+      </p:sp>
+    </p:spTree>
+    <p:extLst>
+      <p:ext uri="{BB962C8B-B14F-4D97-AF65-F5344CB8AC3E}">
+        <p14:creationId xmlns:p14="http://schemas.microsoft.com/office/powerpoint/2010/main" val="2687284475"/>
+      </p:ext>
+    </p:extLst>
+  </p:cSld>
+  <p:clrMapOvr>
+    <a:masterClrMapping/>
+  </p:clrMapOvr>
+</p:notes>
+</file>
+
+<file path=ppt/notesSlides/notesSlide3.xml><?xml version="1.0" encoding="utf-8"?>
+<p:notes xmlns:a="http://schemas.openxmlformats.org/drawingml/2006/main" xmlns:r="http://schemas.openxmlformats.org/officeDocument/2006/relationships" xmlns:p="http://schemas.openxmlformats.org/presentationml/2006/main">
+  <p:cSld>
+    <p:spTree>
+      <p:nvGrpSpPr>
+        <p:cNvPr id="1" name=""/>
+        <p:cNvGrpSpPr/>
+        <p:nvPr/>
+      </p:nvGrpSpPr>
+      <p:grpSpPr>
+        <a:xfrm>
+          <a:off x="0" y="0"/>
+          <a:ext cx="0" cy="0"/>
+          <a:chOff x="0" y="0"/>
+          <a:chExt cx="0" cy="0"/>
+        </a:xfrm>
+      </p:grpSpPr>
+      <p:sp>
+        <p:nvSpPr>
+          <p:cNvPr id="2" name="Zástupný symbol pro obrázek snímku 1"/>
+          <p:cNvSpPr>
+            <a:spLocks noGrp="1" noRot="1" noChangeAspect="1"/>
+          </p:cNvSpPr>
+          <p:nvPr>
+            <p:ph type="sldImg"/>
+          </p:nvPr>
+        </p:nvSpPr>
+        <p:spPr/>
+      </p:sp>
+      <p:sp>
+        <p:nvSpPr>
+          <p:cNvPr id="3" name="Zástupný symbol pro poznámky 2"/>
+          <p:cNvSpPr>
+            <a:spLocks noGrp="1"/>
+          </p:cNvSpPr>
+          <p:nvPr>
+            <p:ph type="body" idx="1"/>
+          </p:nvPr>
+        </p:nvSpPr>
+        <p:spPr/>
+        <p:txBody>
+          <a:bodyPr/>
+          <a:lstStyle/>
+          <a:p>
+            <a:r>
+              <a:rPr lang="cs-CZ" dirty="0"/>
+              <a:t>A</a:t>
+            </a:r>
+            <a:endParaRPr lang="en-GB" dirty="0"/>
+          </a:p>
+        </p:txBody>
+      </p:sp>
+      <p:sp>
+        <p:nvSpPr>
+          <p:cNvPr id="4" name="Zástupný symbol pro číslo snímku 3"/>
+          <p:cNvSpPr>
+            <a:spLocks noGrp="1"/>
+          </p:cNvSpPr>
+          <p:nvPr>
+            <p:ph type="sldNum" sz="quarter" idx="5"/>
+          </p:nvPr>
+        </p:nvSpPr>
+        <p:spPr/>
+        <p:txBody>
+          <a:bodyPr/>
+          <a:lstStyle/>
+          <a:p>
+            <a:fld id="{36FA8A25-9A85-4F07-8807-D103CA75A5AD}" type="slidenum">
+              <a:rPr lang="en-GB" smtClean="0"/>
+              <a:t>3</a:t>
+            </a:fld>
+            <a:endParaRPr lang="en-GB"/>
+          </a:p>
+        </p:txBody>
+      </p:sp>
+    </p:spTree>
+    <p:extLst>
+      <p:ext uri="{BB962C8B-B14F-4D97-AF65-F5344CB8AC3E}">
+        <p14:creationId xmlns:p14="http://schemas.microsoft.com/office/powerpoint/2010/main" val="2107064156"/>
+      </p:ext>
+    </p:extLst>
+  </p:cSld>
+  <p:clrMapOvr>
+    <a:masterClrMapping/>
+  </p:clrMapOvr>
+</p:notes>
+</file>
+
+<file path=ppt/notesSlides/notesSlide4.xml><?xml version="1.0" encoding="utf-8"?>
+<p:notes xmlns:a="http://schemas.openxmlformats.org/drawingml/2006/main" xmlns:r="http://schemas.openxmlformats.org/officeDocument/2006/relationships" xmlns:p="http://schemas.openxmlformats.org/presentationml/2006/main">
+  <p:cSld>
+    <p:spTree>
+      <p:nvGrpSpPr>
+        <p:cNvPr id="1" name=""/>
+        <p:cNvGrpSpPr/>
+        <p:nvPr/>
+      </p:nvGrpSpPr>
+      <p:grpSpPr>
+        <a:xfrm>
+          <a:off x="0" y="0"/>
+          <a:ext cx="0" cy="0"/>
+          <a:chOff x="0" y="0"/>
+          <a:chExt cx="0" cy="0"/>
+        </a:xfrm>
+      </p:grpSpPr>
+      <p:sp>
+        <p:nvSpPr>
+          <p:cNvPr id="2" name="Zástupný symbol pro obrázek snímku 1"/>
+          <p:cNvSpPr>
+            <a:spLocks noGrp="1" noRot="1" noChangeAspect="1"/>
+          </p:cNvSpPr>
+          <p:nvPr>
+            <p:ph type="sldImg"/>
+          </p:nvPr>
+        </p:nvSpPr>
+        <p:spPr/>
+      </p:sp>
+      <p:sp>
+        <p:nvSpPr>
+          <p:cNvPr id="3" name="Zástupný symbol pro poznámky 2"/>
+          <p:cNvSpPr>
+            <a:spLocks noGrp="1"/>
+          </p:cNvSpPr>
+          <p:nvPr>
+            <p:ph type="body" idx="1"/>
+          </p:nvPr>
+        </p:nvSpPr>
+        <p:spPr/>
+        <p:txBody>
+          <a:bodyPr/>
+          <a:lstStyle/>
+          <a:p>
+            <a:r>
+              <a:rPr lang="cs-CZ" dirty="0"/>
+              <a:t>E</a:t>
+            </a:r>
+            <a:endParaRPr lang="en-GB" dirty="0"/>
+          </a:p>
+        </p:txBody>
+      </p:sp>
+      <p:sp>
+        <p:nvSpPr>
+          <p:cNvPr id="4" name="Zástupný symbol pro číslo snímku 3"/>
+          <p:cNvSpPr>
+            <a:spLocks noGrp="1"/>
+          </p:cNvSpPr>
+          <p:nvPr>
+            <p:ph type="sldNum" sz="quarter" idx="5"/>
+          </p:nvPr>
+        </p:nvSpPr>
+        <p:spPr/>
+        <p:txBody>
+          <a:bodyPr/>
+          <a:lstStyle/>
+          <a:p>
+            <a:fld id="{36FA8A25-9A85-4F07-8807-D103CA75A5AD}" type="slidenum">
+              <a:rPr lang="en-GB" smtClean="0"/>
+              <a:t>4</a:t>
+            </a:fld>
+            <a:endParaRPr lang="en-GB"/>
+          </a:p>
+        </p:txBody>
+      </p:sp>
+    </p:spTree>
+    <p:extLst>
+      <p:ext uri="{BB962C8B-B14F-4D97-AF65-F5344CB8AC3E}">
+        <p14:creationId xmlns:p14="http://schemas.microsoft.com/office/powerpoint/2010/main" val="3754079587"/>
+      </p:ext>
+    </p:extLst>
+  </p:cSld>
+  <p:clrMapOvr>
+    <a:masterClrMapping/>
+  </p:clrMapOvr>
+</p:notes>
+</file>
+
+<file path=ppt/notesSlides/notesSlide5.xml><?xml version="1.0" encoding="utf-8"?>
+<p:notes xmlns:a="http://schemas.openxmlformats.org/drawingml/2006/main" xmlns:r="http://schemas.openxmlformats.org/officeDocument/2006/relationships" xmlns:p="http://schemas.openxmlformats.org/presentationml/2006/main">
+  <p:cSld>
+    <p:spTree>
+      <p:nvGrpSpPr>
+        <p:cNvPr id="1" name=""/>
+        <p:cNvGrpSpPr/>
+        <p:nvPr/>
+      </p:nvGrpSpPr>
+      <p:grpSpPr>
+        <a:xfrm>
+          <a:off x="0" y="0"/>
+          <a:ext cx="0" cy="0"/>
+          <a:chOff x="0" y="0"/>
+          <a:chExt cx="0" cy="0"/>
+        </a:xfrm>
+      </p:grpSpPr>
+      <p:sp>
+        <p:nvSpPr>
+          <p:cNvPr id="2" name="Zástupný symbol pro obrázek snímku 1"/>
+          <p:cNvSpPr>
+            <a:spLocks noGrp="1" noRot="1" noChangeAspect="1"/>
+          </p:cNvSpPr>
+          <p:nvPr>
+            <p:ph type="sldImg"/>
+          </p:nvPr>
+        </p:nvSpPr>
+        <p:spPr/>
+      </p:sp>
+      <p:sp>
+        <p:nvSpPr>
+          <p:cNvPr id="3" name="Zástupný symbol pro poznámky 2"/>
+          <p:cNvSpPr>
+            <a:spLocks noGrp="1"/>
+          </p:cNvSpPr>
+          <p:nvPr>
+            <p:ph type="body" idx="1"/>
+          </p:nvPr>
+        </p:nvSpPr>
+        <p:spPr/>
+        <p:txBody>
+          <a:bodyPr/>
+          <a:lstStyle/>
+          <a:p>
+            <a:r>
+              <a:rPr lang="cs-CZ" dirty="0"/>
+              <a:t>E</a:t>
+            </a:r>
+            <a:endParaRPr lang="en-GB" dirty="0"/>
+          </a:p>
+        </p:txBody>
+      </p:sp>
+      <p:sp>
+        <p:nvSpPr>
+          <p:cNvPr id="4" name="Zástupný symbol pro číslo snímku 3"/>
+          <p:cNvSpPr>
+            <a:spLocks noGrp="1"/>
+          </p:cNvSpPr>
+          <p:nvPr>
+            <p:ph type="sldNum" sz="quarter" idx="5"/>
+          </p:nvPr>
+        </p:nvSpPr>
+        <p:spPr/>
+        <p:txBody>
+          <a:bodyPr/>
+          <a:lstStyle/>
+          <a:p>
+            <a:fld id="{36FA8A25-9A85-4F07-8807-D103CA75A5AD}" type="slidenum">
+              <a:rPr lang="en-GB" smtClean="0"/>
+              <a:t>5</a:t>
+            </a:fld>
+            <a:endParaRPr lang="en-GB"/>
+          </a:p>
+        </p:txBody>
+      </p:sp>
+    </p:spTree>
+    <p:extLst>
+      <p:ext uri="{BB962C8B-B14F-4D97-AF65-F5344CB8AC3E}">
+        <p14:creationId xmlns:p14="http://schemas.microsoft.com/office/powerpoint/2010/main" val="160754697"/>
+      </p:ext>
+    </p:extLst>
+  </p:cSld>
+  <p:clrMapOvr>
+    <a:masterClrMapping/>
+  </p:clrMapOvr>
+</p:notes>
+</file>
+
+<file path=ppt/notesSlides/notesSlide6.xml><?xml version="1.0" encoding="utf-8"?>
+<p:notes xmlns:a="http://schemas.openxmlformats.org/drawingml/2006/main" xmlns:r="http://schemas.openxmlformats.org/officeDocument/2006/relationships" xmlns:p="http://schemas.openxmlformats.org/presentationml/2006/main">
+  <p:cSld>
+    <p:spTree>
+      <p:nvGrpSpPr>
+        <p:cNvPr id="1" name=""/>
+        <p:cNvGrpSpPr/>
+        <p:nvPr/>
+      </p:nvGrpSpPr>
+      <p:grpSpPr>
+        <a:xfrm>
+          <a:off x="0" y="0"/>
+          <a:ext cx="0" cy="0"/>
+          <a:chOff x="0" y="0"/>
+          <a:chExt cx="0" cy="0"/>
+        </a:xfrm>
+      </p:grpSpPr>
+      <p:sp>
+        <p:nvSpPr>
+          <p:cNvPr id="2" name="Zástupný symbol pro obrázek snímku 1"/>
+          <p:cNvSpPr>
+            <a:spLocks noGrp="1" noRot="1" noChangeAspect="1"/>
+          </p:cNvSpPr>
+          <p:nvPr>
+            <p:ph type="sldImg"/>
+          </p:nvPr>
+        </p:nvSpPr>
+        <p:spPr/>
+      </p:sp>
+      <p:sp>
+        <p:nvSpPr>
+          <p:cNvPr id="3" name="Zástupný symbol pro poznámky 2"/>
+          <p:cNvSpPr>
+            <a:spLocks noGrp="1"/>
+          </p:cNvSpPr>
+          <p:nvPr>
+            <p:ph type="body" idx="1"/>
+          </p:nvPr>
+        </p:nvSpPr>
+        <p:spPr/>
+        <p:txBody>
+          <a:bodyPr/>
+          <a:lstStyle/>
+          <a:p>
+            <a:r>
+              <a:rPr lang="cs-CZ" dirty="0"/>
+              <a:t>E</a:t>
+            </a:r>
+            <a:endParaRPr lang="en-GB" dirty="0"/>
+          </a:p>
+        </p:txBody>
+      </p:sp>
+      <p:sp>
+        <p:nvSpPr>
+          <p:cNvPr id="4" name="Zástupný symbol pro číslo snímku 3"/>
+          <p:cNvSpPr>
+            <a:spLocks noGrp="1"/>
+          </p:cNvSpPr>
+          <p:nvPr>
+            <p:ph type="sldNum" sz="quarter" idx="5"/>
+          </p:nvPr>
+        </p:nvSpPr>
+        <p:spPr/>
+        <p:txBody>
+          <a:bodyPr/>
+          <a:lstStyle/>
+          <a:p>
+            <a:fld id="{36FA8A25-9A85-4F07-8807-D103CA75A5AD}" type="slidenum">
+              <a:rPr lang="en-GB" smtClean="0"/>
+              <a:t>6</a:t>
+            </a:fld>
+            <a:endParaRPr lang="en-GB"/>
+          </a:p>
+        </p:txBody>
+      </p:sp>
+    </p:spTree>
+    <p:extLst>
+      <p:ext uri="{BB962C8B-B14F-4D97-AF65-F5344CB8AC3E}">
+        <p14:creationId xmlns:p14="http://schemas.microsoft.com/office/powerpoint/2010/main" val="3457295607"/>
+      </p:ext>
+    </p:extLst>
+  </p:cSld>
+  <p:clrMapOvr>
+    <a:masterClrMapping/>
+  </p:clrMapOvr>
+</p:notes>
+</file>
+
+<file path=ppt/notesSlides/notesSlide7.xml><?xml version="1.0" encoding="utf-8"?>
+<p:notes xmlns:a="http://schemas.openxmlformats.org/drawingml/2006/main" xmlns:r="http://schemas.openxmlformats.org/officeDocument/2006/relationships" xmlns:p="http://schemas.openxmlformats.org/presentationml/2006/main">
+  <p:cSld>
+    <p:spTree>
+      <p:nvGrpSpPr>
+        <p:cNvPr id="1" name=""/>
+        <p:cNvGrpSpPr/>
+        <p:nvPr/>
+      </p:nvGrpSpPr>
+      <p:grpSpPr>
+        <a:xfrm>
+          <a:off x="0" y="0"/>
+          <a:ext cx="0" cy="0"/>
+          <a:chOff x="0" y="0"/>
+          <a:chExt cx="0" cy="0"/>
+        </a:xfrm>
+      </p:grpSpPr>
+      <p:sp>
+        <p:nvSpPr>
+          <p:cNvPr id="2" name="Zástupný symbol pro obrázek snímku 1"/>
+          <p:cNvSpPr>
+            <a:spLocks noGrp="1" noRot="1" noChangeAspect="1"/>
+          </p:cNvSpPr>
+          <p:nvPr>
+            <p:ph type="sldImg"/>
+          </p:nvPr>
+        </p:nvSpPr>
+        <p:spPr/>
+      </p:sp>
+      <p:sp>
+        <p:nvSpPr>
+          <p:cNvPr id="3" name="Zástupný symbol pro poznámky 2"/>
+          <p:cNvSpPr>
+            <a:spLocks noGrp="1"/>
+          </p:cNvSpPr>
+          <p:nvPr>
+            <p:ph type="body" idx="1"/>
+          </p:nvPr>
+        </p:nvSpPr>
+        <p:spPr/>
+        <p:txBody>
+          <a:bodyPr/>
+          <a:lstStyle/>
+          <a:p>
+            <a:r>
+              <a:rPr lang="cs-CZ" dirty="0"/>
+              <a:t>E</a:t>
+            </a:r>
+            <a:endParaRPr lang="en-GB" dirty="0"/>
+          </a:p>
+        </p:txBody>
+      </p:sp>
+      <p:sp>
+        <p:nvSpPr>
+          <p:cNvPr id="4" name="Zástupný symbol pro číslo snímku 3"/>
+          <p:cNvSpPr>
+            <a:spLocks noGrp="1"/>
+          </p:cNvSpPr>
+          <p:nvPr>
+            <p:ph type="sldNum" sz="quarter" idx="5"/>
+          </p:nvPr>
+        </p:nvSpPr>
+        <p:spPr/>
+        <p:txBody>
+          <a:bodyPr/>
+          <a:lstStyle/>
+          <a:p>
+            <a:fld id="{36FA8A25-9A85-4F07-8807-D103CA75A5AD}" type="slidenum">
+              <a:rPr lang="en-GB" smtClean="0"/>
+              <a:t>7</a:t>
+            </a:fld>
+            <a:endParaRPr lang="en-GB"/>
+          </a:p>
+        </p:txBody>
+      </p:sp>
+    </p:spTree>
+    <p:extLst>
+      <p:ext uri="{BB962C8B-B14F-4D97-AF65-F5344CB8AC3E}">
+        <p14:creationId xmlns:p14="http://schemas.microsoft.com/office/powerpoint/2010/main" val="1911768751"/>
+      </p:ext>
+    </p:extLst>
+  </p:cSld>
+  <p:clrMapOvr>
+    <a:masterClrMapping/>
+  </p:clrMapOvr>
+</p:notes>
+</file>
+
+<file path=ppt/notesSlides/notesSlide8.xml><?xml version="1.0" encoding="utf-8"?>
+<p:notes xmlns:a="http://schemas.openxmlformats.org/drawingml/2006/main" xmlns:r="http://schemas.openxmlformats.org/officeDocument/2006/relationships" xmlns:p="http://schemas.openxmlformats.org/presentationml/2006/main">
+  <p:cSld>
+    <p:spTree>
+      <p:nvGrpSpPr>
+        <p:cNvPr id="1" name=""/>
+        <p:cNvGrpSpPr/>
+        <p:nvPr/>
+      </p:nvGrpSpPr>
+      <p:grpSpPr>
+        <a:xfrm>
+          <a:off x="0" y="0"/>
+          <a:ext cx="0" cy="0"/>
+          <a:chOff x="0" y="0"/>
+          <a:chExt cx="0" cy="0"/>
+        </a:xfrm>
+      </p:grpSpPr>
+      <p:sp>
+        <p:nvSpPr>
+          <p:cNvPr id="2" name="Zástupný symbol pro obrázek snímku 1"/>
+          <p:cNvSpPr>
+            <a:spLocks noGrp="1" noRot="1" noChangeAspect="1"/>
+          </p:cNvSpPr>
+          <p:nvPr>
+            <p:ph type="sldImg"/>
+          </p:nvPr>
+        </p:nvSpPr>
+        <p:spPr/>
+      </p:sp>
+      <p:sp>
+        <p:nvSpPr>
+          <p:cNvPr id="3" name="Zástupný symbol pro poznámky 2"/>
+          <p:cNvSpPr>
+            <a:spLocks noGrp="1"/>
+          </p:cNvSpPr>
+          <p:nvPr>
+            <p:ph type="body" idx="1"/>
+          </p:nvPr>
+        </p:nvSpPr>
+        <p:spPr/>
+        <p:txBody>
+          <a:bodyPr/>
+          <a:lstStyle/>
+          <a:p>
+            <a:r>
+              <a:rPr lang="cs-CZ" dirty="0"/>
+              <a:t>A - </a:t>
+            </a:r>
+            <a:r>
+              <a:rPr lang="cs-CZ" dirty="0" err="1"/>
+              <a:t>pogooglim</a:t>
+            </a:r>
+            <a:endParaRPr lang="en-GB" dirty="0"/>
+          </a:p>
+        </p:txBody>
+      </p:sp>
+      <p:sp>
+        <p:nvSpPr>
+          <p:cNvPr id="4" name="Zástupný symbol pro číslo snímku 3"/>
+          <p:cNvSpPr>
+            <a:spLocks noGrp="1"/>
+          </p:cNvSpPr>
+          <p:nvPr>
+            <p:ph type="sldNum" sz="quarter" idx="5"/>
+          </p:nvPr>
+        </p:nvSpPr>
+        <p:spPr/>
+        <p:txBody>
+          <a:bodyPr/>
+          <a:lstStyle/>
+          <a:p>
+            <a:fld id="{36FA8A25-9A85-4F07-8807-D103CA75A5AD}" type="slidenum">
+              <a:rPr lang="en-GB" smtClean="0"/>
+              <a:t>8</a:t>
+            </a:fld>
+            <a:endParaRPr lang="en-GB"/>
+          </a:p>
+        </p:txBody>
+      </p:sp>
+    </p:spTree>
+    <p:extLst>
+      <p:ext uri="{BB962C8B-B14F-4D97-AF65-F5344CB8AC3E}">
+        <p14:creationId xmlns:p14="http://schemas.microsoft.com/office/powerpoint/2010/main" val="2668512808"/>
+      </p:ext>
+    </p:extLst>
+  </p:cSld>
+  <p:clrMapOvr>
+    <a:masterClrMapping/>
+  </p:clrMapOvr>
+</p:notes>
+</file>
+
+<file path=ppt/notesSlides/notesSlide9.xml><?xml version="1.0" encoding="utf-8"?>
+<p:notes xmlns:a="http://schemas.openxmlformats.org/drawingml/2006/main" xmlns:r="http://schemas.openxmlformats.org/officeDocument/2006/relationships" xmlns:p="http://schemas.openxmlformats.org/presentationml/2006/main">
+  <p:cSld>
+    <p:spTree>
+      <p:nvGrpSpPr>
+        <p:cNvPr id="1" name=""/>
+        <p:cNvGrpSpPr/>
+        <p:nvPr/>
+      </p:nvGrpSpPr>
+      <p:grpSpPr>
+        <a:xfrm>
+          <a:off x="0" y="0"/>
+          <a:ext cx="0" cy="0"/>
+          <a:chOff x="0" y="0"/>
+          <a:chExt cx="0" cy="0"/>
+        </a:xfrm>
+      </p:grpSpPr>
+      <p:sp>
+        <p:nvSpPr>
+          <p:cNvPr id="2" name="Zástupný symbol pro obrázek snímku 1"/>
+          <p:cNvSpPr>
+            <a:spLocks noGrp="1" noRot="1" noChangeAspect="1"/>
+          </p:cNvSpPr>
+          <p:nvPr>
+            <p:ph type="sldImg"/>
+          </p:nvPr>
+        </p:nvSpPr>
+        <p:spPr/>
+      </p:sp>
+      <p:sp>
+        <p:nvSpPr>
+          <p:cNvPr id="3" name="Zástupný symbol pro poznámky 2"/>
+          <p:cNvSpPr>
+            <a:spLocks noGrp="1"/>
+          </p:cNvSpPr>
+          <p:nvPr>
+            <p:ph type="body" idx="1"/>
+          </p:nvPr>
+        </p:nvSpPr>
+        <p:spPr/>
+        <p:txBody>
+          <a:bodyPr/>
+          <a:lstStyle/>
+          <a:p>
+            <a:r>
+              <a:rPr lang="cs-CZ" dirty="0"/>
+              <a:t>A</a:t>
+            </a:r>
+            <a:endParaRPr lang="en-GB" dirty="0"/>
+          </a:p>
+        </p:txBody>
+      </p:sp>
+      <p:sp>
+        <p:nvSpPr>
+          <p:cNvPr id="4" name="Zástupný symbol pro číslo snímku 3"/>
+          <p:cNvSpPr>
+            <a:spLocks noGrp="1"/>
+          </p:cNvSpPr>
+          <p:nvPr>
+            <p:ph type="sldNum" sz="quarter" idx="5"/>
+          </p:nvPr>
+        </p:nvSpPr>
+        <p:spPr/>
+        <p:txBody>
+          <a:bodyPr/>
+          <a:lstStyle/>
+          <a:p>
+            <a:fld id="{36FA8A25-9A85-4F07-8807-D103CA75A5AD}" type="slidenum">
+              <a:rPr lang="en-GB" smtClean="0"/>
+              <a:t>9</a:t>
+            </a:fld>
+            <a:endParaRPr lang="en-GB"/>
+          </a:p>
+        </p:txBody>
+      </p:sp>
+    </p:spTree>
+    <p:extLst>
+      <p:ext uri="{BB962C8B-B14F-4D97-AF65-F5344CB8AC3E}">
+        <p14:creationId xmlns:p14="http://schemas.microsoft.com/office/powerpoint/2010/main" val="4252838345"/>
+      </p:ext>
+    </p:extLst>
+  </p:cSld>
+  <p:clrMapOvr>
+    <a:masterClrMapping/>
+  </p:clrMapOvr>
+</p:notes>
+</file>
+
 <file path=ppt/slideLayouts/slideLayout1.xml><?xml version="1.0" encoding="utf-8"?>
 <p:sldLayout xmlns:a="http://schemas.openxmlformats.org/drawingml/2006/main" xmlns:r="http://schemas.openxmlformats.org/officeDocument/2006/relationships" xmlns:p="http://schemas.openxmlformats.org/presentationml/2006/main" type="title" preserve="1">
   <p:cSld name="Úvodní snímek">
@@ -9368,7 +11134,7 @@
             <p:nvPr/>
           </p:nvPicPr>
           <p:blipFill>
-            <a:blip r:embed="rId2">
+            <a:blip r:embed="rId3">
               <a:extLst>
                 <a:ext uri="{28A0092B-C50C-407E-A947-70E740481C1C}">
                   <a14:useLocalDpi xmlns:a14="http://schemas.microsoft.com/office/drawing/2010/main" val="0"/>
@@ -9658,7 +11424,13 @@
               <a:rPr lang="en-US" dirty="0">
                 <a:latin typeface="OCR A Extended" panose="02010509020102010303" pitchFamily="50" charset="0"/>
               </a:rPr>
-              <a:t> recurrent unit (GRU) RNN</a:t>
+              <a:t> recurrent unit (GRU</a:t>
+            </a:r>
+            <a:r>
+              <a:rPr lang="cs-CZ" dirty="0">
+                <a:latin typeface="OCR A Extended" panose="02010509020102010303" pitchFamily="50" charset="0"/>
+              </a:rPr>
+              <a:t>)</a:t>
             </a:r>
             <a:endParaRPr lang="cs-CZ" dirty="0"/>
           </a:p>
@@ -9681,7 +11453,7 @@
           </p:nvPr>
         </p:nvPicPr>
         <p:blipFill>
-          <a:blip r:embed="rId2">
+          <a:blip r:embed="rId3">
             <a:extLst>
               <a:ext uri="{28A0092B-C50C-407E-A947-70E740481C1C}">
                 <a14:useLocalDpi xmlns:a14="http://schemas.microsoft.com/office/drawing/2010/main" val="0"/>
@@ -9694,17 +11466,17 @@
         </p:blipFill>
         <p:spPr>
           <a:xfrm>
-            <a:off x="838200" y="1382936"/>
-            <a:ext cx="10515600" cy="3163442"/>
+            <a:off x="1518101" y="3625516"/>
+            <a:ext cx="9155796" cy="2754368"/>
           </a:xfrm>
         </p:spPr>
       </p:pic>
       <p:sp>
         <p:nvSpPr>
-          <p:cNvPr id="6" name="Zástupný obsah 2">
+          <p:cNvPr id="9" name="Zástupný obsah 2">
             <a:extLst>
               <a:ext uri="{FF2B5EF4-FFF2-40B4-BE49-F238E27FC236}">
-                <a16:creationId xmlns:a16="http://schemas.microsoft.com/office/drawing/2014/main" id="{86707543-AB6C-4DC3-BAF8-00B0B8EC7A8E}"/>
+                <a16:creationId xmlns:a16="http://schemas.microsoft.com/office/drawing/2014/main" id="{DA5A6B90-51B7-4258-BC2C-C7F366F2876A}"/>
               </a:ext>
             </a:extLst>
           </p:cNvPr>
@@ -9715,8 +11487,8 @@
         </p:nvSpPr>
         <p:spPr>
           <a:xfrm>
-            <a:off x="712486" y="4448175"/>
-            <a:ext cx="10767027" cy="1728787"/>
+            <a:off x="712486" y="1825625"/>
+            <a:ext cx="10515600" cy="4351338"/>
           </a:xfrm>
           <a:prstGeom prst="rect">
             <a:avLst/>
@@ -9891,177 +11663,134 @@
             </a:lvl9pPr>
           </a:lstStyle>
           <a:p>
-            <a:pPr marL="0" indent="0" algn="just">
-              <a:lnSpc>
-                <a:spcPct val="150000"/>
-              </a:lnSpc>
-              <a:buNone/>
-            </a:pPr>
-            <a:r>
-              <a:rPr lang="cs-CZ" sz="1800" dirty="0" err="1"/>
-              <a:t>Gating</a:t>
-            </a:r>
-            <a:r>
-              <a:rPr lang="cs-CZ" sz="1800" dirty="0"/>
-              <a:t> </a:t>
-            </a:r>
-            <a:r>
-              <a:rPr lang="cs-CZ" sz="1800" dirty="0" err="1"/>
-              <a:t>mechanism</a:t>
-            </a:r>
-            <a:r>
-              <a:rPr lang="cs-CZ" sz="1800" dirty="0"/>
-              <a:t> in RNN – reset and update </a:t>
-            </a:r>
-            <a:r>
-              <a:rPr lang="cs-CZ" sz="1800" dirty="0" err="1"/>
-              <a:t>gate</a:t>
-            </a:r>
-            <a:r>
-              <a:rPr lang="cs-CZ" sz="1800" dirty="0"/>
-              <a:t>.</a:t>
-            </a:r>
-          </a:p>
-          <a:p>
-            <a:pPr marL="0" indent="0" algn="just">
-              <a:lnSpc>
-                <a:spcPct val="150000"/>
-              </a:lnSpc>
-              <a:buNone/>
-            </a:pPr>
-            <a:r>
-              <a:rPr lang="cs-CZ" sz="1800" dirty="0"/>
-              <a:t>GRU </a:t>
-            </a:r>
-            <a:r>
-              <a:rPr lang="cs-CZ" sz="1800" dirty="0" err="1"/>
-              <a:t>similar</a:t>
-            </a:r>
-            <a:r>
-              <a:rPr lang="cs-CZ" sz="1800" dirty="0"/>
-              <a:t> to LSTM - </a:t>
-            </a:r>
-            <a:r>
-              <a:rPr lang="cs-CZ" sz="1800" dirty="0" err="1"/>
-              <a:t>computationally</a:t>
-            </a:r>
-            <a:r>
-              <a:rPr lang="cs-CZ" sz="1800" dirty="0"/>
-              <a:t> more </a:t>
-            </a:r>
-            <a:r>
-              <a:rPr lang="cs-CZ" sz="1800" dirty="0" err="1"/>
-              <a:t>efficient</a:t>
-            </a:r>
-            <a:r>
-              <a:rPr lang="cs-CZ" sz="1800" dirty="0"/>
-              <a:t>, </a:t>
-            </a:r>
-            <a:r>
-              <a:rPr lang="cs-CZ" sz="1800" dirty="0" err="1"/>
-              <a:t>without</a:t>
-            </a:r>
-            <a:r>
-              <a:rPr lang="cs-CZ" sz="1800" dirty="0"/>
-              <a:t> </a:t>
-            </a:r>
-            <a:r>
-              <a:rPr lang="cs-CZ" sz="1800" dirty="0" err="1"/>
-              <a:t>memory</a:t>
-            </a:r>
-            <a:r>
-              <a:rPr lang="cs-CZ" sz="1800" dirty="0"/>
-              <a:t> unit (no relations </a:t>
-            </a:r>
-            <a:r>
-              <a:rPr lang="cs-CZ" sz="1800" dirty="0" err="1"/>
-              <a:t>between</a:t>
-            </a:r>
-            <a:r>
-              <a:rPr lang="cs-CZ" sz="1800" dirty="0"/>
-              <a:t> </a:t>
-            </a:r>
-            <a:r>
-              <a:rPr lang="cs-CZ" sz="1800" dirty="0" err="1"/>
-              <a:t>symbols</a:t>
-            </a:r>
-            <a:r>
-              <a:rPr lang="cs-CZ" sz="1800" dirty="0"/>
-              <a:t> in CAPTCHA) .</a:t>
-            </a:r>
-            <a:endParaRPr lang="en-GB" sz="2200" dirty="0">
-              <a:latin typeface="OCR A Extended" panose="02010509020102010303" pitchFamily="50" charset="0"/>
-            </a:endParaRPr>
-          </a:p>
-          <a:p>
-            <a:pPr marL="0" indent="0" algn="just">
+            <a:pPr marL="0" indent="0">
               <a:lnSpc>
                 <a:spcPct val="150000"/>
               </a:lnSpc>
               <a:buFont typeface="Arial" panose="020B0604020202020204" pitchFamily="34" charset="0"/>
               <a:buNone/>
             </a:pPr>
-            <a:endParaRPr lang="cs-CZ" sz="1800" dirty="0"/>
+            <a:r>
+              <a:rPr lang="en-GB" sz="1800" dirty="0"/>
+              <a:t>Gating mechanism in RNN – reset and update gate.</a:t>
+            </a:r>
           </a:p>
           <a:p>
-            <a:pPr marL="0" indent="0" algn="just">
+            <a:pPr marL="0" indent="0">
               <a:lnSpc>
                 <a:spcPct val="150000"/>
               </a:lnSpc>
               <a:buFont typeface="Arial" panose="020B0604020202020204" pitchFamily="34" charset="0"/>
               <a:buNone/>
             </a:pPr>
-            <a:endParaRPr lang="en-GB" sz="2200" dirty="0">
-              <a:latin typeface="OCR A Extended" panose="02010509020102010303" pitchFamily="50" charset="0"/>
-            </a:endParaRPr>
+            <a:r>
+              <a:rPr lang="en-GB" sz="1800" dirty="0"/>
+              <a:t>GRU </a:t>
+            </a:r>
+            <a:r>
+              <a:rPr lang="cs-CZ" sz="1800" dirty="0" err="1"/>
+              <a:t>is</a:t>
+            </a:r>
+            <a:r>
+              <a:rPr lang="cs-CZ" sz="1800" dirty="0"/>
+              <a:t> </a:t>
+            </a:r>
+            <a:r>
+              <a:rPr lang="en-GB" sz="1800" dirty="0"/>
+              <a:t>similar to LSTM</a:t>
+            </a:r>
+            <a:r>
+              <a:rPr lang="cs-CZ" sz="1800" dirty="0"/>
+              <a:t>, but</a:t>
+            </a:r>
+            <a:r>
+              <a:rPr lang="en-GB" sz="1800" dirty="0"/>
+              <a:t> computationally more efficient</a:t>
+            </a:r>
+            <a:r>
+              <a:rPr lang="cs-CZ" sz="1800" dirty="0"/>
+              <a:t> and</a:t>
+            </a:r>
+            <a:r>
+              <a:rPr lang="en-GB" sz="1800" dirty="0"/>
+              <a:t> without memory </a:t>
+            </a:r>
+            <a:r>
+              <a:rPr lang="en-GB" sz="1800" dirty="0" err="1"/>
+              <a:t>uni</a:t>
+            </a:r>
+            <a:r>
+              <a:rPr lang="cs-CZ" sz="1800" dirty="0"/>
+              <a:t>t</a:t>
+            </a:r>
           </a:p>
           <a:p>
-            <a:pPr marL="0" indent="0">
-              <a:buFont typeface="Arial" panose="020B0604020202020204" pitchFamily="34" charset="0"/>
-              <a:buNone/>
+            <a:pPr lvl="1">
+              <a:lnSpc>
+                <a:spcPct val="150000"/>
+              </a:lnSpc>
+              <a:buClr>
+                <a:srgbClr val="FFC000"/>
+              </a:buClr>
+              <a:buFont typeface="Calibri" panose="020F0502020204030204" pitchFamily="34" charset="0"/>
+              <a:buChar char="&gt;"/>
             </a:pPr>
-            <a:endParaRPr lang="en-GB" sz="2400" dirty="0">
-              <a:latin typeface="OCR A Extended" panose="02010509020102010303" pitchFamily="50" charset="0"/>
-            </a:endParaRPr>
+            <a:r>
+              <a:rPr lang="en-GB" sz="1800" dirty="0"/>
+              <a:t>no relations between symbols in CAPTCHA</a:t>
+            </a:r>
           </a:p>
           <a:p>
-            <a:pPr marL="0" indent="0">
-              <a:buFont typeface="Arial" panose="020B0604020202020204" pitchFamily="34" charset="0"/>
-              <a:buNone/>
+            <a:pPr lvl="1">
+              <a:buFont typeface="Calibri" panose="020F0502020204030204" pitchFamily="34" charset="0"/>
+              <a:buChar char="&gt;"/>
             </a:pPr>
-            <a:endParaRPr lang="en-GB" sz="2400" dirty="0">
-              <a:latin typeface="OCR A Extended" panose="02010509020102010303" pitchFamily="50" charset="0"/>
-            </a:endParaRPr>
+            <a:endParaRPr lang="cs-CZ" dirty="0"/>
           </a:p>
           <a:p>
-            <a:pPr marL="0" indent="0">
-              <a:buFont typeface="Arial" panose="020B0604020202020204" pitchFamily="34" charset="0"/>
-              <a:buNone/>
+            <a:pPr lvl="1">
+              <a:buFont typeface="Calibri" panose="020F0502020204030204" pitchFamily="34" charset="0"/>
+              <a:buChar char="&gt;"/>
             </a:pPr>
-            <a:endParaRPr lang="en-GB" sz="2400" dirty="0">
-              <a:latin typeface="OCR A Extended" panose="02010509020102010303" pitchFamily="50" charset="0"/>
-            </a:endParaRPr>
-          </a:p>
-          <a:p>
-            <a:pPr marL="0" indent="0">
-              <a:buFont typeface="Arial" panose="020B0604020202020204" pitchFamily="34" charset="0"/>
-              <a:buNone/>
-            </a:pPr>
-            <a:endParaRPr lang="en-GB" sz="2400" dirty="0">
-              <a:latin typeface="OCR A Extended" panose="02010509020102010303" pitchFamily="50" charset="0"/>
-            </a:endParaRPr>
-          </a:p>
-          <a:p>
-            <a:pPr marL="0" indent="0">
-              <a:buFont typeface="Arial" panose="020B0604020202020204" pitchFamily="34" charset="0"/>
-              <a:buNone/>
-            </a:pPr>
-            <a:endParaRPr lang="en-GB" sz="2400" dirty="0">
-              <a:latin typeface="OCR A Extended" panose="02010509020102010303" pitchFamily="50" charset="0"/>
-            </a:endParaRPr>
+            <a:endParaRPr lang="en-GB" dirty="0"/>
           </a:p>
         </p:txBody>
       </p:sp>
+      <p:pic>
+        <p:nvPicPr>
+          <p:cNvPr id="12" name="Obrázek 11">
+            <a:extLst>
+              <a:ext uri="{FF2B5EF4-FFF2-40B4-BE49-F238E27FC236}">
+                <a16:creationId xmlns:a16="http://schemas.microsoft.com/office/drawing/2014/main" id="{B6BA5B90-0303-405D-B5BD-679BF3ED87D4}"/>
+              </a:ext>
+            </a:extLst>
+          </p:cNvPr>
+          <p:cNvPicPr>
+            <a:picLocks noChangeAspect="1"/>
+          </p:cNvPicPr>
+          <p:nvPr/>
+        </p:nvPicPr>
+        <p:blipFill rotWithShape="1">
+          <a:blip r:embed="rId4">
+            <a:extLst>
+              <a:ext uri="{28A0092B-C50C-407E-A947-70E740481C1C}">
+                <a14:useLocalDpi xmlns:a14="http://schemas.microsoft.com/office/drawing/2010/main" val="0"/>
+              </a:ext>
+            </a:extLst>
+          </a:blip>
+          <a:srcRect t="71911" b="1"/>
+          <a:stretch/>
+        </p:blipFill>
+        <p:spPr>
+          <a:xfrm rot="18269540" flipH="1" flipV="1">
+            <a:off x="9998951" y="4774767"/>
+            <a:ext cx="4386097" cy="1266583"/>
+          </a:xfrm>
+          <a:prstGeom prst="rect">
+            <a:avLst/>
+          </a:prstGeom>
+        </p:spPr>
+      </p:pic>
     </p:spTree>
     <p:extLst>
       <p:ext uri="{BB962C8B-B14F-4D97-AF65-F5344CB8AC3E}">
@@ -10152,7 +11881,7 @@
           <p:nvPr/>
         </p:nvPicPr>
         <p:blipFill rotWithShape="1">
-          <a:blip r:embed="rId2">
+          <a:blip r:embed="rId3">
             <a:extLst>
               <a:ext uri="{28A0092B-C50C-407E-A947-70E740481C1C}">
                 <a14:useLocalDpi xmlns:a14="http://schemas.microsoft.com/office/drawing/2010/main" val="0"/>
@@ -11971,7 +13700,7 @@
                 <a:avLst/>
               </a:prstGeom>
               <a:blipFill>
-                <a:blip r:embed="rId3"/>
+                <a:blip r:embed="rId4"/>
                 <a:stretch>
                   <a:fillRect l="-1192" t="-3352" b="-2793"/>
                 </a:stretch>
@@ -12104,58 +13833,6 @@
       </p:grpSpPr>
       <p:sp>
         <p:nvSpPr>
-          <p:cNvPr id="11" name="Obdélník 10">
-            <a:extLst>
-              <a:ext uri="{FF2B5EF4-FFF2-40B4-BE49-F238E27FC236}">
-                <a16:creationId xmlns:a16="http://schemas.microsoft.com/office/drawing/2014/main" id="{469E1CFC-9F80-484C-8EC4-AA7D00838C7A}"/>
-              </a:ext>
-            </a:extLst>
-          </p:cNvPr>
-          <p:cNvSpPr/>
-          <p:nvPr/>
-        </p:nvSpPr>
-        <p:spPr>
-          <a:xfrm>
-            <a:off x="0" y="2919662"/>
-            <a:ext cx="12192000" cy="3938338"/>
-          </a:xfrm>
-          <a:prstGeom prst="rect">
-            <a:avLst/>
-          </a:prstGeom>
-          <a:solidFill>
-            <a:srgbClr val="FFC000"/>
-          </a:solidFill>
-          <a:ln>
-            <a:noFill/>
-          </a:ln>
-        </p:spPr>
-        <p:style>
-          <a:lnRef idx="2">
-            <a:schemeClr val="accent1">
-              <a:shade val="50000"/>
-            </a:schemeClr>
-          </a:lnRef>
-          <a:fillRef idx="1">
-            <a:schemeClr val="accent1"/>
-          </a:fillRef>
-          <a:effectRef idx="0">
-            <a:schemeClr val="accent1"/>
-          </a:effectRef>
-          <a:fontRef idx="minor">
-            <a:schemeClr val="lt1"/>
-          </a:fontRef>
-        </p:style>
-        <p:txBody>
-          <a:bodyPr rtlCol="0" anchor="ctr"/>
-          <a:lstStyle/>
-          <a:p>
-            <a:pPr algn="ctr"/>
-            <a:endParaRPr lang="en-GB"/>
-          </a:p>
-        </p:txBody>
-      </p:sp>
-      <p:sp>
-        <p:nvSpPr>
           <p:cNvPr id="2" name="Nadpis 1">
             <a:extLst>
               <a:ext uri="{FF2B5EF4-FFF2-40B4-BE49-F238E27FC236}">
@@ -12209,7 +13886,7 @@
             <p:ph idx="1"/>
             <p:extLst>
               <p:ext uri="{D42A27DB-BD31-4B8C-83A1-F6EECF244321}">
-                <p14:modId xmlns:p14="http://schemas.microsoft.com/office/powerpoint/2010/main" val="139701201"/>
+                <p14:modId xmlns:p14="http://schemas.microsoft.com/office/powerpoint/2010/main" val="467121928"/>
               </p:ext>
             </p:extLst>
           </p:nvPr>
@@ -12276,7 +13953,11 @@
                       </a:endParaRPr>
                     </a:p>
                   </a:txBody>
-                  <a:tcPr anchor="ctr"/>
+                  <a:tcPr anchor="ctr">
+                    <a:solidFill>
+                      <a:srgbClr val="D29500"/>
+                    </a:solidFill>
+                  </a:tcPr>
                 </a:tc>
                 <a:tc>
                   <a:txBody>
@@ -12315,7 +13996,11 @@
                       </a:endParaRPr>
                     </a:p>
                   </a:txBody>
-                  <a:tcPr anchor="ctr"/>
+                  <a:tcPr anchor="ctr">
+                    <a:solidFill>
+                      <a:srgbClr val="D29500"/>
+                    </a:solidFill>
+                  </a:tcPr>
                 </a:tc>
                 <a:tc>
                   <a:txBody>
@@ -12338,7 +14023,11 @@
                       </a:endParaRPr>
                     </a:p>
                   </a:txBody>
-                  <a:tcPr anchor="ctr"/>
+                  <a:tcPr anchor="ctr">
+                    <a:solidFill>
+                      <a:srgbClr val="D29500"/>
+                    </a:solidFill>
+                  </a:tcPr>
                 </a:tc>
                 <a:tc>
                   <a:txBody>
@@ -12361,7 +14050,11 @@
                       </a:endParaRPr>
                     </a:p>
                   </a:txBody>
-                  <a:tcPr anchor="ctr"/>
+                  <a:tcPr anchor="ctr">
+                    <a:solidFill>
+                      <a:srgbClr val="D29500"/>
+                    </a:solidFill>
+                  </a:tcPr>
                 </a:tc>
                 <a:extLst>
                   <a:ext uri="{0D108BD9-81ED-4DB2-BD59-A6C34878D82A}">
@@ -12383,7 +14076,13 @@
                       <a:endParaRPr lang="en-GB" dirty="0"/>
                     </a:p>
                   </a:txBody>
-                  <a:tcPr anchor="ctr"/>
+                  <a:tcPr anchor="ctr">
+                    <a:solidFill>
+                      <a:schemeClr val="bg1">
+                        <a:lumMod val="95000"/>
+                      </a:schemeClr>
+                    </a:solidFill>
+                  </a:tcPr>
                 </a:tc>
                 <a:tc>
                   <a:txBody>
@@ -12398,7 +14097,13 @@
                       <a:endParaRPr lang="en-GB" dirty="0"/>
                     </a:p>
                   </a:txBody>
-                  <a:tcPr anchor="ctr"/>
+                  <a:tcPr anchor="ctr">
+                    <a:solidFill>
+                      <a:schemeClr val="bg1">
+                        <a:lumMod val="95000"/>
+                      </a:schemeClr>
+                    </a:solidFill>
+                  </a:tcPr>
                 </a:tc>
                 <a:tc>
                   <a:txBody>
@@ -12413,7 +14118,13 @@
                       <a:endParaRPr lang="en-GB" dirty="0"/>
                     </a:p>
                   </a:txBody>
-                  <a:tcPr anchor="ctr"/>
+                  <a:tcPr anchor="ctr">
+                    <a:solidFill>
+                      <a:schemeClr val="bg1">
+                        <a:lumMod val="95000"/>
+                      </a:schemeClr>
+                    </a:solidFill>
+                  </a:tcPr>
                 </a:tc>
                 <a:tc>
                   <a:txBody>
@@ -12428,7 +14139,13 @@
                       <a:endParaRPr lang="en-GB" dirty="0"/>
                     </a:p>
                   </a:txBody>
-                  <a:tcPr anchor="ctr"/>
+                  <a:tcPr anchor="ctr">
+                    <a:solidFill>
+                      <a:schemeClr val="bg1">
+                        <a:lumMod val="95000"/>
+                      </a:schemeClr>
+                    </a:solidFill>
+                  </a:tcPr>
                 </a:tc>
                 <a:extLst>
                   <a:ext uri="{0D108BD9-81ED-4DB2-BD59-A6C34878D82A}">
@@ -12450,7 +14167,13 @@
                       <a:endParaRPr lang="en-GB" dirty="0"/>
                     </a:p>
                   </a:txBody>
-                  <a:tcPr anchor="ctr"/>
+                  <a:tcPr anchor="ctr">
+                    <a:solidFill>
+                      <a:schemeClr val="bg1">
+                        <a:lumMod val="95000"/>
+                      </a:schemeClr>
+                    </a:solidFill>
+                  </a:tcPr>
                 </a:tc>
                 <a:tc>
                   <a:txBody>
@@ -12465,7 +14188,13 @@
                       <a:endParaRPr lang="en-GB" dirty="0"/>
                     </a:p>
                   </a:txBody>
-                  <a:tcPr anchor="ctr"/>
+                  <a:tcPr anchor="ctr">
+                    <a:solidFill>
+                      <a:schemeClr val="bg1">
+                        <a:lumMod val="95000"/>
+                      </a:schemeClr>
+                    </a:solidFill>
+                  </a:tcPr>
                 </a:tc>
                 <a:tc>
                   <a:txBody>
@@ -12480,7 +14209,13 @@
                       <a:endParaRPr lang="en-GB" dirty="0"/>
                     </a:p>
                   </a:txBody>
-                  <a:tcPr anchor="ctr"/>
+                  <a:tcPr anchor="ctr">
+                    <a:solidFill>
+                      <a:schemeClr val="bg1">
+                        <a:lumMod val="95000"/>
+                      </a:schemeClr>
+                    </a:solidFill>
+                  </a:tcPr>
                 </a:tc>
                 <a:tc>
                   <a:txBody>
@@ -12495,7 +14230,13 @@
                       <a:endParaRPr lang="en-GB" dirty="0"/>
                     </a:p>
                   </a:txBody>
-                  <a:tcPr anchor="ctr"/>
+                  <a:tcPr anchor="ctr">
+                    <a:solidFill>
+                      <a:schemeClr val="bg1">
+                        <a:lumMod val="95000"/>
+                      </a:schemeClr>
+                    </a:solidFill>
+                  </a:tcPr>
                 </a:tc>
                 <a:extLst>
                   <a:ext uri="{0D108BD9-81ED-4DB2-BD59-A6C34878D82A}">
@@ -12522,7 +14263,7 @@
           <p:nvPr/>
         </p:nvPicPr>
         <p:blipFill rotWithShape="1">
-          <a:blip r:embed="rId2"/>
+          <a:blip r:embed="rId3"/>
           <a:srcRect l="1367"/>
           <a:stretch/>
         </p:blipFill>
@@ -12538,36 +14279,6 @@
       </p:pic>
       <p:pic>
         <p:nvPicPr>
-          <p:cNvPr id="10" name="Obrázek 9">
-            <a:extLst>
-              <a:ext uri="{FF2B5EF4-FFF2-40B4-BE49-F238E27FC236}">
-                <a16:creationId xmlns:a16="http://schemas.microsoft.com/office/drawing/2014/main" id="{99DFC9C0-270B-4058-9D6F-D9D358223CA2}"/>
-              </a:ext>
-            </a:extLst>
-          </p:cNvPr>
-          <p:cNvPicPr>
-            <a:picLocks noChangeAspect="1"/>
-          </p:cNvPicPr>
-          <p:nvPr/>
-        </p:nvPicPr>
-        <p:blipFill>
-          <a:blip r:embed="rId3"/>
-          <a:stretch>
-            <a:fillRect/>
-          </a:stretch>
-        </p:blipFill>
-        <p:spPr>
-          <a:xfrm>
-            <a:off x="6617423" y="3512229"/>
-            <a:ext cx="5164160" cy="2753204"/>
-          </a:xfrm>
-          <a:prstGeom prst="rect">
-            <a:avLst/>
-          </a:prstGeom>
-        </p:spPr>
-      </p:pic>
-      <p:pic>
-        <p:nvPicPr>
           <p:cNvPr id="12" name="Obrázek 11">
             <a:extLst>
               <a:ext uri="{FF2B5EF4-FFF2-40B4-BE49-F238E27FC236}">
@@ -12582,6 +14293,13 @@
         </p:nvPicPr>
         <p:blipFill rotWithShape="1">
           <a:blip r:embed="rId4">
+            <a:duotone>
+              <a:schemeClr val="accent4">
+                <a:shade val="45000"/>
+                <a:satMod val="135000"/>
+              </a:schemeClr>
+              <a:prstClr val="white"/>
+            </a:duotone>
             <a:extLst>
               <a:ext uri="{28A0092B-C50C-407E-A947-70E740481C1C}">
                 <a14:useLocalDpi xmlns:a14="http://schemas.microsoft.com/office/drawing/2010/main" val="0"/>
@@ -12592,9 +14310,9 @@
           <a:stretch/>
         </p:blipFill>
         <p:spPr>
-          <a:xfrm flipH="1" flipV="1">
-            <a:off x="8910997" y="1940897"/>
-            <a:ext cx="3389400" cy="978765"/>
+          <a:xfrm rot="10800000" flipH="1" flipV="1">
+            <a:off x="9036626" y="6011356"/>
+            <a:ext cx="2493311" cy="720000"/>
           </a:xfrm>
           <a:prstGeom prst="rect">
             <a:avLst/>
@@ -12617,6 +14335,13 @@
         </p:nvPicPr>
         <p:blipFill rotWithShape="1">
           <a:blip r:embed="rId4">
+            <a:duotone>
+              <a:schemeClr val="accent4">
+                <a:shade val="45000"/>
+                <a:satMod val="135000"/>
+              </a:schemeClr>
+              <a:prstClr val="white"/>
+            </a:duotone>
             <a:extLst>
               <a:ext uri="{28A0092B-C50C-407E-A947-70E740481C1C}">
                 <a14:useLocalDpi xmlns:a14="http://schemas.microsoft.com/office/drawing/2010/main" val="0"/>
@@ -12628,14 +14353,129 @@
         </p:blipFill>
         <p:spPr>
           <a:xfrm flipV="1">
-            <a:off x="-242329" y="1940897"/>
-            <a:ext cx="3389400" cy="978765"/>
+            <a:off x="-176928" y="2535190"/>
+            <a:ext cx="2867309" cy="828000"/>
           </a:xfrm>
           <a:prstGeom prst="rect">
             <a:avLst/>
           </a:prstGeom>
         </p:spPr>
       </p:pic>
+      <p:pic>
+        <p:nvPicPr>
+          <p:cNvPr id="4" name="Grafický objekt 3" descr="Přesýpací hodiny 30% se souvislou výplní">
+            <a:extLst>
+              <a:ext uri="{FF2B5EF4-FFF2-40B4-BE49-F238E27FC236}">
+                <a16:creationId xmlns:a16="http://schemas.microsoft.com/office/drawing/2014/main" id="{AC43AA9C-278D-4FE5-9050-22F160162285}"/>
+              </a:ext>
+            </a:extLst>
+          </p:cNvPr>
+          <p:cNvPicPr>
+            <a:picLocks noChangeAspect="1"/>
+          </p:cNvPicPr>
+          <p:nvPr/>
+        </p:nvPicPr>
+        <p:blipFill>
+          <a:blip r:embed="rId5">
+            <a:extLst>
+              <a:ext uri="{28A0092B-C50C-407E-A947-70E740481C1C}">
+                <a14:useLocalDpi xmlns:a14="http://schemas.microsoft.com/office/drawing/2010/main" val="0"/>
+              </a:ext>
+              <a:ext uri="{96DAC541-7B7A-43D3-8B79-37D633B846F1}">
+                <asvg:svgBlip xmlns:asvg="http://schemas.microsoft.com/office/drawing/2016/SVG/main" r:embed="rId6"/>
+              </a:ext>
+            </a:extLst>
+          </a:blip>
+          <a:stretch>
+            <a:fillRect/>
+          </a:stretch>
+        </p:blipFill>
+        <p:spPr>
+          <a:xfrm>
+            <a:off x="11259551" y="168151"/>
+            <a:ext cx="540772" cy="540772"/>
+          </a:xfrm>
+          <a:prstGeom prst="rect">
+            <a:avLst/>
+          </a:prstGeom>
+        </p:spPr>
+      </p:pic>
+      <p:pic>
+        <p:nvPicPr>
+          <p:cNvPr id="10" name="Obrázek 9">
+            <a:extLst>
+              <a:ext uri="{FF2B5EF4-FFF2-40B4-BE49-F238E27FC236}">
+                <a16:creationId xmlns:a16="http://schemas.microsoft.com/office/drawing/2014/main" id="{99DFC9C0-270B-4058-9D6F-D9D358223CA2}"/>
+              </a:ext>
+            </a:extLst>
+          </p:cNvPr>
+          <p:cNvPicPr>
+            <a:picLocks noChangeAspect="1"/>
+          </p:cNvPicPr>
+          <p:nvPr/>
+        </p:nvPicPr>
+        <p:blipFill>
+          <a:blip r:embed="rId7"/>
+          <a:stretch>
+            <a:fillRect/>
+          </a:stretch>
+        </p:blipFill>
+        <p:spPr>
+          <a:xfrm>
+            <a:off x="6645704" y="3363190"/>
+            <a:ext cx="5164160" cy="2753204"/>
+          </a:xfrm>
+          <a:prstGeom prst="rect">
+            <a:avLst/>
+          </a:prstGeom>
+        </p:spPr>
+      </p:pic>
+      <p:sp>
+        <p:nvSpPr>
+          <p:cNvPr id="6" name="TextovéPole 5">
+            <a:extLst>
+              <a:ext uri="{FF2B5EF4-FFF2-40B4-BE49-F238E27FC236}">
+                <a16:creationId xmlns:a16="http://schemas.microsoft.com/office/drawing/2014/main" id="{42F8244C-202C-48BC-8A12-1585B7819D89}"/>
+              </a:ext>
+            </a:extLst>
+          </p:cNvPr>
+          <p:cNvSpPr txBox="1"/>
+          <p:nvPr/>
+        </p:nvSpPr>
+        <p:spPr>
+          <a:xfrm>
+            <a:off x="11044230" y="599640"/>
+            <a:ext cx="1065664" cy="400110"/>
+          </a:xfrm>
+          <a:prstGeom prst="rect">
+            <a:avLst/>
+          </a:prstGeom>
+          <a:noFill/>
+        </p:spPr>
+        <p:txBody>
+          <a:bodyPr wrap="square" rtlCol="0">
+            <a:spAutoFit/>
+          </a:bodyPr>
+          <a:lstStyle/>
+          <a:p>
+            <a:r>
+              <a:rPr lang="cs-CZ" sz="2000" b="1" dirty="0">
+                <a:solidFill>
+                  <a:srgbClr val="D29500"/>
+                </a:solidFill>
+                <a:latin typeface="OCR A Extended" panose="02010509020102010303" pitchFamily="50" charset="0"/>
+              </a:rPr>
+              <a:t>02:00</a:t>
+            </a:r>
+            <a:endParaRPr lang="en-GB" sz="2000" b="1" dirty="0">
+              <a:solidFill>
+                <a:srgbClr val="D29500"/>
+              </a:solidFill>
+              <a:latin typeface="OCR A Extended" panose="02010509020102010303" pitchFamily="50" charset="0"/>
+            </a:endParaRPr>
+          </a:p>
+        </p:txBody>
+      </p:sp>
     </p:spTree>
     <p:extLst>
       <p:ext uri="{BB962C8B-B14F-4D97-AF65-F5344CB8AC3E}">
@@ -12666,58 +14506,45 @@
           <a:chExt cx="0" cy="0"/>
         </a:xfrm>
       </p:grpSpPr>
-      <p:sp>
-        <p:nvSpPr>
-          <p:cNvPr id="11" name="Obdélník 10">
+      <p:pic>
+        <p:nvPicPr>
+          <p:cNvPr id="6" name="Grafický objekt 5" descr="Přesýpací hodiny 90% se souvislou výplní">
             <a:extLst>
               <a:ext uri="{FF2B5EF4-FFF2-40B4-BE49-F238E27FC236}">
-                <a16:creationId xmlns:a16="http://schemas.microsoft.com/office/drawing/2014/main" id="{469E1CFC-9F80-484C-8EC4-AA7D00838C7A}"/>
+                <a16:creationId xmlns:a16="http://schemas.microsoft.com/office/drawing/2014/main" id="{BD6BE900-98F4-4878-8DB5-CA296C47B091}"/>
               </a:ext>
             </a:extLst>
           </p:cNvPr>
-          <p:cNvSpPr/>
+          <p:cNvPicPr>
+            <a:picLocks noChangeAspect="1"/>
+          </p:cNvPicPr>
           <p:nvPr/>
-        </p:nvSpPr>
+        </p:nvPicPr>
+        <p:blipFill>
+          <a:blip r:embed="rId3">
+            <a:extLst>
+              <a:ext uri="{28A0092B-C50C-407E-A947-70E740481C1C}">
+                <a14:useLocalDpi xmlns:a14="http://schemas.microsoft.com/office/drawing/2010/main" val="0"/>
+              </a:ext>
+              <a:ext uri="{96DAC541-7B7A-43D3-8B79-37D633B846F1}">
+                <asvg:svgBlip xmlns:asvg="http://schemas.microsoft.com/office/drawing/2016/SVG/main" r:embed="rId4"/>
+              </a:ext>
+            </a:extLst>
+          </a:blip>
+          <a:stretch>
+            <a:fillRect/>
+          </a:stretch>
+        </p:blipFill>
         <p:spPr>
           <a:xfrm>
-            <a:off x="0" y="2919662"/>
-            <a:ext cx="12192000" cy="3938338"/>
+            <a:off x="11272262" y="171723"/>
+            <a:ext cx="521105" cy="521105"/>
           </a:xfrm>
           <a:prstGeom prst="rect">
             <a:avLst/>
           </a:prstGeom>
-          <a:solidFill>
-            <a:srgbClr val="FFC000"/>
-          </a:solidFill>
-          <a:ln>
-            <a:noFill/>
-          </a:ln>
         </p:spPr>
-        <p:style>
-          <a:lnRef idx="2">
-            <a:schemeClr val="accent1">
-              <a:shade val="50000"/>
-            </a:schemeClr>
-          </a:lnRef>
-          <a:fillRef idx="1">
-            <a:schemeClr val="accent1"/>
-          </a:fillRef>
-          <a:effectRef idx="0">
-            <a:schemeClr val="accent1"/>
-          </a:effectRef>
-          <a:fontRef idx="minor">
-            <a:schemeClr val="lt1"/>
-          </a:fontRef>
-        </p:style>
-        <p:txBody>
-          <a:bodyPr rtlCol="0" anchor="ctr"/>
-          <a:lstStyle/>
-          <a:p>
-            <a:pPr algn="ctr"/>
-            <a:endParaRPr lang="en-GB"/>
-          </a:p>
-        </p:txBody>
-      </p:sp>
+      </p:pic>
       <p:sp>
         <p:nvSpPr>
           <p:cNvPr id="2" name="Nadpis 1">
@@ -12785,7 +14612,7 @@
             <p:ph idx="1"/>
             <p:extLst>
               <p:ext uri="{D42A27DB-BD31-4B8C-83A1-F6EECF244321}">
-                <p14:modId xmlns:p14="http://schemas.microsoft.com/office/powerpoint/2010/main" val="630994442"/>
+                <p14:modId xmlns:p14="http://schemas.microsoft.com/office/powerpoint/2010/main" val="2698727694"/>
               </p:ext>
             </p:extLst>
           </p:nvPr>
@@ -12852,7 +14679,11 @@
                       </a:endParaRPr>
                     </a:p>
                   </a:txBody>
-                  <a:tcPr anchor="ctr"/>
+                  <a:tcPr anchor="ctr">
+                    <a:solidFill>
+                      <a:srgbClr val="D29500"/>
+                    </a:solidFill>
+                  </a:tcPr>
                 </a:tc>
                 <a:tc>
                   <a:txBody>
@@ -12891,7 +14722,11 @@
                       </a:endParaRPr>
                     </a:p>
                   </a:txBody>
-                  <a:tcPr anchor="ctr"/>
+                  <a:tcPr anchor="ctr">
+                    <a:solidFill>
+                      <a:srgbClr val="D29500"/>
+                    </a:solidFill>
+                  </a:tcPr>
                 </a:tc>
                 <a:tc>
                   <a:txBody>
@@ -12914,7 +14749,11 @@
                       </a:endParaRPr>
                     </a:p>
                   </a:txBody>
-                  <a:tcPr anchor="ctr"/>
+                  <a:tcPr anchor="ctr">
+                    <a:solidFill>
+                      <a:srgbClr val="D29500"/>
+                    </a:solidFill>
+                  </a:tcPr>
                 </a:tc>
                 <a:tc>
                   <a:txBody>
@@ -12937,7 +14776,11 @@
                       </a:endParaRPr>
                     </a:p>
                   </a:txBody>
-                  <a:tcPr anchor="ctr"/>
+                  <a:tcPr anchor="ctr">
+                    <a:solidFill>
+                      <a:srgbClr val="D29500"/>
+                    </a:solidFill>
+                  </a:tcPr>
                 </a:tc>
                 <a:extLst>
                   <a:ext uri="{0D108BD9-81ED-4DB2-BD59-A6C34878D82A}">
@@ -12959,7 +14802,13 @@
                       <a:endParaRPr lang="en-GB" dirty="0"/>
                     </a:p>
                   </a:txBody>
-                  <a:tcPr anchor="ctr"/>
+                  <a:tcPr anchor="ctr">
+                    <a:solidFill>
+                      <a:schemeClr val="bg1">
+                        <a:lumMod val="95000"/>
+                      </a:schemeClr>
+                    </a:solidFill>
+                  </a:tcPr>
                 </a:tc>
                 <a:tc gridSpan="3">
                   <a:txBody>
@@ -13034,7 +14883,13 @@
                       <a:endParaRPr lang="en-GB" sz="1400" dirty="0"/>
                     </a:p>
                   </a:txBody>
-                  <a:tcPr anchor="ctr"/>
+                  <a:tcPr anchor="ctr">
+                    <a:solidFill>
+                      <a:schemeClr val="bg1">
+                        <a:lumMod val="95000"/>
+                      </a:schemeClr>
+                    </a:solidFill>
+                  </a:tcPr>
                 </a:tc>
                 <a:tc hMerge="1">
                   <a:txBody>
@@ -13086,7 +14941,13 @@
                       <a:endParaRPr lang="en-GB" dirty="0"/>
                     </a:p>
                   </a:txBody>
-                  <a:tcPr anchor="ctr"/>
+                  <a:tcPr anchor="ctr">
+                    <a:solidFill>
+                      <a:schemeClr val="bg1">
+                        <a:lumMod val="95000"/>
+                      </a:schemeClr>
+                    </a:solidFill>
+                  </a:tcPr>
                 </a:tc>
                 <a:tc>
                   <a:txBody>
@@ -13101,7 +14962,13 @@
                       <a:endParaRPr lang="en-GB" dirty="0"/>
                     </a:p>
                   </a:txBody>
-                  <a:tcPr anchor="ctr"/>
+                  <a:tcPr anchor="ctr">
+                    <a:solidFill>
+                      <a:schemeClr val="bg1">
+                        <a:lumMod val="95000"/>
+                      </a:schemeClr>
+                    </a:solidFill>
+                  </a:tcPr>
                 </a:tc>
                 <a:tc>
                   <a:txBody>
@@ -13116,7 +14983,13 @@
                       <a:endParaRPr lang="en-GB" dirty="0"/>
                     </a:p>
                   </a:txBody>
-                  <a:tcPr anchor="ctr"/>
+                  <a:tcPr anchor="ctr">
+                    <a:solidFill>
+                      <a:schemeClr val="bg1">
+                        <a:lumMod val="95000"/>
+                      </a:schemeClr>
+                    </a:solidFill>
+                  </a:tcPr>
                 </a:tc>
                 <a:tc>
                   <a:txBody>
@@ -13131,7 +15004,13 @@
                       <a:endParaRPr lang="en-GB" dirty="0"/>
                     </a:p>
                   </a:txBody>
-                  <a:tcPr anchor="ctr"/>
+                  <a:tcPr anchor="ctr">
+                    <a:solidFill>
+                      <a:schemeClr val="bg1">
+                        <a:lumMod val="95000"/>
+                      </a:schemeClr>
+                    </a:solidFill>
+                  </a:tcPr>
                 </a:tc>
                 <a:extLst>
                   <a:ext uri="{0D108BD9-81ED-4DB2-BD59-A6C34878D82A}">
@@ -13158,20 +15037,27 @@
           <p:nvPr/>
         </p:nvPicPr>
         <p:blipFill rotWithShape="1">
-          <a:blip r:embed="rId2">
+          <a:blip r:embed="rId5">
+            <a:duotone>
+              <a:schemeClr val="accent4">
+                <a:shade val="45000"/>
+                <a:satMod val="135000"/>
+              </a:schemeClr>
+              <a:prstClr val="white"/>
+            </a:duotone>
             <a:extLst>
               <a:ext uri="{28A0092B-C50C-407E-A947-70E740481C1C}">
                 <a14:useLocalDpi xmlns:a14="http://schemas.microsoft.com/office/drawing/2010/main" val="0"/>
               </a:ext>
             </a:extLst>
           </a:blip>
-          <a:srcRect t="71911" b="1"/>
+          <a:srcRect t="71616" r="42529" b="1"/>
           <a:stretch/>
         </p:blipFill>
         <p:spPr>
-          <a:xfrm flipH="1" flipV="1">
-            <a:off x="8910997" y="1940897"/>
-            <a:ext cx="3389400" cy="978765"/>
+          <a:xfrm flipH="1">
+            <a:off x="9618133" y="6112831"/>
+            <a:ext cx="829733" cy="421304"/>
           </a:xfrm>
           <a:prstGeom prst="rect">
             <a:avLst/>
@@ -13193,20 +15079,27 @@
           <p:nvPr/>
         </p:nvPicPr>
         <p:blipFill rotWithShape="1">
-          <a:blip r:embed="rId2">
+          <a:blip r:embed="rId5">
+            <a:duotone>
+              <a:schemeClr val="accent4">
+                <a:shade val="45000"/>
+                <a:satMod val="135000"/>
+              </a:schemeClr>
+              <a:prstClr val="white"/>
+            </a:duotone>
             <a:extLst>
               <a:ext uri="{28A0092B-C50C-407E-A947-70E740481C1C}">
                 <a14:useLocalDpi xmlns:a14="http://schemas.microsoft.com/office/drawing/2010/main" val="0"/>
               </a:ext>
             </a:extLst>
           </a:blip>
-          <a:srcRect t="71911" b="1"/>
+          <a:srcRect l="37414" t="71911" b="1"/>
           <a:stretch/>
         </p:blipFill>
         <p:spPr>
-          <a:xfrm flipV="1">
-            <a:off x="-242329" y="1940897"/>
-            <a:ext cx="3389400" cy="978765"/>
+          <a:xfrm flipH="1" flipV="1">
+            <a:off x="325440" y="2726646"/>
+            <a:ext cx="1522214" cy="702353"/>
           </a:xfrm>
           <a:prstGeom prst="rect">
             <a:avLst/>
@@ -13228,7 +15121,7 @@
           <p:nvPr/>
         </p:nvPicPr>
         <p:blipFill>
-          <a:blip r:embed="rId3"/>
+          <a:blip r:embed="rId6"/>
           <a:stretch>
             <a:fillRect/>
           </a:stretch>
@@ -13258,15 +15151,103 @@
           <p:nvPr/>
         </p:nvPicPr>
         <p:blipFill>
-          <a:blip r:embed="rId4"/>
+          <a:blip r:embed="rId7"/>
           <a:stretch>
             <a:fillRect/>
           </a:stretch>
         </p:blipFill>
         <p:spPr>
           <a:xfrm>
-            <a:off x="6725619" y="3511831"/>
+            <a:off x="6725619" y="3358831"/>
             <a:ext cx="5186201" cy="2754000"/>
+          </a:xfrm>
+          <a:prstGeom prst="rect">
+            <a:avLst/>
+          </a:prstGeom>
+        </p:spPr>
+      </p:pic>
+      <p:sp>
+        <p:nvSpPr>
+          <p:cNvPr id="14" name="TextovéPole 13">
+            <a:extLst>
+              <a:ext uri="{FF2B5EF4-FFF2-40B4-BE49-F238E27FC236}">
+                <a16:creationId xmlns:a16="http://schemas.microsoft.com/office/drawing/2014/main" id="{12FE850D-5561-4FAD-83F7-BA5A68A4D101}"/>
+              </a:ext>
+            </a:extLst>
+          </p:cNvPr>
+          <p:cNvSpPr txBox="1"/>
+          <p:nvPr/>
+        </p:nvSpPr>
+        <p:spPr>
+          <a:xfrm>
+            <a:off x="11044230" y="599640"/>
+            <a:ext cx="1065664" cy="400110"/>
+          </a:xfrm>
+          <a:prstGeom prst="rect">
+            <a:avLst/>
+          </a:prstGeom>
+          <a:noFill/>
+        </p:spPr>
+        <p:txBody>
+          <a:bodyPr wrap="square" rtlCol="0">
+            <a:spAutoFit/>
+          </a:bodyPr>
+          <a:lstStyle/>
+          <a:p>
+            <a:r>
+              <a:rPr lang="cs-CZ" sz="2000" b="1" dirty="0">
+                <a:solidFill>
+                  <a:srgbClr val="D29500"/>
+                </a:solidFill>
+                <a:latin typeface="OCR A Extended" panose="02010509020102010303" pitchFamily="50" charset="0"/>
+              </a:rPr>
+              <a:t>08:00</a:t>
+            </a:r>
+            <a:endParaRPr lang="en-GB" sz="2000" b="1" dirty="0">
+              <a:solidFill>
+                <a:srgbClr val="D29500"/>
+              </a:solidFill>
+              <a:latin typeface="OCR A Extended" panose="02010509020102010303" pitchFamily="50" charset="0"/>
+            </a:endParaRPr>
+          </a:p>
+        </p:txBody>
+      </p:sp>
+      <p:pic>
+        <p:nvPicPr>
+          <p:cNvPr id="16" name="Obrázek 15">
+            <a:extLst>
+              <a:ext uri="{FF2B5EF4-FFF2-40B4-BE49-F238E27FC236}">
+                <a16:creationId xmlns:a16="http://schemas.microsoft.com/office/drawing/2014/main" id="{8A2DE40E-C75A-4205-8441-822872AD8042}"/>
+              </a:ext>
+            </a:extLst>
+          </p:cNvPr>
+          <p:cNvPicPr>
+            <a:picLocks noChangeAspect="1"/>
+          </p:cNvPicPr>
+          <p:nvPr/>
+        </p:nvPicPr>
+        <p:blipFill rotWithShape="1">
+          <a:blip r:embed="rId5">
+            <a:duotone>
+              <a:schemeClr val="accent4">
+                <a:shade val="45000"/>
+                <a:satMod val="135000"/>
+              </a:schemeClr>
+              <a:prstClr val="white"/>
+            </a:duotone>
+            <a:extLst>
+              <a:ext uri="{28A0092B-C50C-407E-A947-70E740481C1C}">
+                <a14:useLocalDpi xmlns:a14="http://schemas.microsoft.com/office/drawing/2010/main" val="0"/>
+              </a:ext>
+            </a:extLst>
+          </a:blip>
+          <a:srcRect t="71616" r="42529" b="1"/>
+          <a:stretch/>
+        </p:blipFill>
+        <p:spPr>
+          <a:xfrm>
+            <a:off x="8720667" y="6112831"/>
+            <a:ext cx="829733" cy="421304"/>
           </a:xfrm>
           <a:prstGeom prst="rect">
             <a:avLst/>
@@ -13326,7 +15307,7 @@
           <p:nvPr/>
         </p:nvPicPr>
         <p:blipFill rotWithShape="1">
-          <a:blip r:embed="rId2"/>
+          <a:blip r:embed="rId3"/>
           <a:srcRect t="986"/>
           <a:stretch/>
         </p:blipFill>
@@ -13355,13 +15336,13 @@
           <p:nvPr/>
         </p:nvPicPr>
         <p:blipFill>
-          <a:blip r:embed="rId3">
+          <a:blip r:embed="rId4">
             <a:extLst>
               <a:ext uri="{28A0092B-C50C-407E-A947-70E740481C1C}">
                 <a14:useLocalDpi xmlns:a14="http://schemas.microsoft.com/office/drawing/2010/main" val="0"/>
               </a:ext>
               <a:ext uri="{96DAC541-7B7A-43D3-8B79-37D633B846F1}">
-                <asvg:svgBlip xmlns:asvg="http://schemas.microsoft.com/office/drawing/2016/SVG/main" r:embed="rId4"/>
+                <asvg:svgBlip xmlns:asvg="http://schemas.microsoft.com/office/drawing/2016/SVG/main" r:embed="rId5"/>
               </a:ext>
             </a:extLst>
           </a:blip>
@@ -13394,13 +15375,13 @@
           <p:nvPr/>
         </p:nvPicPr>
         <p:blipFill>
-          <a:blip r:embed="rId3">
+          <a:blip r:embed="rId4">
             <a:extLst>
               <a:ext uri="{28A0092B-C50C-407E-A947-70E740481C1C}">
                 <a14:useLocalDpi xmlns:a14="http://schemas.microsoft.com/office/drawing/2010/main" val="0"/>
               </a:ext>
               <a:ext uri="{96DAC541-7B7A-43D3-8B79-37D633B846F1}">
-                <asvg:svgBlip xmlns:asvg="http://schemas.microsoft.com/office/drawing/2016/SVG/main" r:embed="rId4"/>
+                <asvg:svgBlip xmlns:asvg="http://schemas.microsoft.com/office/drawing/2016/SVG/main" r:embed="rId5"/>
               </a:ext>
             </a:extLst>
           </a:blip>
@@ -13433,13 +15414,13 @@
           <p:nvPr/>
         </p:nvPicPr>
         <p:blipFill>
-          <a:blip r:embed="rId3">
+          <a:blip r:embed="rId4">
             <a:extLst>
               <a:ext uri="{28A0092B-C50C-407E-A947-70E740481C1C}">
                 <a14:useLocalDpi xmlns:a14="http://schemas.microsoft.com/office/drawing/2010/main" val="0"/>
               </a:ext>
               <a:ext uri="{96DAC541-7B7A-43D3-8B79-37D633B846F1}">
-                <asvg:svgBlip xmlns:asvg="http://schemas.microsoft.com/office/drawing/2016/SVG/main" r:embed="rId4"/>
+                <asvg:svgBlip xmlns:asvg="http://schemas.microsoft.com/office/drawing/2016/SVG/main" r:embed="rId5"/>
               </a:ext>
             </a:extLst>
           </a:blip>
@@ -13472,13 +15453,13 @@
           <p:nvPr/>
         </p:nvPicPr>
         <p:blipFill>
-          <a:blip r:embed="rId3">
+          <a:blip r:embed="rId4">
             <a:extLst>
               <a:ext uri="{28A0092B-C50C-407E-A947-70E740481C1C}">
                 <a14:useLocalDpi xmlns:a14="http://schemas.microsoft.com/office/drawing/2010/main" val="0"/>
               </a:ext>
               <a:ext uri="{96DAC541-7B7A-43D3-8B79-37D633B846F1}">
-                <asvg:svgBlip xmlns:asvg="http://schemas.microsoft.com/office/drawing/2016/SVG/main" r:embed="rId4"/>
+                <asvg:svgBlip xmlns:asvg="http://schemas.microsoft.com/office/drawing/2016/SVG/main" r:embed="rId5"/>
               </a:ext>
             </a:extLst>
           </a:blip>
@@ -13511,13 +15492,13 @@
           <p:nvPr/>
         </p:nvPicPr>
         <p:blipFill>
-          <a:blip r:embed="rId3">
+          <a:blip r:embed="rId4">
             <a:extLst>
               <a:ext uri="{28A0092B-C50C-407E-A947-70E740481C1C}">
                 <a14:useLocalDpi xmlns:a14="http://schemas.microsoft.com/office/drawing/2010/main" val="0"/>
               </a:ext>
               <a:ext uri="{96DAC541-7B7A-43D3-8B79-37D633B846F1}">
-                <asvg:svgBlip xmlns:asvg="http://schemas.microsoft.com/office/drawing/2016/SVG/main" r:embed="rId4"/>
+                <asvg:svgBlip xmlns:asvg="http://schemas.microsoft.com/office/drawing/2016/SVG/main" r:embed="rId5"/>
               </a:ext>
             </a:extLst>
           </a:blip>
@@ -13550,13 +15531,13 @@
           <p:nvPr/>
         </p:nvPicPr>
         <p:blipFill>
-          <a:blip r:embed="rId3">
+          <a:blip r:embed="rId4">
             <a:extLst>
               <a:ext uri="{28A0092B-C50C-407E-A947-70E740481C1C}">
                 <a14:useLocalDpi xmlns:a14="http://schemas.microsoft.com/office/drawing/2010/main" val="0"/>
               </a:ext>
               <a:ext uri="{96DAC541-7B7A-43D3-8B79-37D633B846F1}">
-                <asvg:svgBlip xmlns:asvg="http://schemas.microsoft.com/office/drawing/2016/SVG/main" r:embed="rId4"/>
+                <asvg:svgBlip xmlns:asvg="http://schemas.microsoft.com/office/drawing/2016/SVG/main" r:embed="rId5"/>
               </a:ext>
             </a:extLst>
           </a:blip>
@@ -13589,13 +15570,13 @@
           <p:nvPr/>
         </p:nvPicPr>
         <p:blipFill>
-          <a:blip r:embed="rId3">
+          <a:blip r:embed="rId4">
             <a:extLst>
               <a:ext uri="{28A0092B-C50C-407E-A947-70E740481C1C}">
                 <a14:useLocalDpi xmlns:a14="http://schemas.microsoft.com/office/drawing/2010/main" val="0"/>
               </a:ext>
               <a:ext uri="{96DAC541-7B7A-43D3-8B79-37D633B846F1}">
-                <asvg:svgBlip xmlns:asvg="http://schemas.microsoft.com/office/drawing/2016/SVG/main" r:embed="rId4"/>
+                <asvg:svgBlip xmlns:asvg="http://schemas.microsoft.com/office/drawing/2016/SVG/main" r:embed="rId5"/>
               </a:ext>
             </a:extLst>
           </a:blip>
@@ -13628,13 +15609,13 @@
           <p:nvPr/>
         </p:nvPicPr>
         <p:blipFill>
-          <a:blip r:embed="rId3">
+          <a:blip r:embed="rId4">
             <a:extLst>
               <a:ext uri="{28A0092B-C50C-407E-A947-70E740481C1C}">
                 <a14:useLocalDpi xmlns:a14="http://schemas.microsoft.com/office/drawing/2010/main" val="0"/>
               </a:ext>
               <a:ext uri="{96DAC541-7B7A-43D3-8B79-37D633B846F1}">
-                <asvg:svgBlip xmlns:asvg="http://schemas.microsoft.com/office/drawing/2016/SVG/main" r:embed="rId4"/>
+                <asvg:svgBlip xmlns:asvg="http://schemas.microsoft.com/office/drawing/2016/SVG/main" r:embed="rId5"/>
               </a:ext>
             </a:extLst>
           </a:blip>
@@ -13667,13 +15648,13 @@
           <p:nvPr/>
         </p:nvPicPr>
         <p:blipFill>
-          <a:blip r:embed="rId3">
+          <a:blip r:embed="rId4">
             <a:extLst>
               <a:ext uri="{28A0092B-C50C-407E-A947-70E740481C1C}">
                 <a14:useLocalDpi xmlns:a14="http://schemas.microsoft.com/office/drawing/2010/main" val="0"/>
               </a:ext>
               <a:ext uri="{96DAC541-7B7A-43D3-8B79-37D633B846F1}">
-                <asvg:svgBlip xmlns:asvg="http://schemas.microsoft.com/office/drawing/2016/SVG/main" r:embed="rId4"/>
+                <asvg:svgBlip xmlns:asvg="http://schemas.microsoft.com/office/drawing/2016/SVG/main" r:embed="rId5"/>
               </a:ext>
             </a:extLst>
           </a:blip>
@@ -13706,13 +15687,13 @@
           <p:nvPr/>
         </p:nvPicPr>
         <p:blipFill>
-          <a:blip r:embed="rId3">
+          <a:blip r:embed="rId4">
             <a:extLst>
               <a:ext uri="{28A0092B-C50C-407E-A947-70E740481C1C}">
                 <a14:useLocalDpi xmlns:a14="http://schemas.microsoft.com/office/drawing/2010/main" val="0"/>
               </a:ext>
               <a:ext uri="{96DAC541-7B7A-43D3-8B79-37D633B846F1}">
-                <asvg:svgBlip xmlns:asvg="http://schemas.microsoft.com/office/drawing/2016/SVG/main" r:embed="rId4"/>
+                <asvg:svgBlip xmlns:asvg="http://schemas.microsoft.com/office/drawing/2016/SVG/main" r:embed="rId5"/>
               </a:ext>
             </a:extLst>
           </a:blip>
@@ -13745,13 +15726,13 @@
           <p:nvPr/>
         </p:nvPicPr>
         <p:blipFill>
-          <a:blip r:embed="rId5">
+          <a:blip r:embed="rId6">
             <a:extLst>
               <a:ext uri="{28A0092B-C50C-407E-A947-70E740481C1C}">
                 <a14:useLocalDpi xmlns:a14="http://schemas.microsoft.com/office/drawing/2010/main" val="0"/>
               </a:ext>
               <a:ext uri="{96DAC541-7B7A-43D3-8B79-37D633B846F1}">
-                <asvg:svgBlip xmlns:asvg="http://schemas.microsoft.com/office/drawing/2016/SVG/main" r:embed="rId6"/>
+                <asvg:svgBlip xmlns:asvg="http://schemas.microsoft.com/office/drawing/2016/SVG/main" r:embed="rId7"/>
               </a:ext>
             </a:extLst>
           </a:blip>
@@ -13784,13 +15765,13 @@
           <p:nvPr/>
         </p:nvPicPr>
         <p:blipFill>
-          <a:blip r:embed="rId5">
+          <a:blip r:embed="rId6">
             <a:extLst>
               <a:ext uri="{28A0092B-C50C-407E-A947-70E740481C1C}">
                 <a14:useLocalDpi xmlns:a14="http://schemas.microsoft.com/office/drawing/2010/main" val="0"/>
               </a:ext>
               <a:ext uri="{96DAC541-7B7A-43D3-8B79-37D633B846F1}">
-                <asvg:svgBlip xmlns:asvg="http://schemas.microsoft.com/office/drawing/2016/SVG/main" r:embed="rId6"/>
+                <asvg:svgBlip xmlns:asvg="http://schemas.microsoft.com/office/drawing/2016/SVG/main" r:embed="rId7"/>
               </a:ext>
             </a:extLst>
           </a:blip>
@@ -14022,7 +16003,7 @@
           <p:nvPr/>
         </p:nvPicPr>
         <p:blipFill rotWithShape="1">
-          <a:blip r:embed="rId2"/>
+          <a:blip r:embed="rId3"/>
           <a:srcRect t="6355"/>
           <a:stretch/>
         </p:blipFill>
@@ -14051,7 +16032,7 @@
           <p:nvPr/>
         </p:nvPicPr>
         <p:blipFill rotWithShape="1">
-          <a:blip r:embed="rId3">
+          <a:blip r:embed="rId4">
             <a:extLst>
               <a:ext uri="{28A0092B-C50C-407E-A947-70E740481C1C}">
                 <a14:useLocalDpi xmlns:a14="http://schemas.microsoft.com/office/drawing/2010/main" val="0"/>
@@ -14063,8 +16044,8 @@
         </p:blipFill>
         <p:spPr>
           <a:xfrm flipH="1" flipV="1">
-            <a:off x="-139460" y="5872091"/>
-            <a:ext cx="3389400" cy="978765"/>
+            <a:off x="-139460" y="6038297"/>
+            <a:ext cx="2813836" cy="812558"/>
           </a:xfrm>
           <a:prstGeom prst="rect">
             <a:avLst/>
@@ -14086,13 +16067,13 @@
           <p:nvPr/>
         </p:nvPicPr>
         <p:blipFill>
-          <a:blip r:embed="rId4">
+          <a:blip r:embed="rId5">
             <a:extLst>
               <a:ext uri="{28A0092B-C50C-407E-A947-70E740481C1C}">
                 <a14:useLocalDpi xmlns:a14="http://schemas.microsoft.com/office/drawing/2010/main" val="0"/>
               </a:ext>
               <a:ext uri="{96DAC541-7B7A-43D3-8B79-37D633B846F1}">
-                <asvg:svgBlip xmlns:asvg="http://schemas.microsoft.com/office/drawing/2016/SVG/main" r:embed="rId5"/>
+                <asvg:svgBlip xmlns:asvg="http://schemas.microsoft.com/office/drawing/2016/SVG/main" r:embed="rId6"/>
               </a:ext>
             </a:extLst>
           </a:blip>
@@ -14125,13 +16106,13 @@
           <p:nvPr/>
         </p:nvPicPr>
         <p:blipFill>
-          <a:blip r:embed="rId4">
+          <a:blip r:embed="rId5">
             <a:extLst>
               <a:ext uri="{28A0092B-C50C-407E-A947-70E740481C1C}">
                 <a14:useLocalDpi xmlns:a14="http://schemas.microsoft.com/office/drawing/2010/main" val="0"/>
               </a:ext>
               <a:ext uri="{96DAC541-7B7A-43D3-8B79-37D633B846F1}">
-                <asvg:svgBlip xmlns:asvg="http://schemas.microsoft.com/office/drawing/2016/SVG/main" r:embed="rId5"/>
+                <asvg:svgBlip xmlns:asvg="http://schemas.microsoft.com/office/drawing/2016/SVG/main" r:embed="rId6"/>
               </a:ext>
             </a:extLst>
           </a:blip>
@@ -14164,13 +16145,13 @@
           <p:nvPr/>
         </p:nvPicPr>
         <p:blipFill>
-          <a:blip r:embed="rId4">
+          <a:blip r:embed="rId5">
             <a:extLst>
               <a:ext uri="{28A0092B-C50C-407E-A947-70E740481C1C}">
                 <a14:useLocalDpi xmlns:a14="http://schemas.microsoft.com/office/drawing/2010/main" val="0"/>
               </a:ext>
               <a:ext uri="{96DAC541-7B7A-43D3-8B79-37D633B846F1}">
-                <asvg:svgBlip xmlns:asvg="http://schemas.microsoft.com/office/drawing/2016/SVG/main" r:embed="rId5"/>
+                <asvg:svgBlip xmlns:asvg="http://schemas.microsoft.com/office/drawing/2016/SVG/main" r:embed="rId6"/>
               </a:ext>
             </a:extLst>
           </a:blip>
@@ -14203,13 +16184,13 @@
           <p:nvPr/>
         </p:nvPicPr>
         <p:blipFill>
-          <a:blip r:embed="rId4">
+          <a:blip r:embed="rId5">
             <a:extLst>
               <a:ext uri="{28A0092B-C50C-407E-A947-70E740481C1C}">
                 <a14:useLocalDpi xmlns:a14="http://schemas.microsoft.com/office/drawing/2010/main" val="0"/>
               </a:ext>
               <a:ext uri="{96DAC541-7B7A-43D3-8B79-37D633B846F1}">
-                <asvg:svgBlip xmlns:asvg="http://schemas.microsoft.com/office/drawing/2016/SVG/main" r:embed="rId5"/>
+                <asvg:svgBlip xmlns:asvg="http://schemas.microsoft.com/office/drawing/2016/SVG/main" r:embed="rId6"/>
               </a:ext>
             </a:extLst>
           </a:blip>
@@ -14242,13 +16223,13 @@
           <p:nvPr/>
         </p:nvPicPr>
         <p:blipFill>
-          <a:blip r:embed="rId4">
+          <a:blip r:embed="rId5">
             <a:extLst>
               <a:ext uri="{28A0092B-C50C-407E-A947-70E740481C1C}">
                 <a14:useLocalDpi xmlns:a14="http://schemas.microsoft.com/office/drawing/2010/main" val="0"/>
               </a:ext>
               <a:ext uri="{96DAC541-7B7A-43D3-8B79-37D633B846F1}">
-                <asvg:svgBlip xmlns:asvg="http://schemas.microsoft.com/office/drawing/2016/SVG/main" r:embed="rId5"/>
+                <asvg:svgBlip xmlns:asvg="http://schemas.microsoft.com/office/drawing/2016/SVG/main" r:embed="rId6"/>
               </a:ext>
             </a:extLst>
           </a:blip>
@@ -14281,13 +16262,13 @@
           <p:nvPr/>
         </p:nvPicPr>
         <p:blipFill>
-          <a:blip r:embed="rId4">
+          <a:blip r:embed="rId5">
             <a:extLst>
               <a:ext uri="{28A0092B-C50C-407E-A947-70E740481C1C}">
                 <a14:useLocalDpi xmlns:a14="http://schemas.microsoft.com/office/drawing/2010/main" val="0"/>
               </a:ext>
               <a:ext uri="{96DAC541-7B7A-43D3-8B79-37D633B846F1}">
-                <asvg:svgBlip xmlns:asvg="http://schemas.microsoft.com/office/drawing/2016/SVG/main" r:embed="rId5"/>
+                <asvg:svgBlip xmlns:asvg="http://schemas.microsoft.com/office/drawing/2016/SVG/main" r:embed="rId6"/>
               </a:ext>
             </a:extLst>
           </a:blip>
@@ -14320,13 +16301,13 @@
           <p:nvPr/>
         </p:nvPicPr>
         <p:blipFill>
-          <a:blip r:embed="rId6">
+          <a:blip r:embed="rId7">
             <a:extLst>
               <a:ext uri="{28A0092B-C50C-407E-A947-70E740481C1C}">
                 <a14:useLocalDpi xmlns:a14="http://schemas.microsoft.com/office/drawing/2010/main" val="0"/>
               </a:ext>
               <a:ext uri="{96DAC541-7B7A-43D3-8B79-37D633B846F1}">
-                <asvg:svgBlip xmlns:asvg="http://schemas.microsoft.com/office/drawing/2016/SVG/main" r:embed="rId7"/>
+                <asvg:svgBlip xmlns:asvg="http://schemas.microsoft.com/office/drawing/2016/SVG/main" r:embed="rId8"/>
               </a:ext>
             </a:extLst>
           </a:blip>
@@ -14359,13 +16340,13 @@
           <p:nvPr/>
         </p:nvPicPr>
         <p:blipFill>
-          <a:blip r:embed="rId6">
+          <a:blip r:embed="rId7">
             <a:extLst>
               <a:ext uri="{28A0092B-C50C-407E-A947-70E740481C1C}">
                 <a14:useLocalDpi xmlns:a14="http://schemas.microsoft.com/office/drawing/2010/main" val="0"/>
               </a:ext>
               <a:ext uri="{96DAC541-7B7A-43D3-8B79-37D633B846F1}">
-                <asvg:svgBlip xmlns:asvg="http://schemas.microsoft.com/office/drawing/2016/SVG/main" r:embed="rId7"/>
+                <asvg:svgBlip xmlns:asvg="http://schemas.microsoft.com/office/drawing/2016/SVG/main" r:embed="rId8"/>
               </a:ext>
             </a:extLst>
           </a:blip>
@@ -14501,7 +16482,7 @@
           <p:nvPr/>
         </p:nvPicPr>
         <p:blipFill>
-          <a:blip r:embed="rId2">
+          <a:blip r:embed="rId3">
             <a:extLst>
               <a:ext uri="{28A0092B-C50C-407E-A947-70E740481C1C}">
                 <a14:useLocalDpi xmlns:a14="http://schemas.microsoft.com/office/drawing/2010/main" val="0"/>
@@ -15182,7 +17163,7 @@
           <p:nvPr/>
         </p:nvPicPr>
         <p:blipFill>
-          <a:blip r:embed="rId3">
+          <a:blip r:embed="rId4">
             <a:extLst>
               <a:ext uri="{28A0092B-C50C-407E-A947-70E740481C1C}">
                 <a14:useLocalDpi xmlns:a14="http://schemas.microsoft.com/office/drawing/2010/main" val="0"/>
@@ -15348,83 +17329,6 @@
           <a:xfrm>
             <a:off x="8913655" y="4582486"/>
             <a:ext cx="1949948" cy="2004657"/>
-          </a:xfrm>
-          <a:prstGeom prst="rect">
-            <a:avLst/>
-          </a:prstGeom>
-        </p:spPr>
-      </p:pic>
-      <p:pic>
-        <p:nvPicPr>
-          <p:cNvPr id="6" name="Zástupný obsah 5" descr="Obsah obrázku bezobratlí, tmavé, měkkýši&#10;&#10;Popis byl vytvořen automaticky">
-            <a:extLst>
-              <a:ext uri="{FF2B5EF4-FFF2-40B4-BE49-F238E27FC236}">
-                <a16:creationId xmlns:a16="http://schemas.microsoft.com/office/drawing/2014/main" id="{E3276EF0-CF23-48B4-8BFB-B379BF0938F1}"/>
-              </a:ext>
-            </a:extLst>
-          </p:cNvPr>
-          <p:cNvPicPr>
-            <a:picLocks noGrp="1" noChangeAspect="1"/>
-          </p:cNvPicPr>
-          <p:nvPr>
-            <p:ph idx="1"/>
-          </p:nvPr>
-        </p:nvPicPr>
-        <p:blipFill>
-          <a:blip r:embed="rId3">
-            <a:extLst>
-              <a:ext uri="{28A0092B-C50C-407E-A947-70E740481C1C}">
-                <a14:useLocalDpi xmlns:a14="http://schemas.microsoft.com/office/drawing/2010/main" val="0"/>
-              </a:ext>
-              <a:ext uri="{837473B0-CC2E-450A-ABE3-18F120FF3D39}">
-                <a1611:picAttrSrcUrl xmlns:a1611="http://schemas.microsoft.com/office/drawing/2016/11/main" r:id="rId4"/>
-              </a:ext>
-            </a:extLst>
-          </a:blip>
-          <a:stretch>
-            <a:fillRect/>
-          </a:stretch>
-        </p:blipFill>
-        <p:spPr>
-          <a:xfrm>
-            <a:off x="8610594" y="-2060868"/>
-            <a:ext cx="2743206" cy="2331725"/>
-          </a:xfrm>
-        </p:spPr>
-      </p:pic>
-      <p:pic>
-        <p:nvPicPr>
-          <p:cNvPr id="12" name="Grafický objekt 11" descr="Sluneční brýle se souvislou výplní">
-            <a:extLst>
-              <a:ext uri="{FF2B5EF4-FFF2-40B4-BE49-F238E27FC236}">
-                <a16:creationId xmlns:a16="http://schemas.microsoft.com/office/drawing/2014/main" id="{87B070B9-DFA3-41AB-AC29-95CC7F04F58B}"/>
-              </a:ext>
-            </a:extLst>
-          </p:cNvPr>
-          <p:cNvPicPr>
-            <a:picLocks noChangeAspect="1"/>
-          </p:cNvPicPr>
-          <p:nvPr/>
-        </p:nvPicPr>
-        <p:blipFill>
-          <a:blip r:embed="rId5">
-            <a:extLst>
-              <a:ext uri="{28A0092B-C50C-407E-A947-70E740481C1C}">
-                <a14:useLocalDpi xmlns:a14="http://schemas.microsoft.com/office/drawing/2010/main" val="0"/>
-              </a:ext>
-              <a:ext uri="{96DAC541-7B7A-43D3-8B79-37D633B846F1}">
-                <asvg:svgBlip xmlns:asvg="http://schemas.microsoft.com/office/drawing/2016/SVG/main" r:embed="rId6"/>
-              </a:ext>
-            </a:extLst>
-          </a:blip>
-          <a:stretch>
-            <a:fillRect/>
-          </a:stretch>
-        </p:blipFill>
-        <p:spPr>
-          <a:xfrm>
-            <a:off x="9327819" y="-1452547"/>
-            <a:ext cx="1308755" cy="1308755"/>
           </a:xfrm>
           <a:prstGeom prst="rect">
             <a:avLst/>
@@ -16091,7 +17995,7 @@
           <p:nvPr/>
         </p:nvPicPr>
         <p:blipFill>
-          <a:blip r:embed="rId7">
+          <a:blip r:embed="rId3">
             <a:extLst>
               <a:ext uri="{28A0092B-C50C-407E-A947-70E740481C1C}">
                 <a14:useLocalDpi xmlns:a14="http://schemas.microsoft.com/office/drawing/2010/main" val="0"/>
@@ -16112,10 +18016,922 @@
           </a:prstGeom>
         </p:spPr>
       </p:pic>
+      <p:sp>
+        <p:nvSpPr>
+          <p:cNvPr id="4" name="Zástupný obsah 3">
+            <a:extLst>
+              <a:ext uri="{FF2B5EF4-FFF2-40B4-BE49-F238E27FC236}">
+                <a16:creationId xmlns:a16="http://schemas.microsoft.com/office/drawing/2014/main" id="{838852A3-5D32-42D0-A301-2118C2E9CBF7}"/>
+              </a:ext>
+            </a:extLst>
+          </p:cNvPr>
+          <p:cNvSpPr>
+            <a:spLocks noGrp="1"/>
+          </p:cNvSpPr>
+          <p:nvPr>
+            <p:ph idx="1"/>
+          </p:nvPr>
+        </p:nvSpPr>
+        <p:spPr/>
+        <p:txBody>
+          <a:bodyPr/>
+          <a:lstStyle/>
+          <a:p>
+            <a:endParaRPr lang="en-GB"/>
+          </a:p>
+        </p:txBody>
+      </p:sp>
     </p:spTree>
     <p:extLst>
       <p:ext uri="{BB962C8B-B14F-4D97-AF65-F5344CB8AC3E}">
         <p14:creationId xmlns:p14="http://schemas.microsoft.com/office/powerpoint/2010/main" val="2352098734"/>
+      </p:ext>
+    </p:extLst>
+  </p:cSld>
+  <p:clrMapOvr>
+    <a:masterClrMapping/>
+  </p:clrMapOvr>
+</p:sld>
+</file>
+
+<file path=ppt/slides/slide18.xml><?xml version="1.0" encoding="utf-8"?>
+<p:sld xmlns:a="http://schemas.openxmlformats.org/drawingml/2006/main" xmlns:r="http://schemas.openxmlformats.org/officeDocument/2006/relationships" xmlns:p="http://schemas.openxmlformats.org/presentationml/2006/main">
+  <p:cSld>
+    <p:spTree>
+      <p:nvGrpSpPr>
+        <p:cNvPr id="1" name=""/>
+        <p:cNvGrpSpPr/>
+        <p:nvPr/>
+      </p:nvGrpSpPr>
+      <p:grpSpPr>
+        <a:xfrm>
+          <a:off x="0" y="0"/>
+          <a:ext cx="0" cy="0"/>
+          <a:chOff x="0" y="0"/>
+          <a:chExt cx="0" cy="0"/>
+        </a:xfrm>
+      </p:grpSpPr>
+      <p:sp>
+        <p:nvSpPr>
+          <p:cNvPr id="2" name="Nadpis 1">
+            <a:extLst>
+              <a:ext uri="{FF2B5EF4-FFF2-40B4-BE49-F238E27FC236}">
+                <a16:creationId xmlns:a16="http://schemas.microsoft.com/office/drawing/2014/main" id="{A4AA72BC-1808-4BB9-B765-533FFB305B41}"/>
+              </a:ext>
+            </a:extLst>
+          </p:cNvPr>
+          <p:cNvSpPr>
+            <a:spLocks noGrp="1"/>
+          </p:cNvSpPr>
+          <p:nvPr>
+            <p:ph type="title"/>
+          </p:nvPr>
+        </p:nvSpPr>
+        <p:spPr/>
+        <p:txBody>
+          <a:bodyPr/>
+          <a:lstStyle/>
+          <a:p>
+            <a:r>
+              <a:rPr lang="cs-CZ" dirty="0" err="1">
+                <a:latin typeface="OCR A Extended" panose="02010509020102010303" pitchFamily="50" charset="0"/>
+              </a:rPr>
+              <a:t>Conclusion</a:t>
+            </a:r>
+            <a:endParaRPr lang="en-GB" dirty="0">
+              <a:latin typeface="OCR A Extended" panose="02010509020102010303" pitchFamily="50" charset="0"/>
+            </a:endParaRPr>
+          </a:p>
+        </p:txBody>
+      </p:sp>
+      <p:pic>
+        <p:nvPicPr>
+          <p:cNvPr id="5" name="Obrázek 4">
+            <a:extLst>
+              <a:ext uri="{FF2B5EF4-FFF2-40B4-BE49-F238E27FC236}">
+                <a16:creationId xmlns:a16="http://schemas.microsoft.com/office/drawing/2014/main" id="{C9FDDB48-9351-4C6F-B7DC-CFD6CD38654D}"/>
+              </a:ext>
+            </a:extLst>
+          </p:cNvPr>
+          <p:cNvPicPr>
+            <a:picLocks noChangeAspect="1"/>
+          </p:cNvPicPr>
+          <p:nvPr/>
+        </p:nvPicPr>
+        <p:blipFill>
+          <a:blip r:embed="rId2">
+            <a:extLst>
+              <a:ext uri="{28A0092B-C50C-407E-A947-70E740481C1C}">
+                <a14:useLocalDpi xmlns:a14="http://schemas.microsoft.com/office/drawing/2010/main" val="0"/>
+              </a:ext>
+            </a:extLst>
+          </a:blip>
+          <a:stretch>
+            <a:fillRect/>
+          </a:stretch>
+        </p:blipFill>
+        <p:spPr>
+          <a:xfrm>
+            <a:off x="8913655" y="4582486"/>
+            <a:ext cx="1949948" cy="2004657"/>
+          </a:xfrm>
+          <a:prstGeom prst="rect">
+            <a:avLst/>
+          </a:prstGeom>
+        </p:spPr>
+      </p:pic>
+      <p:pic>
+        <p:nvPicPr>
+          <p:cNvPr id="6" name="Zástupný obsah 5" descr="Obsah obrázku bezobratlí, tmavé, měkkýši&#10;&#10;Popis byl vytvořen automaticky">
+            <a:extLst>
+              <a:ext uri="{FF2B5EF4-FFF2-40B4-BE49-F238E27FC236}">
+                <a16:creationId xmlns:a16="http://schemas.microsoft.com/office/drawing/2014/main" id="{E3276EF0-CF23-48B4-8BFB-B379BF0938F1}"/>
+              </a:ext>
+            </a:extLst>
+          </p:cNvPr>
+          <p:cNvPicPr>
+            <a:picLocks noGrp="1" noChangeAspect="1"/>
+          </p:cNvPicPr>
+          <p:nvPr>
+            <p:ph idx="1"/>
+          </p:nvPr>
+        </p:nvPicPr>
+        <p:blipFill>
+          <a:blip r:embed="rId3">
+            <a:extLst>
+              <a:ext uri="{28A0092B-C50C-407E-A947-70E740481C1C}">
+                <a14:useLocalDpi xmlns:a14="http://schemas.microsoft.com/office/drawing/2010/main" val="0"/>
+              </a:ext>
+              <a:ext uri="{837473B0-CC2E-450A-ABE3-18F120FF3D39}">
+                <a1611:picAttrSrcUrl xmlns:a1611="http://schemas.microsoft.com/office/drawing/2016/11/main" r:id="rId4"/>
+              </a:ext>
+            </a:extLst>
+          </a:blip>
+          <a:stretch>
+            <a:fillRect/>
+          </a:stretch>
+        </p:blipFill>
+        <p:spPr>
+          <a:xfrm>
+            <a:off x="8610594" y="-2060868"/>
+            <a:ext cx="2743206" cy="2331725"/>
+          </a:xfrm>
+        </p:spPr>
+      </p:pic>
+      <p:pic>
+        <p:nvPicPr>
+          <p:cNvPr id="12" name="Grafický objekt 11" descr="Sluneční brýle se souvislou výplní">
+            <a:extLst>
+              <a:ext uri="{FF2B5EF4-FFF2-40B4-BE49-F238E27FC236}">
+                <a16:creationId xmlns:a16="http://schemas.microsoft.com/office/drawing/2014/main" id="{87B070B9-DFA3-41AB-AC29-95CC7F04F58B}"/>
+              </a:ext>
+            </a:extLst>
+          </p:cNvPr>
+          <p:cNvPicPr>
+            <a:picLocks noChangeAspect="1"/>
+          </p:cNvPicPr>
+          <p:nvPr/>
+        </p:nvPicPr>
+        <p:blipFill>
+          <a:blip r:embed="rId5">
+            <a:extLst>
+              <a:ext uri="{28A0092B-C50C-407E-A947-70E740481C1C}">
+                <a14:useLocalDpi xmlns:a14="http://schemas.microsoft.com/office/drawing/2010/main" val="0"/>
+              </a:ext>
+              <a:ext uri="{96DAC541-7B7A-43D3-8B79-37D633B846F1}">
+                <asvg:svgBlip xmlns:asvg="http://schemas.microsoft.com/office/drawing/2016/SVG/main" r:embed="rId6"/>
+              </a:ext>
+            </a:extLst>
+          </a:blip>
+          <a:stretch>
+            <a:fillRect/>
+          </a:stretch>
+        </p:blipFill>
+        <p:spPr>
+          <a:xfrm>
+            <a:off x="9327819" y="-1452547"/>
+            <a:ext cx="1308755" cy="1308755"/>
+          </a:xfrm>
+          <a:prstGeom prst="rect">
+            <a:avLst/>
+          </a:prstGeom>
+        </p:spPr>
+      </p:pic>
+      <p:sp>
+        <p:nvSpPr>
+          <p:cNvPr id="15" name="Zástupný obsah 2">
+            <a:extLst>
+              <a:ext uri="{FF2B5EF4-FFF2-40B4-BE49-F238E27FC236}">
+                <a16:creationId xmlns:a16="http://schemas.microsoft.com/office/drawing/2014/main" id="{8281322E-1A88-4226-85C8-77FCBDACA1C0}"/>
+              </a:ext>
+            </a:extLst>
+          </p:cNvPr>
+          <p:cNvSpPr txBox="1">
+            <a:spLocks/>
+          </p:cNvSpPr>
+          <p:nvPr/>
+        </p:nvSpPr>
+        <p:spPr>
+          <a:xfrm>
+            <a:off x="838199" y="1553064"/>
+            <a:ext cx="10753725" cy="4351338"/>
+          </a:xfrm>
+          <a:prstGeom prst="rect">
+            <a:avLst/>
+          </a:prstGeom>
+        </p:spPr>
+        <p:txBody>
+          <a:bodyPr vert="horz" lIns="91440" tIns="45720" rIns="91440" bIns="45720" rtlCol="0">
+            <a:normAutofit/>
+          </a:bodyPr>
+          <a:lstStyle>
+            <a:lvl1pPr marL="228600" indent="-228600" algn="l" defTabSz="914400" rtl="0" eaLnBrk="1" latinLnBrk="0" hangingPunct="1">
+              <a:lnSpc>
+                <a:spcPct val="90000"/>
+              </a:lnSpc>
+              <a:spcBef>
+                <a:spcPts val="1000"/>
+              </a:spcBef>
+              <a:buFont typeface="Arial" panose="020B0604020202020204" pitchFamily="34" charset="0"/>
+              <a:buChar char="•"/>
+              <a:defRPr sz="2800" kern="1200">
+                <a:solidFill>
+                  <a:schemeClr val="tx1"/>
+                </a:solidFill>
+                <a:latin typeface="+mn-lt"/>
+                <a:ea typeface="+mn-ea"/>
+                <a:cs typeface="+mn-cs"/>
+              </a:defRPr>
+            </a:lvl1pPr>
+            <a:lvl2pPr marL="685800" indent="-228600" algn="l" defTabSz="914400" rtl="0" eaLnBrk="1" latinLnBrk="0" hangingPunct="1">
+              <a:lnSpc>
+                <a:spcPct val="90000"/>
+              </a:lnSpc>
+              <a:spcBef>
+                <a:spcPts val="500"/>
+              </a:spcBef>
+              <a:buFont typeface="Arial" panose="020B0604020202020204" pitchFamily="34" charset="0"/>
+              <a:buChar char="•"/>
+              <a:defRPr sz="2400" kern="1200">
+                <a:solidFill>
+                  <a:schemeClr val="tx1"/>
+                </a:solidFill>
+                <a:latin typeface="+mn-lt"/>
+                <a:ea typeface="+mn-ea"/>
+                <a:cs typeface="+mn-cs"/>
+              </a:defRPr>
+            </a:lvl2pPr>
+            <a:lvl3pPr marL="1143000" indent="-228600" algn="l" defTabSz="914400" rtl="0" eaLnBrk="1" latinLnBrk="0" hangingPunct="1">
+              <a:lnSpc>
+                <a:spcPct val="90000"/>
+              </a:lnSpc>
+              <a:spcBef>
+                <a:spcPts val="500"/>
+              </a:spcBef>
+              <a:buFont typeface="Arial" panose="020B0604020202020204" pitchFamily="34" charset="0"/>
+              <a:buChar char="•"/>
+              <a:defRPr sz="2000" kern="1200">
+                <a:solidFill>
+                  <a:schemeClr val="tx1"/>
+                </a:solidFill>
+                <a:latin typeface="+mn-lt"/>
+                <a:ea typeface="+mn-ea"/>
+                <a:cs typeface="+mn-cs"/>
+              </a:defRPr>
+            </a:lvl3pPr>
+            <a:lvl4pPr marL="1600200" indent="-228600" algn="l" defTabSz="914400" rtl="0" eaLnBrk="1" latinLnBrk="0" hangingPunct="1">
+              <a:lnSpc>
+                <a:spcPct val="90000"/>
+              </a:lnSpc>
+              <a:spcBef>
+                <a:spcPts val="500"/>
+              </a:spcBef>
+              <a:buFont typeface="Arial" panose="020B0604020202020204" pitchFamily="34" charset="0"/>
+              <a:buChar char="•"/>
+              <a:defRPr sz="1800" kern="1200">
+                <a:solidFill>
+                  <a:schemeClr val="tx1"/>
+                </a:solidFill>
+                <a:latin typeface="+mn-lt"/>
+                <a:ea typeface="+mn-ea"/>
+                <a:cs typeface="+mn-cs"/>
+              </a:defRPr>
+            </a:lvl4pPr>
+            <a:lvl5pPr marL="2057400" indent="-228600" algn="l" defTabSz="914400" rtl="0" eaLnBrk="1" latinLnBrk="0" hangingPunct="1">
+              <a:lnSpc>
+                <a:spcPct val="90000"/>
+              </a:lnSpc>
+              <a:spcBef>
+                <a:spcPts val="500"/>
+              </a:spcBef>
+              <a:buFont typeface="Arial" panose="020B0604020202020204" pitchFamily="34" charset="0"/>
+              <a:buChar char="•"/>
+              <a:defRPr sz="1800" kern="1200">
+                <a:solidFill>
+                  <a:schemeClr val="tx1"/>
+                </a:solidFill>
+                <a:latin typeface="+mn-lt"/>
+                <a:ea typeface="+mn-ea"/>
+                <a:cs typeface="+mn-cs"/>
+              </a:defRPr>
+            </a:lvl5pPr>
+            <a:lvl6pPr marL="2514600" indent="-228600" algn="l" defTabSz="914400" rtl="0" eaLnBrk="1" latinLnBrk="0" hangingPunct="1">
+              <a:lnSpc>
+                <a:spcPct val="90000"/>
+              </a:lnSpc>
+              <a:spcBef>
+                <a:spcPts val="500"/>
+              </a:spcBef>
+              <a:buFont typeface="Arial" panose="020B0604020202020204" pitchFamily="34" charset="0"/>
+              <a:buChar char="•"/>
+              <a:defRPr sz="1800" kern="1200">
+                <a:solidFill>
+                  <a:schemeClr val="tx1"/>
+                </a:solidFill>
+                <a:latin typeface="+mn-lt"/>
+                <a:ea typeface="+mn-ea"/>
+                <a:cs typeface="+mn-cs"/>
+              </a:defRPr>
+            </a:lvl6pPr>
+            <a:lvl7pPr marL="2971800" indent="-228600" algn="l" defTabSz="914400" rtl="0" eaLnBrk="1" latinLnBrk="0" hangingPunct="1">
+              <a:lnSpc>
+                <a:spcPct val="90000"/>
+              </a:lnSpc>
+              <a:spcBef>
+                <a:spcPts val="500"/>
+              </a:spcBef>
+              <a:buFont typeface="Arial" panose="020B0604020202020204" pitchFamily="34" charset="0"/>
+              <a:buChar char="•"/>
+              <a:defRPr sz="1800" kern="1200">
+                <a:solidFill>
+                  <a:schemeClr val="tx1"/>
+                </a:solidFill>
+                <a:latin typeface="+mn-lt"/>
+                <a:ea typeface="+mn-ea"/>
+                <a:cs typeface="+mn-cs"/>
+              </a:defRPr>
+            </a:lvl7pPr>
+            <a:lvl8pPr marL="3429000" indent="-228600" algn="l" defTabSz="914400" rtl="0" eaLnBrk="1" latinLnBrk="0" hangingPunct="1">
+              <a:lnSpc>
+                <a:spcPct val="90000"/>
+              </a:lnSpc>
+              <a:spcBef>
+                <a:spcPts val="500"/>
+              </a:spcBef>
+              <a:buFont typeface="Arial" panose="020B0604020202020204" pitchFamily="34" charset="0"/>
+              <a:buChar char="•"/>
+              <a:defRPr sz="1800" kern="1200">
+                <a:solidFill>
+                  <a:schemeClr val="tx1"/>
+                </a:solidFill>
+                <a:latin typeface="+mn-lt"/>
+                <a:ea typeface="+mn-ea"/>
+                <a:cs typeface="+mn-cs"/>
+              </a:defRPr>
+            </a:lvl8pPr>
+            <a:lvl9pPr marL="3886200" indent="-228600" algn="l" defTabSz="914400" rtl="0" eaLnBrk="1" latinLnBrk="0" hangingPunct="1">
+              <a:lnSpc>
+                <a:spcPct val="90000"/>
+              </a:lnSpc>
+              <a:spcBef>
+                <a:spcPts val="500"/>
+              </a:spcBef>
+              <a:buFont typeface="Arial" panose="020B0604020202020204" pitchFamily="34" charset="0"/>
+              <a:buChar char="•"/>
+              <a:defRPr sz="1800" kern="1200">
+                <a:solidFill>
+                  <a:schemeClr val="tx1"/>
+                </a:solidFill>
+                <a:latin typeface="+mn-lt"/>
+                <a:ea typeface="+mn-ea"/>
+                <a:cs typeface="+mn-cs"/>
+              </a:defRPr>
+            </a:lvl9pPr>
+          </a:lstStyle>
+          <a:p>
+            <a:pPr>
+              <a:lnSpc>
+                <a:spcPct val="150000"/>
+              </a:lnSpc>
+              <a:buClr>
+                <a:srgbClr val="FFC000"/>
+              </a:buClr>
+              <a:buFont typeface="Calibri" panose="020F0502020204030204" pitchFamily="34" charset="0"/>
+              <a:buChar char="&gt;"/>
+            </a:pPr>
+            <a:r>
+              <a:rPr lang="cs-CZ" sz="2000" dirty="0" err="1"/>
+              <a:t>We</a:t>
+            </a:r>
+            <a:r>
+              <a:rPr lang="cs-CZ" sz="2000" dirty="0"/>
+              <a:t> </a:t>
+            </a:r>
+            <a:r>
+              <a:rPr lang="cs-CZ" sz="2000" dirty="0" err="1"/>
+              <a:t>found</a:t>
+            </a:r>
+            <a:r>
+              <a:rPr lang="cs-CZ" sz="2000" dirty="0"/>
+              <a:t> </a:t>
+            </a:r>
+            <a:r>
+              <a:rPr lang="cs-CZ" sz="2000" b="1" dirty="0" err="1">
+                <a:solidFill>
+                  <a:srgbClr val="FFC000"/>
+                </a:solidFill>
+              </a:rPr>
+              <a:t>efficient</a:t>
+            </a:r>
+            <a:r>
+              <a:rPr lang="cs-CZ" sz="2000" b="1" dirty="0">
+                <a:solidFill>
+                  <a:srgbClr val="FFC000"/>
+                </a:solidFill>
+              </a:rPr>
+              <a:t> </a:t>
+            </a:r>
+            <a:r>
+              <a:rPr lang="cs-CZ" sz="2000" b="1" dirty="0" err="1">
+                <a:solidFill>
+                  <a:srgbClr val="FFC000"/>
+                </a:solidFill>
+              </a:rPr>
+              <a:t>solution</a:t>
+            </a:r>
+            <a:r>
+              <a:rPr lang="cs-CZ" sz="2000" dirty="0"/>
+              <a:t> to CAPTCHA </a:t>
+            </a:r>
+            <a:r>
+              <a:rPr lang="cs-CZ" sz="2000" dirty="0" err="1"/>
+              <a:t>recognition</a:t>
+            </a:r>
+            <a:r>
+              <a:rPr lang="cs-CZ" sz="2000" dirty="0"/>
+              <a:t> </a:t>
+            </a:r>
+            <a:r>
+              <a:rPr lang="cs-CZ" sz="2000" dirty="0" err="1"/>
+              <a:t>problem</a:t>
+            </a:r>
+            <a:r>
+              <a:rPr lang="cs-CZ" sz="2000" dirty="0"/>
+              <a:t> and </a:t>
+            </a:r>
+            <a:r>
+              <a:rPr lang="cs-CZ" sz="2000" dirty="0" err="1"/>
+              <a:t>created</a:t>
+            </a:r>
+            <a:r>
+              <a:rPr lang="cs-CZ" sz="2000" dirty="0"/>
+              <a:t> a model </a:t>
+            </a:r>
+            <a:r>
+              <a:rPr lang="cs-CZ" sz="2000" dirty="0" err="1"/>
+              <a:t>with</a:t>
+            </a:r>
+            <a:r>
+              <a:rPr lang="cs-CZ" sz="2000" dirty="0"/>
+              <a:t> </a:t>
+            </a:r>
+            <a:r>
+              <a:rPr lang="cs-CZ" sz="2000" b="1" dirty="0">
+                <a:solidFill>
+                  <a:srgbClr val="FFC000"/>
+                </a:solidFill>
+              </a:rPr>
+              <a:t>very </a:t>
+            </a:r>
+            <a:r>
+              <a:rPr lang="cs-CZ" sz="2000" b="1" dirty="0" err="1">
+                <a:solidFill>
+                  <a:srgbClr val="FFC000"/>
+                </a:solidFill>
+              </a:rPr>
+              <a:t>high</a:t>
+            </a:r>
+            <a:r>
+              <a:rPr lang="cs-CZ" sz="2000" b="1" dirty="0">
+                <a:solidFill>
+                  <a:srgbClr val="FFC000"/>
+                </a:solidFill>
+              </a:rPr>
+              <a:t> </a:t>
+            </a:r>
+            <a:r>
+              <a:rPr lang="cs-CZ" sz="2000" b="1" dirty="0" err="1">
+                <a:solidFill>
+                  <a:srgbClr val="FFC000"/>
+                </a:solidFill>
+              </a:rPr>
+              <a:t>accuracy</a:t>
+            </a:r>
+            <a:r>
+              <a:rPr lang="cs-CZ" sz="2000" dirty="0"/>
+              <a:t>. </a:t>
+            </a:r>
+          </a:p>
+          <a:p>
+            <a:pPr>
+              <a:lnSpc>
+                <a:spcPct val="150000"/>
+              </a:lnSpc>
+              <a:buClr>
+                <a:srgbClr val="FFC000"/>
+              </a:buClr>
+              <a:buFont typeface="Calibri" panose="020F0502020204030204" pitchFamily="34" charset="0"/>
+              <a:buChar char="&gt;"/>
+            </a:pPr>
+            <a:r>
+              <a:rPr lang="cs-CZ" sz="2000" dirty="0" err="1"/>
+              <a:t>Neck</a:t>
+            </a:r>
+            <a:r>
+              <a:rPr lang="cs-CZ" sz="2000" dirty="0"/>
+              <a:t>-to-</a:t>
+            </a:r>
+            <a:r>
+              <a:rPr lang="cs-CZ" sz="2000" dirty="0" err="1"/>
+              <a:t>neck</a:t>
+            </a:r>
+            <a:r>
+              <a:rPr lang="cs-CZ" sz="2000" dirty="0"/>
+              <a:t> </a:t>
+            </a:r>
+            <a:r>
+              <a:rPr lang="cs-CZ" sz="2000" dirty="0" err="1"/>
+              <a:t>with</a:t>
+            </a:r>
+            <a:r>
+              <a:rPr lang="cs-CZ" sz="2000" dirty="0"/>
+              <a:t> CAPTCHA </a:t>
+            </a:r>
+            <a:r>
+              <a:rPr lang="cs-CZ" sz="2000" dirty="0" err="1"/>
+              <a:t>recognition</a:t>
+            </a:r>
+            <a:r>
+              <a:rPr lang="cs-CZ" sz="2000" dirty="0"/>
+              <a:t> </a:t>
+            </a:r>
+            <a:r>
+              <a:rPr lang="cs-CZ" sz="2000" dirty="0" err="1"/>
+              <a:t>models</a:t>
+            </a:r>
+            <a:r>
+              <a:rPr lang="cs-CZ" sz="2000" dirty="0"/>
+              <a:t> </a:t>
+            </a:r>
+            <a:r>
+              <a:rPr lang="cs-CZ" sz="2000" dirty="0" err="1"/>
+              <a:t>we</a:t>
+            </a:r>
+            <a:r>
+              <a:rPr lang="cs-CZ" sz="2000" dirty="0"/>
+              <a:t> </a:t>
+            </a:r>
+            <a:r>
+              <a:rPr lang="cs-CZ" sz="2000" dirty="0" err="1"/>
+              <a:t>found</a:t>
+            </a:r>
+            <a:r>
+              <a:rPr lang="cs-CZ" sz="2000" dirty="0"/>
+              <a:t> on </a:t>
+            </a:r>
+            <a:r>
+              <a:rPr lang="cs-CZ" sz="2000" dirty="0" err="1"/>
+              <a:t>the</a:t>
+            </a:r>
+            <a:r>
+              <a:rPr lang="cs-CZ" sz="2000" dirty="0"/>
+              <a:t> internet.</a:t>
+            </a:r>
+          </a:p>
+          <a:p>
+            <a:pPr>
+              <a:lnSpc>
+                <a:spcPct val="150000"/>
+              </a:lnSpc>
+              <a:buClr>
+                <a:srgbClr val="FFC000"/>
+              </a:buClr>
+              <a:buFont typeface="Calibri" panose="020F0502020204030204" pitchFamily="34" charset="0"/>
+              <a:buChar char="&gt;"/>
+            </a:pPr>
+            <a:r>
+              <a:rPr lang="cs-CZ" sz="2000" dirty="0"/>
+              <a:t>Model </a:t>
+            </a:r>
+            <a:r>
+              <a:rPr lang="cs-CZ" sz="2000" dirty="0" err="1"/>
+              <a:t>is</a:t>
+            </a:r>
+            <a:r>
+              <a:rPr lang="cs-CZ" sz="2000" dirty="0"/>
+              <a:t> </a:t>
+            </a:r>
+            <a:r>
+              <a:rPr lang="cs-CZ" sz="2000" dirty="0" err="1"/>
+              <a:t>capable</a:t>
+            </a:r>
+            <a:r>
+              <a:rPr lang="cs-CZ" sz="2000" dirty="0"/>
+              <a:t> </a:t>
+            </a:r>
+            <a:r>
+              <a:rPr lang="cs-CZ" sz="2000" dirty="0" err="1"/>
+              <a:t>of</a:t>
+            </a:r>
+            <a:r>
+              <a:rPr lang="cs-CZ" sz="2000" dirty="0"/>
+              <a:t> </a:t>
+            </a:r>
+            <a:r>
+              <a:rPr lang="cs-CZ" sz="2000" dirty="0" err="1"/>
+              <a:t>finding</a:t>
+            </a:r>
+            <a:r>
+              <a:rPr lang="cs-CZ" sz="2000" dirty="0"/>
+              <a:t> </a:t>
+            </a:r>
+            <a:r>
+              <a:rPr lang="cs-CZ" sz="2000" dirty="0" err="1"/>
+              <a:t>predictions</a:t>
+            </a:r>
+            <a:r>
+              <a:rPr lang="cs-CZ" sz="2000" dirty="0"/>
+              <a:t> </a:t>
+            </a:r>
+            <a:r>
+              <a:rPr lang="cs-CZ" sz="2000" dirty="0" err="1"/>
+              <a:t>for</a:t>
+            </a:r>
+            <a:r>
+              <a:rPr lang="cs-CZ" sz="2000" dirty="0"/>
+              <a:t> </a:t>
+            </a:r>
+            <a:r>
+              <a:rPr lang="cs-CZ" sz="2000" dirty="0" err="1"/>
+              <a:t>even</a:t>
+            </a:r>
+            <a:r>
+              <a:rPr lang="cs-CZ" sz="2000" dirty="0"/>
+              <a:t> </a:t>
+            </a:r>
+            <a:r>
+              <a:rPr lang="cs-CZ" sz="2000" dirty="0" err="1"/>
+              <a:t>longer</a:t>
+            </a:r>
+            <a:r>
+              <a:rPr lang="cs-CZ" sz="2000" dirty="0"/>
+              <a:t>/</a:t>
+            </a:r>
+            <a:r>
+              <a:rPr lang="cs-CZ" sz="2000" dirty="0" err="1"/>
+              <a:t>shorter</a:t>
+            </a:r>
+            <a:r>
+              <a:rPr lang="cs-CZ" sz="2000" dirty="0"/>
+              <a:t> </a:t>
+            </a:r>
+            <a:r>
+              <a:rPr lang="cs-CZ" sz="2000" dirty="0" err="1"/>
+              <a:t>CAPTCHA‘s</a:t>
+            </a:r>
+            <a:r>
+              <a:rPr lang="cs-CZ" sz="2000" dirty="0"/>
+              <a:t>. (</a:t>
+            </a:r>
+            <a:r>
+              <a:rPr lang="cs-CZ" sz="2000" dirty="0" err="1"/>
+              <a:t>robustness</a:t>
+            </a:r>
+            <a:r>
+              <a:rPr lang="cs-CZ" sz="2000" dirty="0"/>
+              <a:t>)</a:t>
+            </a:r>
+          </a:p>
+          <a:p>
+            <a:pPr>
+              <a:lnSpc>
+                <a:spcPct val="150000"/>
+              </a:lnSpc>
+              <a:buClr>
+                <a:srgbClr val="FFC000"/>
+              </a:buClr>
+              <a:buFont typeface="Calibri" panose="020F0502020204030204" pitchFamily="34" charset="0"/>
+              <a:buChar char="&gt;"/>
+            </a:pPr>
+            <a:r>
+              <a:rPr lang="cs-CZ" sz="2000" dirty="0" err="1"/>
+              <a:t>During</a:t>
+            </a:r>
+            <a:r>
+              <a:rPr lang="cs-CZ" sz="2000" dirty="0"/>
+              <a:t> </a:t>
+            </a:r>
+            <a:r>
+              <a:rPr lang="cs-CZ" sz="2000" dirty="0" err="1"/>
+              <a:t>research</a:t>
+            </a:r>
+            <a:r>
+              <a:rPr lang="cs-CZ" sz="2000" dirty="0"/>
+              <a:t> </a:t>
+            </a:r>
+            <a:r>
+              <a:rPr lang="cs-CZ" sz="2000" dirty="0" err="1"/>
+              <a:t>we</a:t>
+            </a:r>
+            <a:r>
+              <a:rPr lang="cs-CZ" sz="2000" dirty="0"/>
+              <a:t> </a:t>
+            </a:r>
+            <a:r>
+              <a:rPr lang="cs-CZ" sz="2000" dirty="0" err="1"/>
+              <a:t>came</a:t>
+            </a:r>
+            <a:r>
+              <a:rPr lang="cs-CZ" sz="2000" dirty="0"/>
+              <a:t> </a:t>
+            </a:r>
+            <a:r>
+              <a:rPr lang="cs-CZ" sz="2000" dirty="0" err="1"/>
+              <a:t>across</a:t>
+            </a:r>
+            <a:r>
+              <a:rPr lang="cs-CZ" sz="2000" dirty="0"/>
+              <a:t> many </a:t>
+            </a:r>
+            <a:r>
+              <a:rPr lang="cs-CZ" sz="2000" dirty="0" err="1"/>
+              <a:t>interesting</a:t>
+            </a:r>
+            <a:r>
+              <a:rPr lang="cs-CZ" sz="2000" dirty="0"/>
+              <a:t> </a:t>
+            </a:r>
+            <a:r>
+              <a:rPr lang="cs-CZ" sz="2000" dirty="0" err="1"/>
+              <a:t>approaches</a:t>
+            </a:r>
+            <a:r>
+              <a:rPr lang="cs-CZ" sz="2000" dirty="0"/>
+              <a:t> to text </a:t>
+            </a:r>
+            <a:r>
+              <a:rPr lang="cs-CZ" sz="2000" dirty="0" err="1"/>
+              <a:t>recognition</a:t>
+            </a:r>
+            <a:r>
+              <a:rPr lang="cs-CZ" sz="2000" dirty="0"/>
+              <a:t>, </a:t>
+            </a:r>
+            <a:r>
+              <a:rPr lang="cs-CZ" sz="2000" dirty="0" err="1"/>
+              <a:t>which</a:t>
+            </a:r>
+            <a:r>
+              <a:rPr lang="cs-CZ" sz="2000" dirty="0"/>
+              <a:t> </a:t>
+            </a:r>
+            <a:r>
+              <a:rPr lang="cs-CZ" sz="2000" dirty="0" err="1"/>
+              <a:t>will</a:t>
+            </a:r>
+            <a:r>
+              <a:rPr lang="cs-CZ" sz="2000" dirty="0"/>
+              <a:t> </a:t>
+            </a:r>
+            <a:r>
+              <a:rPr lang="cs-CZ" sz="2000" dirty="0" err="1"/>
+              <a:t>surely</a:t>
+            </a:r>
+            <a:r>
+              <a:rPr lang="cs-CZ" sz="2000" dirty="0"/>
+              <a:t> </a:t>
+            </a:r>
+            <a:r>
+              <a:rPr lang="cs-CZ" sz="2000" dirty="0" err="1"/>
+              <a:t>come</a:t>
+            </a:r>
+            <a:r>
+              <a:rPr lang="cs-CZ" sz="2000" dirty="0"/>
+              <a:t> handy in </a:t>
+            </a:r>
+            <a:r>
+              <a:rPr lang="cs-CZ" sz="2000" dirty="0" err="1"/>
+              <a:t>the</a:t>
+            </a:r>
+            <a:r>
+              <a:rPr lang="cs-CZ" sz="2000" dirty="0"/>
+              <a:t> </a:t>
+            </a:r>
+            <a:r>
+              <a:rPr lang="cs-CZ" sz="2000" dirty="0" err="1"/>
+              <a:t>future</a:t>
+            </a:r>
+            <a:r>
+              <a:rPr lang="cs-CZ" sz="2000" dirty="0"/>
+              <a:t>.</a:t>
+            </a:r>
+          </a:p>
+          <a:p>
+            <a:pPr>
+              <a:lnSpc>
+                <a:spcPct val="150000"/>
+              </a:lnSpc>
+              <a:buClr>
+                <a:srgbClr val="FFC000"/>
+              </a:buClr>
+              <a:buFont typeface="Calibri" panose="020F0502020204030204" pitchFamily="34" charset="0"/>
+              <a:buChar char="&gt;"/>
+            </a:pPr>
+            <a:r>
+              <a:rPr lang="cs-CZ" sz="2000" dirty="0"/>
+              <a:t>So…</a:t>
+            </a:r>
+            <a:endParaRPr lang="cs-CZ" sz="2400" dirty="0"/>
+          </a:p>
+          <a:p>
+            <a:pPr lvl="1">
+              <a:buFont typeface="Calibri" panose="020F0502020204030204" pitchFamily="34" charset="0"/>
+              <a:buChar char="&gt;"/>
+            </a:pPr>
+            <a:endParaRPr lang="en-GB" dirty="0"/>
+          </a:p>
+        </p:txBody>
+      </p:sp>
+      <p:pic>
+        <p:nvPicPr>
+          <p:cNvPr id="17" name="Obrázek 16" descr="Obsah obrázku text, pták, snímek obrazovky&#10;&#10;Popis byl vytvořen automaticky">
+            <a:extLst>
+              <a:ext uri="{FF2B5EF4-FFF2-40B4-BE49-F238E27FC236}">
+                <a16:creationId xmlns:a16="http://schemas.microsoft.com/office/drawing/2014/main" id="{4EB7CA04-8C07-4AE1-ACB6-ABDD2E08498B}"/>
+              </a:ext>
+            </a:extLst>
+          </p:cNvPr>
+          <p:cNvPicPr>
+            <a:picLocks noChangeAspect="1"/>
+          </p:cNvPicPr>
+          <p:nvPr/>
+        </p:nvPicPr>
+        <p:blipFill>
+          <a:blip r:embed="rId7">
+            <a:extLst>
+              <a:ext uri="{28A0092B-C50C-407E-A947-70E740481C1C}">
+                <a14:useLocalDpi xmlns:a14="http://schemas.microsoft.com/office/drawing/2010/main" val="0"/>
+              </a:ext>
+            </a:extLst>
+          </a:blip>
+          <a:stretch>
+            <a:fillRect/>
+          </a:stretch>
+        </p:blipFill>
+        <p:spPr>
+          <a:xfrm>
+            <a:off x="3445243" y="5325171"/>
+            <a:ext cx="4740091" cy="1261972"/>
+          </a:xfrm>
+          <a:prstGeom prst="rect">
+            <a:avLst/>
+          </a:prstGeom>
+        </p:spPr>
+      </p:pic>
+      <p:pic>
+        <p:nvPicPr>
+          <p:cNvPr id="4" name="Obrázek 3">
+            <a:extLst>
+              <a:ext uri="{FF2B5EF4-FFF2-40B4-BE49-F238E27FC236}">
+                <a16:creationId xmlns:a16="http://schemas.microsoft.com/office/drawing/2014/main" id="{BD8EC870-5875-4AC4-B8F4-51D11BF3FF52}"/>
+              </a:ext>
+            </a:extLst>
+          </p:cNvPr>
+          <p:cNvPicPr>
+            <a:picLocks noChangeAspect="1"/>
+          </p:cNvPicPr>
+          <p:nvPr/>
+        </p:nvPicPr>
+        <p:blipFill>
+          <a:blip r:embed="rId8"/>
+          <a:stretch>
+            <a:fillRect/>
+          </a:stretch>
+        </p:blipFill>
+        <p:spPr>
+          <a:xfrm>
+            <a:off x="3651116" y="5590096"/>
+            <a:ext cx="2202930" cy="664678"/>
+          </a:xfrm>
+          <a:prstGeom prst="rect">
+            <a:avLst/>
+          </a:prstGeom>
+        </p:spPr>
+      </p:pic>
+    </p:spTree>
+    <p:extLst>
+      <p:ext uri="{BB962C8B-B14F-4D97-AF65-F5344CB8AC3E}">
+        <p14:creationId xmlns:p14="http://schemas.microsoft.com/office/powerpoint/2010/main" val="139328119"/>
       </p:ext>
     </p:extLst>
   </p:cSld>
@@ -16150,7 +18966,7 @@
                                   <p:childTnLst>
                                     <p:animMotion origin="layout" path="M 1.11022E-16 4.07407E-6 L -0.00612 0.90416 " pathEditMode="relative" rAng="0" ptsTypes="AA">
                                       <p:cBhvr>
-                                        <p:cTn id="6" dur="1500" fill="hold"/>
+                                        <p:cTn id="6" dur="1250" fill="hold"/>
                                         <p:tgtEl>
                                           <p:spTgt spid="6"/>
                                         </p:tgtEl>
@@ -16190,7 +19006,7 @@
                                   <p:childTnLst>
                                     <p:animMotion origin="layout" path="M 1.11022E-16 -4.81481E-6 L -0.00768 0.9 " pathEditMode="relative" rAng="0" ptsTypes="AA">
                                       <p:cBhvr>
-                                        <p:cTn id="10" dur="1250" fill="hold"/>
+                                        <p:cTn id="10" dur="1000" fill="hold"/>
                                         <p:tgtEl>
                                           <p:spTgt spid="12"/>
                                         </p:tgtEl>
@@ -16567,7 +19383,7 @@
           <p:nvPr/>
         </p:nvPicPr>
         <p:blipFill rotWithShape="1">
-          <a:blip r:embed="rId2">
+          <a:blip r:embed="rId3">
             <a:extLst>
               <a:ext uri="{28A0092B-C50C-407E-A947-70E740481C1C}">
                 <a14:useLocalDpi xmlns:a14="http://schemas.microsoft.com/office/drawing/2010/main" val="0"/>
@@ -17497,7 +20313,7 @@
           <p:nvPr/>
         </p:nvPicPr>
         <p:blipFill rotWithShape="1">
-          <a:blip r:embed="rId2">
+          <a:blip r:embed="rId3">
             <a:extLst>
               <a:ext uri="{28A0092B-C50C-407E-A947-70E740481C1C}">
                 <a14:useLocalDpi xmlns:a14="http://schemas.microsoft.com/office/drawing/2010/main" val="0"/>
@@ -17532,7 +20348,7 @@
           <p:nvPr/>
         </p:nvPicPr>
         <p:blipFill rotWithShape="1">
-          <a:blip r:embed="rId3"/>
+          <a:blip r:embed="rId4"/>
           <a:srcRect t="28918"/>
           <a:stretch/>
         </p:blipFill>
@@ -17597,13 +20413,13 @@
             <a:avLst/>
           </a:prstGeom>
           <a:blipFill>
-            <a:blip r:embed="rId2">
+            <a:blip r:embed="rId3">
               <a:extLst>
                 <a:ext uri="{28A0092B-C50C-407E-A947-70E740481C1C}">
                   <a14:useLocalDpi xmlns:a14="http://schemas.microsoft.com/office/drawing/2010/main" val="0"/>
                 </a:ext>
                 <a:ext uri="{96DAC541-7B7A-43D3-8B79-37D633B846F1}">
-                  <asvg:svgBlip xmlns:asvg="http://schemas.microsoft.com/office/drawing/2016/SVG/main" r:embed="rId3"/>
+                  <asvg:svgBlip xmlns:asvg="http://schemas.microsoft.com/office/drawing/2016/SVG/main" r:embed="rId4"/>
                 </a:ext>
               </a:extLst>
             </a:blip>
@@ -17659,13 +20475,13 @@
             <a:avLst/>
           </a:prstGeom>
           <a:blipFill>
-            <a:blip r:embed="rId4">
+            <a:blip r:embed="rId5">
               <a:extLst>
                 <a:ext uri="{28A0092B-C50C-407E-A947-70E740481C1C}">
                   <a14:useLocalDpi xmlns:a14="http://schemas.microsoft.com/office/drawing/2010/main" val="0"/>
                 </a:ext>
                 <a:ext uri="{96DAC541-7B7A-43D3-8B79-37D633B846F1}">
-                  <asvg:svgBlip xmlns:asvg="http://schemas.microsoft.com/office/drawing/2016/SVG/main" r:embed="rId5"/>
+                  <asvg:svgBlip xmlns:asvg="http://schemas.microsoft.com/office/drawing/2016/SVG/main" r:embed="rId6"/>
                 </a:ext>
               </a:extLst>
             </a:blip>
@@ -17721,13 +20537,13 @@
             <a:avLst/>
           </a:prstGeom>
           <a:blipFill rotWithShape="1">
-            <a:blip r:embed="rId6">
+            <a:blip r:embed="rId7">
               <a:extLst>
                 <a:ext uri="{28A0092B-C50C-407E-A947-70E740481C1C}">
                   <a14:useLocalDpi xmlns:a14="http://schemas.microsoft.com/office/drawing/2010/main" val="0"/>
                 </a:ext>
                 <a:ext uri="{96DAC541-7B7A-43D3-8B79-37D633B846F1}">
-                  <asvg:svgBlip xmlns:asvg="http://schemas.microsoft.com/office/drawing/2016/SVG/main" r:embed="rId7"/>
+                  <asvg:svgBlip xmlns:asvg="http://schemas.microsoft.com/office/drawing/2016/SVG/main" r:embed="rId8"/>
                 </a:ext>
               </a:extLst>
             </a:blip>
@@ -17786,7 +20602,7 @@
         </p:xfrm>
         <a:graphic>
           <a:graphicData uri="http://schemas.openxmlformats.org/drawingml/2006/diagram">
-            <dgm:relIds xmlns:dgm="http://schemas.openxmlformats.org/drawingml/2006/diagram" xmlns:r="http://schemas.openxmlformats.org/officeDocument/2006/relationships" r:dm="rId8" r:lo="rId9" r:qs="rId10" r:cs="rId11"/>
+            <dgm:relIds xmlns:dgm="http://schemas.openxmlformats.org/drawingml/2006/diagram" xmlns:r="http://schemas.openxmlformats.org/officeDocument/2006/relationships" r:dm="rId9" r:lo="rId10" r:qs="rId11" r:cs="rId12"/>
           </a:graphicData>
         </a:graphic>
       </p:graphicFrame>
@@ -17928,13 +20744,13 @@
             <a:avLst/>
           </a:prstGeom>
           <a:blipFill>
-            <a:blip r:embed="rId2">
+            <a:blip r:embed="rId3">
               <a:extLst>
                 <a:ext uri="{28A0092B-C50C-407E-A947-70E740481C1C}">
                   <a14:useLocalDpi xmlns:a14="http://schemas.microsoft.com/office/drawing/2010/main" val="0"/>
                 </a:ext>
                 <a:ext uri="{96DAC541-7B7A-43D3-8B79-37D633B846F1}">
-                  <asvg:svgBlip xmlns:asvg="http://schemas.microsoft.com/office/drawing/2016/SVG/main" r:embed="rId3"/>
+                  <asvg:svgBlip xmlns:asvg="http://schemas.microsoft.com/office/drawing/2016/SVG/main" r:embed="rId4"/>
                 </a:ext>
               </a:extLst>
             </a:blip>
@@ -17990,13 +20806,13 @@
             <a:avLst/>
           </a:prstGeom>
           <a:blipFill>
-            <a:blip r:embed="rId4">
+            <a:blip r:embed="rId5">
               <a:extLst>
                 <a:ext uri="{28A0092B-C50C-407E-A947-70E740481C1C}">
                   <a14:useLocalDpi xmlns:a14="http://schemas.microsoft.com/office/drawing/2010/main" val="0"/>
                 </a:ext>
                 <a:ext uri="{96DAC541-7B7A-43D3-8B79-37D633B846F1}">
-                  <asvg:svgBlip xmlns:asvg="http://schemas.microsoft.com/office/drawing/2016/SVG/main" r:embed="rId5"/>
+                  <asvg:svgBlip xmlns:asvg="http://schemas.microsoft.com/office/drawing/2016/SVG/main" r:embed="rId6"/>
                 </a:ext>
               </a:extLst>
             </a:blip>
@@ -18052,13 +20868,13 @@
             <a:avLst/>
           </a:prstGeom>
           <a:blipFill rotWithShape="1">
-            <a:blip r:embed="rId6">
+            <a:blip r:embed="rId7">
               <a:extLst>
                 <a:ext uri="{28A0092B-C50C-407E-A947-70E740481C1C}">
                   <a14:useLocalDpi xmlns:a14="http://schemas.microsoft.com/office/drawing/2010/main" val="0"/>
                 </a:ext>
                 <a:ext uri="{96DAC541-7B7A-43D3-8B79-37D633B846F1}">
-                  <asvg:svgBlip xmlns:asvg="http://schemas.microsoft.com/office/drawing/2016/SVG/main" r:embed="rId7"/>
+                  <asvg:svgBlip xmlns:asvg="http://schemas.microsoft.com/office/drawing/2016/SVG/main" r:embed="rId8"/>
                 </a:ext>
               </a:extLst>
             </a:blip>
@@ -18180,7 +20996,7 @@
         </p:xfrm>
         <a:graphic>
           <a:graphicData uri="http://schemas.openxmlformats.org/drawingml/2006/diagram">
-            <dgm:relIds xmlns:dgm="http://schemas.openxmlformats.org/drawingml/2006/diagram" xmlns:r="http://schemas.openxmlformats.org/officeDocument/2006/relationships" r:dm="rId8" r:lo="rId9" r:qs="rId10" r:cs="rId11"/>
+            <dgm:relIds xmlns:dgm="http://schemas.openxmlformats.org/drawingml/2006/diagram" xmlns:r="http://schemas.openxmlformats.org/officeDocument/2006/relationships" r:dm="rId9" r:lo="rId10" r:qs="rId11" r:cs="rId12"/>
           </a:graphicData>
         </a:graphic>
       </p:graphicFrame>
@@ -19271,13 +22087,13 @@
           <p:nvPr/>
         </p:nvPicPr>
         <p:blipFill>
-          <a:blip r:embed="rId2">
+          <a:blip r:embed="rId3">
             <a:extLst>
               <a:ext uri="{28A0092B-C50C-407E-A947-70E740481C1C}">
                 <a14:useLocalDpi xmlns:a14="http://schemas.microsoft.com/office/drawing/2010/main" val="0"/>
               </a:ext>
               <a:ext uri="{96DAC541-7B7A-43D3-8B79-37D633B846F1}">
-                <asvg:svgBlip xmlns:asvg="http://schemas.microsoft.com/office/drawing/2016/SVG/main" r:embed="rId3"/>
+                <asvg:svgBlip xmlns:asvg="http://schemas.microsoft.com/office/drawing/2016/SVG/main" r:embed="rId4"/>
               </a:ext>
             </a:extLst>
           </a:blip>
@@ -19884,13 +22700,13 @@
           <p:nvPr/>
         </p:nvPicPr>
         <p:blipFill>
-          <a:blip r:embed="rId2">
+          <a:blip r:embed="rId3">
             <a:extLst>
               <a:ext uri="{28A0092B-C50C-407E-A947-70E740481C1C}">
                 <a14:useLocalDpi xmlns:a14="http://schemas.microsoft.com/office/drawing/2010/main" val="0"/>
               </a:ext>
               <a:ext uri="{96DAC541-7B7A-43D3-8B79-37D633B846F1}">
-                <asvg:svgBlip xmlns:asvg="http://schemas.microsoft.com/office/drawing/2016/SVG/main" r:embed="rId3"/>
+                <asvg:svgBlip xmlns:asvg="http://schemas.microsoft.com/office/drawing/2016/SVG/main" r:embed="rId4"/>
               </a:ext>
             </a:extLst>
           </a:blip>
@@ -19963,7 +22779,7 @@
               <p:nvPr/>
             </p:nvPicPr>
             <p:blipFill rotWithShape="1">
-              <a:blip r:embed="rId4">
+              <a:blip r:embed="rId5">
                 <a:extLst>
                   <a:ext uri="{28A0092B-C50C-407E-A947-70E740481C1C}">
                     <a14:useLocalDpi xmlns:a14="http://schemas.microsoft.com/office/drawing/2010/main" val="0"/>
@@ -20008,7 +22824,7 @@
               <p:nvPr/>
             </p:nvPicPr>
             <p:blipFill rotWithShape="1">
-              <a:blip r:embed="rId5"/>
+              <a:blip r:embed="rId6"/>
               <a:srcRect l="29945" t="72895" r="34819" b="14268"/>
               <a:stretch/>
             </p:blipFill>
@@ -20037,7 +22853,7 @@
               <p:nvPr/>
             </p:nvPicPr>
             <p:blipFill rotWithShape="1">
-              <a:blip r:embed="rId5"/>
+              <a:blip r:embed="rId6"/>
               <a:srcRect l="30780" t="60116" r="31895" b="35556"/>
               <a:stretch/>
             </p:blipFill>
@@ -20066,7 +22882,7 @@
               <p:nvPr/>
             </p:nvPicPr>
             <p:blipFill rotWithShape="1">
-              <a:blip r:embed="rId5"/>
+              <a:blip r:embed="rId6"/>
               <a:srcRect l="25071" t="46877" r="30501" b="43669"/>
               <a:stretch/>
             </p:blipFill>
@@ -20095,7 +22911,7 @@
               <p:nvPr/>
             </p:nvPicPr>
             <p:blipFill rotWithShape="1">
-              <a:blip r:embed="rId5"/>
+              <a:blip r:embed="rId6"/>
               <a:srcRect l="29388" t="21871" r="34819" b="56659"/>
               <a:stretch/>
             </p:blipFill>
@@ -20124,7 +22940,7 @@
               <p:nvPr/>
             </p:nvPicPr>
             <p:blipFill rotWithShape="1">
-              <a:blip r:embed="rId5"/>
+              <a:blip r:embed="rId6"/>
               <a:srcRect l="27716" t="11111" r="35933" b="83094"/>
               <a:stretch/>
             </p:blipFill>
@@ -20154,7 +22970,7 @@
             <p:nvPr/>
           </p:nvPicPr>
           <p:blipFill rotWithShape="1">
-            <a:blip r:embed="rId5"/>
+            <a:blip r:embed="rId6"/>
             <a:srcRect l="38718" t="2761" r="46379" b="92545"/>
             <a:stretch/>
           </p:blipFill>
@@ -21431,13 +24247,13 @@
           <p:nvPr/>
         </p:nvPicPr>
         <p:blipFill>
-          <a:blip r:embed="rId2">
+          <a:blip r:embed="rId3">
             <a:extLst>
               <a:ext uri="{28A0092B-C50C-407E-A947-70E740481C1C}">
                 <a14:useLocalDpi xmlns:a14="http://schemas.microsoft.com/office/drawing/2010/main" val="0"/>
               </a:ext>
               <a:ext uri="{96DAC541-7B7A-43D3-8B79-37D633B846F1}">
-                <asvg:svgBlip xmlns:asvg="http://schemas.microsoft.com/office/drawing/2016/SVG/main" r:embed="rId3"/>
+                <asvg:svgBlip xmlns:asvg="http://schemas.microsoft.com/office/drawing/2016/SVG/main" r:embed="rId4"/>
               </a:ext>
             </a:extLst>
           </a:blip>
@@ -21470,7 +24286,7 @@
           <p:nvPr/>
         </p:nvPicPr>
         <p:blipFill>
-          <a:blip r:embed="rId4">
+          <a:blip r:embed="rId5">
             <a:extLst>
               <a:ext uri="{28A0092B-C50C-407E-A947-70E740481C1C}">
                 <a14:useLocalDpi xmlns:a14="http://schemas.microsoft.com/office/drawing/2010/main" val="0"/>
@@ -23498,7 +26314,7 @@
           <p:nvPr/>
         </p:nvPicPr>
         <p:blipFill rotWithShape="1">
-          <a:blip r:embed="rId2">
+          <a:blip r:embed="rId3">
             <a:extLst>
               <a:ext uri="{28A0092B-C50C-407E-A947-70E740481C1C}">
                 <a14:useLocalDpi xmlns:a14="http://schemas.microsoft.com/office/drawing/2010/main" val="0"/>
@@ -23824,4 +26640,299 @@
     </a:ext>
   </a:extLst>
 </a:theme>
+</file>
+
+<file path=ppt/theme/theme2.xml><?xml version="1.0" encoding="utf-8"?>
+<a:theme xmlns:a="http://schemas.openxmlformats.org/drawingml/2006/main" name="Motiv Office">
+  <a:themeElements>
+    <a:clrScheme name="Office">
+      <a:dk1>
+        <a:sysClr val="windowText" lastClr="000000"/>
+      </a:dk1>
+      <a:lt1>
+        <a:sysClr val="window" lastClr="FFFFFF"/>
+      </a:lt1>
+      <a:dk2>
+        <a:srgbClr val="44546A"/>
+      </a:dk2>
+      <a:lt2>
+        <a:srgbClr val="E7E6E6"/>
+      </a:lt2>
+      <a:accent1>
+        <a:srgbClr val="4472C4"/>
+      </a:accent1>
+      <a:accent2>
+        <a:srgbClr val="ED7D31"/>
+      </a:accent2>
+      <a:accent3>
+        <a:srgbClr val="A5A5A5"/>
+      </a:accent3>
+      <a:accent4>
+        <a:srgbClr val="FFC000"/>
+      </a:accent4>
+      <a:accent5>
+        <a:srgbClr val="5B9BD5"/>
+      </a:accent5>
+      <a:accent6>
+        <a:srgbClr val="70AD47"/>
+      </a:accent6>
+      <a:hlink>
+        <a:srgbClr val="0563C1"/>
+      </a:hlink>
+      <a:folHlink>
+        <a:srgbClr val="954F72"/>
+      </a:folHlink>
+    </a:clrScheme>
+    <a:fontScheme name="Office">
+      <a:majorFont>
+        <a:latin typeface="Calibri Light" panose="020F0302020204030204"/>
+        <a:ea typeface=""/>
+        <a:cs typeface=""/>
+        <a:font script="Jpan" typeface="游ゴシック Light"/>
+        <a:font script="Hang" typeface="맑은 고딕"/>
+        <a:font script="Hans" typeface="等线 Light"/>
+        <a:font script="Hant" typeface="新細明體"/>
+        <a:font script="Arab" typeface="Times New Roman"/>
+        <a:font script="Hebr" typeface="Times New Roman"/>
+        <a:font script="Thai" typeface="Angsana New"/>
+        <a:font script="Ethi" typeface="Nyala"/>
+        <a:font script="Beng" typeface="Vrinda"/>
+        <a:font script="Gujr" typeface="Shruti"/>
+        <a:font script="Khmr" typeface="MoolBoran"/>
+        <a:font script="Knda" typeface="Tunga"/>
+        <a:font script="Guru" typeface="Raavi"/>
+        <a:font script="Cans" typeface="Euphemia"/>
+        <a:font script="Cher" typeface="Plantagenet Cherokee"/>
+        <a:font script="Yiii" typeface="Microsoft Yi Baiti"/>
+        <a:font script="Tibt" typeface="Microsoft Himalaya"/>
+        <a:font script="Thaa" typeface="MV Boli"/>
+        <a:font script="Deva" typeface="Mangal"/>
+        <a:font script="Telu" typeface="Gautami"/>
+        <a:font script="Taml" typeface="Latha"/>
+        <a:font script="Syrc" typeface="Estrangelo Edessa"/>
+        <a:font script="Orya" typeface="Kalinga"/>
+        <a:font script="Mlym" typeface="Kartika"/>
+        <a:font script="Laoo" typeface="DokChampa"/>
+        <a:font script="Sinh" typeface="Iskoola Pota"/>
+        <a:font script="Mong" typeface="Mongolian Baiti"/>
+        <a:font script="Viet" typeface="Times New Roman"/>
+        <a:font script="Uigh" typeface="Microsoft Uighur"/>
+        <a:font script="Geor" typeface="Sylfaen"/>
+        <a:font script="Armn" typeface="Arial"/>
+        <a:font script="Bugi" typeface="Leelawadee UI"/>
+        <a:font script="Bopo" typeface="Microsoft JhengHei"/>
+        <a:font script="Java" typeface="Javanese Text"/>
+        <a:font script="Lisu" typeface="Segoe UI"/>
+        <a:font script="Mymr" typeface="Myanmar Text"/>
+        <a:font script="Nkoo" typeface="Ebrima"/>
+        <a:font script="Olck" typeface="Nirmala UI"/>
+        <a:font script="Osma" typeface="Ebrima"/>
+        <a:font script="Phag" typeface="Phagspa"/>
+        <a:font script="Syrn" typeface="Estrangelo Edessa"/>
+        <a:font script="Syrj" typeface="Estrangelo Edessa"/>
+        <a:font script="Syre" typeface="Estrangelo Edessa"/>
+        <a:font script="Sora" typeface="Nirmala UI"/>
+        <a:font script="Tale" typeface="Microsoft Tai Le"/>
+        <a:font script="Talu" typeface="Microsoft New Tai Lue"/>
+        <a:font script="Tfng" typeface="Ebrima"/>
+      </a:majorFont>
+      <a:minorFont>
+        <a:latin typeface="Calibri" panose="020F0502020204030204"/>
+        <a:ea typeface=""/>
+        <a:cs typeface=""/>
+        <a:font script="Jpan" typeface="游ゴシック"/>
+        <a:font script="Hang" typeface="맑은 고딕"/>
+        <a:font script="Hans" typeface="等线"/>
+        <a:font script="Hant" typeface="新細明體"/>
+        <a:font script="Arab" typeface="Arial"/>
+        <a:font script="Hebr" typeface="Arial"/>
+        <a:font script="Thai" typeface="Cordia New"/>
+        <a:font script="Ethi" typeface="Nyala"/>
+        <a:font script="Beng" typeface="Vrinda"/>
+        <a:font script="Gujr" typeface="Shruti"/>
+        <a:font script="Khmr" typeface="DaunPenh"/>
+        <a:font script="Knda" typeface="Tunga"/>
+        <a:font script="Guru" typeface="Raavi"/>
+        <a:font script="Cans" typeface="Euphemia"/>
+        <a:font script="Cher" typeface="Plantagenet Cherokee"/>
+        <a:font script="Yiii" typeface="Microsoft Yi Baiti"/>
+        <a:font script="Tibt" typeface="Microsoft Himalaya"/>
+        <a:font script="Thaa" typeface="MV Boli"/>
+        <a:font script="Deva" typeface="Mangal"/>
+        <a:font script="Telu" typeface="Gautami"/>
+        <a:font script="Taml" typeface="Latha"/>
+        <a:font script="Syrc" typeface="Estrangelo Edessa"/>
+        <a:font script="Orya" typeface="Kalinga"/>
+        <a:font script="Mlym" typeface="Kartika"/>
+        <a:font script="Laoo" typeface="DokChampa"/>
+        <a:font script="Sinh" typeface="Iskoola Pota"/>
+        <a:font script="Mong" typeface="Mongolian Baiti"/>
+        <a:font script="Viet" typeface="Arial"/>
+        <a:font script="Uigh" typeface="Microsoft Uighur"/>
+        <a:font script="Geor" typeface="Sylfaen"/>
+        <a:font script="Armn" typeface="Arial"/>
+        <a:font script="Bugi" typeface="Leelawadee UI"/>
+        <a:font script="Bopo" typeface="Microsoft JhengHei"/>
+        <a:font script="Java" typeface="Javanese Text"/>
+        <a:font script="Lisu" typeface="Segoe UI"/>
+        <a:font script="Mymr" typeface="Myanmar Text"/>
+        <a:font script="Nkoo" typeface="Ebrima"/>
+        <a:font script="Olck" typeface="Nirmala UI"/>
+        <a:font script="Osma" typeface="Ebrima"/>
+        <a:font script="Phag" typeface="Phagspa"/>
+        <a:font script="Syrn" typeface="Estrangelo Edessa"/>
+        <a:font script="Syrj" typeface="Estrangelo Edessa"/>
+        <a:font script="Syre" typeface="Estrangelo Edessa"/>
+        <a:font script="Sora" typeface="Nirmala UI"/>
+        <a:font script="Tale" typeface="Microsoft Tai Le"/>
+        <a:font script="Talu" typeface="Microsoft New Tai Lue"/>
+        <a:font script="Tfng" typeface="Ebrima"/>
+      </a:minorFont>
+    </a:fontScheme>
+    <a:fmtScheme name="Office">
+      <a:fillStyleLst>
+        <a:solidFill>
+          <a:schemeClr val="phClr"/>
+        </a:solidFill>
+        <a:gradFill rotWithShape="1">
+          <a:gsLst>
+            <a:gs pos="0">
+              <a:schemeClr val="phClr">
+                <a:lumMod val="110000"/>
+                <a:satMod val="105000"/>
+                <a:tint val="67000"/>
+              </a:schemeClr>
+            </a:gs>
+            <a:gs pos="50000">
+              <a:schemeClr val="phClr">
+                <a:lumMod val="105000"/>
+                <a:satMod val="103000"/>
+                <a:tint val="73000"/>
+              </a:schemeClr>
+            </a:gs>
+            <a:gs pos="100000">
+              <a:schemeClr val="phClr">
+                <a:lumMod val="105000"/>
+                <a:satMod val="109000"/>
+                <a:tint val="81000"/>
+              </a:schemeClr>
+            </a:gs>
+          </a:gsLst>
+          <a:lin ang="5400000" scaled="0"/>
+        </a:gradFill>
+        <a:gradFill rotWithShape="1">
+          <a:gsLst>
+            <a:gs pos="0">
+              <a:schemeClr val="phClr">
+                <a:satMod val="103000"/>
+                <a:lumMod val="102000"/>
+                <a:tint val="94000"/>
+              </a:schemeClr>
+            </a:gs>
+            <a:gs pos="50000">
+              <a:schemeClr val="phClr">
+                <a:satMod val="110000"/>
+                <a:lumMod val="100000"/>
+                <a:shade val="100000"/>
+              </a:schemeClr>
+            </a:gs>
+            <a:gs pos="100000">
+              <a:schemeClr val="phClr">
+                <a:lumMod val="99000"/>
+                <a:satMod val="120000"/>
+                <a:shade val="78000"/>
+              </a:schemeClr>
+            </a:gs>
+          </a:gsLst>
+          <a:lin ang="5400000" scaled="0"/>
+        </a:gradFill>
+      </a:fillStyleLst>
+      <a:lnStyleLst>
+        <a:ln w="6350" cap="flat" cmpd="sng" algn="ctr">
+          <a:solidFill>
+            <a:schemeClr val="phClr"/>
+          </a:solidFill>
+          <a:prstDash val="solid"/>
+          <a:miter lim="800000"/>
+        </a:ln>
+        <a:ln w="12700" cap="flat" cmpd="sng" algn="ctr">
+          <a:solidFill>
+            <a:schemeClr val="phClr"/>
+          </a:solidFill>
+          <a:prstDash val="solid"/>
+          <a:miter lim="800000"/>
+        </a:ln>
+        <a:ln w="19050" cap="flat" cmpd="sng" algn="ctr">
+          <a:solidFill>
+            <a:schemeClr val="phClr"/>
+          </a:solidFill>
+          <a:prstDash val="solid"/>
+          <a:miter lim="800000"/>
+        </a:ln>
+      </a:lnStyleLst>
+      <a:effectStyleLst>
+        <a:effectStyle>
+          <a:effectLst/>
+        </a:effectStyle>
+        <a:effectStyle>
+          <a:effectLst/>
+        </a:effectStyle>
+        <a:effectStyle>
+          <a:effectLst>
+            <a:outerShdw blurRad="57150" dist="19050" dir="5400000" algn="ctr" rotWithShape="0">
+              <a:srgbClr val="000000">
+                <a:alpha val="63000"/>
+              </a:srgbClr>
+            </a:outerShdw>
+          </a:effectLst>
+        </a:effectStyle>
+      </a:effectStyleLst>
+      <a:bgFillStyleLst>
+        <a:solidFill>
+          <a:schemeClr val="phClr"/>
+        </a:solidFill>
+        <a:solidFill>
+          <a:schemeClr val="phClr">
+            <a:tint val="95000"/>
+            <a:satMod val="170000"/>
+          </a:schemeClr>
+        </a:solidFill>
+        <a:gradFill rotWithShape="1">
+          <a:gsLst>
+            <a:gs pos="0">
+              <a:schemeClr val="phClr">
+                <a:tint val="93000"/>
+                <a:satMod val="150000"/>
+                <a:shade val="98000"/>
+                <a:lumMod val="102000"/>
+              </a:schemeClr>
+            </a:gs>
+            <a:gs pos="50000">
+              <a:schemeClr val="phClr">
+                <a:tint val="98000"/>
+                <a:satMod val="130000"/>
+                <a:shade val="90000"/>
+                <a:lumMod val="103000"/>
+              </a:schemeClr>
+            </a:gs>
+            <a:gs pos="100000">
+              <a:schemeClr val="phClr">
+                <a:shade val="63000"/>
+                <a:satMod val="120000"/>
+              </a:schemeClr>
+            </a:gs>
+          </a:gsLst>
+          <a:lin ang="5400000" scaled="0"/>
+        </a:gradFill>
+      </a:bgFillStyleLst>
+    </a:fmtScheme>
+  </a:themeElements>
+  <a:objectDefaults/>
+  <a:extraClrSchemeLst/>
+  <a:extLst>
+    <a:ext uri="{05A4C25C-085E-4340-85A3-A5531E510DB2}">
+      <thm15:themeFamily xmlns:thm15="http://schemas.microsoft.com/office/thememl/2012/main" name="Office Theme" id="{62F939B6-93AF-4DB8-9C6B-D6C7DFDC589F}" vid="{4A3C46E8-61CC-4603-A589-7422A47A8E4A}"/>
+    </a:ext>
+  </a:extLst>
+</a:theme>
 </file>